--- a/1ªFase/LI4-Grupo6-Fase1.pptx
+++ b/1ªFase/LI4-Grupo6-Fase1.pptx
@@ -14,13 +14,13 @@
     <p:sldId id="256" r:id="rId3"/>
     <p:sldId id="257" r:id="rId4"/>
     <p:sldId id="271" r:id="rId5"/>
-    <p:sldId id="273" r:id="rId6"/>
-    <p:sldId id="275" r:id="rId7"/>
+    <p:sldId id="275" r:id="rId6"/>
+    <p:sldId id="273" r:id="rId7"/>
     <p:sldId id="274" r:id="rId8"/>
     <p:sldId id="277" r:id="rId9"/>
     <p:sldId id="279" r:id="rId10"/>
     <p:sldId id="280" r:id="rId11"/>
-    <p:sldId id="270" r:id="rId12"/>
+    <p:sldId id="281" r:id="rId12"/>
   </p:sldIdLst>
   <p:sldSz cx="12188825" cy="6858000"/>
   <p:notesSz cx="6858000" cy="9144000"/>
@@ -120,6 +120,28 @@
     </a:lvl9pPr>
   </p:defaultTextStyle>
   <p:extLst>
+    <p:ext uri="{521415D9-36F7-43E2-AB2F-B90AF26B5E84}">
+      <p14:sectionLst xmlns:p14="http://schemas.microsoft.com/office/powerpoint/2010/main">
+        <p14:section name="Secção Predefinida" id="{90980EA2-404C-4B47-B51E-F85018F20183}">
+          <p14:sldIdLst>
+            <p14:sldId id="256"/>
+            <p14:sldId id="257"/>
+            <p14:sldId id="271"/>
+            <p14:sldId id="275"/>
+            <p14:sldId id="273"/>
+            <p14:sldId id="274"/>
+            <p14:sldId id="277"/>
+            <p14:sldId id="279"/>
+            <p14:sldId id="280"/>
+          </p14:sldIdLst>
+        </p14:section>
+        <p14:section name="Secção Sem Título" id="{FDE50303-C306-4A1E-A9AD-7A020E3902D9}">
+          <p14:sldIdLst>
+            <p14:sldId id="281"/>
+          </p14:sldIdLst>
+        </p14:section>
+      </p14:sectionLst>
+    </p:ext>
     <p:ext uri="{EFAFB233-063F-42B5-8137-9DF3F51BA10A}">
       <p15:sldGuideLst xmlns:p15="http://schemas.microsoft.com/office/powerpoint/2012/main">
         <p15:guide id="1" orient="horz" pos="2160">
@@ -953,7 +975,7 @@
 <dgm:dataModel xmlns:dgm="http://schemas.openxmlformats.org/drawingml/2006/diagram" xmlns:a="http://schemas.openxmlformats.org/drawingml/2006/main">
   <dgm:ptLst>
     <dgm:pt modelId="{E4605E99-D788-40CC-B84F-B096F3844303}" type="doc">
-      <dgm:prSet loTypeId="urn:microsoft.com/office/officeart/2005/8/layout/radial5" loCatId="cycle" qsTypeId="urn:microsoft.com/office/officeart/2005/8/quickstyle/3d6" qsCatId="3D" csTypeId="urn:microsoft.com/office/officeart/2005/8/colors/accent1_2" csCatId="accent1" phldr="1"/>
+      <dgm:prSet loTypeId="urn:microsoft.com/office/officeart/2005/8/layout/radial5" loCatId="cycle" qsTypeId="urn:microsoft.com/office/officeart/2005/8/quickstyle/3d1" qsCatId="3D" csTypeId="urn:microsoft.com/office/officeart/2005/8/colors/accent1_2" csCatId="accent1" phldr="1"/>
       <dgm:spPr/>
       <dgm:t>
         <a:bodyPr/>
@@ -1222,6 +1244,43 @@
         </a:p>
       </dgm:t>
     </dgm:pt>
+    <dgm:pt modelId="{B2F49888-A987-4C1F-8B6A-057D77BE65FA}">
+      <dgm:prSet phldrT="[Texto]"/>
+      <dgm:spPr/>
+      <dgm:t>
+        <a:bodyPr/>
+        <a:lstStyle/>
+        <a:p>
+          <a:r>
+            <a:rPr lang="pt-PT" dirty="0" smtClean="0"/>
+            <a:t>Estatísticas</a:t>
+          </a:r>
+          <a:endParaRPr lang="pt-PT" dirty="0"/>
+        </a:p>
+      </dgm:t>
+    </dgm:pt>
+    <dgm:pt modelId="{90669A4F-190D-4C73-AA80-0F54281701A1}" type="parTrans" cxnId="{71B11EC1-3175-4C27-A1A4-DDFDDB810599}">
+      <dgm:prSet/>
+      <dgm:spPr/>
+      <dgm:t>
+        <a:bodyPr/>
+        <a:lstStyle/>
+        <a:p>
+          <a:endParaRPr lang="pt-PT"/>
+        </a:p>
+      </dgm:t>
+    </dgm:pt>
+    <dgm:pt modelId="{F4213411-7083-4B4C-A8CF-2D93D3FF83EB}" type="sibTrans" cxnId="{71B11EC1-3175-4C27-A1A4-DDFDDB810599}">
+      <dgm:prSet/>
+      <dgm:spPr/>
+      <dgm:t>
+        <a:bodyPr/>
+        <a:lstStyle/>
+        <a:p>
+          <a:endParaRPr lang="pt-PT"/>
+        </a:p>
+      </dgm:t>
+    </dgm:pt>
     <dgm:pt modelId="{42CDD322-C3FE-40C7-A54E-55B560603AE9}" type="pres">
       <dgm:prSet presAssocID="{E4605E99-D788-40CC-B84F-B096F3844303}" presName="Name0" presStyleCnt="0">
         <dgm:presLayoutVars>
@@ -1232,82 +1291,200 @@
         </dgm:presLayoutVars>
       </dgm:prSet>
       <dgm:spPr/>
+      <dgm:t>
+        <a:bodyPr/>
+        <a:lstStyle/>
+        <a:p>
+          <a:endParaRPr lang="pt-PT"/>
+        </a:p>
+      </dgm:t>
     </dgm:pt>
     <dgm:pt modelId="{9E6E3828-A769-4642-90F4-6CC29F79FE54}" type="pres">
-      <dgm:prSet presAssocID="{2857681A-C08C-4ACC-B2D4-A4A8D80F63F6}" presName="centerShape" presStyleLbl="node0" presStyleIdx="0" presStyleCnt="1"/>
+      <dgm:prSet presAssocID="{2857681A-C08C-4ACC-B2D4-A4A8D80F63F6}" presName="centerShape" presStyleLbl="node0" presStyleIdx="0" presStyleCnt="1" custLinFactNeighborX="2639" custLinFactNeighborY="-874"/>
       <dgm:spPr/>
+      <dgm:t>
+        <a:bodyPr/>
+        <a:lstStyle/>
+        <a:p>
+          <a:endParaRPr lang="pt-PT"/>
+        </a:p>
+      </dgm:t>
     </dgm:pt>
     <dgm:pt modelId="{50083348-D83D-4625-BDCE-0B82C4D2C9D7}" type="pres">
-      <dgm:prSet presAssocID="{4940A39E-1769-4461-A9C0-780344A73B93}" presName="parTrans" presStyleLbl="sibTrans2D1" presStyleIdx="0" presStyleCnt="3"/>
+      <dgm:prSet presAssocID="{4940A39E-1769-4461-A9C0-780344A73B93}" presName="parTrans" presStyleLbl="sibTrans2D1" presStyleIdx="0" presStyleCnt="4"/>
       <dgm:spPr/>
+      <dgm:t>
+        <a:bodyPr/>
+        <a:lstStyle/>
+        <a:p>
+          <a:endParaRPr lang="pt-PT"/>
+        </a:p>
+      </dgm:t>
     </dgm:pt>
     <dgm:pt modelId="{C9D58202-D48A-4CC2-8D50-2ABA2F8754E4}" type="pres">
-      <dgm:prSet presAssocID="{4940A39E-1769-4461-A9C0-780344A73B93}" presName="connectorText" presStyleLbl="sibTrans2D1" presStyleIdx="0" presStyleCnt="3"/>
+      <dgm:prSet presAssocID="{4940A39E-1769-4461-A9C0-780344A73B93}" presName="connectorText" presStyleLbl="sibTrans2D1" presStyleIdx="0" presStyleCnt="4"/>
       <dgm:spPr/>
+      <dgm:t>
+        <a:bodyPr/>
+        <a:lstStyle/>
+        <a:p>
+          <a:endParaRPr lang="pt-PT"/>
+        </a:p>
+      </dgm:t>
     </dgm:pt>
     <dgm:pt modelId="{C0F774C3-6911-451D-9EDA-A7E7C3E7C701}" type="pres">
-      <dgm:prSet presAssocID="{BA30CB08-C27E-4176-9DC6-44B8F3045D4D}" presName="node" presStyleLbl="node1" presStyleIdx="0" presStyleCnt="3">
+      <dgm:prSet presAssocID="{BA30CB08-C27E-4176-9DC6-44B8F3045D4D}" presName="node" presStyleLbl="node1" presStyleIdx="0" presStyleCnt="4">
         <dgm:presLayoutVars>
           <dgm:bulletEnabled val="1"/>
         </dgm:presLayoutVars>
       </dgm:prSet>
       <dgm:spPr/>
+      <dgm:t>
+        <a:bodyPr/>
+        <a:lstStyle/>
+        <a:p>
+          <a:endParaRPr lang="pt-PT"/>
+        </a:p>
+      </dgm:t>
     </dgm:pt>
     <dgm:pt modelId="{B93BD03F-25A2-4FB8-88CF-D81B31C593BB}" type="pres">
-      <dgm:prSet presAssocID="{BD6BC54F-ECB2-46DC-B744-FC1AA22E6916}" presName="parTrans" presStyleLbl="sibTrans2D1" presStyleIdx="1" presStyleCnt="3"/>
+      <dgm:prSet presAssocID="{BD6BC54F-ECB2-46DC-B744-FC1AA22E6916}" presName="parTrans" presStyleLbl="sibTrans2D1" presStyleIdx="1" presStyleCnt="4"/>
       <dgm:spPr/>
+      <dgm:t>
+        <a:bodyPr/>
+        <a:lstStyle/>
+        <a:p>
+          <a:endParaRPr lang="pt-PT"/>
+        </a:p>
+      </dgm:t>
     </dgm:pt>
     <dgm:pt modelId="{DD2937F4-E937-4C1A-AD1B-666B3DA7714F}" type="pres">
-      <dgm:prSet presAssocID="{BD6BC54F-ECB2-46DC-B744-FC1AA22E6916}" presName="connectorText" presStyleLbl="sibTrans2D1" presStyleIdx="1" presStyleCnt="3"/>
+      <dgm:prSet presAssocID="{BD6BC54F-ECB2-46DC-B744-FC1AA22E6916}" presName="connectorText" presStyleLbl="sibTrans2D1" presStyleIdx="1" presStyleCnt="4"/>
       <dgm:spPr/>
+      <dgm:t>
+        <a:bodyPr/>
+        <a:lstStyle/>
+        <a:p>
+          <a:endParaRPr lang="pt-PT"/>
+        </a:p>
+      </dgm:t>
     </dgm:pt>
     <dgm:pt modelId="{D1E67752-51AF-4472-AD44-35AEE8E1B9DB}" type="pres">
-      <dgm:prSet presAssocID="{7900B2A5-9AE7-46AA-8868-DC204892F73A}" presName="node" presStyleLbl="node1" presStyleIdx="1" presStyleCnt="3">
+      <dgm:prSet presAssocID="{7900B2A5-9AE7-46AA-8868-DC204892F73A}" presName="node" presStyleLbl="node1" presStyleIdx="1" presStyleCnt="4">
         <dgm:presLayoutVars>
           <dgm:bulletEnabled val="1"/>
         </dgm:presLayoutVars>
       </dgm:prSet>
       <dgm:spPr/>
+      <dgm:t>
+        <a:bodyPr/>
+        <a:lstStyle/>
+        <a:p>
+          <a:endParaRPr lang="pt-PT"/>
+        </a:p>
+      </dgm:t>
     </dgm:pt>
     <dgm:pt modelId="{E3278750-3545-41D0-9098-49EF51C45F2A}" type="pres">
-      <dgm:prSet presAssocID="{72EBABCD-A694-46CD-A074-C9CFEAA3A3EB}" presName="parTrans" presStyleLbl="sibTrans2D1" presStyleIdx="2" presStyleCnt="3"/>
+      <dgm:prSet presAssocID="{72EBABCD-A694-46CD-A074-C9CFEAA3A3EB}" presName="parTrans" presStyleLbl="sibTrans2D1" presStyleIdx="2" presStyleCnt="4"/>
       <dgm:spPr/>
+      <dgm:t>
+        <a:bodyPr/>
+        <a:lstStyle/>
+        <a:p>
+          <a:endParaRPr lang="pt-PT"/>
+        </a:p>
+      </dgm:t>
     </dgm:pt>
     <dgm:pt modelId="{37686E1C-FB33-4701-9F70-50D3E1BF47BD}" type="pres">
-      <dgm:prSet presAssocID="{72EBABCD-A694-46CD-A074-C9CFEAA3A3EB}" presName="connectorText" presStyleLbl="sibTrans2D1" presStyleIdx="2" presStyleCnt="3"/>
+      <dgm:prSet presAssocID="{72EBABCD-A694-46CD-A074-C9CFEAA3A3EB}" presName="connectorText" presStyleLbl="sibTrans2D1" presStyleIdx="2" presStyleCnt="4"/>
       <dgm:spPr/>
+      <dgm:t>
+        <a:bodyPr/>
+        <a:lstStyle/>
+        <a:p>
+          <a:endParaRPr lang="pt-PT"/>
+        </a:p>
+      </dgm:t>
     </dgm:pt>
     <dgm:pt modelId="{F4821AD9-0E74-4C87-BF54-53D7672E1C1E}" type="pres">
-      <dgm:prSet presAssocID="{391CA999-2D3D-480F-8FFE-94985539FB61}" presName="node" presStyleLbl="node1" presStyleIdx="2" presStyleCnt="3">
+      <dgm:prSet presAssocID="{391CA999-2D3D-480F-8FFE-94985539FB61}" presName="node" presStyleLbl="node1" presStyleIdx="2" presStyleCnt="4">
         <dgm:presLayoutVars>
           <dgm:bulletEnabled val="1"/>
         </dgm:presLayoutVars>
       </dgm:prSet>
       <dgm:spPr/>
+      <dgm:t>
+        <a:bodyPr/>
+        <a:lstStyle/>
+        <a:p>
+          <a:endParaRPr lang="pt-PT"/>
+        </a:p>
+      </dgm:t>
+    </dgm:pt>
+    <dgm:pt modelId="{8BA65011-FACA-4C1E-969F-1849C9976FB2}" type="pres">
+      <dgm:prSet presAssocID="{90669A4F-190D-4C73-AA80-0F54281701A1}" presName="parTrans" presStyleLbl="sibTrans2D1" presStyleIdx="3" presStyleCnt="4"/>
+      <dgm:spPr/>
+      <dgm:t>
+        <a:bodyPr/>
+        <a:lstStyle/>
+        <a:p>
+          <a:endParaRPr lang="pt-PT"/>
+        </a:p>
+      </dgm:t>
+    </dgm:pt>
+    <dgm:pt modelId="{68EFFC91-B051-4BF3-90C6-4A4BD7F1D3CE}" type="pres">
+      <dgm:prSet presAssocID="{90669A4F-190D-4C73-AA80-0F54281701A1}" presName="connectorText" presStyleLbl="sibTrans2D1" presStyleIdx="3" presStyleCnt="4"/>
+      <dgm:spPr/>
+      <dgm:t>
+        <a:bodyPr/>
+        <a:lstStyle/>
+        <a:p>
+          <a:endParaRPr lang="pt-PT"/>
+        </a:p>
+      </dgm:t>
+    </dgm:pt>
+    <dgm:pt modelId="{C4D1BB34-70D8-4EF8-BFC2-AA6246655B35}" type="pres">
+      <dgm:prSet presAssocID="{B2F49888-A987-4C1F-8B6A-057D77BE65FA}" presName="node" presStyleLbl="node1" presStyleIdx="3" presStyleCnt="4">
+        <dgm:presLayoutVars>
+          <dgm:bulletEnabled val="1"/>
+        </dgm:presLayoutVars>
+      </dgm:prSet>
+      <dgm:spPr/>
+      <dgm:t>
+        <a:bodyPr/>
+        <a:lstStyle/>
+        <a:p>
+          <a:endParaRPr lang="pt-PT"/>
+        </a:p>
+      </dgm:t>
     </dgm:pt>
   </dgm:ptLst>
   <dgm:cxnLst>
+    <dgm:cxn modelId="{83031BE7-7724-4554-BC7A-F21517EDC060}" type="presOf" srcId="{19B2ED47-192C-43D0-B91B-04AD18257B1C}" destId="{C0F774C3-6911-451D-9EDA-A7E7C3E7C701}" srcOrd="0" destOrd="1" presId="urn:microsoft.com/office/officeart/2005/8/layout/radial5"/>
+    <dgm:cxn modelId="{BB1888FF-F6B6-4AED-850F-F4B4F328F4D5}" type="presOf" srcId="{72EBABCD-A694-46CD-A074-C9CFEAA3A3EB}" destId="{E3278750-3545-41D0-9098-49EF51C45F2A}" srcOrd="0" destOrd="0" presId="urn:microsoft.com/office/officeart/2005/8/layout/radial5"/>
+    <dgm:cxn modelId="{9E00953F-80C6-4E38-802D-4459082E920E}" srcId="{BA30CB08-C27E-4176-9DC6-44B8F3045D4D}" destId="{19B2ED47-192C-43D0-B91B-04AD18257B1C}" srcOrd="0" destOrd="0" parTransId="{0B0D8767-681D-4FC8-A9BD-09EE33A0AE94}" sibTransId="{DDE0FFDE-0BC5-434B-B1E4-FF31FB58390D}"/>
+    <dgm:cxn modelId="{21457BF2-7EE9-4E84-82F3-4EFC3880C900}" type="presOf" srcId="{D2F9420E-3E2E-46BD-A80B-29E2424D5A64}" destId="{C0F774C3-6911-451D-9EDA-A7E7C3E7C701}" srcOrd="0" destOrd="3" presId="urn:microsoft.com/office/officeart/2005/8/layout/radial5"/>
+    <dgm:cxn modelId="{9A6BCB13-6616-43AB-A328-4EF7A6268847}" type="presOf" srcId="{4940A39E-1769-4461-A9C0-780344A73B93}" destId="{C9D58202-D48A-4CC2-8D50-2ABA2F8754E4}" srcOrd="1" destOrd="0" presId="urn:microsoft.com/office/officeart/2005/8/layout/radial5"/>
+    <dgm:cxn modelId="{31A6ED57-4FAA-4EF6-B6FD-7FFBFBB0FD68}" type="presOf" srcId="{90669A4F-190D-4C73-AA80-0F54281701A1}" destId="{8BA65011-FACA-4C1E-969F-1849C9976FB2}" srcOrd="0" destOrd="0" presId="urn:microsoft.com/office/officeart/2005/8/layout/radial5"/>
+    <dgm:cxn modelId="{B546F47C-2BD0-4FC0-97B4-CD1BB28DCE4F}" type="presOf" srcId="{90669A4F-190D-4C73-AA80-0F54281701A1}" destId="{68EFFC91-B051-4BF3-90C6-4A4BD7F1D3CE}" srcOrd="1" destOrd="0" presId="urn:microsoft.com/office/officeart/2005/8/layout/radial5"/>
+    <dgm:cxn modelId="{0D80A71E-88DD-425D-AA4A-5847B61AF8D9}" type="presOf" srcId="{7900B2A5-9AE7-46AA-8868-DC204892F73A}" destId="{D1E67752-51AF-4472-AD44-35AEE8E1B9DB}" srcOrd="0" destOrd="0" presId="urn:microsoft.com/office/officeart/2005/8/layout/radial5"/>
+    <dgm:cxn modelId="{3CB3F05B-EFBC-4D18-AE21-715798D9F7B5}" srcId="{BA30CB08-C27E-4176-9DC6-44B8F3045D4D}" destId="{D2F9420E-3E2E-46BD-A80B-29E2424D5A64}" srcOrd="2" destOrd="0" parTransId="{C4BA4B62-A662-49BC-9D1A-58AAC77A135E}" sibTransId="{E4EF8C97-C403-48F9-BFB2-2556C8A82C47}"/>
+    <dgm:cxn modelId="{B266AE08-8E20-480C-B2F1-639B4B5CBE4F}" type="presOf" srcId="{E4605E99-D788-40CC-B84F-B096F3844303}" destId="{42CDD322-C3FE-40C7-A54E-55B560603AE9}" srcOrd="0" destOrd="0" presId="urn:microsoft.com/office/officeart/2005/8/layout/radial5"/>
+    <dgm:cxn modelId="{A4216A27-CFDD-4894-85C5-5AC8402DC54F}" srcId="{2857681A-C08C-4ACC-B2D4-A4A8D80F63F6}" destId="{BA30CB08-C27E-4176-9DC6-44B8F3045D4D}" srcOrd="0" destOrd="0" parTransId="{4940A39E-1769-4461-A9C0-780344A73B93}" sibTransId="{6E690CE8-C301-484B-8E2C-E1A6D75EF4FD}"/>
+    <dgm:cxn modelId="{71B11EC1-3175-4C27-A1A4-DDFDDB810599}" srcId="{2857681A-C08C-4ACC-B2D4-A4A8D80F63F6}" destId="{B2F49888-A987-4C1F-8B6A-057D77BE65FA}" srcOrd="3" destOrd="0" parTransId="{90669A4F-190D-4C73-AA80-0F54281701A1}" sibTransId="{F4213411-7083-4B4C-A8CF-2D93D3FF83EB}"/>
+    <dgm:cxn modelId="{F122E652-67A7-4334-B34C-88BFA399D39B}" type="presOf" srcId="{72EBABCD-A694-46CD-A074-C9CFEAA3A3EB}" destId="{37686E1C-FB33-4701-9F70-50D3E1BF47BD}" srcOrd="1" destOrd="0" presId="urn:microsoft.com/office/officeart/2005/8/layout/radial5"/>
+    <dgm:cxn modelId="{FEEDBDC6-C85B-48FF-9478-83FC0380E24A}" type="presOf" srcId="{BA30CB08-C27E-4176-9DC6-44B8F3045D4D}" destId="{C0F774C3-6911-451D-9EDA-A7E7C3E7C701}" srcOrd="0" destOrd="0" presId="urn:microsoft.com/office/officeart/2005/8/layout/radial5"/>
+    <dgm:cxn modelId="{E2BD91FC-9DE3-41E8-B828-DC5F37168DB8}" type="presOf" srcId="{BD6BC54F-ECB2-46DC-B744-FC1AA22E6916}" destId="{DD2937F4-E937-4C1A-AD1B-666B3DA7714F}" srcOrd="1" destOrd="0" presId="urn:microsoft.com/office/officeart/2005/8/layout/radial5"/>
+    <dgm:cxn modelId="{671F2D2F-C21E-4765-AFE4-9999C5C6057D}" srcId="{2857681A-C08C-4ACC-B2D4-A4A8D80F63F6}" destId="{7900B2A5-9AE7-46AA-8868-DC204892F73A}" srcOrd="1" destOrd="0" parTransId="{BD6BC54F-ECB2-46DC-B744-FC1AA22E6916}" sibTransId="{5F66FFC1-D01C-4A5D-87B5-F0A4D3804D29}"/>
+    <dgm:cxn modelId="{3B106CB8-7F6A-4183-8B62-FA9DFE618B03}" type="presOf" srcId="{3EDF8D53-410C-4268-9472-D8776C4375CE}" destId="{C0F774C3-6911-451D-9EDA-A7E7C3E7C701}" srcOrd="0" destOrd="2" presId="urn:microsoft.com/office/officeart/2005/8/layout/radial5"/>
+    <dgm:cxn modelId="{102ABBC3-959C-4A00-B593-2A88CC293F56}" srcId="{BA30CB08-C27E-4176-9DC6-44B8F3045D4D}" destId="{3EDF8D53-410C-4268-9472-D8776C4375CE}" srcOrd="1" destOrd="0" parTransId="{9845E75B-8E16-4BAB-8BFB-F85057241444}" sibTransId="{54593402-1004-41D8-9780-4493DE1FB46D}"/>
+    <dgm:cxn modelId="{462B633D-DFE9-4F69-BBB9-3D3832CC6D34}" type="presOf" srcId="{391CA999-2D3D-480F-8FFE-94985539FB61}" destId="{F4821AD9-0E74-4C87-BF54-53D7672E1C1E}" srcOrd="0" destOrd="0" presId="urn:microsoft.com/office/officeart/2005/8/layout/radial5"/>
+    <dgm:cxn modelId="{4CD10723-1398-4FB8-A48F-FDA3A5B38C56}" type="presOf" srcId="{BD6BC54F-ECB2-46DC-B744-FC1AA22E6916}" destId="{B93BD03F-25A2-4FB8-88CF-D81B31C593BB}" srcOrd="0" destOrd="0" presId="urn:microsoft.com/office/officeart/2005/8/layout/radial5"/>
+    <dgm:cxn modelId="{15F115E3-443F-4D4C-9A0D-F731F3C48025}" type="presOf" srcId="{4940A39E-1769-4461-A9C0-780344A73B93}" destId="{50083348-D83D-4625-BDCE-0B82C4D2C9D7}" srcOrd="0" destOrd="0" presId="urn:microsoft.com/office/officeart/2005/8/layout/radial5"/>
+    <dgm:cxn modelId="{77AD715D-59B1-4975-8AED-084FBE71CC85}" srcId="{E4605E99-D788-40CC-B84F-B096F3844303}" destId="{2857681A-C08C-4ACC-B2D4-A4A8D80F63F6}" srcOrd="0" destOrd="0" parTransId="{B9C62753-A65D-4E2B-AB84-B6F4C89B580B}" sibTransId="{8D2BD304-860B-4BAD-8AAA-F2C65CC5421B}"/>
     <dgm:cxn modelId="{0A45F097-A2F1-43CA-89C2-C3C067BAEA37}" srcId="{2857681A-C08C-4ACC-B2D4-A4A8D80F63F6}" destId="{391CA999-2D3D-480F-8FFE-94985539FB61}" srcOrd="2" destOrd="0" parTransId="{72EBABCD-A694-46CD-A074-C9CFEAA3A3EB}" sibTransId="{2E7A4A67-3A0C-4AC0-9173-D9A7D240C226}"/>
-    <dgm:cxn modelId="{0D80A71E-88DD-425D-AA4A-5847B61AF8D9}" type="presOf" srcId="{7900B2A5-9AE7-46AA-8868-DC204892F73A}" destId="{D1E67752-51AF-4472-AD44-35AEE8E1B9DB}" srcOrd="0" destOrd="0" presId="urn:microsoft.com/office/officeart/2005/8/layout/radial5"/>
-    <dgm:cxn modelId="{102ABBC3-959C-4A00-B593-2A88CC293F56}" srcId="{BA30CB08-C27E-4176-9DC6-44B8F3045D4D}" destId="{3EDF8D53-410C-4268-9472-D8776C4375CE}" srcOrd="1" destOrd="0" parTransId="{9845E75B-8E16-4BAB-8BFB-F85057241444}" sibTransId="{54593402-1004-41D8-9780-4493DE1FB46D}"/>
-    <dgm:cxn modelId="{3B106CB8-7F6A-4183-8B62-FA9DFE618B03}" type="presOf" srcId="{3EDF8D53-410C-4268-9472-D8776C4375CE}" destId="{C0F774C3-6911-451D-9EDA-A7E7C3E7C701}" srcOrd="0" destOrd="2" presId="urn:microsoft.com/office/officeart/2005/8/layout/radial5"/>
-    <dgm:cxn modelId="{FEEDBDC6-C85B-48FF-9478-83FC0380E24A}" type="presOf" srcId="{BA30CB08-C27E-4176-9DC6-44B8F3045D4D}" destId="{C0F774C3-6911-451D-9EDA-A7E7C3E7C701}" srcOrd="0" destOrd="0" presId="urn:microsoft.com/office/officeart/2005/8/layout/radial5"/>
-    <dgm:cxn modelId="{B266AE08-8E20-480C-B2F1-639B4B5CBE4F}" type="presOf" srcId="{E4605E99-D788-40CC-B84F-B096F3844303}" destId="{42CDD322-C3FE-40C7-A54E-55B560603AE9}" srcOrd="0" destOrd="0" presId="urn:microsoft.com/office/officeart/2005/8/layout/radial5"/>
-    <dgm:cxn modelId="{77AD715D-59B1-4975-8AED-084FBE71CC85}" srcId="{E4605E99-D788-40CC-B84F-B096F3844303}" destId="{2857681A-C08C-4ACC-B2D4-A4A8D80F63F6}" srcOrd="0" destOrd="0" parTransId="{B9C62753-A65D-4E2B-AB84-B6F4C89B580B}" sibTransId="{8D2BD304-860B-4BAD-8AAA-F2C65CC5421B}"/>
-    <dgm:cxn modelId="{9A6BCB13-6616-43AB-A328-4EF7A6268847}" type="presOf" srcId="{4940A39E-1769-4461-A9C0-780344A73B93}" destId="{C9D58202-D48A-4CC2-8D50-2ABA2F8754E4}" srcOrd="1" destOrd="0" presId="urn:microsoft.com/office/officeart/2005/8/layout/radial5"/>
-    <dgm:cxn modelId="{15F115E3-443F-4D4C-9A0D-F731F3C48025}" type="presOf" srcId="{4940A39E-1769-4461-A9C0-780344A73B93}" destId="{50083348-D83D-4625-BDCE-0B82C4D2C9D7}" srcOrd="0" destOrd="0" presId="urn:microsoft.com/office/officeart/2005/8/layout/radial5"/>
-    <dgm:cxn modelId="{462B633D-DFE9-4F69-BBB9-3D3832CC6D34}" type="presOf" srcId="{391CA999-2D3D-480F-8FFE-94985539FB61}" destId="{F4821AD9-0E74-4C87-BF54-53D7672E1C1E}" srcOrd="0" destOrd="0" presId="urn:microsoft.com/office/officeart/2005/8/layout/radial5"/>
-    <dgm:cxn modelId="{21457BF2-7EE9-4E84-82F3-4EFC3880C900}" type="presOf" srcId="{D2F9420E-3E2E-46BD-A80B-29E2424D5A64}" destId="{C0F774C3-6911-451D-9EDA-A7E7C3E7C701}" srcOrd="0" destOrd="3" presId="urn:microsoft.com/office/officeart/2005/8/layout/radial5"/>
-    <dgm:cxn modelId="{3CB3F05B-EFBC-4D18-AE21-715798D9F7B5}" srcId="{BA30CB08-C27E-4176-9DC6-44B8F3045D4D}" destId="{D2F9420E-3E2E-46BD-A80B-29E2424D5A64}" srcOrd="2" destOrd="0" parTransId="{C4BA4B62-A662-49BC-9D1A-58AAC77A135E}" sibTransId="{E4EF8C97-C403-48F9-BFB2-2556C8A82C47}"/>
-    <dgm:cxn modelId="{BB1888FF-F6B6-4AED-850F-F4B4F328F4D5}" type="presOf" srcId="{72EBABCD-A694-46CD-A074-C9CFEAA3A3EB}" destId="{E3278750-3545-41D0-9098-49EF51C45F2A}" srcOrd="0" destOrd="0" presId="urn:microsoft.com/office/officeart/2005/8/layout/radial5"/>
-    <dgm:cxn modelId="{A4216A27-CFDD-4894-85C5-5AC8402DC54F}" srcId="{2857681A-C08C-4ACC-B2D4-A4A8D80F63F6}" destId="{BA30CB08-C27E-4176-9DC6-44B8F3045D4D}" srcOrd="0" destOrd="0" parTransId="{4940A39E-1769-4461-A9C0-780344A73B93}" sibTransId="{6E690CE8-C301-484B-8E2C-E1A6D75EF4FD}"/>
-    <dgm:cxn modelId="{E2BD91FC-9DE3-41E8-B828-DC5F37168DB8}" type="presOf" srcId="{BD6BC54F-ECB2-46DC-B744-FC1AA22E6916}" destId="{DD2937F4-E937-4C1A-AD1B-666B3DA7714F}" srcOrd="1" destOrd="0" presId="urn:microsoft.com/office/officeart/2005/8/layout/radial5"/>
-    <dgm:cxn modelId="{83031BE7-7724-4554-BC7A-F21517EDC060}" type="presOf" srcId="{19B2ED47-192C-43D0-B91B-04AD18257B1C}" destId="{C0F774C3-6911-451D-9EDA-A7E7C3E7C701}" srcOrd="0" destOrd="1" presId="urn:microsoft.com/office/officeart/2005/8/layout/radial5"/>
-    <dgm:cxn modelId="{4CD10723-1398-4FB8-A48F-FDA3A5B38C56}" type="presOf" srcId="{BD6BC54F-ECB2-46DC-B744-FC1AA22E6916}" destId="{B93BD03F-25A2-4FB8-88CF-D81B31C593BB}" srcOrd="0" destOrd="0" presId="urn:microsoft.com/office/officeart/2005/8/layout/radial5"/>
-    <dgm:cxn modelId="{F122E652-67A7-4334-B34C-88BFA399D39B}" type="presOf" srcId="{72EBABCD-A694-46CD-A074-C9CFEAA3A3EB}" destId="{37686E1C-FB33-4701-9F70-50D3E1BF47BD}" srcOrd="1" destOrd="0" presId="urn:microsoft.com/office/officeart/2005/8/layout/radial5"/>
-    <dgm:cxn modelId="{9E00953F-80C6-4E38-802D-4459082E920E}" srcId="{BA30CB08-C27E-4176-9DC6-44B8F3045D4D}" destId="{19B2ED47-192C-43D0-B91B-04AD18257B1C}" srcOrd="0" destOrd="0" parTransId="{0B0D8767-681D-4FC8-A9BD-09EE33A0AE94}" sibTransId="{DDE0FFDE-0BC5-434B-B1E4-FF31FB58390D}"/>
     <dgm:cxn modelId="{D0881804-0E72-417E-BF89-A43F45A0D91B}" type="presOf" srcId="{2857681A-C08C-4ACC-B2D4-A4A8D80F63F6}" destId="{9E6E3828-A769-4642-90F4-6CC29F79FE54}" srcOrd="0" destOrd="0" presId="urn:microsoft.com/office/officeart/2005/8/layout/radial5"/>
-    <dgm:cxn modelId="{671F2D2F-C21E-4765-AFE4-9999C5C6057D}" srcId="{2857681A-C08C-4ACC-B2D4-A4A8D80F63F6}" destId="{7900B2A5-9AE7-46AA-8868-DC204892F73A}" srcOrd="1" destOrd="0" parTransId="{BD6BC54F-ECB2-46DC-B744-FC1AA22E6916}" sibTransId="{5F66FFC1-D01C-4A5D-87B5-F0A4D3804D29}"/>
+    <dgm:cxn modelId="{6FDEA8F9-71EC-4A3D-89D8-5AB800226D75}" type="presOf" srcId="{B2F49888-A987-4C1F-8B6A-057D77BE65FA}" destId="{C4D1BB34-70D8-4EF8-BFC2-AA6246655B35}" srcOrd="0" destOrd="0" presId="urn:microsoft.com/office/officeart/2005/8/layout/radial5"/>
     <dgm:cxn modelId="{DAF3A2F7-2247-4028-BBDD-1C79686D02D0}" type="presParOf" srcId="{42CDD322-C3FE-40C7-A54E-55B560603AE9}" destId="{9E6E3828-A769-4642-90F4-6CC29F79FE54}" srcOrd="0" destOrd="0" presId="urn:microsoft.com/office/officeart/2005/8/layout/radial5"/>
     <dgm:cxn modelId="{086B3F36-0CF8-4712-ADD1-0C2EC586EF54}" type="presParOf" srcId="{42CDD322-C3FE-40C7-A54E-55B560603AE9}" destId="{50083348-D83D-4625-BDCE-0B82C4D2C9D7}" srcOrd="1" destOrd="0" presId="urn:microsoft.com/office/officeart/2005/8/layout/radial5"/>
     <dgm:cxn modelId="{CA2D6574-E43F-489D-B9E5-2CC185095820}" type="presParOf" srcId="{50083348-D83D-4625-BDCE-0B82C4D2C9D7}" destId="{C9D58202-D48A-4CC2-8D50-2ABA2F8754E4}" srcOrd="0" destOrd="0" presId="urn:microsoft.com/office/officeart/2005/8/layout/radial5"/>
@@ -1318,6 +1495,9 @@
     <dgm:cxn modelId="{212BE5AE-5BB5-46E7-BCB7-0FC14F707DBC}" type="presParOf" srcId="{42CDD322-C3FE-40C7-A54E-55B560603AE9}" destId="{E3278750-3545-41D0-9098-49EF51C45F2A}" srcOrd="5" destOrd="0" presId="urn:microsoft.com/office/officeart/2005/8/layout/radial5"/>
     <dgm:cxn modelId="{C9580D9D-16F4-4106-B914-033673C996AC}" type="presParOf" srcId="{E3278750-3545-41D0-9098-49EF51C45F2A}" destId="{37686E1C-FB33-4701-9F70-50D3E1BF47BD}" srcOrd="0" destOrd="0" presId="urn:microsoft.com/office/officeart/2005/8/layout/radial5"/>
     <dgm:cxn modelId="{6C8427C7-72B6-4526-938E-BDCF72A4C337}" type="presParOf" srcId="{42CDD322-C3FE-40C7-A54E-55B560603AE9}" destId="{F4821AD9-0E74-4C87-BF54-53D7672E1C1E}" srcOrd="6" destOrd="0" presId="urn:microsoft.com/office/officeart/2005/8/layout/radial5"/>
+    <dgm:cxn modelId="{1AAF33B8-9C1C-4AC5-86D0-5B874C5F4D63}" type="presParOf" srcId="{42CDD322-C3FE-40C7-A54E-55B560603AE9}" destId="{8BA65011-FACA-4C1E-969F-1849C9976FB2}" srcOrd="7" destOrd="0" presId="urn:microsoft.com/office/officeart/2005/8/layout/radial5"/>
+    <dgm:cxn modelId="{2EC3997F-4972-4CE5-9137-8942D434778F}" type="presParOf" srcId="{8BA65011-FACA-4C1E-969F-1849C9976FB2}" destId="{68EFFC91-B051-4BF3-90C6-4A4BD7F1D3CE}" srcOrd="0" destOrd="0" presId="urn:microsoft.com/office/officeart/2005/8/layout/radial5"/>
+    <dgm:cxn modelId="{A2341461-35E0-4049-8DD9-AE14C681C002}" type="presParOf" srcId="{42CDD322-C3FE-40C7-A54E-55B560603AE9}" destId="{C4D1BB34-70D8-4EF8-BFC2-AA6246655B35}" srcOrd="8" destOrd="0" presId="urn:microsoft.com/office/officeart/2005/8/layout/radial5"/>
   </dgm:cxnLst>
   <dgm:bg/>
   <dgm:whole/>
@@ -1344,20 +1524,61 @@
       </dsp:nvSpPr>
       <dsp:spPr>
         <a:xfrm>
-          <a:off x="1642756" y="2461415"/>
-          <a:ext cx="1134086" cy="1134086"/>
+          <a:off x="2756259" y="1564437"/>
+          <a:ext cx="1136024" cy="1136024"/>
         </a:xfrm>
         <a:prstGeom prst="ellipse">
           <a:avLst/>
         </a:prstGeom>
-        <a:solidFill>
-          <a:schemeClr val="accent1">
-            <a:hueOff val="0"/>
-            <a:satOff val="0"/>
-            <a:lumOff val="0"/>
-            <a:alphaOff val="0"/>
-          </a:schemeClr>
-        </a:solidFill>
+        <a:gradFill rotWithShape="0">
+          <a:gsLst>
+            <a:gs pos="0">
+              <a:schemeClr val="accent1">
+                <a:hueOff val="0"/>
+                <a:satOff val="0"/>
+                <a:lumOff val="0"/>
+                <a:alphaOff val="0"/>
+                <a:shade val="85000"/>
+                <a:satMod val="130000"/>
+              </a:schemeClr>
+            </a:gs>
+            <a:gs pos="34000">
+              <a:schemeClr val="accent1">
+                <a:hueOff val="0"/>
+                <a:satOff val="0"/>
+                <a:lumOff val="0"/>
+                <a:alphaOff val="0"/>
+                <a:shade val="87000"/>
+                <a:satMod val="125000"/>
+              </a:schemeClr>
+            </a:gs>
+            <a:gs pos="70000">
+              <a:schemeClr val="accent1">
+                <a:hueOff val="0"/>
+                <a:satOff val="0"/>
+                <a:lumOff val="0"/>
+                <a:alphaOff val="0"/>
+                <a:tint val="100000"/>
+                <a:shade val="90000"/>
+                <a:satMod val="130000"/>
+              </a:schemeClr>
+            </a:gs>
+            <a:gs pos="100000">
+              <a:schemeClr val="accent1">
+                <a:hueOff val="0"/>
+                <a:satOff val="0"/>
+                <a:lumOff val="0"/>
+                <a:alphaOff val="0"/>
+                <a:tint val="100000"/>
+                <a:shade val="100000"/>
+                <a:satMod val="110000"/>
+              </a:schemeClr>
+            </a:gs>
+          </a:gsLst>
+          <a:path path="circle">
+            <a:fillToRect l="100000" t="100000" r="100000" b="100000"/>
+          </a:path>
+        </a:gradFill>
         <a:ln>
           <a:noFill/>
         </a:ln>
@@ -1368,16 +1589,20 @@
             </a:srgbClr>
           </a:outerShdw>
         </a:effectLst>
+        <a:scene3d>
+          <a:camera prst="orthographicFront"/>
+          <a:lightRig rig="flat" dir="t"/>
+        </a:scene3d>
         <a:sp3d prstMaterial="plastic">
-          <a:bevelT w="50800" h="50800"/>
-          <a:bevelB w="50800" h="50800"/>
+          <a:bevelT w="120900" h="88900"/>
+          <a:bevelB w="88900" h="31750" prst="angle"/>
         </a:sp3d>
       </dsp:spPr>
       <dsp:style>
         <a:lnRef idx="0">
           <a:scrgbClr r="0" g="0" b="0"/>
         </a:lnRef>
-        <a:fillRef idx="1">
+        <a:fillRef idx="3">
           <a:scrgbClr r="0" g="0" b="0"/>
         </a:fillRef>
         <a:effectRef idx="2">
@@ -1412,8 +1637,8 @@
         </a:p>
       </dsp:txBody>
       <dsp:txXfrm>
-        <a:off x="1808839" y="2627498"/>
-        <a:ext cx="801920" cy="801920"/>
+        <a:off x="2922626" y="1730804"/>
+        <a:ext cx="803290" cy="803290"/>
       </dsp:txXfrm>
     </dsp:sp>
     <dsp:sp modelId="{50083348-D83D-4625-BDCE-0B82C4D2C9D7}">
@@ -1422,9 +1647,9 @@
         <dsp:cNvSpPr/>
       </dsp:nvSpPr>
       <dsp:spPr>
-        <a:xfrm rot="16200000">
-          <a:off x="2089213" y="2047924"/>
-          <a:ext cx="241172" cy="385589"/>
+        <a:xfrm rot="16015505">
+          <a:off x="3169166" y="1164714"/>
+          <a:ext cx="226988" cy="386248"/>
         </a:xfrm>
         <a:prstGeom prst="rightArrow">
           <a:avLst>
@@ -1432,26 +1657,61 @@
             <a:gd name="adj2" fmla="val 50000"/>
           </a:avLst>
         </a:prstGeom>
-        <a:solidFill>
-          <a:schemeClr val="accent1">
-            <a:tint val="60000"/>
-            <a:hueOff val="0"/>
-            <a:satOff val="0"/>
-            <a:lumOff val="0"/>
-            <a:alphaOff val="0"/>
-          </a:schemeClr>
-        </a:solidFill>
-        <a:ln w="12700" cap="flat" cmpd="sng" algn="ctr">
-          <a:solidFill>
-            <a:schemeClr val="accent1">
-              <a:tint val="60000"/>
-              <a:hueOff val="0"/>
-              <a:satOff val="0"/>
-              <a:lumOff val="0"/>
-              <a:alphaOff val="0"/>
-            </a:schemeClr>
-          </a:solidFill>
-          <a:prstDash val="solid"/>
+        <a:gradFill rotWithShape="0">
+          <a:gsLst>
+            <a:gs pos="0">
+              <a:schemeClr val="accent1">
+                <a:tint val="60000"/>
+                <a:hueOff val="0"/>
+                <a:satOff val="0"/>
+                <a:lumOff val="0"/>
+                <a:alphaOff val="0"/>
+                <a:shade val="85000"/>
+                <a:satMod val="130000"/>
+              </a:schemeClr>
+            </a:gs>
+            <a:gs pos="34000">
+              <a:schemeClr val="accent1">
+                <a:tint val="60000"/>
+                <a:hueOff val="0"/>
+                <a:satOff val="0"/>
+                <a:lumOff val="0"/>
+                <a:alphaOff val="0"/>
+                <a:shade val="87000"/>
+                <a:satMod val="125000"/>
+              </a:schemeClr>
+            </a:gs>
+            <a:gs pos="70000">
+              <a:schemeClr val="accent1">
+                <a:tint val="60000"/>
+                <a:hueOff val="0"/>
+                <a:satOff val="0"/>
+                <a:lumOff val="0"/>
+                <a:alphaOff val="0"/>
+                <a:tint val="100000"/>
+                <a:shade val="90000"/>
+                <a:satMod val="130000"/>
+              </a:schemeClr>
+            </a:gs>
+            <a:gs pos="100000">
+              <a:schemeClr val="accent1">
+                <a:tint val="60000"/>
+                <a:hueOff val="0"/>
+                <a:satOff val="0"/>
+                <a:lumOff val="0"/>
+                <a:alphaOff val="0"/>
+                <a:tint val="100000"/>
+                <a:shade val="100000"/>
+                <a:satMod val="110000"/>
+              </a:schemeClr>
+            </a:gs>
+          </a:gsLst>
+          <a:path path="circle">
+            <a:fillToRect l="100000" t="100000" r="100000" b="100000"/>
+          </a:path>
+        </a:gradFill>
+        <a:ln>
+          <a:noFill/>
         </a:ln>
         <a:effectLst>
           <a:outerShdw blurRad="38100" dist="25400" dir="2700000" algn="br" rotWithShape="0">
@@ -1460,16 +1720,20 @@
             </a:srgbClr>
           </a:outerShdw>
         </a:effectLst>
-        <a:sp3d z="-25400" prstMaterial="plastic">
-          <a:bevelT w="25400" h="25400"/>
-          <a:bevelB w="25400" h="25400"/>
+        <a:scene3d>
+          <a:camera prst="orthographicFront"/>
+          <a:lightRig rig="flat" dir="t"/>
+        </a:scene3d>
+        <a:sp3d z="-80000" prstMaterial="plastic">
+          <a:bevelT w="50800" h="50800"/>
+          <a:bevelB w="25400" h="25400" prst="angle"/>
         </a:sp3d>
       </dsp:spPr>
       <dsp:style>
-        <a:lnRef idx="1">
+        <a:lnRef idx="0">
           <a:scrgbClr r="0" g="0" b="0"/>
         </a:lnRef>
-        <a:fillRef idx="1">
+        <a:fillRef idx="3">
           <a:scrgbClr r="0" g="0" b="0"/>
         </a:fillRef>
         <a:effectRef idx="2">
@@ -1485,7 +1749,7 @@
         </a:bodyPr>
         <a:lstStyle/>
         <a:p>
-          <a:pPr lvl="0" algn="ctr" defTabSz="711200">
+          <a:pPr lvl="0" algn="ctr" defTabSz="577850">
             <a:lnSpc>
               <a:spcPct val="90000"/>
             </a:lnSpc>
@@ -1496,12 +1760,12 @@
               <a:spcPct val="35000"/>
             </a:spcAft>
           </a:pPr>
-          <a:endParaRPr lang="pt-PT" sz="1600" kern="1200"/>
+          <a:endParaRPr lang="pt-PT" sz="1300" kern="1200"/>
         </a:p>
       </dsp:txBody>
-      <dsp:txXfrm>
-        <a:off x="2125389" y="2161218"/>
-        <a:ext cx="168820" cy="231353"/>
+      <dsp:txXfrm rot="10800000">
+        <a:off x="3205040" y="1275963"/>
+        <a:ext cx="158892" cy="231748"/>
       </dsp:txXfrm>
     </dsp:sp>
     <dsp:sp modelId="{C0F774C3-6911-451D-9EDA-A7E7C3E7C701}">
@@ -1511,20 +1775,61 @@
       </dsp:nvSpPr>
       <dsp:spPr>
         <a:xfrm>
-          <a:off x="1500995" y="588764"/>
-          <a:ext cx="1417608" cy="1417608"/>
+          <a:off x="2672347" y="2384"/>
+          <a:ext cx="1136024" cy="1136024"/>
         </a:xfrm>
         <a:prstGeom prst="ellipse">
           <a:avLst/>
         </a:prstGeom>
-        <a:solidFill>
-          <a:schemeClr val="accent1">
-            <a:hueOff val="0"/>
-            <a:satOff val="0"/>
-            <a:lumOff val="0"/>
-            <a:alphaOff val="0"/>
-          </a:schemeClr>
-        </a:solidFill>
+        <a:gradFill rotWithShape="0">
+          <a:gsLst>
+            <a:gs pos="0">
+              <a:schemeClr val="accent1">
+                <a:hueOff val="0"/>
+                <a:satOff val="0"/>
+                <a:lumOff val="0"/>
+                <a:alphaOff val="0"/>
+                <a:shade val="85000"/>
+                <a:satMod val="130000"/>
+              </a:schemeClr>
+            </a:gs>
+            <a:gs pos="34000">
+              <a:schemeClr val="accent1">
+                <a:hueOff val="0"/>
+                <a:satOff val="0"/>
+                <a:lumOff val="0"/>
+                <a:alphaOff val="0"/>
+                <a:shade val="87000"/>
+                <a:satMod val="125000"/>
+              </a:schemeClr>
+            </a:gs>
+            <a:gs pos="70000">
+              <a:schemeClr val="accent1">
+                <a:hueOff val="0"/>
+                <a:satOff val="0"/>
+                <a:lumOff val="0"/>
+                <a:alphaOff val="0"/>
+                <a:tint val="100000"/>
+                <a:shade val="90000"/>
+                <a:satMod val="130000"/>
+              </a:schemeClr>
+            </a:gs>
+            <a:gs pos="100000">
+              <a:schemeClr val="accent1">
+                <a:hueOff val="0"/>
+                <a:satOff val="0"/>
+                <a:lumOff val="0"/>
+                <a:alphaOff val="0"/>
+                <a:tint val="100000"/>
+                <a:shade val="100000"/>
+                <a:satMod val="110000"/>
+              </a:schemeClr>
+            </a:gs>
+          </a:gsLst>
+          <a:path path="circle">
+            <a:fillToRect l="100000" t="100000" r="100000" b="100000"/>
+          </a:path>
+        </a:gradFill>
         <a:ln>
           <a:noFill/>
         </a:ln>
@@ -1535,16 +1840,20 @@
             </a:srgbClr>
           </a:outerShdw>
         </a:effectLst>
+        <a:scene3d>
+          <a:camera prst="orthographicFront"/>
+          <a:lightRig rig="flat" dir="t"/>
+        </a:scene3d>
         <a:sp3d prstMaterial="plastic">
-          <a:bevelT w="50800" h="50800"/>
-          <a:bevelB w="50800" h="50800"/>
+          <a:bevelT w="120900" h="88900"/>
+          <a:bevelB w="88900" h="31750" prst="angle"/>
         </a:sp3d>
       </dsp:spPr>
       <dsp:style>
         <a:lnRef idx="0">
           <a:scrgbClr r="0" g="0" b="0"/>
         </a:lnRef>
-        <a:fillRef idx="1">
+        <a:fillRef idx="3">
           <a:scrgbClr r="0" g="0" b="0"/>
         </a:fillRef>
         <a:effectRef idx="2">
@@ -1555,12 +1864,12 @@
         </a:fontRef>
       </dsp:style>
       <dsp:txBody>
-        <a:bodyPr spcFirstLastPara="0" vert="horz" wrap="square" lIns="21590" tIns="21590" rIns="21590" bIns="21590" numCol="1" spcCol="1270" anchor="ctr" anchorCtr="0">
+        <a:bodyPr spcFirstLastPara="0" vert="horz" wrap="square" lIns="16510" tIns="16510" rIns="16510" bIns="16510" numCol="1" spcCol="1270" anchor="ctr" anchorCtr="0">
           <a:noAutofit/>
         </a:bodyPr>
         <a:lstStyle/>
         <a:p>
-          <a:pPr lvl="0" algn="l" defTabSz="755650">
+          <a:pPr lvl="0" algn="l" defTabSz="577850">
             <a:lnSpc>
               <a:spcPct val="90000"/>
             </a:lnSpc>
@@ -1572,13 +1881,13 @@
             </a:spcAft>
           </a:pPr>
           <a:r>
-            <a:rPr lang="pt-PT" sz="1700" kern="1200" dirty="0" smtClean="0"/>
+            <a:rPr lang="pt-PT" sz="1300" kern="1200" dirty="0" smtClean="0"/>
             <a:t>Aulas</a:t>
           </a:r>
-          <a:endParaRPr lang="pt-PT" sz="1700" kern="1200" dirty="0"/>
+          <a:endParaRPr lang="pt-PT" sz="1300" kern="1200" dirty="0"/>
         </a:p>
         <a:p>
-          <a:pPr marL="114300" lvl="1" indent="-114300" algn="l" defTabSz="577850">
+          <a:pPr marL="57150" lvl="1" indent="-57150" algn="l" defTabSz="444500">
             <a:lnSpc>
               <a:spcPct val="90000"/>
             </a:lnSpc>
@@ -1591,13 +1900,13 @@
             <a:buChar char="••"/>
           </a:pPr>
           <a:r>
-            <a:rPr lang="pt-PT" sz="1300" kern="1200" dirty="0" smtClean="0"/>
+            <a:rPr lang="pt-PT" sz="1000" kern="1200" dirty="0" smtClean="0"/>
             <a:t>Vídeos</a:t>
           </a:r>
-          <a:endParaRPr lang="pt-PT" sz="1300" kern="1200" dirty="0"/>
+          <a:endParaRPr lang="pt-PT" sz="1000" kern="1200" dirty="0"/>
         </a:p>
         <a:p>
-          <a:pPr marL="114300" lvl="1" indent="-114300" algn="l" defTabSz="577850">
+          <a:pPr marL="57150" lvl="1" indent="-57150" algn="l" defTabSz="444500">
             <a:lnSpc>
               <a:spcPct val="90000"/>
             </a:lnSpc>
@@ -1610,13 +1919,13 @@
             <a:buChar char="••"/>
           </a:pPr>
           <a:r>
-            <a:rPr lang="pt-PT" sz="1300" kern="1200" dirty="0" smtClean="0"/>
+            <a:rPr lang="pt-PT" sz="1000" kern="1200" dirty="0" smtClean="0"/>
             <a:t>Imagens</a:t>
           </a:r>
-          <a:endParaRPr lang="pt-PT" sz="1300" kern="1200" dirty="0"/>
+          <a:endParaRPr lang="pt-PT" sz="1000" kern="1200" dirty="0"/>
         </a:p>
         <a:p>
-          <a:pPr marL="114300" lvl="1" indent="-114300" algn="l" defTabSz="577850">
+          <a:pPr marL="57150" lvl="1" indent="-57150" algn="l" defTabSz="444500">
             <a:lnSpc>
               <a:spcPct val="90000"/>
             </a:lnSpc>
@@ -1629,15 +1938,15 @@
             <a:buChar char="••"/>
           </a:pPr>
           <a:r>
-            <a:rPr lang="pt-PT" sz="1300" kern="1200" dirty="0" smtClean="0"/>
+            <a:rPr lang="pt-PT" sz="1000" kern="1200" dirty="0" smtClean="0"/>
             <a:t>Jogos</a:t>
           </a:r>
-          <a:endParaRPr lang="pt-PT" sz="1300" kern="1200" dirty="0"/>
+          <a:endParaRPr lang="pt-PT" sz="1000" kern="1200" dirty="0"/>
         </a:p>
       </dsp:txBody>
       <dsp:txXfrm>
-        <a:off x="1708599" y="796368"/>
-        <a:ext cx="1002400" cy="1002400"/>
+        <a:off x="2838714" y="168751"/>
+        <a:ext cx="803290" cy="803290"/>
       </dsp:txXfrm>
     </dsp:sp>
     <dsp:sp modelId="{B93BD03F-25A2-4FB8-88CF-D81B31C593BB}">
@@ -1646,9 +1955,9 @@
         <dsp:cNvSpPr/>
       </dsp:nvSpPr>
       <dsp:spPr>
-        <a:xfrm rot="1800000">
-          <a:off x="2771415" y="3229533"/>
-          <a:ext cx="241172" cy="385589"/>
+        <a:xfrm rot="63433">
+          <a:off x="3973592" y="1953118"/>
+          <a:ext cx="196186" cy="386248"/>
         </a:xfrm>
         <a:prstGeom prst="rightArrow">
           <a:avLst>
@@ -1656,26 +1965,61 @@
             <a:gd name="adj2" fmla="val 50000"/>
           </a:avLst>
         </a:prstGeom>
-        <a:solidFill>
-          <a:schemeClr val="accent1">
-            <a:tint val="60000"/>
-            <a:hueOff val="0"/>
-            <a:satOff val="0"/>
-            <a:lumOff val="0"/>
-            <a:alphaOff val="0"/>
-          </a:schemeClr>
-        </a:solidFill>
-        <a:ln w="12700" cap="flat" cmpd="sng" algn="ctr">
-          <a:solidFill>
-            <a:schemeClr val="accent1">
-              <a:tint val="60000"/>
-              <a:hueOff val="0"/>
-              <a:satOff val="0"/>
-              <a:lumOff val="0"/>
-              <a:alphaOff val="0"/>
-            </a:schemeClr>
-          </a:solidFill>
-          <a:prstDash val="solid"/>
+        <a:gradFill rotWithShape="0">
+          <a:gsLst>
+            <a:gs pos="0">
+              <a:schemeClr val="accent1">
+                <a:tint val="60000"/>
+                <a:hueOff val="0"/>
+                <a:satOff val="0"/>
+                <a:lumOff val="0"/>
+                <a:alphaOff val="0"/>
+                <a:shade val="85000"/>
+                <a:satMod val="130000"/>
+              </a:schemeClr>
+            </a:gs>
+            <a:gs pos="34000">
+              <a:schemeClr val="accent1">
+                <a:tint val="60000"/>
+                <a:hueOff val="0"/>
+                <a:satOff val="0"/>
+                <a:lumOff val="0"/>
+                <a:alphaOff val="0"/>
+                <a:shade val="87000"/>
+                <a:satMod val="125000"/>
+              </a:schemeClr>
+            </a:gs>
+            <a:gs pos="70000">
+              <a:schemeClr val="accent1">
+                <a:tint val="60000"/>
+                <a:hueOff val="0"/>
+                <a:satOff val="0"/>
+                <a:lumOff val="0"/>
+                <a:alphaOff val="0"/>
+                <a:tint val="100000"/>
+                <a:shade val="90000"/>
+                <a:satMod val="130000"/>
+              </a:schemeClr>
+            </a:gs>
+            <a:gs pos="100000">
+              <a:schemeClr val="accent1">
+                <a:tint val="60000"/>
+                <a:hueOff val="0"/>
+                <a:satOff val="0"/>
+                <a:lumOff val="0"/>
+                <a:alphaOff val="0"/>
+                <a:tint val="100000"/>
+                <a:shade val="100000"/>
+                <a:satMod val="110000"/>
+              </a:schemeClr>
+            </a:gs>
+          </a:gsLst>
+          <a:path path="circle">
+            <a:fillToRect l="100000" t="100000" r="100000" b="100000"/>
+          </a:path>
+        </a:gradFill>
+        <a:ln>
+          <a:noFill/>
         </a:ln>
         <a:effectLst>
           <a:outerShdw blurRad="38100" dist="25400" dir="2700000" algn="br" rotWithShape="0">
@@ -1684,16 +2028,20 @@
             </a:srgbClr>
           </a:outerShdw>
         </a:effectLst>
-        <a:sp3d z="-25400" prstMaterial="plastic">
-          <a:bevelT w="25400" h="25400"/>
-          <a:bevelB w="25400" h="25400"/>
+        <a:scene3d>
+          <a:camera prst="orthographicFront"/>
+          <a:lightRig rig="flat" dir="t"/>
+        </a:scene3d>
+        <a:sp3d z="-80000" prstMaterial="plastic">
+          <a:bevelT w="50800" h="50800"/>
+          <a:bevelB w="25400" h="25400" prst="angle"/>
         </a:sp3d>
       </dsp:spPr>
       <dsp:style>
-        <a:lnRef idx="1">
+        <a:lnRef idx="0">
           <a:scrgbClr r="0" g="0" b="0"/>
         </a:lnRef>
-        <a:fillRef idx="1">
+        <a:fillRef idx="3">
           <a:scrgbClr r="0" g="0" b="0"/>
         </a:fillRef>
         <a:effectRef idx="2">
@@ -1709,7 +2057,7 @@
         </a:bodyPr>
         <a:lstStyle/>
         <a:p>
-          <a:pPr lvl="0" algn="ctr" defTabSz="711200">
+          <a:pPr lvl="0" algn="ctr" defTabSz="577850">
             <a:lnSpc>
               <a:spcPct val="90000"/>
             </a:lnSpc>
@@ -1720,12 +2068,12 @@
               <a:spcPct val="35000"/>
             </a:spcAft>
           </a:pPr>
-          <a:endParaRPr lang="pt-PT" sz="1600" kern="1200"/>
+          <a:endParaRPr lang="pt-PT" sz="1300" kern="1200"/>
         </a:p>
       </dsp:txBody>
       <dsp:txXfrm>
-        <a:off x="2776262" y="3288563"/>
-        <a:ext cx="168820" cy="231353"/>
+        <a:off x="3973597" y="2029825"/>
+        <a:ext cx="137330" cy="231748"/>
       </dsp:txXfrm>
     </dsp:sp>
     <dsp:sp modelId="{D1E67752-51AF-4472-AD44-35AEE8E1B9DB}">
@@ -1735,20 +2083,61 @@
       </dsp:nvSpPr>
       <dsp:spPr>
         <a:xfrm>
-          <a:off x="2999989" y="3185099"/>
-          <a:ext cx="1417608" cy="1417608"/>
+          <a:off x="4262190" y="1592227"/>
+          <a:ext cx="1136024" cy="1136024"/>
         </a:xfrm>
         <a:prstGeom prst="ellipse">
           <a:avLst/>
         </a:prstGeom>
-        <a:solidFill>
-          <a:schemeClr val="accent1">
-            <a:hueOff val="0"/>
-            <a:satOff val="0"/>
-            <a:lumOff val="0"/>
-            <a:alphaOff val="0"/>
-          </a:schemeClr>
-        </a:solidFill>
+        <a:gradFill rotWithShape="0">
+          <a:gsLst>
+            <a:gs pos="0">
+              <a:schemeClr val="accent1">
+                <a:hueOff val="0"/>
+                <a:satOff val="0"/>
+                <a:lumOff val="0"/>
+                <a:alphaOff val="0"/>
+                <a:shade val="85000"/>
+                <a:satMod val="130000"/>
+              </a:schemeClr>
+            </a:gs>
+            <a:gs pos="34000">
+              <a:schemeClr val="accent1">
+                <a:hueOff val="0"/>
+                <a:satOff val="0"/>
+                <a:lumOff val="0"/>
+                <a:alphaOff val="0"/>
+                <a:shade val="87000"/>
+                <a:satMod val="125000"/>
+              </a:schemeClr>
+            </a:gs>
+            <a:gs pos="70000">
+              <a:schemeClr val="accent1">
+                <a:hueOff val="0"/>
+                <a:satOff val="0"/>
+                <a:lumOff val="0"/>
+                <a:alphaOff val="0"/>
+                <a:tint val="100000"/>
+                <a:shade val="90000"/>
+                <a:satMod val="130000"/>
+              </a:schemeClr>
+            </a:gs>
+            <a:gs pos="100000">
+              <a:schemeClr val="accent1">
+                <a:hueOff val="0"/>
+                <a:satOff val="0"/>
+                <a:lumOff val="0"/>
+                <a:alphaOff val="0"/>
+                <a:tint val="100000"/>
+                <a:shade val="100000"/>
+                <a:satMod val="110000"/>
+              </a:schemeClr>
+            </a:gs>
+          </a:gsLst>
+          <a:path path="circle">
+            <a:fillToRect l="100000" t="100000" r="100000" b="100000"/>
+          </a:path>
+        </a:gradFill>
         <a:ln>
           <a:noFill/>
         </a:ln>
@@ -1759,16 +2148,20 @@
             </a:srgbClr>
           </a:outerShdw>
         </a:effectLst>
+        <a:scene3d>
+          <a:camera prst="orthographicFront"/>
+          <a:lightRig rig="flat" dir="t"/>
+        </a:scene3d>
         <a:sp3d prstMaterial="plastic">
-          <a:bevelT w="50800" h="50800"/>
-          <a:bevelB w="50800" h="50800"/>
+          <a:bevelT w="120900" h="88900"/>
+          <a:bevelB w="88900" h="31750" prst="angle"/>
         </a:sp3d>
       </dsp:spPr>
       <dsp:style>
         <a:lnRef idx="0">
           <a:scrgbClr r="0" g="0" b="0"/>
         </a:lnRef>
-        <a:fillRef idx="1">
+        <a:fillRef idx="3">
           <a:scrgbClr r="0" g="0" b="0"/>
         </a:fillRef>
         <a:effectRef idx="2">
@@ -1779,12 +2172,12 @@
         </a:fontRef>
       </dsp:style>
       <dsp:txBody>
-        <a:bodyPr spcFirstLastPara="0" vert="horz" wrap="square" lIns="21590" tIns="21590" rIns="21590" bIns="21590" numCol="1" spcCol="1270" anchor="ctr" anchorCtr="0">
+        <a:bodyPr spcFirstLastPara="0" vert="horz" wrap="square" lIns="16510" tIns="16510" rIns="16510" bIns="16510" numCol="1" spcCol="1270" anchor="ctr" anchorCtr="0">
           <a:noAutofit/>
         </a:bodyPr>
         <a:lstStyle/>
         <a:p>
-          <a:pPr lvl="0" algn="ctr" defTabSz="755650">
+          <a:pPr lvl="0" algn="ctr" defTabSz="577850">
             <a:lnSpc>
               <a:spcPct val="90000"/>
             </a:lnSpc>
@@ -1796,15 +2189,15 @@
             </a:spcAft>
           </a:pPr>
           <a:r>
-            <a:rPr lang="pt-PT" sz="1700" kern="1200" dirty="0" smtClean="0"/>
+            <a:rPr lang="pt-PT" sz="1300" kern="1200" dirty="0" smtClean="0"/>
             <a:t>Exercícios</a:t>
           </a:r>
-          <a:endParaRPr lang="pt-PT" sz="1700" kern="1200" dirty="0"/>
+          <a:endParaRPr lang="pt-PT" sz="1300" kern="1200" dirty="0"/>
         </a:p>
       </dsp:txBody>
       <dsp:txXfrm>
-        <a:off x="3207593" y="3392703"/>
-        <a:ext cx="1002400" cy="1002400"/>
+        <a:off x="4428557" y="1758594"/>
+        <a:ext cx="803290" cy="803290"/>
       </dsp:txXfrm>
     </dsp:sp>
     <dsp:sp modelId="{E3278750-3545-41D0-9098-49EF51C45F2A}">
@@ -1813,9 +2206,9 @@
         <dsp:cNvSpPr/>
       </dsp:nvSpPr>
       <dsp:spPr>
-        <a:xfrm rot="9000000">
-          <a:off x="1407011" y="3229533"/>
-          <a:ext cx="241172" cy="385589"/>
+        <a:xfrm rot="5578167">
+          <a:off x="3154489" y="2740895"/>
+          <a:ext cx="256405" cy="386248"/>
         </a:xfrm>
         <a:prstGeom prst="rightArrow">
           <a:avLst>
@@ -1823,26 +2216,61 @@
             <a:gd name="adj2" fmla="val 50000"/>
           </a:avLst>
         </a:prstGeom>
-        <a:solidFill>
-          <a:schemeClr val="accent1">
-            <a:tint val="60000"/>
-            <a:hueOff val="0"/>
-            <a:satOff val="0"/>
-            <a:lumOff val="0"/>
-            <a:alphaOff val="0"/>
-          </a:schemeClr>
-        </a:solidFill>
-        <a:ln w="12700" cap="flat" cmpd="sng" algn="ctr">
-          <a:solidFill>
-            <a:schemeClr val="accent1">
-              <a:tint val="60000"/>
-              <a:hueOff val="0"/>
-              <a:satOff val="0"/>
-              <a:lumOff val="0"/>
-              <a:alphaOff val="0"/>
-            </a:schemeClr>
-          </a:solidFill>
-          <a:prstDash val="solid"/>
+        <a:gradFill rotWithShape="0">
+          <a:gsLst>
+            <a:gs pos="0">
+              <a:schemeClr val="accent1">
+                <a:tint val="60000"/>
+                <a:hueOff val="0"/>
+                <a:satOff val="0"/>
+                <a:lumOff val="0"/>
+                <a:alphaOff val="0"/>
+                <a:shade val="85000"/>
+                <a:satMod val="130000"/>
+              </a:schemeClr>
+            </a:gs>
+            <a:gs pos="34000">
+              <a:schemeClr val="accent1">
+                <a:tint val="60000"/>
+                <a:hueOff val="0"/>
+                <a:satOff val="0"/>
+                <a:lumOff val="0"/>
+                <a:alphaOff val="0"/>
+                <a:shade val="87000"/>
+                <a:satMod val="125000"/>
+              </a:schemeClr>
+            </a:gs>
+            <a:gs pos="70000">
+              <a:schemeClr val="accent1">
+                <a:tint val="60000"/>
+                <a:hueOff val="0"/>
+                <a:satOff val="0"/>
+                <a:lumOff val="0"/>
+                <a:alphaOff val="0"/>
+                <a:tint val="100000"/>
+                <a:shade val="90000"/>
+                <a:satMod val="130000"/>
+              </a:schemeClr>
+            </a:gs>
+            <a:gs pos="100000">
+              <a:schemeClr val="accent1">
+                <a:tint val="60000"/>
+                <a:hueOff val="0"/>
+                <a:satOff val="0"/>
+                <a:lumOff val="0"/>
+                <a:alphaOff val="0"/>
+                <a:tint val="100000"/>
+                <a:shade val="100000"/>
+                <a:satMod val="110000"/>
+              </a:schemeClr>
+            </a:gs>
+          </a:gsLst>
+          <a:path path="circle">
+            <a:fillToRect l="100000" t="100000" r="100000" b="100000"/>
+          </a:path>
+        </a:gradFill>
+        <a:ln>
+          <a:noFill/>
         </a:ln>
         <a:effectLst>
           <a:outerShdw blurRad="38100" dist="25400" dir="2700000" algn="br" rotWithShape="0">
@@ -1851,16 +2279,20 @@
             </a:srgbClr>
           </a:outerShdw>
         </a:effectLst>
-        <a:sp3d z="-25400" prstMaterial="plastic">
-          <a:bevelT w="25400" h="25400"/>
-          <a:bevelB w="25400" h="25400"/>
+        <a:scene3d>
+          <a:camera prst="orthographicFront"/>
+          <a:lightRig rig="flat" dir="t"/>
+        </a:scene3d>
+        <a:sp3d z="-80000" prstMaterial="plastic">
+          <a:bevelT w="50800" h="50800"/>
+          <a:bevelB w="25400" h="25400" prst="angle"/>
         </a:sp3d>
       </dsp:spPr>
       <dsp:style>
-        <a:lnRef idx="1">
+        <a:lnRef idx="0">
           <a:scrgbClr r="0" g="0" b="0"/>
         </a:lnRef>
-        <a:fillRef idx="1">
+        <a:fillRef idx="3">
           <a:scrgbClr r="0" g="0" b="0"/>
         </a:fillRef>
         <a:effectRef idx="2">
@@ -1876,7 +2308,7 @@
         </a:bodyPr>
         <a:lstStyle/>
         <a:p>
-          <a:pPr lvl="0" algn="ctr" defTabSz="711200">
+          <a:pPr lvl="0" algn="ctr" defTabSz="577850">
             <a:lnSpc>
               <a:spcPct val="90000"/>
             </a:lnSpc>
@@ -1887,12 +2319,12 @@
               <a:spcPct val="35000"/>
             </a:spcAft>
           </a:pPr>
-          <a:endParaRPr lang="pt-PT" sz="1600" kern="1200"/>
+          <a:endParaRPr lang="pt-PT" sz="1300" kern="1200"/>
         </a:p>
       </dsp:txBody>
       <dsp:txXfrm rot="10800000">
-        <a:off x="1474516" y="3288563"/>
-        <a:ext cx="168820" cy="231353"/>
+        <a:off x="3194942" y="2779736"/>
+        <a:ext cx="179484" cy="231748"/>
       </dsp:txXfrm>
     </dsp:sp>
     <dsp:sp modelId="{F4821AD9-0E74-4C87-BF54-53D7672E1C1E}">
@@ -1902,20 +2334,61 @@
       </dsp:nvSpPr>
       <dsp:spPr>
         <a:xfrm>
-          <a:off x="2000" y="3185099"/>
-          <a:ext cx="1417608" cy="1417608"/>
+          <a:off x="2672347" y="3182070"/>
+          <a:ext cx="1136024" cy="1136024"/>
         </a:xfrm>
         <a:prstGeom prst="ellipse">
           <a:avLst/>
         </a:prstGeom>
-        <a:solidFill>
-          <a:schemeClr val="accent1">
-            <a:hueOff val="0"/>
-            <a:satOff val="0"/>
-            <a:lumOff val="0"/>
-            <a:alphaOff val="0"/>
-          </a:schemeClr>
-        </a:solidFill>
+        <a:gradFill rotWithShape="0">
+          <a:gsLst>
+            <a:gs pos="0">
+              <a:schemeClr val="accent1">
+                <a:hueOff val="0"/>
+                <a:satOff val="0"/>
+                <a:lumOff val="0"/>
+                <a:alphaOff val="0"/>
+                <a:shade val="85000"/>
+                <a:satMod val="130000"/>
+              </a:schemeClr>
+            </a:gs>
+            <a:gs pos="34000">
+              <a:schemeClr val="accent1">
+                <a:hueOff val="0"/>
+                <a:satOff val="0"/>
+                <a:lumOff val="0"/>
+                <a:alphaOff val="0"/>
+                <a:shade val="87000"/>
+                <a:satMod val="125000"/>
+              </a:schemeClr>
+            </a:gs>
+            <a:gs pos="70000">
+              <a:schemeClr val="accent1">
+                <a:hueOff val="0"/>
+                <a:satOff val="0"/>
+                <a:lumOff val="0"/>
+                <a:alphaOff val="0"/>
+                <a:tint val="100000"/>
+                <a:shade val="90000"/>
+                <a:satMod val="130000"/>
+              </a:schemeClr>
+            </a:gs>
+            <a:gs pos="100000">
+              <a:schemeClr val="accent1">
+                <a:hueOff val="0"/>
+                <a:satOff val="0"/>
+                <a:lumOff val="0"/>
+                <a:alphaOff val="0"/>
+                <a:tint val="100000"/>
+                <a:shade val="100000"/>
+                <a:satMod val="110000"/>
+              </a:schemeClr>
+            </a:gs>
+          </a:gsLst>
+          <a:path path="circle">
+            <a:fillToRect l="100000" t="100000" r="100000" b="100000"/>
+          </a:path>
+        </a:gradFill>
         <a:ln>
           <a:noFill/>
         </a:ln>
@@ -1926,16 +2399,20 @@
             </a:srgbClr>
           </a:outerShdw>
         </a:effectLst>
+        <a:scene3d>
+          <a:camera prst="orthographicFront"/>
+          <a:lightRig rig="flat" dir="t"/>
+        </a:scene3d>
         <a:sp3d prstMaterial="plastic">
-          <a:bevelT w="50800" h="50800"/>
-          <a:bevelB w="50800" h="50800"/>
+          <a:bevelT w="120900" h="88900"/>
+          <a:bevelB w="88900" h="31750" prst="angle"/>
         </a:sp3d>
       </dsp:spPr>
       <dsp:style>
         <a:lnRef idx="0">
           <a:scrgbClr r="0" g="0" b="0"/>
         </a:lnRef>
-        <a:fillRef idx="1">
+        <a:fillRef idx="3">
           <a:scrgbClr r="0" g="0" b="0"/>
         </a:fillRef>
         <a:effectRef idx="2">
@@ -1946,12 +2423,12 @@
         </a:fontRef>
       </dsp:style>
       <dsp:txBody>
-        <a:bodyPr spcFirstLastPara="0" vert="horz" wrap="square" lIns="21590" tIns="21590" rIns="21590" bIns="21590" numCol="1" spcCol="1270" anchor="ctr" anchorCtr="0">
+        <a:bodyPr spcFirstLastPara="0" vert="horz" wrap="square" lIns="16510" tIns="16510" rIns="16510" bIns="16510" numCol="1" spcCol="1270" anchor="ctr" anchorCtr="0">
           <a:noAutofit/>
         </a:bodyPr>
         <a:lstStyle/>
         <a:p>
-          <a:pPr lvl="0" algn="ctr" defTabSz="755650">
+          <a:pPr lvl="0" algn="ctr" defTabSz="577850">
             <a:lnSpc>
               <a:spcPct val="90000"/>
             </a:lnSpc>
@@ -1963,15 +2440,266 @@
             </a:spcAft>
           </a:pPr>
           <a:r>
-            <a:rPr lang="pt-PT" sz="1700" kern="1200" dirty="0" smtClean="0"/>
+            <a:rPr lang="pt-PT" sz="1300" kern="1200" dirty="0" smtClean="0"/>
             <a:t>Avaliação</a:t>
           </a:r>
-          <a:endParaRPr lang="pt-PT" sz="1700" kern="1200" dirty="0"/>
+          <a:endParaRPr lang="pt-PT" sz="1300" kern="1200" dirty="0"/>
         </a:p>
       </dsp:txBody>
       <dsp:txXfrm>
-        <a:off x="209604" y="3392703"/>
-        <a:ext cx="1002400" cy="1002400"/>
+        <a:off x="2838714" y="3348437"/>
+        <a:ext cx="803290" cy="803290"/>
+      </dsp:txXfrm>
+    </dsp:sp>
+    <dsp:sp modelId="{8BA65011-FACA-4C1E-969F-1849C9976FB2}">
+      <dsp:nvSpPr>
+        <dsp:cNvPr id="0" name=""/>
+        <dsp:cNvSpPr/>
+      </dsp:nvSpPr>
+      <dsp:spPr>
+        <a:xfrm rot="10742926">
+          <a:off x="2352903" y="1953086"/>
+          <a:ext cx="285119" cy="386248"/>
+        </a:xfrm>
+        <a:prstGeom prst="rightArrow">
+          <a:avLst>
+            <a:gd name="adj1" fmla="val 60000"/>
+            <a:gd name="adj2" fmla="val 50000"/>
+          </a:avLst>
+        </a:prstGeom>
+        <a:gradFill rotWithShape="0">
+          <a:gsLst>
+            <a:gs pos="0">
+              <a:schemeClr val="accent1">
+                <a:tint val="60000"/>
+                <a:hueOff val="0"/>
+                <a:satOff val="0"/>
+                <a:lumOff val="0"/>
+                <a:alphaOff val="0"/>
+                <a:shade val="85000"/>
+                <a:satMod val="130000"/>
+              </a:schemeClr>
+            </a:gs>
+            <a:gs pos="34000">
+              <a:schemeClr val="accent1">
+                <a:tint val="60000"/>
+                <a:hueOff val="0"/>
+                <a:satOff val="0"/>
+                <a:lumOff val="0"/>
+                <a:alphaOff val="0"/>
+                <a:shade val="87000"/>
+                <a:satMod val="125000"/>
+              </a:schemeClr>
+            </a:gs>
+            <a:gs pos="70000">
+              <a:schemeClr val="accent1">
+                <a:tint val="60000"/>
+                <a:hueOff val="0"/>
+                <a:satOff val="0"/>
+                <a:lumOff val="0"/>
+                <a:alphaOff val="0"/>
+                <a:tint val="100000"/>
+                <a:shade val="90000"/>
+                <a:satMod val="130000"/>
+              </a:schemeClr>
+            </a:gs>
+            <a:gs pos="100000">
+              <a:schemeClr val="accent1">
+                <a:tint val="60000"/>
+                <a:hueOff val="0"/>
+                <a:satOff val="0"/>
+                <a:lumOff val="0"/>
+                <a:alphaOff val="0"/>
+                <a:tint val="100000"/>
+                <a:shade val="100000"/>
+                <a:satMod val="110000"/>
+              </a:schemeClr>
+            </a:gs>
+          </a:gsLst>
+          <a:path path="circle">
+            <a:fillToRect l="100000" t="100000" r="100000" b="100000"/>
+          </a:path>
+        </a:gradFill>
+        <a:ln>
+          <a:noFill/>
+        </a:ln>
+        <a:effectLst>
+          <a:outerShdw blurRad="38100" dist="25400" dir="2700000" algn="br" rotWithShape="0">
+            <a:srgbClr val="000000">
+              <a:alpha val="60000"/>
+            </a:srgbClr>
+          </a:outerShdw>
+        </a:effectLst>
+        <a:scene3d>
+          <a:camera prst="orthographicFront"/>
+          <a:lightRig rig="flat" dir="t"/>
+        </a:scene3d>
+        <a:sp3d z="-80000" prstMaterial="plastic">
+          <a:bevelT w="50800" h="50800"/>
+          <a:bevelB w="25400" h="25400" prst="angle"/>
+        </a:sp3d>
+      </dsp:spPr>
+      <dsp:style>
+        <a:lnRef idx="0">
+          <a:scrgbClr r="0" g="0" b="0"/>
+        </a:lnRef>
+        <a:fillRef idx="3">
+          <a:scrgbClr r="0" g="0" b="0"/>
+        </a:fillRef>
+        <a:effectRef idx="2">
+          <a:scrgbClr r="0" g="0" b="0"/>
+        </a:effectRef>
+        <a:fontRef idx="minor">
+          <a:schemeClr val="lt1"/>
+        </a:fontRef>
+      </dsp:style>
+      <dsp:txBody>
+        <a:bodyPr spcFirstLastPara="0" vert="horz" wrap="square" lIns="0" tIns="0" rIns="0" bIns="0" numCol="1" spcCol="1270" anchor="ctr" anchorCtr="0">
+          <a:noAutofit/>
+        </a:bodyPr>
+        <a:lstStyle/>
+        <a:p>
+          <a:pPr lvl="0" algn="ctr" defTabSz="577850">
+            <a:lnSpc>
+              <a:spcPct val="90000"/>
+            </a:lnSpc>
+            <a:spcBef>
+              <a:spcPct val="0"/>
+            </a:spcBef>
+            <a:spcAft>
+              <a:spcPct val="35000"/>
+            </a:spcAft>
+          </a:pPr>
+          <a:endParaRPr lang="pt-PT" sz="1300" kern="1200"/>
+        </a:p>
+      </dsp:txBody>
+      <dsp:txXfrm rot="10800000">
+        <a:off x="2438433" y="2029626"/>
+        <a:ext cx="199583" cy="231748"/>
+      </dsp:txXfrm>
+    </dsp:sp>
+    <dsp:sp modelId="{C4D1BB34-70D8-4EF8-BFC2-AA6246655B35}">
+      <dsp:nvSpPr>
+        <dsp:cNvPr id="0" name=""/>
+        <dsp:cNvSpPr/>
+      </dsp:nvSpPr>
+      <dsp:spPr>
+        <a:xfrm>
+          <a:off x="1082504" y="1592227"/>
+          <a:ext cx="1136024" cy="1136024"/>
+        </a:xfrm>
+        <a:prstGeom prst="ellipse">
+          <a:avLst/>
+        </a:prstGeom>
+        <a:gradFill rotWithShape="0">
+          <a:gsLst>
+            <a:gs pos="0">
+              <a:schemeClr val="accent1">
+                <a:hueOff val="0"/>
+                <a:satOff val="0"/>
+                <a:lumOff val="0"/>
+                <a:alphaOff val="0"/>
+                <a:shade val="85000"/>
+                <a:satMod val="130000"/>
+              </a:schemeClr>
+            </a:gs>
+            <a:gs pos="34000">
+              <a:schemeClr val="accent1">
+                <a:hueOff val="0"/>
+                <a:satOff val="0"/>
+                <a:lumOff val="0"/>
+                <a:alphaOff val="0"/>
+                <a:shade val="87000"/>
+                <a:satMod val="125000"/>
+              </a:schemeClr>
+            </a:gs>
+            <a:gs pos="70000">
+              <a:schemeClr val="accent1">
+                <a:hueOff val="0"/>
+                <a:satOff val="0"/>
+                <a:lumOff val="0"/>
+                <a:alphaOff val="0"/>
+                <a:tint val="100000"/>
+                <a:shade val="90000"/>
+                <a:satMod val="130000"/>
+              </a:schemeClr>
+            </a:gs>
+            <a:gs pos="100000">
+              <a:schemeClr val="accent1">
+                <a:hueOff val="0"/>
+                <a:satOff val="0"/>
+                <a:lumOff val="0"/>
+                <a:alphaOff val="0"/>
+                <a:tint val="100000"/>
+                <a:shade val="100000"/>
+                <a:satMod val="110000"/>
+              </a:schemeClr>
+            </a:gs>
+          </a:gsLst>
+          <a:path path="circle">
+            <a:fillToRect l="100000" t="100000" r="100000" b="100000"/>
+          </a:path>
+        </a:gradFill>
+        <a:ln>
+          <a:noFill/>
+        </a:ln>
+        <a:effectLst>
+          <a:outerShdw blurRad="38100" dist="25400" dir="2700000" algn="br" rotWithShape="0">
+            <a:srgbClr val="000000">
+              <a:alpha val="60000"/>
+            </a:srgbClr>
+          </a:outerShdw>
+        </a:effectLst>
+        <a:scene3d>
+          <a:camera prst="orthographicFront"/>
+          <a:lightRig rig="flat" dir="t"/>
+        </a:scene3d>
+        <a:sp3d prstMaterial="plastic">
+          <a:bevelT w="120900" h="88900"/>
+          <a:bevelB w="88900" h="31750" prst="angle"/>
+        </a:sp3d>
+      </dsp:spPr>
+      <dsp:style>
+        <a:lnRef idx="0">
+          <a:scrgbClr r="0" g="0" b="0"/>
+        </a:lnRef>
+        <a:fillRef idx="3">
+          <a:scrgbClr r="0" g="0" b="0"/>
+        </a:fillRef>
+        <a:effectRef idx="2">
+          <a:scrgbClr r="0" g="0" b="0"/>
+        </a:effectRef>
+        <a:fontRef idx="minor">
+          <a:schemeClr val="lt1"/>
+        </a:fontRef>
+      </dsp:style>
+      <dsp:txBody>
+        <a:bodyPr spcFirstLastPara="0" vert="horz" wrap="square" lIns="16510" tIns="16510" rIns="16510" bIns="16510" numCol="1" spcCol="1270" anchor="ctr" anchorCtr="0">
+          <a:noAutofit/>
+        </a:bodyPr>
+        <a:lstStyle/>
+        <a:p>
+          <a:pPr lvl="0" algn="ctr" defTabSz="577850">
+            <a:lnSpc>
+              <a:spcPct val="90000"/>
+            </a:lnSpc>
+            <a:spcBef>
+              <a:spcPct val="0"/>
+            </a:spcBef>
+            <a:spcAft>
+              <a:spcPct val="35000"/>
+            </a:spcAft>
+          </a:pPr>
+          <a:r>
+            <a:rPr lang="pt-PT" sz="1300" kern="1200" dirty="0" smtClean="0"/>
+            <a:t>Estatísticas</a:t>
+          </a:r>
+          <a:endParaRPr lang="pt-PT" sz="1300" kern="1200" dirty="0"/>
+        </a:p>
+      </dsp:txBody>
+      <dsp:txXfrm>
+        <a:off x="1248871" y="1758594"/>
+        <a:ext cx="803290" cy="803290"/>
       </dsp:txXfrm>
     </dsp:sp>
   </dsp:spTree>
@@ -2218,33 +2946,31 @@
 </file>
 
 <file path=ppt/diagrams/quickStyle1.xml><?xml version="1.0" encoding="utf-8"?>
-<dgm:styleDef xmlns:dgm="http://schemas.openxmlformats.org/drawingml/2006/diagram" xmlns:a="http://schemas.openxmlformats.org/drawingml/2006/main" uniqueId="urn:microsoft.com/office/officeart/2005/8/quickstyle/3d6">
+<dgm:styleDef xmlns:dgm="http://schemas.openxmlformats.org/drawingml/2006/diagram" xmlns:a="http://schemas.openxmlformats.org/drawingml/2006/main" uniqueId="urn:microsoft.com/office/officeart/2005/8/quickstyle/3d1">
   <dgm:title val=""/>
   <dgm:desc val=""/>
   <dgm:catLst>
-    <dgm:cat type="3D" pri="11600"/>
+    <dgm:cat type="3D" pri="11100"/>
   </dgm:catLst>
   <dgm:scene3d>
-    <a:camera prst="perspectiveRelaxedModerately" zoom="92000"/>
-    <a:lightRig rig="balanced" dir="t">
-      <a:rot lat="0" lon="0" rev="12700000"/>
-    </a:lightRig>
+    <a:camera prst="orthographicFront"/>
+    <a:lightRig rig="threePt" dir="t"/>
   </dgm:scene3d>
   <dgm:styleLbl name="node0">
     <dgm:scene3d>
       <a:camera prst="orthographicFront"/>
-      <a:lightRig rig="threePt" dir="t"/>
+      <a:lightRig rig="flat" dir="t"/>
     </dgm:scene3d>
     <dgm:sp3d prstMaterial="plastic">
-      <a:bevelT w="50800" h="50800"/>
-      <a:bevelB w="50800" h="50800"/>
+      <a:bevelT w="120900" h="88900"/>
+      <a:bevelB w="88900" h="31750" prst="angle"/>
     </dgm:sp3d>
     <dgm:txPr/>
     <dgm:style>
       <a:lnRef idx="0">
         <a:scrgbClr r="0" g="0" b="0"/>
       </a:lnRef>
-      <a:fillRef idx="1">
+      <a:fillRef idx="3">
         <a:scrgbClr r="0" g="0" b="0"/>
       </a:fillRef>
       <a:effectRef idx="2">
@@ -2258,21 +2984,21 @@
   <dgm:styleLbl name="lnNode1">
     <dgm:scene3d>
       <a:camera prst="orthographicFront"/>
-      <a:lightRig rig="threePt" dir="t"/>
+      <a:lightRig rig="flat" dir="t"/>
     </dgm:scene3d>
     <dgm:sp3d prstMaterial="plastic">
-      <a:bevelT w="50800" h="50800"/>
-      <a:bevelB w="50800" h="50800"/>
+      <a:bevelT w="120900" h="88900"/>
+      <a:bevelB w="88900" h="31750" prst="angle"/>
     </dgm:sp3d>
     <dgm:txPr/>
     <dgm:style>
       <a:lnRef idx="0">
         <a:scrgbClr r="0" g="0" b="0"/>
       </a:lnRef>
-      <a:fillRef idx="1">
+      <a:fillRef idx="3">
         <a:scrgbClr r="0" g="0" b="0"/>
       </a:fillRef>
-      <a:effectRef idx="2">
+      <a:effectRef idx="1">
         <a:scrgbClr r="0" g="0" b="0"/>
       </a:effectRef>
       <a:fontRef idx="minor">
@@ -2283,11 +3009,11 @@
   <dgm:styleLbl name="vennNode1">
     <dgm:scene3d>
       <a:camera prst="orthographicFront"/>
-      <a:lightRig rig="threePt" dir="t"/>
+      <a:lightRig rig="flat" dir="t"/>
     </dgm:scene3d>
     <dgm:sp3d prstMaterial="plastic">
-      <a:bevelT w="50800" h="50800"/>
-      <a:bevelB w="50800" h="50800"/>
+      <a:bevelT w="120900" h="88900"/>
+      <a:bevelB w="88900" h="31750" prst="angle"/>
     </dgm:sp3d>
     <dgm:txPr/>
     <dgm:style>
@@ -2297,7 +3023,7 @@
       <a:fillRef idx="1">
         <a:scrgbClr r="0" g="0" b="0"/>
       </a:fillRef>
-      <a:effectRef idx="2">
+      <a:effectRef idx="1">
         <a:scrgbClr r="0" g="0" b="0"/>
       </a:effectRef>
       <a:fontRef idx="minor">
@@ -2308,18 +3034,18 @@
   <dgm:styleLbl name="alignNode1">
     <dgm:scene3d>
       <a:camera prst="orthographicFront"/>
-      <a:lightRig rig="threePt" dir="t"/>
+      <a:lightRig rig="flat" dir="t"/>
     </dgm:scene3d>
     <dgm:sp3d prstMaterial="plastic">
-      <a:bevelT w="50800" h="50800"/>
-      <a:bevelB w="50800" h="50800"/>
+      <a:bevelT w="120900" h="88900"/>
+      <a:bevelB w="88900" h="31750" prst="angle"/>
     </dgm:sp3d>
     <dgm:txPr/>
     <dgm:style>
       <a:lnRef idx="1">
         <a:scrgbClr r="0" g="0" b="0"/>
       </a:lnRef>
-      <a:fillRef idx="1">
+      <a:fillRef idx="3">
         <a:scrgbClr r="0" g="0" b="0"/>
       </a:fillRef>
       <a:effectRef idx="2">
@@ -2333,18 +3059,18 @@
   <dgm:styleLbl name="node1">
     <dgm:scene3d>
       <a:camera prst="orthographicFront"/>
-      <a:lightRig rig="threePt" dir="t"/>
+      <a:lightRig rig="flat" dir="t"/>
     </dgm:scene3d>
     <dgm:sp3d prstMaterial="plastic">
-      <a:bevelT w="50800" h="50800"/>
-      <a:bevelB w="50800" h="50800"/>
+      <a:bevelT w="120900" h="88900"/>
+      <a:bevelB w="88900" h="31750" prst="angle"/>
     </dgm:sp3d>
     <dgm:txPr/>
     <dgm:style>
       <a:lnRef idx="0">
         <a:scrgbClr r="0" g="0" b="0"/>
       </a:lnRef>
-      <a:fillRef idx="1">
+      <a:fillRef idx="3">
         <a:scrgbClr r="0" g="0" b="0"/>
       </a:fillRef>
       <a:effectRef idx="2">
@@ -2358,21 +3084,21 @@
   <dgm:styleLbl name="node2">
     <dgm:scene3d>
       <a:camera prst="orthographicFront"/>
-      <a:lightRig rig="threePt" dir="t"/>
+      <a:lightRig rig="flat" dir="t"/>
     </dgm:scene3d>
     <dgm:sp3d prstMaterial="plastic">
-      <a:bevelT w="50800" h="50800"/>
-      <a:bevelB w="50800" h="50800"/>
+      <a:bevelT w="120900" h="88900"/>
+      <a:bevelB w="88900" h="31750" prst="angle"/>
     </dgm:sp3d>
     <dgm:txPr/>
     <dgm:style>
       <a:lnRef idx="0">
         <a:scrgbClr r="0" g="0" b="0"/>
       </a:lnRef>
-      <a:fillRef idx="1">
+      <a:fillRef idx="3">
         <a:scrgbClr r="0" g="0" b="0"/>
       </a:fillRef>
-      <a:effectRef idx="2">
+      <a:effectRef idx="1">
         <a:scrgbClr r="0" g="0" b="0"/>
       </a:effectRef>
       <a:fontRef idx="minor">
@@ -2383,21 +3109,21 @@
   <dgm:styleLbl name="node3">
     <dgm:scene3d>
       <a:camera prst="orthographicFront"/>
-      <a:lightRig rig="threePt" dir="t"/>
+      <a:lightRig rig="flat" dir="t"/>
     </dgm:scene3d>
     <dgm:sp3d prstMaterial="plastic">
-      <a:bevelT w="50800" h="50800"/>
-      <a:bevelB w="50800" h="50800"/>
+      <a:bevelT w="120900" h="88900"/>
+      <a:bevelB w="88900" h="31750" prst="angle"/>
     </dgm:sp3d>
     <dgm:txPr/>
     <dgm:style>
       <a:lnRef idx="0">
         <a:scrgbClr r="0" g="0" b="0"/>
       </a:lnRef>
-      <a:fillRef idx="1">
+      <a:fillRef idx="3">
         <a:scrgbClr r="0" g="0" b="0"/>
       </a:fillRef>
-      <a:effectRef idx="2">
+      <a:effectRef idx="1">
         <a:scrgbClr r="0" g="0" b="0"/>
       </a:effectRef>
       <a:fontRef idx="minor">
@@ -2408,21 +3134,21 @@
   <dgm:styleLbl name="node4">
     <dgm:scene3d>
       <a:camera prst="orthographicFront"/>
-      <a:lightRig rig="threePt" dir="t"/>
+      <a:lightRig rig="flat" dir="t"/>
     </dgm:scene3d>
     <dgm:sp3d prstMaterial="plastic">
-      <a:bevelT w="50800" h="50800"/>
-      <a:bevelB w="50800" h="50800"/>
+      <a:bevelT w="120900" h="88900"/>
+      <a:bevelB w="88900" h="31750" prst="angle"/>
     </dgm:sp3d>
     <dgm:txPr/>
     <dgm:style>
       <a:lnRef idx="0">
         <a:scrgbClr r="0" g="0" b="0"/>
       </a:lnRef>
-      <a:fillRef idx="1">
+      <a:fillRef idx="3">
         <a:scrgbClr r="0" g="0" b="0"/>
       </a:fillRef>
-      <a:effectRef idx="2">
+      <a:effectRef idx="1">
         <a:scrgbClr r="0" g="0" b="0"/>
       </a:effectRef>
       <a:fontRef idx="minor">
@@ -2433,18 +3159,18 @@
   <dgm:styleLbl name="fgImgPlace1">
     <dgm:scene3d>
       <a:camera prst="orthographicFront"/>
-      <a:lightRig rig="threePt" dir="t"/>
+      <a:lightRig rig="flat" dir="t"/>
     </dgm:scene3d>
-    <dgm:sp3d z="50080" prstMaterial="plastic">
-      <a:bevelT w="50800" h="50800"/>
-      <a:bevelB w="50800" h="50800"/>
+    <dgm:sp3d z="127000" prstMaterial="plastic">
+      <a:bevelT w="88900" h="88900"/>
+      <a:bevelB w="88900" h="31750" prst="angle"/>
     </dgm:sp3d>
     <dgm:txPr/>
     <dgm:style>
       <a:lnRef idx="0">
         <a:scrgbClr r="0" g="0" b="0"/>
       </a:lnRef>
-      <a:fillRef idx="1">
+      <a:fillRef idx="3">
         <a:scrgbClr r="0" g="0" b="0"/>
       </a:fillRef>
       <a:effectRef idx="2">
@@ -2456,18 +3182,18 @@
   <dgm:styleLbl name="alignImgPlace1">
     <dgm:scene3d>
       <a:camera prst="orthographicFront"/>
-      <a:lightRig rig="threePt" dir="t"/>
+      <a:lightRig rig="flat" dir="t"/>
     </dgm:scene3d>
     <dgm:sp3d prstMaterial="plastic">
-      <a:bevelT w="50800" h="50800"/>
-      <a:bevelB w="50800" h="50800"/>
+      <a:bevelT w="88900" h="88900"/>
+      <a:bevelB w="88900" h="31750" prst="angle"/>
     </dgm:sp3d>
     <dgm:txPr/>
     <dgm:style>
       <a:lnRef idx="0">
         <a:scrgbClr r="0" g="0" b="0"/>
       </a:lnRef>
-      <a:fillRef idx="1">
+      <a:fillRef idx="3">
         <a:scrgbClr r="0" g="0" b="0"/>
       </a:fillRef>
       <a:effectRef idx="2">
@@ -2479,18 +3205,18 @@
   <dgm:styleLbl name="bgImgPlace1">
     <dgm:scene3d>
       <a:camera prst="orthographicFront"/>
-      <a:lightRig rig="threePt" dir="t"/>
+      <a:lightRig rig="flat" dir="t"/>
     </dgm:scene3d>
-    <dgm:sp3d z="-54000" prstMaterial="plastic">
-      <a:bevelT w="50800" h="50800"/>
-      <a:bevelB w="50800" h="50800"/>
+    <dgm:sp3d z="-190500" prstMaterial="plastic">
+      <a:bevelT w="88900" h="88900"/>
+      <a:bevelB w="88900" h="31750" prst="angle"/>
     </dgm:sp3d>
     <dgm:txPr/>
     <dgm:style>
       <a:lnRef idx="0">
         <a:scrgbClr r="0" g="0" b="0"/>
       </a:lnRef>
-      <a:fillRef idx="1">
+      <a:fillRef idx="3">
         <a:scrgbClr r="0" g="0" b="0"/>
       </a:fillRef>
       <a:effectRef idx="2">
@@ -2502,18 +3228,18 @@
   <dgm:styleLbl name="sibTrans2D1">
     <dgm:scene3d>
       <a:camera prst="orthographicFront"/>
-      <a:lightRig rig="threePt" dir="t"/>
+      <a:lightRig rig="flat" dir="t"/>
     </dgm:scene3d>
-    <dgm:sp3d z="-25400" prstMaterial="plastic">
-      <a:bevelT w="25400" h="25400"/>
-      <a:bevelB w="25400" h="25400"/>
+    <dgm:sp3d z="-80000" prstMaterial="plastic">
+      <a:bevelT w="50800" h="50800"/>
+      <a:bevelB w="25400" h="25400" prst="angle"/>
     </dgm:sp3d>
     <dgm:txPr/>
     <dgm:style>
-      <a:lnRef idx="1">
+      <a:lnRef idx="0">
         <a:scrgbClr r="0" g="0" b="0"/>
       </a:lnRef>
-      <a:fillRef idx="1">
+      <a:fillRef idx="3">
         <a:scrgbClr r="0" g="0" b="0"/>
       </a:fillRef>
       <a:effectRef idx="2">
@@ -2527,18 +3253,18 @@
   <dgm:styleLbl name="fgSibTrans2D1">
     <dgm:scene3d>
       <a:camera prst="orthographicFront"/>
-      <a:lightRig rig="threePt" dir="t"/>
+      <a:lightRig rig="flat" dir="t"/>
     </dgm:scene3d>
-    <dgm:sp3d z="50080" prstMaterial="plastic">
-      <a:bevelT w="25400" h="25400"/>
-      <a:bevelB w="25400" h="25400"/>
+    <dgm:sp3d z="127000" prstMaterial="plastic">
+      <a:bevelT w="50800" h="50800"/>
+      <a:bevelB w="25400" h="25400" prst="angle"/>
     </dgm:sp3d>
     <dgm:txPr/>
     <dgm:style>
-      <a:lnRef idx="1">
+      <a:lnRef idx="0">
         <a:scrgbClr r="0" g="0" b="0"/>
       </a:lnRef>
-      <a:fillRef idx="1">
+      <a:fillRef idx="3">
         <a:scrgbClr r="0" g="0" b="0"/>
       </a:fillRef>
       <a:effectRef idx="2">
@@ -2552,18 +3278,18 @@
   <dgm:styleLbl name="bgSibTrans2D1">
     <dgm:scene3d>
       <a:camera prst="orthographicFront"/>
-      <a:lightRig rig="threePt" dir="t"/>
+      <a:lightRig rig="flat" dir="t"/>
     </dgm:scene3d>
-    <dgm:sp3d z="-54080" prstMaterial="plastic">
-      <a:bevelT w="25400" h="25400"/>
-      <a:bevelB w="25400" h="25400"/>
+    <dgm:sp3d z="-190500" prstMaterial="plastic">
+      <a:bevelT w="50800" h="50800"/>
+      <a:bevelB w="25400" h="25400" prst="angle"/>
     </dgm:sp3d>
     <dgm:txPr/>
     <dgm:style>
-      <a:lnRef idx="1">
+      <a:lnRef idx="0">
         <a:scrgbClr r="0" g="0" b="0"/>
       </a:lnRef>
-      <a:fillRef idx="1">
+      <a:fillRef idx="3">
         <a:scrgbClr r="0" g="0" b="0"/>
       </a:fillRef>
       <a:effectRef idx="2">
@@ -2577,9 +3303,9 @@
   <dgm:styleLbl name="sibTrans1D1">
     <dgm:scene3d>
       <a:camera prst="orthographicFront"/>
-      <a:lightRig rig="threePt" dir="t"/>
+      <a:lightRig rig="flat" dir="t"/>
     </dgm:scene3d>
-    <dgm:sp3d z="-25400" prstMaterial="plastic"/>
+    <dgm:sp3d z="-40000" prstMaterial="matte"/>
     <dgm:txPr/>
     <dgm:style>
       <a:lnRef idx="1">
@@ -2599,7 +3325,7 @@
       <a:camera prst="orthographicFront"/>
       <a:lightRig rig="threePt" dir="t"/>
     </dgm:scene3d>
-    <dgm:sp3d z="75000" prstMaterial="plastic"/>
+    <dgm:sp3d z="127000" prstMaterial="matte"/>
     <dgm:txPr/>
     <dgm:style>
       <a:lnRef idx="2">
@@ -2617,21 +3343,21 @@
   <dgm:styleLbl name="asst0">
     <dgm:scene3d>
       <a:camera prst="orthographicFront"/>
-      <a:lightRig rig="threePt" dir="t"/>
+      <a:lightRig rig="flat" dir="t"/>
     </dgm:scene3d>
     <dgm:sp3d prstMaterial="plastic">
-      <a:bevelT w="50800" h="50800"/>
-      <a:bevelB w="50800" h="50800"/>
+      <a:bevelT w="120900" h="88900"/>
+      <a:bevelB w="88900" h="31750" prst="angle"/>
     </dgm:sp3d>
     <dgm:txPr/>
     <dgm:style>
       <a:lnRef idx="0">
         <a:scrgbClr r="0" g="0" b="0"/>
       </a:lnRef>
-      <a:fillRef idx="1">
+      <a:fillRef idx="3">
         <a:scrgbClr r="0" g="0" b="0"/>
       </a:fillRef>
-      <a:effectRef idx="2">
+      <a:effectRef idx="1">
         <a:scrgbClr r="0" g="0" b="0"/>
       </a:effectRef>
       <a:fontRef idx="minor">
@@ -2642,21 +3368,21 @@
   <dgm:styleLbl name="asst1">
     <dgm:scene3d>
       <a:camera prst="orthographicFront"/>
-      <a:lightRig rig="threePt" dir="t"/>
+      <a:lightRig rig="flat" dir="t"/>
     </dgm:scene3d>
     <dgm:sp3d prstMaterial="plastic">
-      <a:bevelT w="50800" h="50800"/>
-      <a:bevelB w="50800" h="50800"/>
+      <a:bevelT w="120900" h="88900"/>
+      <a:bevelB w="88900" h="31750" prst="angle"/>
     </dgm:sp3d>
     <dgm:txPr/>
     <dgm:style>
       <a:lnRef idx="0">
         <a:scrgbClr r="0" g="0" b="0"/>
       </a:lnRef>
-      <a:fillRef idx="1">
+      <a:fillRef idx="3">
         <a:scrgbClr r="0" g="0" b="0"/>
       </a:fillRef>
-      <a:effectRef idx="2">
+      <a:effectRef idx="1">
         <a:scrgbClr r="0" g="0" b="0"/>
       </a:effectRef>
       <a:fontRef idx="minor">
@@ -2667,21 +3393,21 @@
   <dgm:styleLbl name="asst2">
     <dgm:scene3d>
       <a:camera prst="orthographicFront"/>
-      <a:lightRig rig="threePt" dir="t"/>
+      <a:lightRig rig="flat" dir="t"/>
     </dgm:scene3d>
     <dgm:sp3d prstMaterial="plastic">
-      <a:bevelT w="50800" h="50800"/>
-      <a:bevelB w="50800" h="50800"/>
+      <a:bevelT w="120900" h="88900"/>
+      <a:bevelB w="88900" h="31750" prst="angle"/>
     </dgm:sp3d>
     <dgm:txPr/>
     <dgm:style>
       <a:lnRef idx="0">
         <a:scrgbClr r="0" g="0" b="0"/>
       </a:lnRef>
-      <a:fillRef idx="1">
+      <a:fillRef idx="3">
         <a:scrgbClr r="0" g="0" b="0"/>
       </a:fillRef>
-      <a:effectRef idx="2">
+      <a:effectRef idx="1">
         <a:scrgbClr r="0" g="0" b="0"/>
       </a:effectRef>
       <a:fontRef idx="minor">
@@ -2692,21 +3418,21 @@
   <dgm:styleLbl name="asst3">
     <dgm:scene3d>
       <a:camera prst="orthographicFront"/>
-      <a:lightRig rig="threePt" dir="t"/>
+      <a:lightRig rig="flat" dir="t"/>
     </dgm:scene3d>
     <dgm:sp3d prstMaterial="plastic">
-      <a:bevelT w="50800" h="50800"/>
-      <a:bevelB w="50800" h="50800"/>
+      <a:bevelT w="120900" h="88900"/>
+      <a:bevelB w="88900" h="31750" prst="angle"/>
     </dgm:sp3d>
     <dgm:txPr/>
     <dgm:style>
       <a:lnRef idx="0">
         <a:scrgbClr r="0" g="0" b="0"/>
       </a:lnRef>
-      <a:fillRef idx="1">
+      <a:fillRef idx="3">
         <a:scrgbClr r="0" g="0" b="0"/>
       </a:fillRef>
-      <a:effectRef idx="2">
+      <a:effectRef idx="1">
         <a:scrgbClr r="0" g="0" b="0"/>
       </a:effectRef>
       <a:fontRef idx="minor">
@@ -2717,21 +3443,21 @@
   <dgm:styleLbl name="parChTrans2D1">
     <dgm:scene3d>
       <a:camera prst="orthographicFront"/>
-      <a:lightRig rig="threePt" dir="t"/>
+      <a:lightRig rig="flat" dir="t"/>
     </dgm:scene3d>
-    <dgm:sp3d z="-25400" prstMaterial="plastic">
-      <a:bevelT w="25400" h="25400"/>
-      <a:bevelB w="25400" h="25400"/>
+    <dgm:sp3d z="-100000" prstMaterial="plastic">
+      <a:bevelT w="120900" h="88900"/>
+      <a:bevelB w="88900" h="31750" prst="angle"/>
     </dgm:sp3d>
     <dgm:txPr/>
     <dgm:style>
       <a:lnRef idx="0">
         <a:scrgbClr r="0" g="0" b="0"/>
       </a:lnRef>
-      <a:fillRef idx="1">
+      <a:fillRef idx="3">
         <a:scrgbClr r="0" g="0" b="0"/>
       </a:fillRef>
-      <a:effectRef idx="2">
+      <a:effectRef idx="1">
         <a:scrgbClr r="0" g="0" b="0"/>
       </a:effectRef>
       <a:fontRef idx="minor">
@@ -2742,21 +3468,21 @@
   <dgm:styleLbl name="parChTrans2D2">
     <dgm:scene3d>
       <a:camera prst="orthographicFront"/>
-      <a:lightRig rig="threePt" dir="t"/>
+      <a:lightRig rig="flat" dir="t"/>
     </dgm:scene3d>
-    <dgm:sp3d z="-25400" prstMaterial="plastic">
-      <a:bevelT w="25400" h="25400"/>
-      <a:bevelB w="25400" h="25400"/>
+    <dgm:sp3d z="-60000" prstMaterial="plastic">
+      <a:bevelT w="120900" h="88900"/>
+      <a:bevelB w="88900" h="31750" prst="angle"/>
     </dgm:sp3d>
     <dgm:txPr/>
     <dgm:style>
       <a:lnRef idx="0">
         <a:scrgbClr r="0" g="0" b="0"/>
       </a:lnRef>
-      <a:fillRef idx="1">
+      <a:fillRef idx="3">
         <a:scrgbClr r="0" g="0" b="0"/>
       </a:fillRef>
-      <a:effectRef idx="2">
+      <a:effectRef idx="1">
         <a:scrgbClr r="0" g="0" b="0"/>
       </a:effectRef>
       <a:fontRef idx="minor">
@@ -2767,21 +3493,21 @@
   <dgm:styleLbl name="parChTrans2D3">
     <dgm:scene3d>
       <a:camera prst="orthographicFront"/>
-      <a:lightRig rig="threePt" dir="t"/>
+      <a:lightRig rig="flat" dir="t"/>
     </dgm:scene3d>
-    <dgm:sp3d z="-25400" prstMaterial="plastic">
-      <a:bevelT w="25400" h="25400"/>
-      <a:bevelB w="25400" h="25400"/>
+    <dgm:sp3d z="-60000" prstMaterial="plastic">
+      <a:bevelT w="120900" h="88900"/>
+      <a:bevelB w="88900" h="31750" prst="angle"/>
     </dgm:sp3d>
     <dgm:txPr/>
     <dgm:style>
       <a:lnRef idx="0">
         <a:scrgbClr r="0" g="0" b="0"/>
       </a:lnRef>
-      <a:fillRef idx="1">
+      <a:fillRef idx="3">
         <a:scrgbClr r="0" g="0" b="0"/>
       </a:fillRef>
-      <a:effectRef idx="2">
+      <a:effectRef idx="1">
         <a:scrgbClr r="0" g="0" b="0"/>
       </a:effectRef>
       <a:fontRef idx="minor">
@@ -2792,21 +3518,21 @@
   <dgm:styleLbl name="parChTrans2D4">
     <dgm:scene3d>
       <a:camera prst="orthographicFront"/>
-      <a:lightRig rig="threePt" dir="t"/>
+      <a:lightRig rig="flat" dir="t"/>
     </dgm:scene3d>
-    <dgm:sp3d z="-25400" prstMaterial="plastic">
-      <a:bevelT w="25400" h="25400"/>
-      <a:bevelB w="25400" h="25400"/>
+    <dgm:sp3d z="-60000" prstMaterial="plastic">
+      <a:bevelT w="120900" h="88900"/>
+      <a:bevelB w="88900" h="31750" prst="angle"/>
     </dgm:sp3d>
     <dgm:txPr/>
     <dgm:style>
       <a:lnRef idx="0">
         <a:scrgbClr r="0" g="0" b="0"/>
       </a:lnRef>
-      <a:fillRef idx="1">
+      <a:fillRef idx="3">
         <a:scrgbClr r="0" g="0" b="0"/>
       </a:fillRef>
-      <a:effectRef idx="2">
+      <a:effectRef idx="1">
         <a:scrgbClr r="0" g="0" b="0"/>
       </a:effectRef>
       <a:fontRef idx="minor">
@@ -2817,9 +3543,9 @@
   <dgm:styleLbl name="parChTrans1D1">
     <dgm:scene3d>
       <a:camera prst="orthographicFront"/>
-      <a:lightRig rig="threePt" dir="t"/>
+      <a:lightRig rig="flat" dir="t"/>
     </dgm:scene3d>
-    <dgm:sp3d z="-25400" prstMaterial="plastic"/>
+    <dgm:sp3d prstMaterial="matte"/>
     <dgm:txPr/>
     <dgm:style>
       <a:lnRef idx="2">
@@ -2831,17 +3557,15 @@
       <a:effectRef idx="0">
         <a:scrgbClr r="0" g="0" b="0"/>
       </a:effectRef>
-      <a:fontRef idx="minor">
-        <a:schemeClr val="tx1"/>
-      </a:fontRef>
+      <a:fontRef idx="minor"/>
     </dgm:style>
   </dgm:styleLbl>
   <dgm:styleLbl name="parChTrans1D2">
     <dgm:scene3d>
       <a:camera prst="orthographicFront"/>
-      <a:lightRig rig="threePt" dir="t"/>
+      <a:lightRig rig="flat" dir="t"/>
     </dgm:scene3d>
-    <dgm:sp3d z="-25400" prstMaterial="plastic"/>
+    <dgm:sp3d prstMaterial="matte"/>
     <dgm:txPr/>
     <dgm:style>
       <a:lnRef idx="2">
@@ -2853,17 +3577,15 @@
       <a:effectRef idx="0">
         <a:scrgbClr r="0" g="0" b="0"/>
       </a:effectRef>
-      <a:fontRef idx="minor">
-        <a:schemeClr val="tx1"/>
-      </a:fontRef>
+      <a:fontRef idx="minor"/>
     </dgm:style>
   </dgm:styleLbl>
   <dgm:styleLbl name="parChTrans1D3">
     <dgm:scene3d>
       <a:camera prst="orthographicFront"/>
-      <a:lightRig rig="threePt" dir="t"/>
+      <a:lightRig rig="flat" dir="t"/>
     </dgm:scene3d>
-    <dgm:sp3d z="-25400" prstMaterial="plastic"/>
+    <dgm:sp3d prstMaterial="matte"/>
     <dgm:txPr/>
     <dgm:style>
       <a:lnRef idx="2">
@@ -2875,17 +3597,15 @@
       <a:effectRef idx="0">
         <a:scrgbClr r="0" g="0" b="0"/>
       </a:effectRef>
-      <a:fontRef idx="minor">
-        <a:schemeClr val="tx1"/>
-      </a:fontRef>
+      <a:fontRef idx="minor"/>
     </dgm:style>
   </dgm:styleLbl>
   <dgm:styleLbl name="parChTrans1D4">
     <dgm:scene3d>
       <a:camera prst="orthographicFront"/>
-      <a:lightRig rig="threePt" dir="t"/>
+      <a:lightRig rig="flat" dir="t"/>
     </dgm:scene3d>
-    <dgm:sp3d z="-25400" prstMaterial="plastic"/>
+    <dgm:sp3d prstMaterial="matte"/>
     <dgm:txPr/>
     <dgm:style>
       <a:lnRef idx="2">
@@ -2897,19 +3617,16 @@
       <a:effectRef idx="0">
         <a:scrgbClr r="0" g="0" b="0"/>
       </a:effectRef>
-      <a:fontRef idx="minor">
-        <a:schemeClr val="tx1"/>
-      </a:fontRef>
+      <a:fontRef idx="minor"/>
     </dgm:style>
   </dgm:styleLbl>
   <dgm:styleLbl name="fgAcc1">
     <dgm:scene3d>
       <a:camera prst="orthographicFront"/>
-      <a:lightRig rig="threePt" dir="t"/>
+      <a:lightRig rig="flat" dir="t"/>
     </dgm:scene3d>
-    <dgm:sp3d z="50080" prstMaterial="plastic">
-      <a:bevelT w="25400" h="25400"/>
-      <a:bevelB w="25400" h="25400"/>
+    <dgm:sp3d z="190500" extrusionH="12700" prstMaterial="plastic">
+      <a:bevelT w="50800" h="50800"/>
     </dgm:sp3d>
     <dgm:txPr/>
     <dgm:style>
@@ -2928,11 +3645,10 @@
   <dgm:styleLbl name="conFgAcc1">
     <dgm:scene3d>
       <a:camera prst="orthographicFront"/>
-      <a:lightRig rig="threePt" dir="t"/>
+      <a:lightRig rig="flat" dir="t"/>
     </dgm:scene3d>
-    <dgm:sp3d z="-152400" prstMaterial="plastic">
-      <a:bevelT w="25400" h="25400"/>
-      <a:bevelB w="25400" h="25400"/>
+    <dgm:sp3d z="190500" extrusionH="12700" prstMaterial="plastic">
+      <a:bevelT w="50800" h="50800"/>
     </dgm:sp3d>
     <dgm:txPr/>
     <dgm:style>
@@ -2951,11 +3667,10 @@
   <dgm:styleLbl name="alignAcc1">
     <dgm:scene3d>
       <a:camera prst="orthographicFront"/>
-      <a:lightRig rig="threePt" dir="t"/>
+      <a:lightRig rig="flat" dir="t"/>
     </dgm:scene3d>
-    <dgm:sp3d prstMaterial="plastic">
-      <a:bevelT w="25400" h="25400"/>
-      <a:bevelB w="25400" h="25400"/>
+    <dgm:sp3d extrusionH="12700" prstMaterial="plastic">
+      <a:bevelT w="50800" h="50800"/>
     </dgm:sp3d>
     <dgm:txPr/>
     <dgm:style>
@@ -2974,11 +3689,10 @@
   <dgm:styleLbl name="trAlignAcc1">
     <dgm:scene3d>
       <a:camera prst="orthographicFront"/>
-      <a:lightRig rig="threePt" dir="t"/>
+      <a:lightRig rig="flat" dir="t"/>
     </dgm:scene3d>
-    <dgm:sp3d prstMaterial="plastic">
+    <dgm:sp3d extrusionH="12700" prstMaterial="plastic">
       <a:bevelT w="50800" h="50800"/>
-      <a:bevelB w="50800" h="50800"/>
     </dgm:sp3d>
     <dgm:txPr/>
     <dgm:style>
@@ -2997,11 +3711,10 @@
   <dgm:styleLbl name="bgAcc1">
     <dgm:scene3d>
       <a:camera prst="orthographicFront"/>
-      <a:lightRig rig="threePt" dir="t"/>
+      <a:lightRig rig="flat" dir="t"/>
     </dgm:scene3d>
-    <dgm:sp3d z="-152400" prstMaterial="plastic">
-      <a:bevelT w="25400" h="25400"/>
-      <a:bevelB w="25400" h="25400"/>
+    <dgm:sp3d z="-190500" extrusionH="12700" prstMaterial="plastic">
+      <a:bevelT w="50800" h="50800"/>
     </dgm:sp3d>
     <dgm:txPr/>
     <dgm:style>
@@ -3020,11 +3733,10 @@
   <dgm:styleLbl name="solidFgAcc1">
     <dgm:scene3d>
       <a:camera prst="orthographicFront"/>
-      <a:lightRig rig="threePt" dir="t"/>
+      <a:lightRig rig="flat" dir="t"/>
     </dgm:scene3d>
-    <dgm:sp3d z="152400" prstMaterial="plastic">
-      <a:bevelT w="25400" h="25400"/>
-      <a:bevelB w="25400" h="25400"/>
+    <dgm:sp3d z="190500" extrusionH="12700" prstMaterial="plastic">
+      <a:bevelT w="50800" h="50800"/>
     </dgm:sp3d>
     <dgm:txPr/>
     <dgm:style>
@@ -3043,11 +3755,10 @@
   <dgm:styleLbl name="solidAlignAcc1">
     <dgm:scene3d>
       <a:camera prst="orthographicFront"/>
-      <a:lightRig rig="threePt" dir="t"/>
+      <a:lightRig rig="flat" dir="t"/>
     </dgm:scene3d>
-    <dgm:sp3d prstMaterial="plastic">
-      <a:bevelT w="25400" h="25400"/>
-      <a:bevelB w="25400" h="25400"/>
+    <dgm:sp3d extrusionH="12700" prstMaterial="plastic">
+      <a:bevelT w="50800" h="50800"/>
     </dgm:sp3d>
     <dgm:txPr/>
     <dgm:style>
@@ -3066,11 +3777,10 @@
   <dgm:styleLbl name="solidBgAcc1">
     <dgm:scene3d>
       <a:camera prst="orthographicFront"/>
-      <a:lightRig rig="threePt" dir="t"/>
+      <a:lightRig rig="flat" dir="t"/>
     </dgm:scene3d>
-    <dgm:sp3d z="-152400" prstMaterial="plastic">
-      <a:bevelT w="25400" h="25400"/>
-      <a:bevelB w="25400" h="25400"/>
+    <dgm:sp3d z="-190500" extrusionH="12700" prstMaterial="plastic">
+      <a:bevelT w="50800" h="50800"/>
     </dgm:sp3d>
     <dgm:txPr/>
     <dgm:style>
@@ -3089,15 +3799,14 @@
   <dgm:styleLbl name="fgAccFollowNode1">
     <dgm:scene3d>
       <a:camera prst="orthographicFront"/>
-      <a:lightRig rig="threePt" dir="t"/>
+      <a:lightRig rig="flat" dir="t"/>
     </dgm:scene3d>
-    <dgm:sp3d z="50080" prstMaterial="plastic">
-      <a:bevelT w="25400" h="25400"/>
-      <a:bevelB w="25400" h="25400"/>
+    <dgm:sp3d z="190500" extrusionH="12700" prstMaterial="plastic">
+      <a:bevelT w="50800" h="50800"/>
     </dgm:sp3d>
     <dgm:txPr/>
     <dgm:style>
-      <a:lnRef idx="0">
+      <a:lnRef idx="1">
         <a:scrgbClr r="0" g="0" b="0"/>
       </a:lnRef>
       <a:fillRef idx="1">
@@ -3112,15 +3821,14 @@
   <dgm:styleLbl name="alignAccFollowNode1">
     <dgm:scene3d>
       <a:camera prst="orthographicFront"/>
-      <a:lightRig rig="threePt" dir="t"/>
+      <a:lightRig rig="flat" dir="t"/>
     </dgm:scene3d>
-    <dgm:sp3d prstMaterial="plastic">
-      <a:bevelT w="25400" h="25400"/>
-      <a:bevelB w="25400" h="25400"/>
+    <dgm:sp3d extrusionH="12700" prstMaterial="plastic">
+      <a:bevelT w="50800" h="50800"/>
     </dgm:sp3d>
     <dgm:txPr/>
     <dgm:style>
-      <a:lnRef idx="0">
+      <a:lnRef idx="1">
         <a:scrgbClr r="0" g="0" b="0"/>
       </a:lnRef>
       <a:fillRef idx="1">
@@ -3135,15 +3843,14 @@
   <dgm:styleLbl name="bgAccFollowNode1">
     <dgm:scene3d>
       <a:camera prst="orthographicFront"/>
-      <a:lightRig rig="threePt" dir="t"/>
+      <a:lightRig rig="flat" dir="t"/>
     </dgm:scene3d>
-    <dgm:sp3d z="-152400" prstMaterial="plastic">
-      <a:bevelT w="25400" h="25400"/>
-      <a:bevelB w="25400" h="25400"/>
+    <dgm:sp3d z="-190500" extrusionH="12700" prstMaterial="plastic">
+      <a:bevelT w="50800" h="50800"/>
     </dgm:sp3d>
     <dgm:txPr/>
     <dgm:style>
-      <a:lnRef idx="0">
+      <a:lnRef idx="1">
         <a:scrgbClr r="0" g="0" b="0"/>
       </a:lnRef>
       <a:fillRef idx="1">
@@ -3158,11 +3865,10 @@
   <dgm:styleLbl name="fgAcc0">
     <dgm:scene3d>
       <a:camera prst="orthographicFront"/>
-      <a:lightRig rig="threePt" dir="t"/>
+      <a:lightRig rig="flat" dir="t"/>
     </dgm:scene3d>
-    <dgm:sp3d z="50080" prstMaterial="plastic">
-      <a:bevelT w="25400" h="25400"/>
-      <a:bevelB w="25400" h="25400"/>
+    <dgm:sp3d z="190500" extrusionH="12700" prstMaterial="plastic">
+      <a:bevelT w="50800" h="50800"/>
     </dgm:sp3d>
     <dgm:txPr/>
     <dgm:style>
@@ -3172,7 +3878,7 @@
       <a:fillRef idx="1">
         <a:scrgbClr r="0" g="0" b="0"/>
       </a:fillRef>
-      <a:effectRef idx="0">
+      <a:effectRef idx="2">
         <a:scrgbClr r="0" g="0" b="0"/>
       </a:effectRef>
       <a:fontRef idx="minor"/>
@@ -3181,11 +3887,10 @@
   <dgm:styleLbl name="fgAcc2">
     <dgm:scene3d>
       <a:camera prst="orthographicFront"/>
-      <a:lightRig rig="threePt" dir="t"/>
+      <a:lightRig rig="flat" dir="t"/>
     </dgm:scene3d>
-    <dgm:sp3d z="50080" prstMaterial="plastic">
-      <a:bevelT w="25400" h="25400"/>
-      <a:bevelB w="25400" h="25400"/>
+    <dgm:sp3d z="190500" extrusionH="12700" prstMaterial="plastic">
+      <a:bevelT w="50800" h="50800"/>
     </dgm:sp3d>
     <dgm:txPr/>
     <dgm:style>
@@ -3195,7 +3900,7 @@
       <a:fillRef idx="1">
         <a:scrgbClr r="0" g="0" b="0"/>
       </a:fillRef>
-      <a:effectRef idx="0">
+      <a:effectRef idx="2">
         <a:scrgbClr r="0" g="0" b="0"/>
       </a:effectRef>
       <a:fontRef idx="minor"/>
@@ -3204,11 +3909,10 @@
   <dgm:styleLbl name="fgAcc3">
     <dgm:scene3d>
       <a:camera prst="orthographicFront"/>
-      <a:lightRig rig="threePt" dir="t"/>
+      <a:lightRig rig="flat" dir="t"/>
     </dgm:scene3d>
-    <dgm:sp3d z="50080" prstMaterial="plastic">
-      <a:bevelT w="25400" h="25400"/>
-      <a:bevelB w="25400" h="25400"/>
+    <dgm:sp3d z="190500" extrusionH="12700" prstMaterial="plastic">
+      <a:bevelT w="50800" h="50800"/>
     </dgm:sp3d>
     <dgm:txPr/>
     <dgm:style>
@@ -3218,7 +3922,7 @@
       <a:fillRef idx="1">
         <a:scrgbClr r="0" g="0" b="0"/>
       </a:fillRef>
-      <a:effectRef idx="0">
+      <a:effectRef idx="2">
         <a:scrgbClr r="0" g="0" b="0"/>
       </a:effectRef>
       <a:fontRef idx="minor"/>
@@ -3227,11 +3931,10 @@
   <dgm:styleLbl name="fgAcc4">
     <dgm:scene3d>
       <a:camera prst="orthographicFront"/>
-      <a:lightRig rig="threePt" dir="t"/>
+      <a:lightRig rig="flat" dir="t"/>
     </dgm:scene3d>
-    <dgm:sp3d z="50080" prstMaterial="plastic">
-      <a:bevelT w="25400" h="25400"/>
-      <a:bevelB w="25400" h="25400"/>
+    <dgm:sp3d z="190500" extrusionH="12700" prstMaterial="plastic">
+      <a:bevelT w="50800" h="50800"/>
     </dgm:sp3d>
     <dgm:txPr/>
     <dgm:style>
@@ -3241,7 +3944,7 @@
       <a:fillRef idx="1">
         <a:scrgbClr r="0" g="0" b="0"/>
       </a:fillRef>
-      <a:effectRef idx="0">
+      <a:effectRef idx="2">
         <a:scrgbClr r="0" g="0" b="0"/>
       </a:effectRef>
       <a:fontRef idx="minor"/>
@@ -3250,18 +3953,17 @@
   <dgm:styleLbl name="bgShp">
     <dgm:scene3d>
       <a:camera prst="orthographicFront"/>
-      <a:lightRig rig="threePt" dir="t"/>
+      <a:lightRig rig="flat" dir="t"/>
     </dgm:scene3d>
-    <dgm:sp3d z="-152400" prstMaterial="plastic">
-      <a:bevelT w="25400" h="25400"/>
-      <a:bevelB w="25400" h="25400"/>
+    <dgm:sp3d z="-190500" extrusionH="12700" prstMaterial="plastic">
+      <a:bevelT w="50800" h="50800"/>
     </dgm:sp3d>
     <dgm:txPr/>
     <dgm:style>
       <a:lnRef idx="0">
         <a:scrgbClr r="0" g="0" b="0"/>
       </a:lnRef>
-      <a:fillRef idx="1">
+      <a:fillRef idx="3">
         <a:scrgbClr r="0" g="0" b="0"/>
       </a:fillRef>
       <a:effectRef idx="0">
@@ -3273,21 +3975,20 @@
   <dgm:styleLbl name="dkBgShp">
     <dgm:scene3d>
       <a:camera prst="orthographicFront"/>
-      <a:lightRig rig="threePt" dir="t"/>
+      <a:lightRig rig="flat" dir="t"/>
     </dgm:scene3d>
-    <dgm:sp3d prstMaterial="plastic">
+    <dgm:sp3d z="-190500" extrusionH="12700" prstMaterial="plastic">
       <a:bevelT w="50800" h="50800"/>
-      <a:bevelB w="50800" h="50800"/>
     </dgm:sp3d>
     <dgm:txPr/>
     <dgm:style>
       <a:lnRef idx="0">
         <a:scrgbClr r="0" g="0" b="0"/>
       </a:lnRef>
-      <a:fillRef idx="1">
+      <a:fillRef idx="2">
         <a:scrgbClr r="0" g="0" b="0"/>
       </a:fillRef>
-      <a:effectRef idx="2">
+      <a:effectRef idx="0">
         <a:scrgbClr r="0" g="0" b="0"/>
       </a:effectRef>
       <a:fontRef idx="minor"/>
@@ -3296,9 +3997,9 @@
   <dgm:styleLbl name="trBgShp">
     <dgm:scene3d>
       <a:camera prst="orthographicFront"/>
-      <a:lightRig rig="threePt" dir="t"/>
+      <a:lightRig rig="flat" dir="t"/>
     </dgm:scene3d>
-    <dgm:sp3d z="-10400" extrusionH="12700" prstMaterial="plastic"/>
+    <dgm:sp3d z="-190500" extrusionH="12700" prstMaterial="matte"/>
     <dgm:txPr/>
     <dgm:style>
       <a:lnRef idx="0">
@@ -3316,11 +4017,11 @@
   <dgm:styleLbl name="fgShp">
     <dgm:scene3d>
       <a:camera prst="orthographicFront"/>
-      <a:lightRig rig="threePt" dir="t"/>
+      <a:lightRig rig="flat" dir="t"/>
     </dgm:scene3d>
-    <dgm:sp3d z="50080" prstMaterial="plastic">
-      <a:bevelT w="50800" h="50800"/>
-      <a:bevelB w="50800" h="50800"/>
+    <dgm:sp3d z="190500" prstMaterial="plastic">
+      <a:bevelT w="120900" h="88900"/>
+      <a:bevelB w="88900" h="31750" prst="angle"/>
     </dgm:sp3d>
     <dgm:txPr/>
     <dgm:style>
@@ -3330,10 +4031,12 @@
       <a:fillRef idx="1">
         <a:scrgbClr r="0" g="0" b="0"/>
       </a:fillRef>
-      <a:effectRef idx="2">
+      <a:effectRef idx="3">
         <a:scrgbClr r="0" g="0" b="0"/>
       </a:effectRef>
-      <a:fontRef idx="minor"/>
+      <a:fontRef idx="minor">
+        <a:schemeClr val="lt1"/>
+      </a:fontRef>
     </dgm:style>
   </dgm:styleLbl>
   <dgm:styleLbl name="revTx">
@@ -3347,7 +4050,7 @@
       <a:lnRef idx="0">
         <a:scrgbClr r="0" g="0" b="0"/>
       </a:lnRef>
-      <a:fillRef idx="1">
+      <a:fillRef idx="0">
         <a:scrgbClr r="0" g="0" b="0"/>
       </a:fillRef>
       <a:effectRef idx="0">
@@ -3441,7 +4144,7 @@
           <a:p>
             <a:fld id="{3C82C259-0100-4357-933D-27583B746048}" type="datetime1">
               <a:rPr lang="pt-PT" smtClean="0"/>
-              <a:t>23/03/2015</a:t>
+              <a:t>23-03-2015</a:t>
             </a:fld>
             <a:endParaRPr/>
           </a:p>
@@ -3607,7 +4310,7 @@
           <a:p>
             <a:fld id="{4CEE548C-493F-4FD1-9ECB-917AA81544ED}" type="datetime1">
               <a:rPr lang="pt-PT" smtClean="0"/>
-              <a:t>23/03/2015</a:t>
+              <a:t>23-03-2015</a:t>
             </a:fld>
             <a:endParaRPr/>
           </a:p>
@@ -3963,7 +4666,7 @@
           <a:p>
             <a:fld id="{AD07E7F5-D94A-4B9A-9916-8485E0C2D024}" type="datetime1">
               <a:rPr lang="pt-PT" smtClean="0"/>
-              <a:t>23/03/2015</a:t>
+              <a:t>23-03-2015</a:t>
             </a:fld>
             <a:endParaRPr lang="pt-PT"/>
           </a:p>
@@ -4070,7 +4773,7 @@
           <a:p>
             <a:fld id="{47C351CA-D947-4DE9-B94F-31EF78C02738}" type="datetime1">
               <a:rPr lang="pt-PT" smtClean="0"/>
-              <a:t>23/03/2015</a:t>
+              <a:t>23-03-2015</a:t>
             </a:fld>
             <a:endParaRPr lang="pt-PT"/>
           </a:p>
@@ -4177,7 +4880,7 @@
           <a:p>
             <a:fld id="{AD07E7F5-D94A-4B9A-9916-8485E0C2D024}" type="datetime1">
               <a:rPr lang="pt-PT" smtClean="0"/>
-              <a:t>23/03/2015</a:t>
+              <a:t>23-03-2015</a:t>
             </a:fld>
             <a:endParaRPr lang="pt-PT"/>
           </a:p>
@@ -4186,7 +4889,7 @@
     </p:spTree>
     <p:extLst>
       <p:ext uri="{BB962C8B-B14F-4D97-AF65-F5344CB8AC3E}">
-        <p14:creationId xmlns:p14="http://schemas.microsoft.com/office/powerpoint/2010/main" val="425599305"/>
+        <p14:creationId xmlns:p14="http://schemas.microsoft.com/office/powerpoint/2010/main" val="763271940"/>
       </p:ext>
     </p:extLst>
   </p:cSld>
@@ -8127,8 +8830,8 @@
         </p:nvSpPr>
         <p:spPr>
           <a:xfrm>
-            <a:off x="513792" y="908720"/>
-            <a:ext cx="11161240" cy="3456384"/>
+            <a:off x="0" y="2419748"/>
+            <a:ext cx="8784976" cy="2520280"/>
           </a:xfrm>
         </p:spPr>
         <p:txBody>
@@ -8164,20 +8867,36 @@
               </a:rPr>
             </a:br>
             <a:r>
-              <a:rPr lang="pt-PT" sz="6600" b="1" dirty="0" smtClean="0">
+              <a:rPr lang="pt-PT" sz="6600" b="1" spc="0" dirty="0" smtClean="0">
+                <a:ln w="0"/>
                 <a:solidFill>
-                  <a:schemeClr val="tx1"/>
+                  <a:schemeClr val="accent1"/>
                 </a:solidFill>
-                <a:latin typeface="Consolas"/>
+                <a:effectLst>
+                  <a:outerShdw blurRad="38100" dist="25400" dir="5400000" algn="ctr" rotWithShape="0">
+                    <a:srgbClr val="6E747A">
+                      <a:alpha val="43000"/>
+                    </a:srgbClr>
+                  </a:outerShdw>
+                </a:effectLst>
+                <a:latin typeface="Calibri" panose="020F0502020204030204" pitchFamily="34" charset="0"/>
               </a:rPr>
               <a:t>Aprende com os </a:t>
             </a:r>
             <a:r>
-              <a:rPr lang="pt-PT" sz="6600" b="1" dirty="0" err="1" smtClean="0">
+              <a:rPr lang="pt-PT" sz="6600" b="1" spc="0" dirty="0" err="1" smtClean="0">
+                <a:ln w="0"/>
                 <a:solidFill>
-                  <a:schemeClr val="tx1"/>
+                  <a:schemeClr val="accent1"/>
                 </a:solidFill>
-                <a:latin typeface="Consolas"/>
+                <a:effectLst>
+                  <a:outerShdw blurRad="38100" dist="25400" dir="5400000" algn="ctr" rotWithShape="0">
+                    <a:srgbClr val="6E747A">
+                      <a:alpha val="43000"/>
+                    </a:srgbClr>
+                  </a:outerShdw>
+                </a:effectLst>
+                <a:latin typeface="Calibri" panose="020F0502020204030204" pitchFamily="34" charset="0"/>
               </a:rPr>
               <a:t>Minions</a:t>
             </a:r>
@@ -8215,56 +8934,6 @@
                 <a:latin typeface="Consolas"/>
               </a:rPr>
             </a:br>
-            <a:r>
-              <a:rPr lang="pt-PT" sz="3200" dirty="0" smtClean="0">
-                <a:latin typeface="Consolas"/>
-              </a:rPr>
-              <a:t>Laboratórios de Informática </a:t>
-            </a:r>
-            <a:r>
-              <a:rPr lang="pt-PT" sz="3200" dirty="0" smtClean="0">
-                <a:latin typeface="Consolas"/>
-              </a:rPr>
-              <a:t>IV</a:t>
-            </a:r>
-            <a:r>
-              <a:rPr lang="pt-PT" sz="3200" b="0" i="0" dirty="0" smtClean="0">
-                <a:solidFill>
-                  <a:schemeClr val="tx1"/>
-                </a:solidFill>
-                <a:latin typeface="Consolas"/>
-              </a:rPr>
-              <a:t/>
-            </a:r>
-            <a:br>
-              <a:rPr lang="pt-PT" sz="3200" b="0" i="0" dirty="0" smtClean="0">
-                <a:solidFill>
-                  <a:schemeClr val="tx1"/>
-                </a:solidFill>
-                <a:latin typeface="Consolas"/>
-              </a:rPr>
-            </a:br>
-            <a:r>
-              <a:rPr lang="pt-PT" sz="3200" dirty="0" smtClean="0">
-                <a:latin typeface="Consolas"/>
-              </a:rPr>
-              <a:t>Licenciatura em Engenharia </a:t>
-            </a:r>
-            <a:r>
-              <a:rPr lang="pt-PT" sz="3200" dirty="0" smtClean="0">
-                <a:latin typeface="Consolas"/>
-              </a:rPr>
-              <a:t>Informática</a:t>
-            </a:r>
-            <a:br>
-              <a:rPr lang="pt-PT" sz="3200" dirty="0" smtClean="0">
-                <a:latin typeface="Consolas"/>
-              </a:rPr>
-            </a:br>
-            <a:r>
-              <a:rPr lang="pt-PT" sz="3200" dirty="0"/>
-              <a:t>Universidade do Minho</a:t>
-            </a:r>
             <a:endParaRPr lang="pt-PT" sz="3200" b="0" i="0" dirty="0">
               <a:solidFill>
                 <a:schemeClr val="tx1"/>
@@ -8286,13 +8955,13 @@
         </p:nvSpPr>
         <p:spPr>
           <a:xfrm>
-            <a:off x="513792" y="4526376"/>
-            <a:ext cx="4212468" cy="1916832"/>
+            <a:off x="333772" y="4725144"/>
+            <a:ext cx="4392488" cy="1512168"/>
           </a:xfrm>
         </p:spPr>
         <p:txBody>
           <a:bodyPr>
-            <a:normAutofit/>
+            <a:normAutofit fontScale="85000" lnSpcReduction="20000"/>
           </a:bodyPr>
           <a:lstStyle/>
           <a:p>
@@ -8303,7 +8972,12 @@
               <a:buNone/>
             </a:pPr>
             <a:r>
-              <a:rPr lang="pt-PT" dirty="0" smtClean="0"/>
+              <a:rPr lang="pt-PT" sz="2600" dirty="0" smtClean="0">
+                <a:solidFill>
+                  <a:schemeClr val="tx1"/>
+                </a:solidFill>
+                <a:latin typeface="+mn-lt"/>
+              </a:rPr>
               <a:t>André Geraldes (67673)</a:t>
             </a:r>
           </a:p>
@@ -8315,12 +8989,11 @@
               <a:buNone/>
             </a:pPr>
             <a:r>
-              <a:rPr lang="pt-PT" b="0" i="0" dirty="0" smtClean="0">
+              <a:rPr lang="pt-PT" sz="2600" b="0" i="0" dirty="0" smtClean="0">
                 <a:solidFill>
-                  <a:schemeClr val="tx1">
-                    <a:tint val="75000"/>
-                  </a:schemeClr>
+                  <a:schemeClr val="tx1"/>
                 </a:solidFill>
+                <a:latin typeface="+mn-lt"/>
               </a:rPr>
               <a:t>Bruno Barbosa (67646)</a:t>
             </a:r>
@@ -8333,12 +9006,11 @@
               <a:buNone/>
             </a:pPr>
             <a:r>
-              <a:rPr lang="pt-PT" b="0" i="0" dirty="0" smtClean="0">
+              <a:rPr lang="pt-PT" sz="2600" b="0" i="0" dirty="0" smtClean="0">
                 <a:solidFill>
-                  <a:schemeClr val="tx1">
-                    <a:tint val="75000"/>
-                  </a:schemeClr>
+                  <a:schemeClr val="tx1"/>
                 </a:solidFill>
+                <a:latin typeface="+mn-lt"/>
               </a:rPr>
               <a:t>Patrícia Barros (67665)</a:t>
             </a:r>
@@ -8351,7 +9023,12 @@
               <a:buNone/>
             </a:pPr>
             <a:r>
-              <a:rPr lang="pt-PT" dirty="0" smtClean="0"/>
+              <a:rPr lang="pt-PT" sz="2600" dirty="0" smtClean="0">
+                <a:solidFill>
+                  <a:schemeClr val="tx1"/>
+                </a:solidFill>
+                <a:latin typeface="+mn-lt"/>
+              </a:rPr>
               <a:t>Sandra Ferreira (67709)</a:t>
             </a:r>
           </a:p>
@@ -8363,12 +9040,11 @@
               <a:buNone/>
             </a:pPr>
             <a:r>
-              <a:rPr lang="pt-PT" b="0" i="0" dirty="0" smtClean="0">
+              <a:rPr lang="pt-PT" sz="2600" b="0" i="0" dirty="0" smtClean="0">
                 <a:solidFill>
-                  <a:schemeClr val="tx1">
-                    <a:tint val="75000"/>
-                  </a:schemeClr>
+                  <a:schemeClr val="tx1"/>
                 </a:solidFill>
+                <a:latin typeface="+mn-lt"/>
               </a:rPr>
               <a:t>Tiago Cunha (67707)</a:t>
             </a:r>
@@ -8447,6 +9123,164 @@
           </a:p>
         </p:txBody>
       </p:sp>
+      <p:grpSp>
+        <p:nvGrpSpPr>
+          <p:cNvPr id="8" name="Grupo 7"/>
+          <p:cNvGrpSpPr/>
+          <p:nvPr/>
+        </p:nvGrpSpPr>
+        <p:grpSpPr>
+          <a:xfrm>
+            <a:off x="131873" y="218460"/>
+            <a:ext cx="5530491" cy="884108"/>
+            <a:chOff x="131873" y="218460"/>
+            <a:chExt cx="5530491" cy="884108"/>
+          </a:xfrm>
+        </p:grpSpPr>
+        <p:sp>
+          <p:nvSpPr>
+            <p:cNvPr id="6" name="CaixaDeTexto 5"/>
+            <p:cNvSpPr txBox="1"/>
+            <p:nvPr/>
+          </p:nvSpPr>
+          <p:spPr>
+            <a:xfrm>
+              <a:off x="1989956" y="251631"/>
+              <a:ext cx="3672408" cy="830997"/>
+            </a:xfrm>
+            <a:prstGeom prst="rect">
+              <a:avLst/>
+            </a:prstGeom>
+            <a:noFill/>
+          </p:spPr>
+          <p:txBody>
+            <a:bodyPr wrap="square" rtlCol="0">
+              <a:spAutoFit/>
+            </a:bodyPr>
+            <a:lstStyle/>
+            <a:p>
+              <a:r>
+                <a:rPr lang="pt-PT" sz="1600" dirty="0" smtClean="0">
+                  <a:solidFill>
+                    <a:schemeClr val="bg1">
+                      <a:lumMod val="65000"/>
+                    </a:schemeClr>
+                  </a:solidFill>
+                </a:rPr>
+                <a:t>Universidade do Minho</a:t>
+              </a:r>
+              <a:r>
+                <a:rPr lang="pt-PT" sz="1600" dirty="0">
+                  <a:solidFill>
+                    <a:schemeClr val="bg1">
+                      <a:lumMod val="65000"/>
+                    </a:schemeClr>
+                  </a:solidFill>
+                </a:rPr>
+                <a:t/>
+              </a:r>
+              <a:br>
+                <a:rPr lang="pt-PT" sz="1600" dirty="0">
+                  <a:solidFill>
+                    <a:schemeClr val="bg1">
+                      <a:lumMod val="65000"/>
+                    </a:schemeClr>
+                  </a:solidFill>
+                </a:rPr>
+              </a:br>
+              <a:r>
+                <a:rPr lang="pt-PT" sz="1600" dirty="0" smtClean="0">
+                  <a:solidFill>
+                    <a:schemeClr val="bg1">
+                      <a:lumMod val="65000"/>
+                    </a:schemeClr>
+                  </a:solidFill>
+                </a:rPr>
+                <a:t>Licenciatura em Engenharia Informática</a:t>
+              </a:r>
+            </a:p>
+            <a:p>
+              <a:r>
+                <a:rPr lang="pt-PT" sz="1600" dirty="0" smtClean="0">
+                  <a:solidFill>
+                    <a:schemeClr val="bg1">
+                      <a:lumMod val="65000"/>
+                    </a:schemeClr>
+                  </a:solidFill>
+                </a:rPr>
+                <a:t>Laboratórios de Informática IV</a:t>
+              </a:r>
+              <a:endParaRPr lang="pt-PT" sz="1600" dirty="0">
+                <a:solidFill>
+                  <a:schemeClr val="bg1">
+                    <a:lumMod val="65000"/>
+                  </a:schemeClr>
+                </a:solidFill>
+              </a:endParaRPr>
+            </a:p>
+          </p:txBody>
+        </p:sp>
+        <p:pic>
+          <p:nvPicPr>
+            <p:cNvPr id="7" name="Imagem 6"/>
+            <p:cNvPicPr>
+              <a:picLocks noChangeAspect="1"/>
+            </p:cNvPicPr>
+            <p:nvPr/>
+          </p:nvPicPr>
+          <p:blipFill>
+            <a:blip r:embed="rId3" cstate="print">
+              <a:extLst>
+                <a:ext uri="{28A0092B-C50C-407E-A947-70E740481C1C}">
+                  <a14:useLocalDpi xmlns:a14="http://schemas.microsoft.com/office/drawing/2010/main" val="0"/>
+                </a:ext>
+              </a:extLst>
+            </a:blip>
+            <a:stretch>
+              <a:fillRect/>
+            </a:stretch>
+          </p:blipFill>
+          <p:spPr>
+            <a:xfrm>
+              <a:off x="131873" y="218460"/>
+              <a:ext cx="1786076" cy="884108"/>
+            </a:xfrm>
+            <a:prstGeom prst="rect">
+              <a:avLst/>
+            </a:prstGeom>
+          </p:spPr>
+        </p:pic>
+      </p:grpSp>
+      <p:pic>
+        <p:nvPicPr>
+          <p:cNvPr id="9" name="Imagem 8"/>
+          <p:cNvPicPr>
+            <a:picLocks noChangeAspect="1"/>
+          </p:cNvPicPr>
+          <p:nvPr/>
+        </p:nvPicPr>
+        <p:blipFill>
+          <a:blip r:embed="rId4">
+            <a:extLst>
+              <a:ext uri="{28A0092B-C50C-407E-A947-70E740481C1C}">
+                <a14:useLocalDpi xmlns:a14="http://schemas.microsoft.com/office/drawing/2010/main" val="0"/>
+              </a:ext>
+            </a:extLst>
+          </a:blip>
+          <a:stretch>
+            <a:fillRect/>
+          </a:stretch>
+        </p:blipFill>
+        <p:spPr>
+          <a:xfrm>
+            <a:off x="9262764" y="2060848"/>
+            <a:ext cx="2247900" cy="2247900"/>
+          </a:xfrm>
+          <a:prstGeom prst="rect">
+            <a:avLst/>
+          </a:prstGeom>
+        </p:spPr>
+      </p:pic>
     </p:spTree>
     <p:extLst>
       <p:ext uri="{BB962C8B-B14F-4D97-AF65-F5344CB8AC3E}">
@@ -8508,8 +9342,8 @@
         </p:nvSpPr>
         <p:spPr>
           <a:xfrm>
-            <a:off x="513792" y="332656"/>
-            <a:ext cx="11161240" cy="4032448"/>
+            <a:off x="0" y="2419748"/>
+            <a:ext cx="8784976" cy="2520280"/>
           </a:xfrm>
         </p:spPr>
         <p:txBody>
@@ -8518,14 +9352,10 @@
           </a:bodyPr>
           <a:lstStyle/>
           <a:p>
-            <a:pPr algn="ctr" defTabSz="914400">
-              <a:lnSpc>
-                <a:spcPct val="90000"/>
-              </a:lnSpc>
+            <a:pPr algn="ctr">
               <a:spcBef>
                 <a:spcPts val="0"/>
               </a:spcBef>
-              <a:buNone/>
             </a:pPr>
             <a:r>
               <a:rPr lang="pt-PT" sz="7200" b="0" i="0" dirty="0" smtClean="0">
@@ -8549,15 +9379,38 @@
               </a:rPr>
             </a:br>
             <a:r>
-              <a:rPr lang="pt-PT" sz="7200" b="1" dirty="0" smtClean="0">
+              <a:rPr lang="pt-PT" sz="6600" b="1" spc="0" dirty="0" smtClean="0">
+                <a:ln w="0"/>
                 <a:solidFill>
-                  <a:schemeClr val="tx1"/>
+                  <a:schemeClr val="accent1"/>
                 </a:solidFill>
-                <a:latin typeface="Consolas"/>
-                <a:ea typeface="+mj-ea"/>
-                <a:cs typeface="+mj-cs"/>
+                <a:effectLst>
+                  <a:outerShdw blurRad="38100" dist="25400" dir="5400000" algn="ctr" rotWithShape="0">
+                    <a:srgbClr val="6E747A">
+                      <a:alpha val="43000"/>
+                    </a:srgbClr>
+                  </a:outerShdw>
+                </a:effectLst>
+                <a:latin typeface="Calibri" panose="020F0502020204030204" pitchFamily="34" charset="0"/>
               </a:rPr>
-              <a:t>Assistente Pedagógico</a:t>
+              <a:t>Aprende com os </a:t>
+            </a:r>
+            <a:r>
+              <a:rPr lang="pt-PT" sz="6600" b="1" spc="0" dirty="0" err="1" smtClean="0">
+                <a:ln w="0"/>
+                <a:solidFill>
+                  <a:schemeClr val="accent1"/>
+                </a:solidFill>
+                <a:effectLst>
+                  <a:outerShdw blurRad="38100" dist="25400" dir="5400000" algn="ctr" rotWithShape="0">
+                    <a:srgbClr val="6E747A">
+                      <a:alpha val="43000"/>
+                    </a:srgbClr>
+                  </a:outerShdw>
+                </a:effectLst>
+                <a:latin typeface="Calibri" panose="020F0502020204030204" pitchFamily="34" charset="0"/>
+              </a:rPr>
+              <a:t>Minions</a:t>
             </a:r>
             <a:r>
               <a:rPr lang="pt-PT" sz="7200" b="0" i="0" dirty="0" smtClean="0">
@@ -8565,8 +9418,6 @@
                   <a:schemeClr val="tx1"/>
                 </a:solidFill>
                 <a:latin typeface="Consolas"/>
-                <a:ea typeface="+mj-ea"/>
-                <a:cs typeface="+mj-cs"/>
               </a:rPr>
               <a:t/>
             </a:r>
@@ -8576,8 +9427,6 @@
                   <a:schemeClr val="tx1"/>
                 </a:solidFill>
                 <a:latin typeface="Consolas"/>
-                <a:ea typeface="+mj-ea"/>
-                <a:cs typeface="+mj-cs"/>
               </a:rPr>
             </a:br>
             <a:r>
@@ -8586,8 +9435,6 @@
                   <a:schemeClr val="tx1"/>
                 </a:solidFill>
                 <a:latin typeface="Consolas"/>
-                <a:ea typeface="+mj-ea"/>
-                <a:cs typeface="+mj-cs"/>
               </a:rPr>
               <a:t/>
             </a:r>
@@ -8597,71 +9444,13 @@
                   <a:schemeClr val="tx1"/>
                 </a:solidFill>
                 <a:latin typeface="Consolas"/>
-                <a:ea typeface="+mj-ea"/>
-                <a:cs typeface="+mj-cs"/>
               </a:rPr>
             </a:br>
-            <a:r>
-              <a:rPr lang="pt-PT" sz="3200" dirty="0" smtClean="0">
-                <a:latin typeface="Consolas"/>
-              </a:rPr>
-              <a:t>Laboratórios de Informática 4</a:t>
-            </a:r>
-            <a:r>
-              <a:rPr lang="pt-PT" sz="7200" b="0" i="0" dirty="0" smtClean="0">
-                <a:solidFill>
-                  <a:schemeClr val="tx1"/>
-                </a:solidFill>
-                <a:latin typeface="Consolas"/>
-                <a:ea typeface="+mj-ea"/>
-                <a:cs typeface="+mj-cs"/>
-              </a:rPr>
-              <a:t/>
-            </a:r>
-            <a:br>
-              <a:rPr lang="pt-PT" sz="7200" b="0" i="0" dirty="0" smtClean="0">
-                <a:solidFill>
-                  <a:schemeClr val="tx1"/>
-                </a:solidFill>
-                <a:latin typeface="Consolas"/>
-                <a:ea typeface="+mj-ea"/>
-                <a:cs typeface="+mj-cs"/>
-              </a:rPr>
-            </a:br>
-            <a:r>
-              <a:rPr lang="pt-PT" sz="3200" b="0" i="0" dirty="0" smtClean="0">
-                <a:solidFill>
-                  <a:schemeClr val="tx1"/>
-                </a:solidFill>
-                <a:latin typeface="Consolas"/>
-                <a:ea typeface="+mj-ea"/>
-                <a:cs typeface="+mj-cs"/>
-              </a:rPr>
-              <a:t>Universidade do Minho</a:t>
-            </a:r>
-            <a:br>
-              <a:rPr lang="pt-PT" sz="3200" b="0" i="0" dirty="0" smtClean="0">
-                <a:solidFill>
-                  <a:schemeClr val="tx1"/>
-                </a:solidFill>
-                <a:latin typeface="Consolas"/>
-                <a:ea typeface="+mj-ea"/>
-                <a:cs typeface="+mj-cs"/>
-              </a:rPr>
-            </a:br>
-            <a:r>
-              <a:rPr lang="pt-PT" sz="3200" dirty="0" smtClean="0">
-                <a:latin typeface="Consolas"/>
-              </a:rPr>
-              <a:t>Licenciatura em Engenharia Informática</a:t>
-            </a:r>
-            <a:endParaRPr lang="pt-PT" sz="7200" b="0" i="0" dirty="0">
+            <a:endParaRPr lang="pt-PT" sz="3200" b="0" i="0" dirty="0">
               <a:solidFill>
                 <a:schemeClr val="tx1"/>
               </a:solidFill>
               <a:latin typeface="Consolas"/>
-              <a:ea typeface="+mj-ea"/>
-              <a:cs typeface="+mj-cs"/>
             </a:endParaRPr>
           </a:p>
         </p:txBody>
@@ -8678,13 +9467,13 @@
         </p:nvSpPr>
         <p:spPr>
           <a:xfrm>
-            <a:off x="513793" y="4941168"/>
-            <a:ext cx="3492387" cy="1916832"/>
+            <a:off x="333772" y="4725144"/>
+            <a:ext cx="4392488" cy="1512168"/>
           </a:xfrm>
         </p:spPr>
         <p:txBody>
           <a:bodyPr>
-            <a:normAutofit fontScale="85000" lnSpcReduction="10000"/>
+            <a:normAutofit fontScale="85000" lnSpcReduction="20000"/>
           </a:bodyPr>
           <a:lstStyle/>
           <a:p>
@@ -8695,7 +9484,12 @@
               <a:buNone/>
             </a:pPr>
             <a:r>
-              <a:rPr lang="pt-PT" dirty="0" smtClean="0"/>
+              <a:rPr lang="pt-PT" sz="2600" dirty="0" smtClean="0">
+                <a:solidFill>
+                  <a:schemeClr val="tx1"/>
+                </a:solidFill>
+                <a:latin typeface="+mn-lt"/>
+              </a:rPr>
               <a:t>André Geraldes (67673)</a:t>
             </a:r>
           </a:p>
@@ -8707,12 +9501,11 @@
               <a:buNone/>
             </a:pPr>
             <a:r>
-              <a:rPr lang="pt-PT" b="0" i="0" dirty="0" smtClean="0">
+              <a:rPr lang="pt-PT" sz="2600" b="0" i="0" dirty="0" smtClean="0">
                 <a:solidFill>
-                  <a:schemeClr val="tx1">
-                    <a:tint val="75000"/>
-                  </a:schemeClr>
+                  <a:schemeClr val="tx1"/>
                 </a:solidFill>
+                <a:latin typeface="+mn-lt"/>
               </a:rPr>
               <a:t>Bruno Barbosa (67646)</a:t>
             </a:r>
@@ -8725,12 +9518,11 @@
               <a:buNone/>
             </a:pPr>
             <a:r>
-              <a:rPr lang="pt-PT" b="0" i="0" dirty="0" smtClean="0">
+              <a:rPr lang="pt-PT" sz="2600" b="0" i="0" dirty="0" smtClean="0">
                 <a:solidFill>
-                  <a:schemeClr val="tx1">
-                    <a:tint val="75000"/>
-                  </a:schemeClr>
+                  <a:schemeClr val="tx1"/>
                 </a:solidFill>
+                <a:latin typeface="+mn-lt"/>
               </a:rPr>
               <a:t>Patrícia Barros (67665)</a:t>
             </a:r>
@@ -8743,7 +9535,12 @@
               <a:buNone/>
             </a:pPr>
             <a:r>
-              <a:rPr lang="pt-PT" dirty="0" smtClean="0"/>
+              <a:rPr lang="pt-PT" sz="2600" dirty="0" smtClean="0">
+                <a:solidFill>
+                  <a:schemeClr val="tx1"/>
+                </a:solidFill>
+                <a:latin typeface="+mn-lt"/>
+              </a:rPr>
               <a:t>Sandra Ferreira (67709)</a:t>
             </a:r>
           </a:p>
@@ -8755,12 +9552,11 @@
               <a:buNone/>
             </a:pPr>
             <a:r>
-              <a:rPr lang="pt-PT" b="0" i="0" dirty="0" smtClean="0">
+              <a:rPr lang="pt-PT" sz="2600" b="0" i="0" dirty="0" smtClean="0">
                 <a:solidFill>
-                  <a:schemeClr val="tx1">
-                    <a:tint val="75000"/>
-                  </a:schemeClr>
+                  <a:schemeClr val="tx1"/>
                 </a:solidFill>
+                <a:latin typeface="+mn-lt"/>
               </a:rPr>
               <a:t>Tiago Cunha (67707)</a:t>
             </a:r>
@@ -8839,10 +9635,168 @@
           </a:p>
         </p:txBody>
       </p:sp>
+      <p:grpSp>
+        <p:nvGrpSpPr>
+          <p:cNvPr id="8" name="Grupo 7"/>
+          <p:cNvGrpSpPr/>
+          <p:nvPr/>
+        </p:nvGrpSpPr>
+        <p:grpSpPr>
+          <a:xfrm>
+            <a:off x="131873" y="218460"/>
+            <a:ext cx="5530491" cy="884108"/>
+            <a:chOff x="131873" y="218460"/>
+            <a:chExt cx="5530491" cy="884108"/>
+          </a:xfrm>
+        </p:grpSpPr>
+        <p:sp>
+          <p:nvSpPr>
+            <p:cNvPr id="6" name="CaixaDeTexto 5"/>
+            <p:cNvSpPr txBox="1"/>
+            <p:nvPr/>
+          </p:nvSpPr>
+          <p:spPr>
+            <a:xfrm>
+              <a:off x="1989956" y="251631"/>
+              <a:ext cx="3672408" cy="830997"/>
+            </a:xfrm>
+            <a:prstGeom prst="rect">
+              <a:avLst/>
+            </a:prstGeom>
+            <a:noFill/>
+          </p:spPr>
+          <p:txBody>
+            <a:bodyPr wrap="square" rtlCol="0">
+              <a:spAutoFit/>
+            </a:bodyPr>
+            <a:lstStyle/>
+            <a:p>
+              <a:r>
+                <a:rPr lang="pt-PT" sz="1600" dirty="0" smtClean="0">
+                  <a:solidFill>
+                    <a:schemeClr val="bg1">
+                      <a:lumMod val="65000"/>
+                    </a:schemeClr>
+                  </a:solidFill>
+                </a:rPr>
+                <a:t>Universidade do Minho</a:t>
+              </a:r>
+              <a:r>
+                <a:rPr lang="pt-PT" sz="1600" dirty="0">
+                  <a:solidFill>
+                    <a:schemeClr val="bg1">
+                      <a:lumMod val="65000"/>
+                    </a:schemeClr>
+                  </a:solidFill>
+                </a:rPr>
+                <a:t/>
+              </a:r>
+              <a:br>
+                <a:rPr lang="pt-PT" sz="1600" dirty="0">
+                  <a:solidFill>
+                    <a:schemeClr val="bg1">
+                      <a:lumMod val="65000"/>
+                    </a:schemeClr>
+                  </a:solidFill>
+                </a:rPr>
+              </a:br>
+              <a:r>
+                <a:rPr lang="pt-PT" sz="1600" dirty="0" smtClean="0">
+                  <a:solidFill>
+                    <a:schemeClr val="bg1">
+                      <a:lumMod val="65000"/>
+                    </a:schemeClr>
+                  </a:solidFill>
+                </a:rPr>
+                <a:t>Licenciatura em Engenharia Informática</a:t>
+              </a:r>
+            </a:p>
+            <a:p>
+              <a:r>
+                <a:rPr lang="pt-PT" sz="1600" dirty="0" smtClean="0">
+                  <a:solidFill>
+                    <a:schemeClr val="bg1">
+                      <a:lumMod val="65000"/>
+                    </a:schemeClr>
+                  </a:solidFill>
+                </a:rPr>
+                <a:t>Laboratórios de Informática IV</a:t>
+              </a:r>
+              <a:endParaRPr lang="pt-PT" sz="1600" dirty="0">
+                <a:solidFill>
+                  <a:schemeClr val="bg1">
+                    <a:lumMod val="65000"/>
+                  </a:schemeClr>
+                </a:solidFill>
+              </a:endParaRPr>
+            </a:p>
+          </p:txBody>
+        </p:sp>
+        <p:pic>
+          <p:nvPicPr>
+            <p:cNvPr id="7" name="Imagem 6"/>
+            <p:cNvPicPr>
+              <a:picLocks noChangeAspect="1"/>
+            </p:cNvPicPr>
+            <p:nvPr/>
+          </p:nvPicPr>
+          <p:blipFill>
+            <a:blip r:embed="rId3" cstate="print">
+              <a:extLst>
+                <a:ext uri="{28A0092B-C50C-407E-A947-70E740481C1C}">
+                  <a14:useLocalDpi xmlns:a14="http://schemas.microsoft.com/office/drawing/2010/main" val="0"/>
+                </a:ext>
+              </a:extLst>
+            </a:blip>
+            <a:stretch>
+              <a:fillRect/>
+            </a:stretch>
+          </p:blipFill>
+          <p:spPr>
+            <a:xfrm>
+              <a:off x="131873" y="218460"/>
+              <a:ext cx="1786076" cy="884108"/>
+            </a:xfrm>
+            <a:prstGeom prst="rect">
+              <a:avLst/>
+            </a:prstGeom>
+          </p:spPr>
+        </p:pic>
+      </p:grpSp>
+      <p:pic>
+        <p:nvPicPr>
+          <p:cNvPr id="9" name="Imagem 8"/>
+          <p:cNvPicPr>
+            <a:picLocks noChangeAspect="1"/>
+          </p:cNvPicPr>
+          <p:nvPr/>
+        </p:nvPicPr>
+        <p:blipFill>
+          <a:blip r:embed="rId4">
+            <a:extLst>
+              <a:ext uri="{28A0092B-C50C-407E-A947-70E740481C1C}">
+                <a14:useLocalDpi xmlns:a14="http://schemas.microsoft.com/office/drawing/2010/main" val="0"/>
+              </a:ext>
+            </a:extLst>
+          </a:blip>
+          <a:stretch>
+            <a:fillRect/>
+          </a:stretch>
+        </p:blipFill>
+        <p:spPr>
+          <a:xfrm>
+            <a:off x="9262764" y="2060848"/>
+            <a:ext cx="2247900" cy="2247900"/>
+          </a:xfrm>
+          <a:prstGeom prst="rect">
+            <a:avLst/>
+          </a:prstGeom>
+        </p:spPr>
+      </p:pic>
     </p:spTree>
     <p:extLst>
       <p:ext uri="{BB962C8B-B14F-4D97-AF65-F5344CB8AC3E}">
-        <p14:creationId xmlns:p14="http://schemas.microsoft.com/office/powerpoint/2010/main" val="34139928"/>
+        <p14:creationId xmlns:p14="http://schemas.microsoft.com/office/powerpoint/2010/main" val="1238668925"/>
       </p:ext>
     </p:extLst>
   </p:cSld>
@@ -8913,21 +9867,37 @@
               <a:buNone/>
             </a:pPr>
             <a:r>
-              <a:rPr lang="pt-PT" sz="3200" b="0" i="0" dirty="0" smtClean="0">
+              <a:rPr lang="pt-PT" sz="3200" i="0" spc="0" dirty="0" smtClean="0">
+                <a:ln w="0"/>
                 <a:solidFill>
-                  <a:schemeClr val="tx1"/>
+                  <a:schemeClr val="accent1"/>
                 </a:solidFill>
-                <a:latin typeface="Consolas"/>
+                <a:effectLst>
+                  <a:outerShdw blurRad="38100" dist="25400" dir="5400000" algn="ctr" rotWithShape="0">
+                    <a:srgbClr val="6E747A">
+                      <a:alpha val="43000"/>
+                    </a:srgbClr>
+                  </a:outerShdw>
+                </a:effectLst>
+                <a:latin typeface="+mn-lt"/>
                 <a:ea typeface="+mj-ea"/>
                 <a:cs typeface="+mj-cs"/>
               </a:rPr>
               <a:t>Resumo</a:t>
             </a:r>
-            <a:endParaRPr lang="pt-PT" sz="3200" b="0" i="0" dirty="0">
+            <a:endParaRPr lang="pt-PT" sz="3200" i="0" spc="0" dirty="0">
+              <a:ln w="0"/>
               <a:solidFill>
-                <a:schemeClr val="tx1"/>
+                <a:schemeClr val="accent1"/>
               </a:solidFill>
-              <a:latin typeface="Consolas"/>
+              <a:effectLst>
+                <a:outerShdw blurRad="38100" dist="25400" dir="5400000" algn="ctr" rotWithShape="0">
+                  <a:srgbClr val="6E747A">
+                    <a:alpha val="43000"/>
+                  </a:srgbClr>
+                </a:outerShdw>
+              </a:effectLst>
+              <a:latin typeface="+mn-lt"/>
               <a:ea typeface="+mj-ea"/>
               <a:cs typeface="+mj-cs"/>
             </a:endParaRPr>
@@ -8946,17 +9916,17 @@
         </p:nvSpPr>
         <p:spPr>
           <a:xfrm>
-            <a:off x="1522414" y="1904999"/>
-            <a:ext cx="9144000" cy="4495801"/>
+            <a:off x="1223152" y="1975060"/>
+            <a:ext cx="9551779" cy="3849933"/>
           </a:xfrm>
         </p:spPr>
         <p:txBody>
           <a:bodyPr>
-            <a:normAutofit/>
+            <a:normAutofit lnSpcReduction="10000"/>
           </a:bodyPr>
           <a:lstStyle/>
           <a:p>
-            <a:pPr marL="548640" indent="-274320" algn="just" defTabSz="914400">
+            <a:pPr marL="274320" indent="0" algn="just" defTabSz="914400">
               <a:lnSpc>
                 <a:spcPct val="150000"/>
               </a:lnSpc>
@@ -8967,8 +9937,7 @@
                 <a:schemeClr val="tx1"/>
               </a:buClr>
               <a:buSzPct val="80000"/>
-              <a:buFont typeface="Wingdings"/>
-              <a:buChar char="§"/>
+              <a:buNone/>
             </a:pPr>
             <a:r>
               <a:rPr lang="pt-PT" sz="2400" b="0" i="0" dirty="0" smtClean="0">
@@ -8976,14 +9945,30 @@
                   <a:schemeClr val="tx1"/>
                 </a:solidFill>
                 <a:latin typeface="Corbel"/>
-                <a:ea typeface="+mn-ea"/>
-                <a:cs typeface="+mn-cs"/>
               </a:rPr>
-              <a:t> Foi-nos proposto no âmbito da unidade curricular de Laboratórios de Informática IV desenvolver um Assistente Pedagógico.</a:t>
-            </a:r>
-          </a:p>
-          <a:p>
-            <a:pPr marL="548640" indent="-274320" algn="just" defTabSz="914400">
+              <a:t>Foi-nos </a:t>
+            </a:r>
+            <a:r>
+              <a:rPr lang="pt-PT" sz="2400" b="0" i="0" dirty="0" smtClean="0">
+                <a:solidFill>
+                  <a:schemeClr val="tx1"/>
+                </a:solidFill>
+                <a:latin typeface="Corbel"/>
+              </a:rPr>
+              <a:t>proposto no âmbito da unidade curricular de Laboratórios de Informática IV desenvolver um Assistente </a:t>
+            </a:r>
+            <a:r>
+              <a:rPr lang="pt-PT" sz="2400" b="0" i="0" dirty="0" smtClean="0">
+                <a:solidFill>
+                  <a:schemeClr val="tx1"/>
+                </a:solidFill>
+                <a:latin typeface="Corbel"/>
+              </a:rPr>
+              <a:t>Pedagógico.</a:t>
+            </a:r>
+          </a:p>
+          <a:p>
+            <a:pPr marL="274320" indent="0" algn="just" defTabSz="914400">
               <a:lnSpc>
                 <a:spcPct val="150000"/>
               </a:lnSpc>
@@ -8994,18 +9979,53 @@
                 <a:schemeClr val="tx1"/>
               </a:buClr>
               <a:buSzPct val="80000"/>
-              <a:buFont typeface="Wingdings"/>
-              <a:buChar char="§"/>
+              <a:buNone/>
             </a:pPr>
             <a:r>
-              <a:rPr lang="pt-PT" dirty="0" smtClean="0">
+              <a:rPr lang="pt-PT" sz="2400" dirty="0" smtClean="0">
+                <a:solidFill>
+                  <a:schemeClr val="tx1"/>
+                </a:solidFill>
                 <a:latin typeface="Corbel"/>
               </a:rPr>
-              <a:t>O objetivo do nosso assistente consiste em complementar o estudo das crianças entre os 8 e os 9 anos (que regra geral, frequentam o 3º ano de escolaridade).</a:t>
-            </a:r>
-          </a:p>
-          <a:p>
-            <a:pPr marL="548640" indent="-274320" algn="just" defTabSz="914400">
+              <a:t>O </a:t>
+            </a:r>
+            <a:r>
+              <a:rPr lang="pt-PT" sz="2400" dirty="0" smtClean="0">
+                <a:solidFill>
+                  <a:schemeClr val="tx1"/>
+                </a:solidFill>
+                <a:latin typeface="Corbel"/>
+              </a:rPr>
+              <a:t>objetivo do nosso assistente consiste em complementar o estudo </a:t>
+            </a:r>
+            <a:r>
+              <a:rPr lang="pt-PT" sz="2400" dirty="0" smtClean="0">
+                <a:solidFill>
+                  <a:schemeClr val="tx1"/>
+                </a:solidFill>
+                <a:latin typeface="Corbel"/>
+              </a:rPr>
+              <a:t>dos alunos qu</a:t>
+            </a:r>
+            <a:r>
+              <a:rPr lang="pt-PT" sz="2400" dirty="0" smtClean="0">
+                <a:solidFill>
+                  <a:schemeClr val="tx1"/>
+                </a:solidFill>
+                <a:latin typeface="Corbel"/>
+              </a:rPr>
+              <a:t>e frequentam o 3º ano do ensino primário.</a:t>
+            </a:r>
+            <a:endParaRPr lang="pt-PT" sz="2400" dirty="0" smtClean="0">
+              <a:solidFill>
+                <a:schemeClr val="tx1"/>
+              </a:solidFill>
+              <a:latin typeface="Corbel"/>
+            </a:endParaRPr>
+          </a:p>
+          <a:p>
+            <a:pPr marL="274320" indent="0" algn="just" defTabSz="914400">
               <a:lnSpc>
                 <a:spcPct val="150000"/>
               </a:lnSpc>
@@ -9016,15 +10036,41 @@
                 <a:schemeClr val="tx1"/>
               </a:buClr>
               <a:buSzPct val="80000"/>
-              <a:buFont typeface="Wingdings"/>
-              <a:buChar char="§"/>
+              <a:buNone/>
             </a:pPr>
             <a:r>
-              <a:rPr lang="pt-PT" dirty="0" smtClean="0">
+              <a:rPr lang="pt-PT" sz="2400" dirty="0" smtClean="0">
+                <a:solidFill>
+                  <a:schemeClr val="tx1"/>
+                </a:solidFill>
                 <a:latin typeface="Corbel"/>
               </a:rPr>
-              <a:t> O foco de aprendizagem do assistente pedagógico será a área da geometria.</a:t>
-            </a:r>
+              <a:t>O </a:t>
+            </a:r>
+            <a:r>
+              <a:rPr lang="pt-PT" sz="2400" dirty="0" smtClean="0">
+                <a:solidFill>
+                  <a:schemeClr val="tx1"/>
+                </a:solidFill>
+                <a:latin typeface="Corbel"/>
+              </a:rPr>
+              <a:t>foco de aprendizagem do assistente pedagógico será a área da </a:t>
+            </a:r>
+            <a:r>
+              <a:rPr lang="pt-PT" sz="2400" dirty="0" smtClean="0">
+                <a:solidFill>
+                  <a:schemeClr val="tx1"/>
+                </a:solidFill>
+                <a:latin typeface="Corbel"/>
+              </a:rPr>
+              <a:t>Matemática, particularmente na Geometria.</a:t>
+            </a:r>
+            <a:endParaRPr lang="pt-PT" sz="2400" dirty="0" smtClean="0">
+              <a:solidFill>
+                <a:schemeClr val="tx1"/>
+              </a:solidFill>
+              <a:latin typeface="Corbel"/>
+            </a:endParaRPr>
           </a:p>
           <a:p>
             <a:pPr marL="548640" indent="-274320" algn="l" defTabSz="914400">
@@ -9098,6 +10144,134 @@
           </a:p>
         </p:txBody>
       </p:sp>
+      <p:grpSp>
+        <p:nvGrpSpPr>
+          <p:cNvPr id="6" name="Grupo 5"/>
+          <p:cNvGrpSpPr/>
+          <p:nvPr/>
+        </p:nvGrpSpPr>
+        <p:grpSpPr>
+          <a:xfrm>
+            <a:off x="131873" y="218460"/>
+            <a:ext cx="5530491" cy="884108"/>
+            <a:chOff x="131873" y="218460"/>
+            <a:chExt cx="5530491" cy="884108"/>
+          </a:xfrm>
+        </p:grpSpPr>
+        <p:sp>
+          <p:nvSpPr>
+            <p:cNvPr id="7" name="CaixaDeTexto 6"/>
+            <p:cNvSpPr txBox="1"/>
+            <p:nvPr/>
+          </p:nvSpPr>
+          <p:spPr>
+            <a:xfrm>
+              <a:off x="1989956" y="251631"/>
+              <a:ext cx="3672408" cy="830997"/>
+            </a:xfrm>
+            <a:prstGeom prst="rect">
+              <a:avLst/>
+            </a:prstGeom>
+            <a:noFill/>
+          </p:spPr>
+          <p:txBody>
+            <a:bodyPr wrap="square" rtlCol="0">
+              <a:spAutoFit/>
+            </a:bodyPr>
+            <a:lstStyle/>
+            <a:p>
+              <a:r>
+                <a:rPr lang="pt-PT" sz="1600" dirty="0" smtClean="0">
+                  <a:solidFill>
+                    <a:schemeClr val="bg1">
+                      <a:lumMod val="65000"/>
+                    </a:schemeClr>
+                  </a:solidFill>
+                </a:rPr>
+                <a:t>Universidade do Minho</a:t>
+              </a:r>
+              <a:r>
+                <a:rPr lang="pt-PT" sz="1600" dirty="0">
+                  <a:solidFill>
+                    <a:schemeClr val="bg1">
+                      <a:lumMod val="65000"/>
+                    </a:schemeClr>
+                  </a:solidFill>
+                </a:rPr>
+                <a:t/>
+              </a:r>
+              <a:br>
+                <a:rPr lang="pt-PT" sz="1600" dirty="0">
+                  <a:solidFill>
+                    <a:schemeClr val="bg1">
+                      <a:lumMod val="65000"/>
+                    </a:schemeClr>
+                  </a:solidFill>
+                </a:rPr>
+              </a:br>
+              <a:r>
+                <a:rPr lang="pt-PT" sz="1600" dirty="0" smtClean="0">
+                  <a:solidFill>
+                    <a:schemeClr val="bg1">
+                      <a:lumMod val="65000"/>
+                    </a:schemeClr>
+                  </a:solidFill>
+                </a:rPr>
+                <a:t>Licenciatura em Engenharia Informática</a:t>
+              </a:r>
+            </a:p>
+            <a:p>
+              <a:r>
+                <a:rPr lang="pt-PT" sz="1600" dirty="0" smtClean="0">
+                  <a:solidFill>
+                    <a:schemeClr val="bg1">
+                      <a:lumMod val="65000"/>
+                    </a:schemeClr>
+                  </a:solidFill>
+                </a:rPr>
+                <a:t>Laboratórios de Informática IV</a:t>
+              </a:r>
+              <a:endParaRPr lang="pt-PT" sz="1600" dirty="0">
+                <a:solidFill>
+                  <a:schemeClr val="bg1">
+                    <a:lumMod val="65000"/>
+                  </a:schemeClr>
+                </a:solidFill>
+              </a:endParaRPr>
+            </a:p>
+          </p:txBody>
+        </p:sp>
+        <p:pic>
+          <p:nvPicPr>
+            <p:cNvPr id="8" name="Imagem 7"/>
+            <p:cNvPicPr>
+              <a:picLocks noChangeAspect="1"/>
+            </p:cNvPicPr>
+            <p:nvPr/>
+          </p:nvPicPr>
+          <p:blipFill>
+            <a:blip r:embed="rId3" cstate="print">
+              <a:extLst>
+                <a:ext uri="{28A0092B-C50C-407E-A947-70E740481C1C}">
+                  <a14:useLocalDpi xmlns:a14="http://schemas.microsoft.com/office/drawing/2010/main" val="0"/>
+                </a:ext>
+              </a:extLst>
+            </a:blip>
+            <a:stretch>
+              <a:fillRect/>
+            </a:stretch>
+          </p:blipFill>
+          <p:spPr>
+            <a:xfrm>
+              <a:off x="131873" y="218460"/>
+              <a:ext cx="1786076" cy="884108"/>
+            </a:xfrm>
+            <a:prstGeom prst="rect">
+              <a:avLst/>
+            </a:prstGeom>
+          </p:spPr>
+        </p:pic>
+      </p:grpSp>
     </p:spTree>
     <p:extLst>
       <p:ext uri="{BB962C8B-B14F-4D97-AF65-F5344CB8AC3E}">
@@ -9108,13 +10282,13 @@
   <p:clrMapOvr>
     <a:masterClrMapping/>
   </p:clrMapOvr>
-  <mc:AlternateContent xmlns:mc="http://schemas.openxmlformats.org/markup-compatibility/2006">
-    <mc:Choice xmlns:p14="http://schemas.microsoft.com/office/powerpoint/2010/main" Requires="p14">
+  <mc:AlternateContent xmlns:mc="http://schemas.openxmlformats.org/markup-compatibility/2006" xmlns:p14="http://schemas.microsoft.com/office/powerpoint/2010/main">
+    <mc:Choice Requires="p14">
       <p:transition spd="med" p14:dur="700">
         <p:fade/>
       </p:transition>
     </mc:Choice>
-    <mc:Fallback>
+    <mc:Fallback xmlns="">
       <p:transition spd="med">
         <p:fade/>
       </p:transition>
@@ -9159,14 +10333,42 @@
         </p:nvSpPr>
         <p:spPr/>
         <p:txBody>
-          <a:bodyPr/>
+          <a:bodyPr>
+            <a:normAutofit/>
+          </a:bodyPr>
           <a:lstStyle/>
           <a:p>
             <a:r>
-              <a:rPr lang="pt-PT" dirty="0" smtClean="0"/>
+              <a:rPr lang="pt-PT" sz="3200" spc="0" dirty="0" smtClean="0">
+                <a:ln w="0"/>
+                <a:solidFill>
+                  <a:schemeClr val="accent1"/>
+                </a:solidFill>
+                <a:effectLst>
+                  <a:outerShdw blurRad="38100" dist="25400" dir="5400000" algn="ctr" rotWithShape="0">
+                    <a:srgbClr val="6E747A">
+                      <a:alpha val="43000"/>
+                    </a:srgbClr>
+                  </a:outerShdw>
+                </a:effectLst>
+                <a:latin typeface="+mn-lt"/>
+              </a:rPr>
               <a:t>Estrutura da apresentação</a:t>
             </a:r>
-            <a:endParaRPr lang="pt-PT" dirty="0"/>
+            <a:endParaRPr lang="pt-PT" sz="3200" spc="0" dirty="0">
+              <a:ln w="0"/>
+              <a:solidFill>
+                <a:schemeClr val="accent1"/>
+              </a:solidFill>
+              <a:effectLst>
+                <a:outerShdw blurRad="38100" dist="25400" dir="5400000" algn="ctr" rotWithShape="0">
+                  <a:srgbClr val="6E747A">
+                    <a:alpha val="43000"/>
+                  </a:srgbClr>
+                </a:outerShdw>
+              </a:effectLst>
+              <a:latin typeface="+mn-lt"/>
+            </a:endParaRPr>
           </a:p>
         </p:txBody>
       </p:sp>
@@ -9189,13 +10391,48 @@
           <a:p>
             <a:pPr algn="just">
               <a:lnSpc>
+                <a:spcPct val="120000"/>
+              </a:lnSpc>
+            </a:pPr>
+            <a:r>
+              <a:rPr lang="pt-PT" dirty="0"/>
+              <a:t>Contextualização</a:t>
+            </a:r>
+          </a:p>
+          <a:p>
+            <a:pPr algn="just">
+              <a:lnSpc>
                 <a:spcPct val="160000"/>
               </a:lnSpc>
             </a:pPr>
             <a:r>
               <a:rPr lang="pt-PT" dirty="0" smtClean="0"/>
-              <a:t>Apresentação do caso de estudo</a:t>
-            </a:r>
+              <a:t>Apresentação </a:t>
+            </a:r>
+            <a:r>
+              <a:rPr lang="pt-PT" dirty="0" smtClean="0"/>
+              <a:t>do caso de </a:t>
+            </a:r>
+            <a:r>
+              <a:rPr lang="pt-PT" dirty="0" smtClean="0"/>
+              <a:t>estudo</a:t>
+            </a:r>
+          </a:p>
+          <a:p>
+            <a:pPr algn="just">
+              <a:lnSpc>
+                <a:spcPct val="160000"/>
+              </a:lnSpc>
+            </a:pPr>
+            <a:r>
+              <a:rPr lang="pt-PT" dirty="0"/>
+              <a:t>Motivação e objetivos a </a:t>
+            </a:r>
+            <a:r>
+              <a:rPr lang="pt-PT" dirty="0" smtClean="0"/>
+              <a:t>atingir</a:t>
+            </a:r>
+            <a:endParaRPr lang="pt-PT" dirty="0" smtClean="0"/>
           </a:p>
           <a:p>
             <a:pPr algn="just">
@@ -9205,35 +10442,12 @@
             </a:pPr>
             <a:r>
               <a:rPr lang="pt-PT" dirty="0" smtClean="0"/>
-              <a:t>Contextualização</a:t>
-            </a:r>
-          </a:p>
-          <a:p>
-            <a:pPr algn="just">
-              <a:lnSpc>
-                <a:spcPct val="120000"/>
-              </a:lnSpc>
-            </a:pPr>
+              <a:t>Descrição </a:t>
+            </a:r>
             <a:r>
               <a:rPr lang="pt-PT" dirty="0" smtClean="0"/>
-              <a:t>Motivação e objetivos a atingir</a:t>
-            </a:r>
-          </a:p>
-          <a:p>
-            <a:pPr algn="just">
-              <a:lnSpc>
-                <a:spcPct val="120000"/>
-              </a:lnSpc>
-            </a:pPr>
-            <a:r>
-              <a:rPr lang="pt-PT" dirty="0" smtClean="0"/>
-              <a:t>Descrição da </a:t>
-            </a:r>
-            <a:r>
-              <a:rPr lang="pt-PT" dirty="0" smtClean="0"/>
-              <a:t>aplicação</a:t>
-            </a:r>
-            <a:endParaRPr lang="pt-PT" dirty="0" smtClean="0"/>
+              <a:t>da aplicação</a:t>
+            </a:r>
           </a:p>
           <a:p>
             <a:pPr algn="just">
@@ -9306,6 +10520,134 @@
           </a:p>
         </p:txBody>
       </p:sp>
+      <p:grpSp>
+        <p:nvGrpSpPr>
+          <p:cNvPr id="6" name="Grupo 5"/>
+          <p:cNvGrpSpPr/>
+          <p:nvPr/>
+        </p:nvGrpSpPr>
+        <p:grpSpPr>
+          <a:xfrm>
+            <a:off x="131873" y="218460"/>
+            <a:ext cx="5530491" cy="884108"/>
+            <a:chOff x="131873" y="218460"/>
+            <a:chExt cx="5530491" cy="884108"/>
+          </a:xfrm>
+        </p:grpSpPr>
+        <p:sp>
+          <p:nvSpPr>
+            <p:cNvPr id="7" name="CaixaDeTexto 6"/>
+            <p:cNvSpPr txBox="1"/>
+            <p:nvPr/>
+          </p:nvSpPr>
+          <p:spPr>
+            <a:xfrm>
+              <a:off x="1989956" y="251631"/>
+              <a:ext cx="3672408" cy="830997"/>
+            </a:xfrm>
+            <a:prstGeom prst="rect">
+              <a:avLst/>
+            </a:prstGeom>
+            <a:noFill/>
+          </p:spPr>
+          <p:txBody>
+            <a:bodyPr wrap="square" rtlCol="0">
+              <a:spAutoFit/>
+            </a:bodyPr>
+            <a:lstStyle/>
+            <a:p>
+              <a:r>
+                <a:rPr lang="pt-PT" sz="1600" dirty="0" smtClean="0">
+                  <a:solidFill>
+                    <a:schemeClr val="bg1">
+                      <a:lumMod val="65000"/>
+                    </a:schemeClr>
+                  </a:solidFill>
+                </a:rPr>
+                <a:t>Universidade do Minho</a:t>
+              </a:r>
+              <a:r>
+                <a:rPr lang="pt-PT" sz="1600" dirty="0">
+                  <a:solidFill>
+                    <a:schemeClr val="bg1">
+                      <a:lumMod val="65000"/>
+                    </a:schemeClr>
+                  </a:solidFill>
+                </a:rPr>
+                <a:t/>
+              </a:r>
+              <a:br>
+                <a:rPr lang="pt-PT" sz="1600" dirty="0">
+                  <a:solidFill>
+                    <a:schemeClr val="bg1">
+                      <a:lumMod val="65000"/>
+                    </a:schemeClr>
+                  </a:solidFill>
+                </a:rPr>
+              </a:br>
+              <a:r>
+                <a:rPr lang="pt-PT" sz="1600" dirty="0" smtClean="0">
+                  <a:solidFill>
+                    <a:schemeClr val="bg1">
+                      <a:lumMod val="65000"/>
+                    </a:schemeClr>
+                  </a:solidFill>
+                </a:rPr>
+                <a:t>Licenciatura em Engenharia Informática</a:t>
+              </a:r>
+            </a:p>
+            <a:p>
+              <a:r>
+                <a:rPr lang="pt-PT" sz="1600" dirty="0" smtClean="0">
+                  <a:solidFill>
+                    <a:schemeClr val="bg1">
+                      <a:lumMod val="65000"/>
+                    </a:schemeClr>
+                  </a:solidFill>
+                </a:rPr>
+                <a:t>Laboratórios de Informática IV</a:t>
+              </a:r>
+              <a:endParaRPr lang="pt-PT" sz="1600" dirty="0">
+                <a:solidFill>
+                  <a:schemeClr val="bg1">
+                    <a:lumMod val="65000"/>
+                  </a:schemeClr>
+                </a:solidFill>
+              </a:endParaRPr>
+            </a:p>
+          </p:txBody>
+        </p:sp>
+        <p:pic>
+          <p:nvPicPr>
+            <p:cNvPr id="8" name="Imagem 7"/>
+            <p:cNvPicPr>
+              <a:picLocks noChangeAspect="1"/>
+            </p:cNvPicPr>
+            <p:nvPr/>
+          </p:nvPicPr>
+          <p:blipFill>
+            <a:blip r:embed="rId2" cstate="print">
+              <a:extLst>
+                <a:ext uri="{28A0092B-C50C-407E-A947-70E740481C1C}">
+                  <a14:useLocalDpi xmlns:a14="http://schemas.microsoft.com/office/drawing/2010/main" val="0"/>
+                </a:ext>
+              </a:extLst>
+            </a:blip>
+            <a:stretch>
+              <a:fillRect/>
+            </a:stretch>
+          </p:blipFill>
+          <p:spPr>
+            <a:xfrm>
+              <a:off x="131873" y="218460"/>
+              <a:ext cx="1786076" cy="884108"/>
+            </a:xfrm>
+            <a:prstGeom prst="rect">
+              <a:avLst/>
+            </a:prstGeom>
+          </p:spPr>
+        </p:pic>
+      </p:grpSp>
     </p:spTree>
     <p:extLst>
       <p:ext uri="{BB962C8B-B14F-4D97-AF65-F5344CB8AC3E}">
@@ -9316,13 +10658,13 @@
   <p:clrMapOvr>
     <a:masterClrMapping/>
   </p:clrMapOvr>
-  <mc:AlternateContent xmlns:mc="http://schemas.openxmlformats.org/markup-compatibility/2006">
-    <mc:Choice xmlns:p14="http://schemas.microsoft.com/office/powerpoint/2010/main" Requires="p14">
+  <mc:AlternateContent xmlns:mc="http://schemas.openxmlformats.org/markup-compatibility/2006" xmlns:p14="http://schemas.microsoft.com/office/powerpoint/2010/main">
+    <mc:Choice Requires="p14">
       <p:transition spd="med" p14:dur="700">
         <p:fade/>
       </p:transition>
     </mc:Choice>
-    <mc:Fallback>
+    <mc:Fallback xmlns="">
       <p:transition spd="med">
         <p:fade/>
       </p:transition>
@@ -9367,33 +10709,56 @@
         </p:nvSpPr>
         <p:spPr/>
         <p:txBody>
-          <a:bodyPr/>
+          <a:bodyPr>
+            <a:normAutofit/>
+          </a:bodyPr>
           <a:lstStyle/>
           <a:p>
             <a:r>
-              <a:rPr lang="pt-PT" dirty="0" smtClean="0"/>
-              <a:t>Apresentação do caso de estudo</a:t>
-            </a:r>
-            <a:endParaRPr lang="pt-PT" dirty="0"/>
+              <a:rPr lang="pt-PT" sz="3200" spc="0" dirty="0" smtClean="0">
+                <a:ln w="0"/>
+                <a:solidFill>
+                  <a:schemeClr val="accent1"/>
+                </a:solidFill>
+                <a:effectLst>
+                  <a:outerShdw blurRad="38100" dist="25400" dir="5400000" algn="ctr" rotWithShape="0">
+                    <a:srgbClr val="6E747A">
+                      <a:alpha val="43000"/>
+                    </a:srgbClr>
+                  </a:outerShdw>
+                </a:effectLst>
+                <a:latin typeface="+mn-lt"/>
+              </a:rPr>
+              <a:t>Contextualização</a:t>
+            </a:r>
+            <a:endParaRPr lang="pt-PT" sz="3200" spc="0" dirty="0">
+              <a:ln w="0"/>
+              <a:solidFill>
+                <a:schemeClr val="accent1"/>
+              </a:solidFill>
+              <a:effectLst>
+                <a:outerShdw blurRad="38100" dist="25400" dir="5400000" algn="ctr" rotWithShape="0">
+                  <a:srgbClr val="6E747A">
+                    <a:alpha val="43000"/>
+                  </a:srgbClr>
+                </a:outerShdw>
+              </a:effectLst>
+              <a:latin typeface="+mn-lt"/>
+            </a:endParaRPr>
           </a:p>
         </p:txBody>
       </p:sp>
       <p:sp>
         <p:nvSpPr>
-          <p:cNvPr id="4" name="Marcador de Posição de Conteúdo 3"/>
+          <p:cNvPr id="3" name="Marcador de Posição de Conteúdo 2"/>
           <p:cNvSpPr>
             <a:spLocks noGrp="1"/>
           </p:cNvSpPr>
           <p:nvPr>
-            <p:ph sz="half" idx="2"/>
+            <p:ph idx="1"/>
           </p:nvPr>
         </p:nvSpPr>
-        <p:spPr>
-          <a:xfrm>
-            <a:off x="1522413" y="1905001"/>
-            <a:ext cx="4416552" cy="4267199"/>
-          </a:xfrm>
-        </p:spPr>
+        <p:spPr/>
         <p:txBody>
           <a:bodyPr>
             <a:normAutofit/>
@@ -9406,12 +10771,8 @@
               </a:lnSpc>
             </a:pPr>
             <a:r>
-              <a:rPr lang="pt-PT" dirty="0"/>
-              <a:t>O</a:t>
-            </a:r>
-            <a:r>
-              <a:rPr lang="pt-PT" dirty="0" smtClean="0"/>
-              <a:t>s resultados obtidos nas provas nacionais do ensino básico têm sido preocupantes.</a:t>
+              <a:rPr lang="pt-PT" sz="2400" dirty="0" smtClean="0"/>
+              <a:t>O grau de dificuldade apresentado aos alunos do 1º ciclo do ensino básico tem vindo a aumentar, nomeadamente na área da Matemática.</a:t>
             </a:r>
           </a:p>
           <a:p>
@@ -9421,8 +10782,8 @@
               </a:lnSpc>
             </a:pPr>
             <a:r>
-              <a:rPr lang="pt-PT" dirty="0" smtClean="0"/>
-              <a:t>Em particular, numa área da matemática: a geometria.</a:t>
+              <a:rPr lang="pt-PT" sz="2400" dirty="0" smtClean="0"/>
+              <a:t>Desta forma surge a necessidade de haver um apoio extra ao trabalho realizado pelos professores.</a:t>
             </a:r>
           </a:p>
           <a:p>
@@ -9432,8 +10793,16 @@
               </a:lnSpc>
             </a:pPr>
             <a:r>
-              <a:rPr lang="pt-PT" dirty="0" smtClean="0"/>
-              <a:t>Efetuada uma pesquisa, verificamos que o 3º ano do 1º ciclo aborda este tema.</a:t>
+              <a:rPr lang="pt-PT" sz="2400" dirty="0" smtClean="0"/>
+              <a:t>Esse estudo deverá ser apelativo</a:t>
+            </a:r>
+            <a:r>
+              <a:rPr lang="pt-PT" sz="2400" dirty="0"/>
+              <a:t> </a:t>
+            </a:r>
+            <a:r>
+              <a:rPr lang="pt-PT" sz="2400" dirty="0" smtClean="0"/>
+              <a:t>e interativo de modo a estimular uma fácil aprendizagem das matérias.</a:t>
             </a:r>
           </a:p>
           <a:p>
@@ -9443,44 +10812,7 @@
       </p:sp>
       <p:sp>
         <p:nvSpPr>
-          <p:cNvPr id="6" name="Marcador de Posição de Conteúdo 5"/>
-          <p:cNvSpPr>
-            <a:spLocks noGrp="1"/>
-          </p:cNvSpPr>
-          <p:nvPr>
-            <p:ph sz="quarter" idx="4"/>
-          </p:nvPr>
-        </p:nvSpPr>
-        <p:spPr>
-          <a:xfrm>
-            <a:off x="6249860" y="4221088"/>
-            <a:ext cx="4885112" cy="1951112"/>
-          </a:xfrm>
-        </p:spPr>
-        <p:txBody>
-          <a:bodyPr/>
-          <a:lstStyle/>
-          <a:p>
-            <a:r>
-              <a:rPr lang="pt-PT" dirty="0" smtClean="0"/>
-              <a:t>Fonte: </a:t>
-            </a:r>
-          </a:p>
-          <a:p>
-            <a:pPr marL="0" indent="0">
-              <a:buNone/>
-            </a:pPr>
-            <a:r>
-              <a:rPr lang="pt-PT" dirty="0" smtClean="0"/>
-              <a:t>GAVE (Gabinete Avaliação Educacional)</a:t>
-            </a:r>
-            <a:endParaRPr lang="pt-PT" dirty="0"/>
-          </a:p>
-        </p:txBody>
-      </p:sp>
-      <p:sp>
-        <p:nvSpPr>
-          <p:cNvPr id="7" name="Marcador de Posição da Data 6"/>
+          <p:cNvPr id="4" name="Marcador de Posição da Data 3"/>
           <p:cNvSpPr>
             <a:spLocks noGrp="1"/>
           </p:cNvSpPr>
@@ -9493,7 +10825,7 @@
           <a:bodyPr/>
           <a:lstStyle/>
           <a:p>
-            <a:fld id="{D7100D44-86C5-4DC1-BD8D-003E607ECA84}" type="datetime2">
+            <a:fld id="{3AE44491-490D-4EE9-8B0A-32F91B9229B4}" type="datetime2">
               <a:rPr lang="pt-PT" noProof="0" smtClean="0"/>
               <a:t>segunda-feira, 23 de março de 2015</a:t>
             </a:fld>
@@ -9503,7 +10835,7 @@
       </p:sp>
       <p:sp>
         <p:nvSpPr>
-          <p:cNvPr id="8" name="Marcador de Posição do Número do Diapositivo 7"/>
+          <p:cNvPr id="5" name="Marcador de Posição do Número do Diapositivo 4"/>
           <p:cNvSpPr>
             <a:spLocks noGrp="1"/>
           </p:cNvSpPr>
@@ -9526,362 +10858,149 @@
       </p:sp>
       <p:grpSp>
         <p:nvGrpSpPr>
-          <p:cNvPr id="9" name="Grupo 28"/>
-          <p:cNvGrpSpPr>
-            <a:grpSpLocks/>
-          </p:cNvGrpSpPr>
+          <p:cNvPr id="6" name="Grupo 5"/>
+          <p:cNvGrpSpPr/>
           <p:nvPr/>
         </p:nvGrpSpPr>
-        <p:grpSpPr bwMode="auto">
+        <p:grpSpPr>
           <a:xfrm>
-            <a:off x="6249860" y="1905001"/>
-            <a:ext cx="4885112" cy="2087486"/>
-            <a:chOff x="0" y="0"/>
-            <a:chExt cx="4486275" cy="1485900"/>
+            <a:off x="131873" y="218460"/>
+            <a:ext cx="5530491" cy="884108"/>
+            <a:chOff x="131873" y="218460"/>
+            <a:chExt cx="5530491" cy="884108"/>
           </a:xfrm>
         </p:grpSpPr>
+        <p:sp>
+          <p:nvSpPr>
+            <p:cNvPr id="7" name="CaixaDeTexto 6"/>
+            <p:cNvSpPr txBox="1"/>
+            <p:nvPr/>
+          </p:nvSpPr>
+          <p:spPr>
+            <a:xfrm>
+              <a:off x="1989956" y="251631"/>
+              <a:ext cx="3672408" cy="830997"/>
+            </a:xfrm>
+            <a:prstGeom prst="rect">
+              <a:avLst/>
+            </a:prstGeom>
+            <a:noFill/>
+          </p:spPr>
+          <p:txBody>
+            <a:bodyPr wrap="square" rtlCol="0">
+              <a:spAutoFit/>
+            </a:bodyPr>
+            <a:lstStyle/>
+            <a:p>
+              <a:r>
+                <a:rPr lang="pt-PT" sz="1600" dirty="0" smtClean="0">
+                  <a:solidFill>
+                    <a:schemeClr val="bg1">
+                      <a:lumMod val="65000"/>
+                    </a:schemeClr>
+                  </a:solidFill>
+                </a:rPr>
+                <a:t>Universidade do Minho</a:t>
+              </a:r>
+              <a:r>
+                <a:rPr lang="pt-PT" sz="1600" dirty="0">
+                  <a:solidFill>
+                    <a:schemeClr val="bg1">
+                      <a:lumMod val="65000"/>
+                    </a:schemeClr>
+                  </a:solidFill>
+                </a:rPr>
+                <a:t/>
+              </a:r>
+              <a:br>
+                <a:rPr lang="pt-PT" sz="1600" dirty="0">
+                  <a:solidFill>
+                    <a:schemeClr val="bg1">
+                      <a:lumMod val="65000"/>
+                    </a:schemeClr>
+                  </a:solidFill>
+                </a:rPr>
+              </a:br>
+              <a:r>
+                <a:rPr lang="pt-PT" sz="1600" dirty="0" smtClean="0">
+                  <a:solidFill>
+                    <a:schemeClr val="bg1">
+                      <a:lumMod val="65000"/>
+                    </a:schemeClr>
+                  </a:solidFill>
+                </a:rPr>
+                <a:t>Licenciatura em Engenharia Informática</a:t>
+              </a:r>
+            </a:p>
+            <a:p>
+              <a:r>
+                <a:rPr lang="pt-PT" sz="1600" dirty="0" smtClean="0">
+                  <a:solidFill>
+                    <a:schemeClr val="bg1">
+                      <a:lumMod val="65000"/>
+                    </a:schemeClr>
+                  </a:solidFill>
+                </a:rPr>
+                <a:t>Laboratórios de Informática IV</a:t>
+              </a:r>
+              <a:endParaRPr lang="pt-PT" sz="1600" dirty="0">
+                <a:solidFill>
+                  <a:schemeClr val="bg1">
+                    <a:lumMod val="65000"/>
+                  </a:schemeClr>
+                </a:solidFill>
+              </a:endParaRPr>
+            </a:p>
+          </p:txBody>
+        </p:sp>
         <p:pic>
           <p:nvPicPr>
-            <p:cNvPr id="10" name="Imagem 2"/>
+            <p:cNvPr id="8" name="Imagem 7"/>
             <p:cNvPicPr>
               <a:picLocks noChangeAspect="1"/>
             </p:cNvPicPr>
             <p:nvPr/>
           </p:nvPicPr>
           <p:blipFill>
-            <a:blip r:embed="rId2">
+            <a:blip r:embed="rId2" cstate="print">
               <a:extLst>
                 <a:ext uri="{28A0092B-C50C-407E-A947-70E740481C1C}">
                   <a14:useLocalDpi xmlns:a14="http://schemas.microsoft.com/office/drawing/2010/main" val="0"/>
                 </a:ext>
               </a:extLst>
             </a:blip>
-            <a:srcRect/>
             <a:stretch>
               <a:fillRect/>
             </a:stretch>
           </p:blipFill>
-          <p:spPr bwMode="auto">
+          <p:spPr>
             <a:xfrm>
-              <a:off x="2047875" y="0"/>
-              <a:ext cx="1838325" cy="219075"/>
+              <a:off x="131873" y="218460"/>
+              <a:ext cx="1786076" cy="884108"/>
             </a:xfrm>
             <a:prstGeom prst="rect">
               <a:avLst/>
             </a:prstGeom>
-            <a:noFill/>
-            <a:ln>
-              <a:noFill/>
-            </a:ln>
-            <a:extLst>
-              <a:ext uri="{909E8E84-426E-40DD-AFC4-6F175D3DCCD1}">
-                <a14:hiddenFill xmlns:a14="http://schemas.microsoft.com/office/drawing/2010/main">
-                  <a:solidFill>
-                    <a:srgbClr val="FFFFFF"/>
-                  </a:solidFill>
-                </a14:hiddenFill>
-              </a:ext>
-              <a:ext uri="{91240B29-F687-4F45-9708-019B960494DF}">
-                <a14:hiddenLine xmlns:a14="http://schemas.microsoft.com/office/drawing/2010/main" w="9525">
-                  <a:solidFill>
-                    <a:srgbClr val="000000"/>
-                  </a:solidFill>
-                  <a:miter lim="800000"/>
-                  <a:headEnd/>
-                  <a:tailEnd/>
-                </a14:hiddenLine>
-              </a:ext>
-            </a:extLst>
-          </p:spPr>
-        </p:pic>
-        <p:pic>
-          <p:nvPicPr>
-            <p:cNvPr id="11" name="Imagem 3"/>
-            <p:cNvPicPr>
-              <a:picLocks noChangeAspect="1"/>
-            </p:cNvPicPr>
-            <p:nvPr/>
-          </p:nvPicPr>
-          <p:blipFill>
-            <a:blip r:embed="rId3">
-              <a:extLst>
-                <a:ext uri="{28A0092B-C50C-407E-A947-70E740481C1C}">
-                  <a14:useLocalDpi xmlns:a14="http://schemas.microsoft.com/office/drawing/2010/main" val="0"/>
-                </a:ext>
-              </a:extLst>
-            </a:blip>
-            <a:srcRect/>
-            <a:stretch>
-              <a:fillRect/>
-            </a:stretch>
-          </p:blipFill>
-          <p:spPr bwMode="auto">
-            <a:xfrm>
-              <a:off x="0" y="28575"/>
-              <a:ext cx="2095500" cy="180975"/>
-            </a:xfrm>
-            <a:prstGeom prst="rect">
-              <a:avLst/>
-            </a:prstGeom>
-            <a:noFill/>
-            <a:ln>
-              <a:noFill/>
-            </a:ln>
-            <a:extLst>
-              <a:ext uri="{909E8E84-426E-40DD-AFC4-6F175D3DCCD1}">
-                <a14:hiddenFill xmlns:a14="http://schemas.microsoft.com/office/drawing/2010/main">
-                  <a:solidFill>
-                    <a:srgbClr val="FFFFFF"/>
-                  </a:solidFill>
-                </a14:hiddenFill>
-              </a:ext>
-              <a:ext uri="{91240B29-F687-4F45-9708-019B960494DF}">
-                <a14:hiddenLine xmlns:a14="http://schemas.microsoft.com/office/drawing/2010/main" w="9525">
-                  <a:solidFill>
-                    <a:srgbClr val="000000"/>
-                  </a:solidFill>
-                  <a:miter lim="800000"/>
-                  <a:headEnd/>
-                  <a:tailEnd/>
-                </a14:hiddenLine>
-              </a:ext>
-            </a:extLst>
-          </p:spPr>
-        </p:pic>
-        <p:pic>
-          <p:nvPicPr>
-            <p:cNvPr id="12" name="Imagem 4"/>
-            <p:cNvPicPr>
-              <a:picLocks noChangeAspect="1"/>
-            </p:cNvPicPr>
-            <p:nvPr/>
-          </p:nvPicPr>
-          <p:blipFill>
-            <a:blip r:embed="rId4">
-              <a:extLst>
-                <a:ext uri="{28A0092B-C50C-407E-A947-70E740481C1C}">
-                  <a14:useLocalDpi xmlns:a14="http://schemas.microsoft.com/office/drawing/2010/main" val="0"/>
-                </a:ext>
-              </a:extLst>
-            </a:blip>
-            <a:srcRect/>
-            <a:stretch>
-              <a:fillRect/>
-            </a:stretch>
-          </p:blipFill>
-          <p:spPr bwMode="auto">
-            <a:xfrm>
-              <a:off x="0" y="628650"/>
-              <a:ext cx="4191000" cy="857250"/>
-            </a:xfrm>
-            <a:prstGeom prst="rect">
-              <a:avLst/>
-            </a:prstGeom>
-            <a:noFill/>
-            <a:ln>
-              <a:noFill/>
-            </a:ln>
-            <a:extLst>
-              <a:ext uri="{909E8E84-426E-40DD-AFC4-6F175D3DCCD1}">
-                <a14:hiddenFill xmlns:a14="http://schemas.microsoft.com/office/drawing/2010/main">
-                  <a:solidFill>
-                    <a:srgbClr val="FFFFFF"/>
-                  </a:solidFill>
-                </a14:hiddenFill>
-              </a:ext>
-              <a:ext uri="{91240B29-F687-4F45-9708-019B960494DF}">
-                <a14:hiddenLine xmlns:a14="http://schemas.microsoft.com/office/drawing/2010/main" w="9525">
-                  <a:solidFill>
-                    <a:srgbClr val="000000"/>
-                  </a:solidFill>
-                  <a:miter lim="800000"/>
-                  <a:headEnd/>
-                  <a:tailEnd/>
-                </a14:hiddenLine>
-              </a:ext>
-            </a:extLst>
-          </p:spPr>
-        </p:pic>
-        <p:pic>
-          <p:nvPicPr>
-            <p:cNvPr id="13" name="Imagem 5"/>
-            <p:cNvPicPr>
-              <a:picLocks noChangeAspect="1"/>
-            </p:cNvPicPr>
-            <p:nvPr/>
-          </p:nvPicPr>
-          <p:blipFill>
-            <a:blip r:embed="rId5">
-              <a:extLst>
-                <a:ext uri="{28A0092B-C50C-407E-A947-70E740481C1C}">
-                  <a14:useLocalDpi xmlns:a14="http://schemas.microsoft.com/office/drawing/2010/main" val="0"/>
-                </a:ext>
-              </a:extLst>
-            </a:blip>
-            <a:srcRect/>
-            <a:stretch>
-              <a:fillRect/>
-            </a:stretch>
-          </p:blipFill>
-          <p:spPr bwMode="auto">
-            <a:xfrm>
-              <a:off x="228600" y="295275"/>
-              <a:ext cx="3752850" cy="219075"/>
-            </a:xfrm>
-            <a:prstGeom prst="rect">
-              <a:avLst/>
-            </a:prstGeom>
-            <a:noFill/>
-            <a:ln>
-              <a:noFill/>
-            </a:ln>
-            <a:extLst>
-              <a:ext uri="{909E8E84-426E-40DD-AFC4-6F175D3DCCD1}">
-                <a14:hiddenFill xmlns:a14="http://schemas.microsoft.com/office/drawing/2010/main">
-                  <a:solidFill>
-                    <a:srgbClr val="FFFFFF"/>
-                  </a:solidFill>
-                </a14:hiddenFill>
-              </a:ext>
-              <a:ext uri="{91240B29-F687-4F45-9708-019B960494DF}">
-                <a14:hiddenLine xmlns:a14="http://schemas.microsoft.com/office/drawing/2010/main" w="9525">
-                  <a:solidFill>
-                    <a:srgbClr val="000000"/>
-                  </a:solidFill>
-                  <a:miter lim="800000"/>
-                  <a:headEnd/>
-                  <a:tailEnd/>
-                </a14:hiddenLine>
-              </a:ext>
-            </a:extLst>
-          </p:spPr>
-        </p:pic>
-        <p:pic>
-          <p:nvPicPr>
-            <p:cNvPr id="14" name="Imagem 6"/>
-            <p:cNvPicPr>
-              <a:picLocks noChangeAspect="1"/>
-            </p:cNvPicPr>
-            <p:nvPr/>
-          </p:nvPicPr>
-          <p:blipFill>
-            <a:blip r:embed="rId6">
-              <a:extLst>
-                <a:ext uri="{28A0092B-C50C-407E-A947-70E740481C1C}">
-                  <a14:useLocalDpi xmlns:a14="http://schemas.microsoft.com/office/drawing/2010/main" val="0"/>
-                </a:ext>
-              </a:extLst>
-            </a:blip>
-            <a:srcRect/>
-            <a:stretch>
-              <a:fillRect/>
-            </a:stretch>
-          </p:blipFill>
-          <p:spPr bwMode="auto">
-            <a:xfrm>
-              <a:off x="0" y="276225"/>
-              <a:ext cx="228600" cy="257175"/>
-            </a:xfrm>
-            <a:prstGeom prst="rect">
-              <a:avLst/>
-            </a:prstGeom>
-            <a:noFill/>
-            <a:ln>
-              <a:noFill/>
-            </a:ln>
-            <a:extLst>
-              <a:ext uri="{909E8E84-426E-40DD-AFC4-6F175D3DCCD1}">
-                <a14:hiddenFill xmlns:a14="http://schemas.microsoft.com/office/drawing/2010/main">
-                  <a:solidFill>
-                    <a:srgbClr val="FFFFFF"/>
-                  </a:solidFill>
-                </a14:hiddenFill>
-              </a:ext>
-              <a:ext uri="{91240B29-F687-4F45-9708-019B960494DF}">
-                <a14:hiddenLine xmlns:a14="http://schemas.microsoft.com/office/drawing/2010/main" w="9525">
-                  <a:solidFill>
-                    <a:srgbClr val="000000"/>
-                  </a:solidFill>
-                  <a:miter lim="800000"/>
-                  <a:headEnd/>
-                  <a:tailEnd/>
-                </a14:hiddenLine>
-              </a:ext>
-            </a:extLst>
-          </p:spPr>
-        </p:pic>
-        <p:pic>
-          <p:nvPicPr>
-            <p:cNvPr id="15" name="Imagem 7"/>
-            <p:cNvPicPr>
-              <a:picLocks noChangeAspect="1"/>
-            </p:cNvPicPr>
-            <p:nvPr/>
-          </p:nvPicPr>
-          <p:blipFill>
-            <a:blip r:embed="rId7">
-              <a:extLst>
-                <a:ext uri="{28A0092B-C50C-407E-A947-70E740481C1C}">
-                  <a14:useLocalDpi xmlns:a14="http://schemas.microsoft.com/office/drawing/2010/main" val="0"/>
-                </a:ext>
-              </a:extLst>
-            </a:blip>
-            <a:srcRect/>
-            <a:stretch>
-              <a:fillRect/>
-            </a:stretch>
-          </p:blipFill>
-          <p:spPr bwMode="auto">
-            <a:xfrm>
-              <a:off x="4000500" y="190500"/>
-              <a:ext cx="485775" cy="390525"/>
-            </a:xfrm>
-            <a:prstGeom prst="rect">
-              <a:avLst/>
-            </a:prstGeom>
-            <a:noFill/>
-            <a:ln>
-              <a:noFill/>
-            </a:ln>
-            <a:extLst>
-              <a:ext uri="{909E8E84-426E-40DD-AFC4-6F175D3DCCD1}">
-                <a14:hiddenFill xmlns:a14="http://schemas.microsoft.com/office/drawing/2010/main">
-                  <a:solidFill>
-                    <a:srgbClr val="FFFFFF"/>
-                  </a:solidFill>
-                </a14:hiddenFill>
-              </a:ext>
-              <a:ext uri="{91240B29-F687-4F45-9708-019B960494DF}">
-                <a14:hiddenLine xmlns:a14="http://schemas.microsoft.com/office/drawing/2010/main" w="9525">
-                  <a:solidFill>
-                    <a:srgbClr val="000000"/>
-                  </a:solidFill>
-                  <a:miter lim="800000"/>
-                  <a:headEnd/>
-                  <a:tailEnd/>
-                </a14:hiddenLine>
-              </a:ext>
-            </a:extLst>
           </p:spPr>
         </p:pic>
       </p:grpSp>
     </p:spTree>
     <p:extLst>
       <p:ext uri="{BB962C8B-B14F-4D97-AF65-F5344CB8AC3E}">
-        <p14:creationId xmlns:p14="http://schemas.microsoft.com/office/powerpoint/2010/main" val="2059044940"/>
+        <p14:creationId xmlns:p14="http://schemas.microsoft.com/office/powerpoint/2010/main" val="2295977054"/>
       </p:ext>
     </p:extLst>
   </p:cSld>
   <p:clrMapOvr>
     <a:masterClrMapping/>
   </p:clrMapOvr>
-  <mc:AlternateContent xmlns:mc="http://schemas.openxmlformats.org/markup-compatibility/2006">
-    <mc:Choice xmlns:p14="http://schemas.microsoft.com/office/powerpoint/2010/main" Requires="p14">
+  <mc:AlternateContent xmlns:mc="http://schemas.openxmlformats.org/markup-compatibility/2006" xmlns:p14="http://schemas.microsoft.com/office/powerpoint/2010/main">
+    <mc:Choice Requires="p14">
       <p:transition spd="med" p14:dur="700">
         <p:fade/>
       </p:transition>
     </mc:Choice>
-    <mc:Fallback>
+    <mc:Fallback xmlns="">
       <p:transition spd="med">
         <p:fade/>
       </p:transition>
@@ -9926,31 +11045,64 @@
         </p:nvSpPr>
         <p:spPr/>
         <p:txBody>
-          <a:bodyPr/>
+          <a:bodyPr>
+            <a:normAutofit/>
+          </a:bodyPr>
           <a:lstStyle/>
           <a:p>
             <a:r>
-              <a:rPr lang="pt-PT" dirty="0" smtClean="0"/>
-              <a:t>Contextualização</a:t>
-            </a:r>
-            <a:endParaRPr lang="pt-PT" dirty="0"/>
+              <a:rPr lang="pt-PT" sz="3200" spc="0" dirty="0" smtClean="0">
+                <a:ln w="0"/>
+                <a:solidFill>
+                  <a:schemeClr val="accent1"/>
+                </a:solidFill>
+                <a:effectLst>
+                  <a:outerShdw blurRad="38100" dist="25400" dir="5400000" algn="ctr" rotWithShape="0">
+                    <a:srgbClr val="6E747A">
+                      <a:alpha val="43000"/>
+                    </a:srgbClr>
+                  </a:outerShdw>
+                </a:effectLst>
+                <a:latin typeface="+mn-lt"/>
+              </a:rPr>
+              <a:t>Apresentação do caso de estudo</a:t>
+            </a:r>
+            <a:endParaRPr lang="pt-PT" sz="3200" spc="0" dirty="0">
+              <a:ln w="0"/>
+              <a:solidFill>
+                <a:schemeClr val="accent1"/>
+              </a:solidFill>
+              <a:effectLst>
+                <a:outerShdw blurRad="38100" dist="25400" dir="5400000" algn="ctr" rotWithShape="0">
+                  <a:srgbClr val="6E747A">
+                    <a:alpha val="43000"/>
+                  </a:srgbClr>
+                </a:outerShdw>
+              </a:effectLst>
+              <a:latin typeface="+mn-lt"/>
+            </a:endParaRPr>
           </a:p>
         </p:txBody>
       </p:sp>
       <p:sp>
         <p:nvSpPr>
-          <p:cNvPr id="3" name="Marcador de Posição de Conteúdo 2"/>
+          <p:cNvPr id="4" name="Marcador de Posição de Conteúdo 3"/>
           <p:cNvSpPr>
             <a:spLocks noGrp="1"/>
           </p:cNvSpPr>
           <p:nvPr>
-            <p:ph idx="1"/>
+            <p:ph sz="half" idx="2"/>
           </p:nvPr>
         </p:nvSpPr>
-        <p:spPr/>
+        <p:spPr>
+          <a:xfrm>
+            <a:off x="1197868" y="1964974"/>
+            <a:ext cx="9108503" cy="4056314"/>
+          </a:xfrm>
+        </p:spPr>
         <p:txBody>
           <a:bodyPr>
-            <a:normAutofit/>
+            <a:normAutofit fontScale="85000" lnSpcReduction="20000"/>
           </a:bodyPr>
           <a:lstStyle/>
           <a:p>
@@ -9960,8 +11112,28 @@
               </a:lnSpc>
             </a:pPr>
             <a:r>
-              <a:rPr lang="pt-PT" dirty="0" smtClean="0"/>
-              <a:t>O grau de dificuldade apresentado aos alunos do 1º ciclo do ensino básico tem vindo a aumentar, nomeadamente na área da Matemática.</a:t>
+              <a:rPr lang="pt-PT" sz="2800" dirty="0"/>
+              <a:t>O</a:t>
+            </a:r>
+            <a:r>
+              <a:rPr lang="pt-PT" sz="2800" dirty="0" smtClean="0"/>
+              <a:t>s resultados obtidos nas provas nacionais do </a:t>
+            </a:r>
+            <a:r>
+              <a:rPr lang="pt-PT" sz="2800" dirty="0" smtClean="0"/>
+              <a:t>ensino </a:t>
+            </a:r>
+            <a:r>
+              <a:rPr lang="pt-PT" sz="2800" dirty="0" smtClean="0"/>
+              <a:t>básico têm sido </a:t>
+            </a:r>
+            <a:r>
+              <a:rPr lang="pt-PT" sz="2800" dirty="0" smtClean="0"/>
+              <a:t>preocupantes. </a:t>
+            </a:r>
+            <a:r>
+              <a:rPr lang="pt-PT" sz="2800" dirty="0" smtClean="0"/>
+              <a:t>Entre os temas onde os alunos obtêm piores classificações, encontra-se a Geometria.</a:t>
             </a:r>
           </a:p>
           <a:p>
@@ -9971,8 +11143,8 @@
               </a:lnSpc>
             </a:pPr>
             <a:r>
-              <a:rPr lang="pt-PT" dirty="0" smtClean="0"/>
-              <a:t>Desta forma surge a necessidade de haver um apoio extra ao trabalho realizado pelos professores.</a:t>
+              <a:rPr lang="pt-PT" sz="2800" dirty="0" smtClean="0"/>
+              <a:t>Após a observação do plano de estudos do ensino primário, verificou-se que é no 3º ano que se leciona este tema.</a:t>
             </a:r>
           </a:p>
           <a:p>
@@ -9982,26 +11154,23 @@
               </a:lnSpc>
             </a:pPr>
             <a:r>
-              <a:rPr lang="pt-PT" dirty="0" smtClean="0"/>
-              <a:t>Esse estudo deverá ser apelativo</a:t>
-            </a:r>
-            <a:r>
-              <a:rPr lang="pt-PT" dirty="0"/>
-              <a:t> </a:t>
-            </a:r>
-            <a:r>
-              <a:rPr lang="pt-PT" dirty="0" smtClean="0"/>
-              <a:t>e interativo de modo a estimular uma fácil aprendizagem das matérias.</a:t>
-            </a:r>
-          </a:p>
-          <a:p>
+              <a:rPr lang="pt-PT" sz="2800" dirty="0" smtClean="0"/>
+              <a:t>Como tal o assistente pedagógico a desenvolver será direcionado aos educandos que frequentem esse ano escolar </a:t>
+            </a:r>
+          </a:p>
+          <a:p>
+            <a:pPr algn="just">
+              <a:lnSpc>
+                <a:spcPct val="150000"/>
+              </a:lnSpc>
+            </a:pPr>
             <a:endParaRPr lang="pt-PT" dirty="0"/>
           </a:p>
         </p:txBody>
       </p:sp>
       <p:sp>
         <p:nvSpPr>
-          <p:cNvPr id="4" name="Marcador de Posição da Data 3"/>
+          <p:cNvPr id="7" name="Marcador de Posição da Data 6"/>
           <p:cNvSpPr>
             <a:spLocks noGrp="1"/>
           </p:cNvSpPr>
@@ -10014,7 +11183,7 @@
           <a:bodyPr/>
           <a:lstStyle/>
           <a:p>
-            <a:fld id="{3AE44491-490D-4EE9-8B0A-32F91B9229B4}" type="datetime2">
+            <a:fld id="{D7100D44-86C5-4DC1-BD8D-003E607ECA84}" type="datetime2">
               <a:rPr lang="pt-PT" noProof="0" smtClean="0"/>
               <a:t>segunda-feira, 23 de março de 2015</a:t>
             </a:fld>
@@ -10024,7 +11193,7 @@
       </p:sp>
       <p:sp>
         <p:nvSpPr>
-          <p:cNvPr id="5" name="Marcador de Posição do Número do Diapositivo 4"/>
+          <p:cNvPr id="8" name="Marcador de Posição do Número do Diapositivo 7"/>
           <p:cNvSpPr>
             <a:spLocks noGrp="1"/>
           </p:cNvSpPr>
@@ -10045,23 +11214,151 @@
           </a:p>
         </p:txBody>
       </p:sp>
+      <p:grpSp>
+        <p:nvGrpSpPr>
+          <p:cNvPr id="17" name="Grupo 16"/>
+          <p:cNvGrpSpPr/>
+          <p:nvPr/>
+        </p:nvGrpSpPr>
+        <p:grpSpPr>
+          <a:xfrm>
+            <a:off x="131873" y="218460"/>
+            <a:ext cx="5530491" cy="884108"/>
+            <a:chOff x="131873" y="218460"/>
+            <a:chExt cx="5530491" cy="884108"/>
+          </a:xfrm>
+        </p:grpSpPr>
+        <p:sp>
+          <p:nvSpPr>
+            <p:cNvPr id="18" name="CaixaDeTexto 17"/>
+            <p:cNvSpPr txBox="1"/>
+            <p:nvPr/>
+          </p:nvSpPr>
+          <p:spPr>
+            <a:xfrm>
+              <a:off x="1989956" y="251631"/>
+              <a:ext cx="3672408" cy="830997"/>
+            </a:xfrm>
+            <a:prstGeom prst="rect">
+              <a:avLst/>
+            </a:prstGeom>
+            <a:noFill/>
+          </p:spPr>
+          <p:txBody>
+            <a:bodyPr wrap="square" rtlCol="0">
+              <a:spAutoFit/>
+            </a:bodyPr>
+            <a:lstStyle/>
+            <a:p>
+              <a:r>
+                <a:rPr lang="pt-PT" sz="1600" dirty="0" smtClean="0">
+                  <a:solidFill>
+                    <a:schemeClr val="bg1">
+                      <a:lumMod val="65000"/>
+                    </a:schemeClr>
+                  </a:solidFill>
+                </a:rPr>
+                <a:t>Universidade do Minho</a:t>
+              </a:r>
+              <a:r>
+                <a:rPr lang="pt-PT" sz="1600" dirty="0">
+                  <a:solidFill>
+                    <a:schemeClr val="bg1">
+                      <a:lumMod val="65000"/>
+                    </a:schemeClr>
+                  </a:solidFill>
+                </a:rPr>
+                <a:t/>
+              </a:r>
+              <a:br>
+                <a:rPr lang="pt-PT" sz="1600" dirty="0">
+                  <a:solidFill>
+                    <a:schemeClr val="bg1">
+                      <a:lumMod val="65000"/>
+                    </a:schemeClr>
+                  </a:solidFill>
+                </a:rPr>
+              </a:br>
+              <a:r>
+                <a:rPr lang="pt-PT" sz="1600" dirty="0" smtClean="0">
+                  <a:solidFill>
+                    <a:schemeClr val="bg1">
+                      <a:lumMod val="65000"/>
+                    </a:schemeClr>
+                  </a:solidFill>
+                </a:rPr>
+                <a:t>Licenciatura em Engenharia Informática</a:t>
+              </a:r>
+            </a:p>
+            <a:p>
+              <a:r>
+                <a:rPr lang="pt-PT" sz="1600" dirty="0" smtClean="0">
+                  <a:solidFill>
+                    <a:schemeClr val="bg1">
+                      <a:lumMod val="65000"/>
+                    </a:schemeClr>
+                  </a:solidFill>
+                </a:rPr>
+                <a:t>Laboratórios de Informática IV</a:t>
+              </a:r>
+              <a:endParaRPr lang="pt-PT" sz="1600" dirty="0">
+                <a:solidFill>
+                  <a:schemeClr val="bg1">
+                    <a:lumMod val="65000"/>
+                  </a:schemeClr>
+                </a:solidFill>
+              </a:endParaRPr>
+            </a:p>
+          </p:txBody>
+        </p:sp>
+        <p:pic>
+          <p:nvPicPr>
+            <p:cNvPr id="19" name="Imagem 18"/>
+            <p:cNvPicPr>
+              <a:picLocks noChangeAspect="1"/>
+            </p:cNvPicPr>
+            <p:nvPr/>
+          </p:nvPicPr>
+          <p:blipFill>
+            <a:blip r:embed="rId2" cstate="print">
+              <a:extLst>
+                <a:ext uri="{28A0092B-C50C-407E-A947-70E740481C1C}">
+                  <a14:useLocalDpi xmlns:a14="http://schemas.microsoft.com/office/drawing/2010/main" val="0"/>
+                </a:ext>
+              </a:extLst>
+            </a:blip>
+            <a:stretch>
+              <a:fillRect/>
+            </a:stretch>
+          </p:blipFill>
+          <p:spPr>
+            <a:xfrm>
+              <a:off x="131873" y="218460"/>
+              <a:ext cx="1786076" cy="884108"/>
+            </a:xfrm>
+            <a:prstGeom prst="rect">
+              <a:avLst/>
+            </a:prstGeom>
+          </p:spPr>
+        </p:pic>
+      </p:grpSp>
     </p:spTree>
     <p:extLst>
       <p:ext uri="{BB962C8B-B14F-4D97-AF65-F5344CB8AC3E}">
-        <p14:creationId xmlns:p14="http://schemas.microsoft.com/office/powerpoint/2010/main" val="2295977054"/>
+        <p14:creationId xmlns:p14="http://schemas.microsoft.com/office/powerpoint/2010/main" val="2059044940"/>
       </p:ext>
     </p:extLst>
   </p:cSld>
   <p:clrMapOvr>
     <a:masterClrMapping/>
   </p:clrMapOvr>
-  <mc:AlternateContent xmlns:mc="http://schemas.openxmlformats.org/markup-compatibility/2006">
-    <mc:Choice xmlns:p14="http://schemas.microsoft.com/office/powerpoint/2010/main" Requires="p14">
+  <mc:AlternateContent xmlns:mc="http://schemas.openxmlformats.org/markup-compatibility/2006" xmlns:p14="http://schemas.microsoft.com/office/powerpoint/2010/main">
+    <mc:Choice Requires="p14">
       <p:transition spd="med" p14:dur="700">
         <p:fade/>
       </p:transition>
     </mc:Choice>
-    <mc:Fallback>
+    <mc:Fallback xmlns="">
       <p:transition spd="med">
         <p:fade/>
       </p:transition>
@@ -10106,14 +11403,42 @@
         </p:nvSpPr>
         <p:spPr/>
         <p:txBody>
-          <a:bodyPr/>
+          <a:bodyPr>
+            <a:normAutofit/>
+          </a:bodyPr>
           <a:lstStyle/>
           <a:p>
             <a:r>
-              <a:rPr lang="pt-PT" dirty="0" smtClean="0"/>
+              <a:rPr lang="pt-PT" sz="3200" spc="0" dirty="0" smtClean="0">
+                <a:ln w="0"/>
+                <a:solidFill>
+                  <a:schemeClr val="accent1"/>
+                </a:solidFill>
+                <a:effectLst>
+                  <a:outerShdw blurRad="38100" dist="25400" dir="5400000" algn="ctr" rotWithShape="0">
+                    <a:srgbClr val="6E747A">
+                      <a:alpha val="43000"/>
+                    </a:srgbClr>
+                  </a:outerShdw>
+                </a:effectLst>
+                <a:latin typeface="+mn-lt"/>
+              </a:rPr>
               <a:t>Motivação e objetivos a atingir</a:t>
             </a:r>
-            <a:endParaRPr lang="pt-PT" dirty="0"/>
+            <a:endParaRPr lang="pt-PT" sz="3200" spc="0" dirty="0">
+              <a:ln w="0"/>
+              <a:solidFill>
+                <a:schemeClr val="accent1"/>
+              </a:solidFill>
+              <a:effectLst>
+                <a:outerShdw blurRad="38100" dist="25400" dir="5400000" algn="ctr" rotWithShape="0">
+                  <a:srgbClr val="6E747A">
+                    <a:alpha val="43000"/>
+                  </a:srgbClr>
+                </a:outerShdw>
+              </a:effectLst>
+              <a:latin typeface="+mn-lt"/>
+            </a:endParaRPr>
           </a:p>
         </p:txBody>
       </p:sp>
@@ -10130,7 +11455,7 @@
         <p:spPr/>
         <p:txBody>
           <a:bodyPr>
-            <a:normAutofit/>
+            <a:normAutofit fontScale="92500"/>
           </a:bodyPr>
           <a:lstStyle/>
           <a:p>
@@ -10140,8 +11465,16 @@
               </a:lnSpc>
             </a:pPr>
             <a:r>
-              <a:rPr lang="pt-PT" dirty="0" smtClean="0"/>
-              <a:t>Os pais nem sempre têm a disponibilidade e/ou capacidade para ajudar os seus filhos nos trabalhos de casa.</a:t>
+              <a:rPr lang="pt-PT" sz="2400" dirty="0"/>
+              <a:t> Com o aumento </a:t>
+            </a:r>
+            <a:r>
+              <a:rPr lang="pt-PT" sz="2400" dirty="0" smtClean="0"/>
+              <a:t>da dificuldade da matéria lecionada no </a:t>
+            </a:r>
+            <a:r>
+              <a:rPr lang="pt-PT" sz="2400" dirty="0"/>
+              <a:t>1º ciclo do Ensino Básico, é preciso que hajam  alternativas de apoio e incentivo ao estudo fora da escola.</a:t>
             </a:r>
           </a:p>
           <a:p>
@@ -10151,8 +11484,12 @@
               </a:lnSpc>
             </a:pPr>
             <a:r>
-              <a:rPr lang="pt-PT" dirty="0" smtClean="0"/>
-              <a:t> Com o aumento das dificuldades já no 1º ciclo do Ensino Básico, é preciso que hajam  alternativas de apoio e incentivo ao estudo fora da escola.</a:t>
+              <a:rPr lang="pt-PT" sz="2400" dirty="0" smtClean="0"/>
+              <a:t>Os </a:t>
+            </a:r>
+            <a:r>
+              <a:rPr lang="pt-PT" sz="2400" dirty="0" smtClean="0"/>
+              <a:t>pais nem sempre têm a disponibilidade e/ou capacidade para ajudar os seus filhos nos trabalhos de casa.</a:t>
             </a:r>
           </a:p>
           <a:p>
@@ -10162,10 +11499,14 @@
               </a:lnSpc>
             </a:pPr>
             <a:r>
-              <a:rPr lang="pt-PT" dirty="0" smtClean="0"/>
-              <a:t>O assistente visa minimizar estes problemas proporcionando métodos atrativos e interativos de aprender e estudar.</a:t>
-            </a:r>
-            <a:endParaRPr lang="pt-PT" dirty="0"/>
+              <a:rPr lang="pt-PT" sz="2400" dirty="0" smtClean="0"/>
+              <a:t>O </a:t>
+            </a:r>
+            <a:r>
+              <a:rPr lang="pt-PT" sz="2400" dirty="0" smtClean="0"/>
+              <a:t>assistente visa minimizar estes problemas proporcionando métodos atrativos e interativos de aprender e estudar.</a:t>
+            </a:r>
+            <a:endParaRPr lang="pt-PT" sz="2400" dirty="0"/>
           </a:p>
         </p:txBody>
       </p:sp>
@@ -10215,6 +11556,134 @@
           </a:p>
         </p:txBody>
       </p:sp>
+      <p:grpSp>
+        <p:nvGrpSpPr>
+          <p:cNvPr id="6" name="Grupo 5"/>
+          <p:cNvGrpSpPr/>
+          <p:nvPr/>
+        </p:nvGrpSpPr>
+        <p:grpSpPr>
+          <a:xfrm>
+            <a:off x="131873" y="218460"/>
+            <a:ext cx="5530491" cy="884108"/>
+            <a:chOff x="131873" y="218460"/>
+            <a:chExt cx="5530491" cy="884108"/>
+          </a:xfrm>
+        </p:grpSpPr>
+        <p:sp>
+          <p:nvSpPr>
+            <p:cNvPr id="7" name="CaixaDeTexto 6"/>
+            <p:cNvSpPr txBox="1"/>
+            <p:nvPr/>
+          </p:nvSpPr>
+          <p:spPr>
+            <a:xfrm>
+              <a:off x="1989956" y="251631"/>
+              <a:ext cx="3672408" cy="830997"/>
+            </a:xfrm>
+            <a:prstGeom prst="rect">
+              <a:avLst/>
+            </a:prstGeom>
+            <a:noFill/>
+          </p:spPr>
+          <p:txBody>
+            <a:bodyPr wrap="square" rtlCol="0">
+              <a:spAutoFit/>
+            </a:bodyPr>
+            <a:lstStyle/>
+            <a:p>
+              <a:r>
+                <a:rPr lang="pt-PT" sz="1600" dirty="0" smtClean="0">
+                  <a:solidFill>
+                    <a:schemeClr val="bg1">
+                      <a:lumMod val="65000"/>
+                    </a:schemeClr>
+                  </a:solidFill>
+                </a:rPr>
+                <a:t>Universidade do Minho</a:t>
+              </a:r>
+              <a:r>
+                <a:rPr lang="pt-PT" sz="1600" dirty="0">
+                  <a:solidFill>
+                    <a:schemeClr val="bg1">
+                      <a:lumMod val="65000"/>
+                    </a:schemeClr>
+                  </a:solidFill>
+                </a:rPr>
+                <a:t/>
+              </a:r>
+              <a:br>
+                <a:rPr lang="pt-PT" sz="1600" dirty="0">
+                  <a:solidFill>
+                    <a:schemeClr val="bg1">
+                      <a:lumMod val="65000"/>
+                    </a:schemeClr>
+                  </a:solidFill>
+                </a:rPr>
+              </a:br>
+              <a:r>
+                <a:rPr lang="pt-PT" sz="1600" dirty="0" smtClean="0">
+                  <a:solidFill>
+                    <a:schemeClr val="bg1">
+                      <a:lumMod val="65000"/>
+                    </a:schemeClr>
+                  </a:solidFill>
+                </a:rPr>
+                <a:t>Licenciatura em Engenharia Informática</a:t>
+              </a:r>
+            </a:p>
+            <a:p>
+              <a:r>
+                <a:rPr lang="pt-PT" sz="1600" dirty="0" smtClean="0">
+                  <a:solidFill>
+                    <a:schemeClr val="bg1">
+                      <a:lumMod val="65000"/>
+                    </a:schemeClr>
+                  </a:solidFill>
+                </a:rPr>
+                <a:t>Laboratórios de Informática IV</a:t>
+              </a:r>
+              <a:endParaRPr lang="pt-PT" sz="1600" dirty="0">
+                <a:solidFill>
+                  <a:schemeClr val="bg1">
+                    <a:lumMod val="65000"/>
+                  </a:schemeClr>
+                </a:solidFill>
+              </a:endParaRPr>
+            </a:p>
+          </p:txBody>
+        </p:sp>
+        <p:pic>
+          <p:nvPicPr>
+            <p:cNvPr id="8" name="Imagem 7"/>
+            <p:cNvPicPr>
+              <a:picLocks noChangeAspect="1"/>
+            </p:cNvPicPr>
+            <p:nvPr/>
+          </p:nvPicPr>
+          <p:blipFill>
+            <a:blip r:embed="rId2" cstate="print">
+              <a:extLst>
+                <a:ext uri="{28A0092B-C50C-407E-A947-70E740481C1C}">
+                  <a14:useLocalDpi xmlns:a14="http://schemas.microsoft.com/office/drawing/2010/main" val="0"/>
+                </a:ext>
+              </a:extLst>
+            </a:blip>
+            <a:stretch>
+              <a:fillRect/>
+            </a:stretch>
+          </p:blipFill>
+          <p:spPr>
+            <a:xfrm>
+              <a:off x="131873" y="218460"/>
+              <a:ext cx="1786076" cy="884108"/>
+            </a:xfrm>
+            <a:prstGeom prst="rect">
+              <a:avLst/>
+            </a:prstGeom>
+          </p:spPr>
+        </p:pic>
+      </p:grpSp>
     </p:spTree>
     <p:extLst>
       <p:ext uri="{BB962C8B-B14F-4D97-AF65-F5344CB8AC3E}">
@@ -10225,13 +11694,13 @@
   <p:clrMapOvr>
     <a:masterClrMapping/>
   </p:clrMapOvr>
-  <mc:AlternateContent xmlns:mc="http://schemas.openxmlformats.org/markup-compatibility/2006">
-    <mc:Choice xmlns:p14="http://schemas.microsoft.com/office/powerpoint/2010/main" Requires="p14">
+  <mc:AlternateContent xmlns:mc="http://schemas.openxmlformats.org/markup-compatibility/2006" xmlns:p14="http://schemas.microsoft.com/office/powerpoint/2010/main">
+    <mc:Choice Requires="p14">
       <p:transition spd="med" p14:dur="700">
         <p:fade/>
       </p:transition>
     </mc:Choice>
-    <mc:Fallback>
+    <mc:Fallback xmlns="">
       <p:transition spd="med">
         <p:fade/>
       </p:transition>
@@ -10276,96 +11745,42 @@
         </p:nvSpPr>
         <p:spPr/>
         <p:txBody>
-          <a:bodyPr/>
-          <a:lstStyle/>
-          <a:p>
-            <a:r>
-              <a:rPr lang="pt-PT" dirty="0" smtClean="0"/>
-              <a:t>Descrição da aplicação</a:t>
-            </a:r>
-            <a:endParaRPr lang="pt-PT" dirty="0"/>
-          </a:p>
-        </p:txBody>
-      </p:sp>
-      <p:sp>
-        <p:nvSpPr>
-          <p:cNvPr id="3" name="Marcador de Posição de Conteúdo 2"/>
-          <p:cNvSpPr>
-            <a:spLocks noGrp="1"/>
-          </p:cNvSpPr>
-          <p:nvPr>
-            <p:ph sz="half" idx="1"/>
-          </p:nvPr>
-        </p:nvSpPr>
-        <p:spPr/>
-        <p:txBody>
           <a:bodyPr>
-            <a:normAutofit lnSpcReduction="10000"/>
+            <a:normAutofit/>
           </a:bodyPr>
           <a:lstStyle/>
           <a:p>
             <a:r>
-              <a:rPr lang="pt-PT" dirty="0" smtClean="0"/>
-              <a:t>O utilizador poderá escolher de um leque de opções:</a:t>
-            </a:r>
-          </a:p>
-          <a:p>
-            <a:pPr lvl="1"/>
-            <a:r>
-              <a:rPr lang="pt-PT" dirty="0" smtClean="0"/>
-              <a:t>Aulas </a:t>
-            </a:r>
-          </a:p>
-          <a:p>
-            <a:pPr lvl="1"/>
-            <a:r>
-              <a:rPr lang="pt-PT" dirty="0" smtClean="0"/>
-              <a:t>Exercícios</a:t>
-            </a:r>
-          </a:p>
-          <a:p>
-            <a:pPr lvl="1"/>
-            <a:r>
-              <a:rPr lang="pt-PT" dirty="0" smtClean="0"/>
-              <a:t>Testes</a:t>
-            </a:r>
-            <a:endParaRPr lang="pt-PT" dirty="0"/>
-          </a:p>
-          <a:p>
-            <a:r>
-              <a:rPr lang="pt-PT" dirty="0" smtClean="0"/>
-              <a:t>As aulas serão disponibilizadas em várias formas:</a:t>
-            </a:r>
-          </a:p>
-          <a:p>
-            <a:pPr lvl="1"/>
-            <a:r>
-              <a:rPr lang="pt-PT" dirty="0" smtClean="0"/>
-              <a:t>Vídeos</a:t>
-            </a:r>
-          </a:p>
-          <a:p>
-            <a:pPr lvl="1"/>
-            <a:r>
-              <a:rPr lang="pt-PT" dirty="0" smtClean="0"/>
-              <a:t>Imagens</a:t>
-            </a:r>
-          </a:p>
-          <a:p>
-            <a:pPr lvl="1"/>
-            <a:r>
-              <a:rPr lang="pt-PT" dirty="0" smtClean="0"/>
-              <a:t>Jogos</a:t>
-            </a:r>
-          </a:p>
-          <a:p>
-            <a:r>
-              <a:rPr lang="pt-PT" dirty="0" smtClean="0"/>
-              <a:t>A cada aula há um conjunto de exercícios propostos.</a:t>
-            </a:r>
-          </a:p>
-          <a:p>
-            <a:endParaRPr lang="pt-PT" dirty="0" smtClean="0"/>
+              <a:rPr lang="pt-PT" sz="3200" spc="0" dirty="0" smtClean="0">
+                <a:ln w="0"/>
+                <a:solidFill>
+                  <a:schemeClr val="accent1"/>
+                </a:solidFill>
+                <a:effectLst>
+                  <a:outerShdw blurRad="38100" dist="25400" dir="5400000" algn="ctr" rotWithShape="0">
+                    <a:srgbClr val="6E747A">
+                      <a:alpha val="43000"/>
+                    </a:srgbClr>
+                  </a:outerShdw>
+                </a:effectLst>
+                <a:latin typeface="+mn-lt"/>
+              </a:rPr>
+              <a:t>Descrição da aplicação</a:t>
+            </a:r>
+            <a:endParaRPr lang="pt-PT" sz="3200" spc="0" dirty="0">
+              <a:ln w="0"/>
+              <a:solidFill>
+                <a:schemeClr val="accent1"/>
+              </a:solidFill>
+              <a:effectLst>
+                <a:outerShdw blurRad="38100" dist="25400" dir="5400000" algn="ctr" rotWithShape="0">
+                  <a:srgbClr val="6E747A">
+                    <a:alpha val="43000"/>
+                  </a:srgbClr>
+                </a:outerShdw>
+              </a:effectLst>
+              <a:latin typeface="+mn-lt"/>
+            </a:endParaRPr>
           </a:p>
         </p:txBody>
       </p:sp>
@@ -10379,14 +11794,14 @@
             <p:ph sz="half" idx="2"/>
             <p:extLst>
               <p:ext uri="{D42A27DB-BD31-4B8C-83A1-F6EECF244321}">
-                <p14:modId xmlns:p14="http://schemas.microsoft.com/office/powerpoint/2010/main" val="94822736"/>
+                <p14:modId xmlns:p14="http://schemas.microsoft.com/office/powerpoint/2010/main" val="859201181"/>
               </p:ext>
             </p:extLst>
           </p:nvPr>
         </p:nvGraphicFramePr>
         <p:xfrm>
-          <a:off x="6246813" y="980728"/>
-          <a:ext cx="4419599" cy="5191472"/>
+          <a:off x="2566020" y="1916832"/>
+          <a:ext cx="6480720" cy="4320480"/>
         </p:xfrm>
         <a:graphic>
           <a:graphicData uri="http://schemas.openxmlformats.org/drawingml/2006/diagram">
@@ -10440,6 +11855,134 @@
           </a:p>
         </p:txBody>
       </p:sp>
+      <p:grpSp>
+        <p:nvGrpSpPr>
+          <p:cNvPr id="8" name="Grupo 7"/>
+          <p:cNvGrpSpPr/>
+          <p:nvPr/>
+        </p:nvGrpSpPr>
+        <p:grpSpPr>
+          <a:xfrm>
+            <a:off x="131873" y="218460"/>
+            <a:ext cx="5530491" cy="884108"/>
+            <a:chOff x="131873" y="218460"/>
+            <a:chExt cx="5530491" cy="884108"/>
+          </a:xfrm>
+        </p:grpSpPr>
+        <p:sp>
+          <p:nvSpPr>
+            <p:cNvPr id="9" name="CaixaDeTexto 8"/>
+            <p:cNvSpPr txBox="1"/>
+            <p:nvPr/>
+          </p:nvSpPr>
+          <p:spPr>
+            <a:xfrm>
+              <a:off x="1989956" y="251631"/>
+              <a:ext cx="3672408" cy="830997"/>
+            </a:xfrm>
+            <a:prstGeom prst="rect">
+              <a:avLst/>
+            </a:prstGeom>
+            <a:noFill/>
+          </p:spPr>
+          <p:txBody>
+            <a:bodyPr wrap="square" rtlCol="0">
+              <a:spAutoFit/>
+            </a:bodyPr>
+            <a:lstStyle/>
+            <a:p>
+              <a:r>
+                <a:rPr lang="pt-PT" sz="1600" dirty="0" smtClean="0">
+                  <a:solidFill>
+                    <a:schemeClr val="bg1">
+                      <a:lumMod val="65000"/>
+                    </a:schemeClr>
+                  </a:solidFill>
+                </a:rPr>
+                <a:t>Universidade do Minho</a:t>
+              </a:r>
+              <a:r>
+                <a:rPr lang="pt-PT" sz="1600" dirty="0">
+                  <a:solidFill>
+                    <a:schemeClr val="bg1">
+                      <a:lumMod val="65000"/>
+                    </a:schemeClr>
+                  </a:solidFill>
+                </a:rPr>
+                <a:t/>
+              </a:r>
+              <a:br>
+                <a:rPr lang="pt-PT" sz="1600" dirty="0">
+                  <a:solidFill>
+                    <a:schemeClr val="bg1">
+                      <a:lumMod val="65000"/>
+                    </a:schemeClr>
+                  </a:solidFill>
+                </a:rPr>
+              </a:br>
+              <a:r>
+                <a:rPr lang="pt-PT" sz="1600" dirty="0" smtClean="0">
+                  <a:solidFill>
+                    <a:schemeClr val="bg1">
+                      <a:lumMod val="65000"/>
+                    </a:schemeClr>
+                  </a:solidFill>
+                </a:rPr>
+                <a:t>Licenciatura em Engenharia Informática</a:t>
+              </a:r>
+            </a:p>
+            <a:p>
+              <a:r>
+                <a:rPr lang="pt-PT" sz="1600" dirty="0" smtClean="0">
+                  <a:solidFill>
+                    <a:schemeClr val="bg1">
+                      <a:lumMod val="65000"/>
+                    </a:schemeClr>
+                  </a:solidFill>
+                </a:rPr>
+                <a:t>Laboratórios de Informática IV</a:t>
+              </a:r>
+              <a:endParaRPr lang="pt-PT" sz="1600" dirty="0">
+                <a:solidFill>
+                  <a:schemeClr val="bg1">
+                    <a:lumMod val="65000"/>
+                  </a:schemeClr>
+                </a:solidFill>
+              </a:endParaRPr>
+            </a:p>
+          </p:txBody>
+        </p:sp>
+        <p:pic>
+          <p:nvPicPr>
+            <p:cNvPr id="10" name="Imagem 9"/>
+            <p:cNvPicPr>
+              <a:picLocks noChangeAspect="1"/>
+            </p:cNvPicPr>
+            <p:nvPr/>
+          </p:nvPicPr>
+          <p:blipFill>
+            <a:blip r:embed="rId7" cstate="print">
+              <a:extLst>
+                <a:ext uri="{28A0092B-C50C-407E-A947-70E740481C1C}">
+                  <a14:useLocalDpi xmlns:a14="http://schemas.microsoft.com/office/drawing/2010/main" val="0"/>
+                </a:ext>
+              </a:extLst>
+            </a:blip>
+            <a:stretch>
+              <a:fillRect/>
+            </a:stretch>
+          </p:blipFill>
+          <p:spPr>
+            <a:xfrm>
+              <a:off x="131873" y="218460"/>
+              <a:ext cx="1786076" cy="884108"/>
+            </a:xfrm>
+            <a:prstGeom prst="rect">
+              <a:avLst/>
+            </a:prstGeom>
+          </p:spPr>
+        </p:pic>
+      </p:grpSp>
     </p:spTree>
     <p:extLst>
       <p:ext uri="{BB962C8B-B14F-4D97-AF65-F5344CB8AC3E}">
@@ -10450,13 +11993,13 @@
   <p:clrMapOvr>
     <a:masterClrMapping/>
   </p:clrMapOvr>
-  <mc:AlternateContent xmlns:mc="http://schemas.openxmlformats.org/markup-compatibility/2006">
-    <mc:Choice xmlns:p14="http://schemas.microsoft.com/office/powerpoint/2010/main" Requires="p14">
+  <mc:AlternateContent xmlns:mc="http://schemas.openxmlformats.org/markup-compatibility/2006" xmlns:p14="http://schemas.microsoft.com/office/powerpoint/2010/main">
+    <mc:Choice Requires="p14">
       <p:transition spd="med" p14:dur="700">
         <p:fade/>
       </p:transition>
     </mc:Choice>
-    <mc:Fallback>
+    <mc:Fallback xmlns="">
       <p:transition spd="med">
         <p:fade/>
       </p:transition>
@@ -10501,14 +12044,42 @@
         </p:nvSpPr>
         <p:spPr/>
         <p:txBody>
-          <a:bodyPr/>
+          <a:bodyPr>
+            <a:normAutofit/>
+          </a:bodyPr>
           <a:lstStyle/>
           <a:p>
             <a:r>
-              <a:rPr lang="pt-PT" dirty="0" smtClean="0"/>
+              <a:rPr lang="pt-PT" sz="3200" spc="0" dirty="0" smtClean="0">
+                <a:ln w="0"/>
+                <a:solidFill>
+                  <a:schemeClr val="accent1"/>
+                </a:solidFill>
+                <a:effectLst>
+                  <a:outerShdw blurRad="38100" dist="25400" dir="5400000" algn="ctr" rotWithShape="0">
+                    <a:srgbClr val="6E747A">
+                      <a:alpha val="43000"/>
+                    </a:srgbClr>
+                  </a:outerShdw>
+                </a:effectLst>
+                <a:latin typeface="+mn-lt"/>
+              </a:rPr>
               <a:t>Planeamento do projeto</a:t>
             </a:r>
-            <a:endParaRPr lang="pt-PT" dirty="0"/>
+            <a:endParaRPr lang="pt-PT" sz="3200" spc="0" dirty="0">
+              <a:ln w="0"/>
+              <a:solidFill>
+                <a:schemeClr val="accent1"/>
+              </a:solidFill>
+              <a:effectLst>
+                <a:outerShdw blurRad="38100" dist="25400" dir="5400000" algn="ctr" rotWithShape="0">
+                  <a:srgbClr val="6E747A">
+                    <a:alpha val="43000"/>
+                  </a:srgbClr>
+                </a:outerShdw>
+              </a:effectLst>
+              <a:latin typeface="+mn-lt"/>
+            </a:endParaRPr>
           </a:p>
         </p:txBody>
       </p:sp>
@@ -10536,8 +12107,8 @@
         </p:blipFill>
         <p:spPr>
           <a:xfrm>
-            <a:off x="1522414" y="1702276"/>
-            <a:ext cx="9143998" cy="4469924"/>
+            <a:off x="1629916" y="1916832"/>
+            <a:ext cx="8892478" cy="4346972"/>
           </a:xfrm>
         </p:spPr>
       </p:pic>
@@ -10587,6 +12158,134 @@
           </a:p>
         </p:txBody>
       </p:sp>
+      <p:grpSp>
+        <p:nvGrpSpPr>
+          <p:cNvPr id="7" name="Grupo 6"/>
+          <p:cNvGrpSpPr/>
+          <p:nvPr/>
+        </p:nvGrpSpPr>
+        <p:grpSpPr>
+          <a:xfrm>
+            <a:off x="131873" y="218460"/>
+            <a:ext cx="5530491" cy="884108"/>
+            <a:chOff x="131873" y="218460"/>
+            <a:chExt cx="5530491" cy="884108"/>
+          </a:xfrm>
+        </p:grpSpPr>
+        <p:sp>
+          <p:nvSpPr>
+            <p:cNvPr id="8" name="CaixaDeTexto 7"/>
+            <p:cNvSpPr txBox="1"/>
+            <p:nvPr/>
+          </p:nvSpPr>
+          <p:spPr>
+            <a:xfrm>
+              <a:off x="1989956" y="251631"/>
+              <a:ext cx="3672408" cy="830997"/>
+            </a:xfrm>
+            <a:prstGeom prst="rect">
+              <a:avLst/>
+            </a:prstGeom>
+            <a:noFill/>
+          </p:spPr>
+          <p:txBody>
+            <a:bodyPr wrap="square" rtlCol="0">
+              <a:spAutoFit/>
+            </a:bodyPr>
+            <a:lstStyle/>
+            <a:p>
+              <a:r>
+                <a:rPr lang="pt-PT" sz="1600" dirty="0" smtClean="0">
+                  <a:solidFill>
+                    <a:schemeClr val="bg1">
+                      <a:lumMod val="65000"/>
+                    </a:schemeClr>
+                  </a:solidFill>
+                </a:rPr>
+                <a:t>Universidade do Minho</a:t>
+              </a:r>
+              <a:r>
+                <a:rPr lang="pt-PT" sz="1600" dirty="0">
+                  <a:solidFill>
+                    <a:schemeClr val="bg1">
+                      <a:lumMod val="65000"/>
+                    </a:schemeClr>
+                  </a:solidFill>
+                </a:rPr>
+                <a:t/>
+              </a:r>
+              <a:br>
+                <a:rPr lang="pt-PT" sz="1600" dirty="0">
+                  <a:solidFill>
+                    <a:schemeClr val="bg1">
+                      <a:lumMod val="65000"/>
+                    </a:schemeClr>
+                  </a:solidFill>
+                </a:rPr>
+              </a:br>
+              <a:r>
+                <a:rPr lang="pt-PT" sz="1600" dirty="0" smtClean="0">
+                  <a:solidFill>
+                    <a:schemeClr val="bg1">
+                      <a:lumMod val="65000"/>
+                    </a:schemeClr>
+                  </a:solidFill>
+                </a:rPr>
+                <a:t>Licenciatura em Engenharia Informática</a:t>
+              </a:r>
+            </a:p>
+            <a:p>
+              <a:r>
+                <a:rPr lang="pt-PT" sz="1600" dirty="0" smtClean="0">
+                  <a:solidFill>
+                    <a:schemeClr val="bg1">
+                      <a:lumMod val="65000"/>
+                    </a:schemeClr>
+                  </a:solidFill>
+                </a:rPr>
+                <a:t>Laboratórios de Informática IV</a:t>
+              </a:r>
+              <a:endParaRPr lang="pt-PT" sz="1600" dirty="0">
+                <a:solidFill>
+                  <a:schemeClr val="bg1">
+                    <a:lumMod val="65000"/>
+                  </a:schemeClr>
+                </a:solidFill>
+              </a:endParaRPr>
+            </a:p>
+          </p:txBody>
+        </p:sp>
+        <p:pic>
+          <p:nvPicPr>
+            <p:cNvPr id="9" name="Imagem 8"/>
+            <p:cNvPicPr>
+              <a:picLocks noChangeAspect="1"/>
+            </p:cNvPicPr>
+            <p:nvPr/>
+          </p:nvPicPr>
+          <p:blipFill>
+            <a:blip r:embed="rId3" cstate="print">
+              <a:extLst>
+                <a:ext uri="{28A0092B-C50C-407E-A947-70E740481C1C}">
+                  <a14:useLocalDpi xmlns:a14="http://schemas.microsoft.com/office/drawing/2010/main" val="0"/>
+                </a:ext>
+              </a:extLst>
+            </a:blip>
+            <a:stretch>
+              <a:fillRect/>
+            </a:stretch>
+          </p:blipFill>
+          <p:spPr>
+            <a:xfrm>
+              <a:off x="131873" y="218460"/>
+              <a:ext cx="1786076" cy="884108"/>
+            </a:xfrm>
+            <a:prstGeom prst="rect">
+              <a:avLst/>
+            </a:prstGeom>
+          </p:spPr>
+        </p:pic>
+      </p:grpSp>
     </p:spTree>
     <p:extLst>
       <p:ext uri="{BB962C8B-B14F-4D97-AF65-F5344CB8AC3E}">
@@ -10597,13 +12296,13 @@
   <p:clrMapOvr>
     <a:masterClrMapping/>
   </p:clrMapOvr>
-  <mc:AlternateContent xmlns:mc="http://schemas.openxmlformats.org/markup-compatibility/2006">
-    <mc:Choice xmlns:p14="http://schemas.microsoft.com/office/powerpoint/2010/main" Requires="p14">
+  <mc:AlternateContent xmlns:mc="http://schemas.openxmlformats.org/markup-compatibility/2006" xmlns:p14="http://schemas.microsoft.com/office/powerpoint/2010/main">
+    <mc:Choice Requires="p14">
       <p:transition spd="med" p14:dur="700">
         <p:fade/>
       </p:transition>
     </mc:Choice>
-    <mc:Fallback>
+    <mc:Fallback xmlns="">
       <p:transition spd="med">
         <p:fade/>
       </p:transition>
@@ -10648,14 +12347,42 @@
         </p:nvSpPr>
         <p:spPr/>
         <p:txBody>
-          <a:bodyPr/>
+          <a:bodyPr>
+            <a:normAutofit/>
+          </a:bodyPr>
           <a:lstStyle/>
           <a:p>
             <a:r>
-              <a:rPr lang="pt-PT" dirty="0" smtClean="0"/>
+              <a:rPr lang="pt-PT" sz="3200" spc="0" dirty="0" smtClean="0">
+                <a:ln w="0"/>
+                <a:solidFill>
+                  <a:schemeClr val="accent1"/>
+                </a:solidFill>
+                <a:effectLst>
+                  <a:outerShdw blurRad="38100" dist="25400" dir="5400000" algn="ctr" rotWithShape="0">
+                    <a:srgbClr val="6E747A">
+                      <a:alpha val="43000"/>
+                    </a:srgbClr>
+                  </a:outerShdw>
+                </a:effectLst>
+                <a:latin typeface="+mn-lt"/>
+              </a:rPr>
               <a:t>Proposta de Interface</a:t>
             </a:r>
-            <a:endParaRPr lang="pt-PT" dirty="0"/>
+            <a:endParaRPr lang="pt-PT" sz="3200" spc="0" dirty="0">
+              <a:ln w="0"/>
+              <a:solidFill>
+                <a:schemeClr val="accent1"/>
+              </a:solidFill>
+              <a:effectLst>
+                <a:outerShdw blurRad="38100" dist="25400" dir="5400000" algn="ctr" rotWithShape="0">
+                  <a:srgbClr val="6E747A">
+                    <a:alpha val="43000"/>
+                  </a:srgbClr>
+                </a:outerShdw>
+              </a:effectLst>
+              <a:latin typeface="+mn-lt"/>
+            </a:endParaRPr>
           </a:p>
         </p:txBody>
       </p:sp>
@@ -10728,8 +12455,8 @@
         </p:blipFill>
         <p:spPr bwMode="auto">
           <a:xfrm>
-            <a:off x="477788" y="1734661"/>
-            <a:ext cx="3350571" cy="2507831"/>
+            <a:off x="333773" y="1871048"/>
+            <a:ext cx="2952327" cy="2209754"/>
           </a:xfrm>
           <a:prstGeom prst="rect">
             <a:avLst/>
@@ -10782,8 +12509,8 @@
         </p:blipFill>
         <p:spPr bwMode="auto">
           <a:xfrm>
-            <a:off x="3934172" y="1733147"/>
-            <a:ext cx="3367956" cy="2509345"/>
+            <a:off x="3747583" y="1871049"/>
+            <a:ext cx="2994901" cy="2231396"/>
           </a:xfrm>
           <a:prstGeom prst="rect">
             <a:avLst/>
@@ -10836,8 +12563,8 @@
         </p:blipFill>
         <p:spPr bwMode="auto">
           <a:xfrm>
-            <a:off x="7406976" y="1733147"/>
-            <a:ext cx="3367956" cy="2509345"/>
+            <a:off x="7274257" y="1871048"/>
+            <a:ext cx="2996619" cy="2232675"/>
           </a:xfrm>
           <a:prstGeom prst="rect">
             <a:avLst/>
@@ -10876,7 +12603,7 @@
           <p:nvPr/>
         </p:nvPicPr>
         <p:blipFill>
-          <a:blip r:embed="rId5">
+          <a:blip r:embed="rId5" cstate="print">
             <a:extLst>
               <a:ext uri="{28A0092B-C50C-407E-A947-70E740481C1C}">
                 <a14:useLocalDpi xmlns:a14="http://schemas.microsoft.com/office/drawing/2010/main" val="0"/>
@@ -10890,8 +12617,8 @@
         </p:blipFill>
         <p:spPr bwMode="auto">
           <a:xfrm>
-            <a:off x="1303682" y="4325396"/>
-            <a:ext cx="3350570" cy="2509345"/>
+            <a:off x="1269876" y="4216861"/>
+            <a:ext cx="2846514" cy="2131842"/>
           </a:xfrm>
           <a:prstGeom prst="rect">
             <a:avLst/>
@@ -10930,7 +12657,7 @@
           <p:nvPr/>
         </p:nvPicPr>
         <p:blipFill>
-          <a:blip r:embed="rId6">
+          <a:blip r:embed="rId6" cstate="print">
             <a:extLst>
               <a:ext uri="{28A0092B-C50C-407E-A947-70E740481C1C}">
                 <a14:useLocalDpi xmlns:a14="http://schemas.microsoft.com/office/drawing/2010/main" val="0"/>
@@ -10944,8 +12671,8 @@
         </p:blipFill>
         <p:spPr bwMode="auto">
           <a:xfrm>
-            <a:off x="4806745" y="4337770"/>
-            <a:ext cx="3375899" cy="2475606"/>
+            <a:off x="5446340" y="4216861"/>
+            <a:ext cx="2893720" cy="2122016"/>
           </a:xfrm>
           <a:prstGeom prst="rect">
             <a:avLst/>
@@ -10975,6 +12702,134 @@
           </a:extLst>
         </p:spPr>
       </p:pic>
+      <p:grpSp>
+        <p:nvGrpSpPr>
+          <p:cNvPr id="10" name="Grupo 9"/>
+          <p:cNvGrpSpPr/>
+          <p:nvPr/>
+        </p:nvGrpSpPr>
+        <p:grpSpPr>
+          <a:xfrm>
+            <a:off x="131873" y="218460"/>
+            <a:ext cx="5530491" cy="884108"/>
+            <a:chOff x="131873" y="218460"/>
+            <a:chExt cx="5530491" cy="884108"/>
+          </a:xfrm>
+        </p:grpSpPr>
+        <p:sp>
+          <p:nvSpPr>
+            <p:cNvPr id="11" name="CaixaDeTexto 10"/>
+            <p:cNvSpPr txBox="1"/>
+            <p:nvPr/>
+          </p:nvSpPr>
+          <p:spPr>
+            <a:xfrm>
+              <a:off x="1989956" y="251631"/>
+              <a:ext cx="3672408" cy="830997"/>
+            </a:xfrm>
+            <a:prstGeom prst="rect">
+              <a:avLst/>
+            </a:prstGeom>
+            <a:noFill/>
+          </p:spPr>
+          <p:txBody>
+            <a:bodyPr wrap="square" rtlCol="0">
+              <a:spAutoFit/>
+            </a:bodyPr>
+            <a:lstStyle/>
+            <a:p>
+              <a:r>
+                <a:rPr lang="pt-PT" sz="1600" dirty="0" smtClean="0">
+                  <a:solidFill>
+                    <a:schemeClr val="bg1">
+                      <a:lumMod val="65000"/>
+                    </a:schemeClr>
+                  </a:solidFill>
+                </a:rPr>
+                <a:t>Universidade do Minho</a:t>
+              </a:r>
+              <a:r>
+                <a:rPr lang="pt-PT" sz="1600" dirty="0">
+                  <a:solidFill>
+                    <a:schemeClr val="bg1">
+                      <a:lumMod val="65000"/>
+                    </a:schemeClr>
+                  </a:solidFill>
+                </a:rPr>
+                <a:t/>
+              </a:r>
+              <a:br>
+                <a:rPr lang="pt-PT" sz="1600" dirty="0">
+                  <a:solidFill>
+                    <a:schemeClr val="bg1">
+                      <a:lumMod val="65000"/>
+                    </a:schemeClr>
+                  </a:solidFill>
+                </a:rPr>
+              </a:br>
+              <a:r>
+                <a:rPr lang="pt-PT" sz="1600" dirty="0" smtClean="0">
+                  <a:solidFill>
+                    <a:schemeClr val="bg1">
+                      <a:lumMod val="65000"/>
+                    </a:schemeClr>
+                  </a:solidFill>
+                </a:rPr>
+                <a:t>Licenciatura em Engenharia Informática</a:t>
+              </a:r>
+            </a:p>
+            <a:p>
+              <a:r>
+                <a:rPr lang="pt-PT" sz="1600" dirty="0" smtClean="0">
+                  <a:solidFill>
+                    <a:schemeClr val="bg1">
+                      <a:lumMod val="65000"/>
+                    </a:schemeClr>
+                  </a:solidFill>
+                </a:rPr>
+                <a:t>Laboratórios de Informática IV</a:t>
+              </a:r>
+              <a:endParaRPr lang="pt-PT" sz="1600" dirty="0">
+                <a:solidFill>
+                  <a:schemeClr val="bg1">
+                    <a:lumMod val="65000"/>
+                  </a:schemeClr>
+                </a:solidFill>
+              </a:endParaRPr>
+            </a:p>
+          </p:txBody>
+        </p:sp>
+        <p:pic>
+          <p:nvPicPr>
+            <p:cNvPr id="12" name="Imagem 11"/>
+            <p:cNvPicPr>
+              <a:picLocks noChangeAspect="1"/>
+            </p:cNvPicPr>
+            <p:nvPr/>
+          </p:nvPicPr>
+          <p:blipFill>
+            <a:blip r:embed="rId7" cstate="print">
+              <a:extLst>
+                <a:ext uri="{28A0092B-C50C-407E-A947-70E740481C1C}">
+                  <a14:useLocalDpi xmlns:a14="http://schemas.microsoft.com/office/drawing/2010/main" val="0"/>
+                </a:ext>
+              </a:extLst>
+            </a:blip>
+            <a:stretch>
+              <a:fillRect/>
+            </a:stretch>
+          </p:blipFill>
+          <p:spPr>
+            <a:xfrm>
+              <a:off x="131873" y="218460"/>
+              <a:ext cx="1786076" cy="884108"/>
+            </a:xfrm>
+            <a:prstGeom prst="rect">
+              <a:avLst/>
+            </a:prstGeom>
+          </p:spPr>
+        </p:pic>
+      </p:grpSp>
     </p:spTree>
     <p:extLst>
       <p:ext uri="{BB962C8B-B14F-4D97-AF65-F5344CB8AC3E}">
@@ -10985,13 +12840,13 @@
   <p:clrMapOvr>
     <a:masterClrMapping/>
   </p:clrMapOvr>
-  <mc:AlternateContent xmlns:mc="http://schemas.openxmlformats.org/markup-compatibility/2006">
-    <mc:Choice xmlns:p14="http://schemas.microsoft.com/office/powerpoint/2010/main" Requires="p14">
+  <mc:AlternateContent xmlns:mc="http://schemas.openxmlformats.org/markup-compatibility/2006" xmlns:p14="http://schemas.microsoft.com/office/powerpoint/2010/main">
+    <mc:Choice Requires="p14">
       <p:transition spd="med" p14:dur="700">
         <p:fade/>
       </p:transition>
     </mc:Choice>
-    <mc:Fallback>
+    <mc:Fallback xmlns="">
       <p:transition spd="med">
         <p:fade/>
       </p:transition>
@@ -11010,7 +12865,7 @@
 <file path=ppt/theme/theme1.xml><?xml version="1.0" encoding="utf-8"?>
 <a:theme xmlns:a="http://schemas.openxmlformats.org/drawingml/2006/main" name="Retrospetiva">
   <a:themeElements>
-    <a:clrScheme name="Retrospetiva">
+    <a:clrScheme name="Laranja">
       <a:dk1>
         <a:srgbClr val="000000"/>
       </a:dk1>

--- a/1ªFase/LI4-Grupo6-Fase1.pptx
+++ b/1ªFase/LI4-Grupo6-Fase1.pptx
@@ -1470,9 +1470,9 @@
     <dgm:cxn modelId="{0D80A71E-88DD-425D-AA4A-5847B61AF8D9}" type="presOf" srcId="{7900B2A5-9AE7-46AA-8868-DC204892F73A}" destId="{D1E67752-51AF-4472-AD44-35AEE8E1B9DB}" srcOrd="0" destOrd="0" presId="urn:microsoft.com/office/officeart/2005/8/layout/radial5"/>
     <dgm:cxn modelId="{3CB3F05B-EFBC-4D18-AE21-715798D9F7B5}" srcId="{BA30CB08-C27E-4176-9DC6-44B8F3045D4D}" destId="{D2F9420E-3E2E-46BD-A80B-29E2424D5A64}" srcOrd="2" destOrd="0" parTransId="{C4BA4B62-A662-49BC-9D1A-58AAC77A135E}" sibTransId="{E4EF8C97-C403-48F9-BFB2-2556C8A82C47}"/>
     <dgm:cxn modelId="{B266AE08-8E20-480C-B2F1-639B4B5CBE4F}" type="presOf" srcId="{E4605E99-D788-40CC-B84F-B096F3844303}" destId="{42CDD322-C3FE-40C7-A54E-55B560603AE9}" srcOrd="0" destOrd="0" presId="urn:microsoft.com/office/officeart/2005/8/layout/radial5"/>
-    <dgm:cxn modelId="{A4216A27-CFDD-4894-85C5-5AC8402DC54F}" srcId="{2857681A-C08C-4ACC-B2D4-A4A8D80F63F6}" destId="{BA30CB08-C27E-4176-9DC6-44B8F3045D4D}" srcOrd="0" destOrd="0" parTransId="{4940A39E-1769-4461-A9C0-780344A73B93}" sibTransId="{6E690CE8-C301-484B-8E2C-E1A6D75EF4FD}"/>
     <dgm:cxn modelId="{71B11EC1-3175-4C27-A1A4-DDFDDB810599}" srcId="{2857681A-C08C-4ACC-B2D4-A4A8D80F63F6}" destId="{B2F49888-A987-4C1F-8B6A-057D77BE65FA}" srcOrd="3" destOrd="0" parTransId="{90669A4F-190D-4C73-AA80-0F54281701A1}" sibTransId="{F4213411-7083-4B4C-A8CF-2D93D3FF83EB}"/>
     <dgm:cxn modelId="{F122E652-67A7-4334-B34C-88BFA399D39B}" type="presOf" srcId="{72EBABCD-A694-46CD-A074-C9CFEAA3A3EB}" destId="{37686E1C-FB33-4701-9F70-50D3E1BF47BD}" srcOrd="1" destOrd="0" presId="urn:microsoft.com/office/officeart/2005/8/layout/radial5"/>
+    <dgm:cxn modelId="{A4216A27-CFDD-4894-85C5-5AC8402DC54F}" srcId="{2857681A-C08C-4ACC-B2D4-A4A8D80F63F6}" destId="{BA30CB08-C27E-4176-9DC6-44B8F3045D4D}" srcOrd="0" destOrd="0" parTransId="{4940A39E-1769-4461-A9C0-780344A73B93}" sibTransId="{6E690CE8-C301-484B-8E2C-E1A6D75EF4FD}"/>
     <dgm:cxn modelId="{FEEDBDC6-C85B-48FF-9478-83FC0380E24A}" type="presOf" srcId="{BA30CB08-C27E-4176-9DC6-44B8F3045D4D}" destId="{C0F774C3-6911-451D-9EDA-A7E7C3E7C701}" srcOrd="0" destOrd="0" presId="urn:microsoft.com/office/officeart/2005/8/layout/radial5"/>
     <dgm:cxn modelId="{E2BD91FC-9DE3-41E8-B828-DC5F37168DB8}" type="presOf" srcId="{BD6BC54F-ECB2-46DC-B744-FC1AA22E6916}" destId="{DD2937F4-E937-4C1A-AD1B-666B3DA7714F}" srcOrd="1" destOrd="0" presId="urn:microsoft.com/office/officeart/2005/8/layout/radial5"/>
     <dgm:cxn modelId="{671F2D2F-C21E-4765-AFE4-9999C5C6057D}" srcId="{2857681A-C08C-4ACC-B2D4-A4A8D80F63F6}" destId="{7900B2A5-9AE7-46AA-8868-DC204892F73A}" srcOrd="1" destOrd="0" parTransId="{BD6BC54F-ECB2-46DC-B744-FC1AA22E6916}" sibTransId="{5F66FFC1-D01C-4A5D-87B5-F0A4D3804D29}"/>
@@ -9946,25 +9946,7 @@
                 </a:solidFill>
                 <a:latin typeface="Corbel"/>
               </a:rPr>
-              <a:t>Foi-nos </a:t>
-            </a:r>
-            <a:r>
-              <a:rPr lang="pt-PT" sz="2400" b="0" i="0" dirty="0" smtClean="0">
-                <a:solidFill>
-                  <a:schemeClr val="tx1"/>
-                </a:solidFill>
-                <a:latin typeface="Corbel"/>
-              </a:rPr>
-              <a:t>proposto no âmbito da unidade curricular de Laboratórios de Informática IV desenvolver um Assistente </a:t>
-            </a:r>
-            <a:r>
-              <a:rPr lang="pt-PT" sz="2400" b="0" i="0" dirty="0" smtClean="0">
-                <a:solidFill>
-                  <a:schemeClr val="tx1"/>
-                </a:solidFill>
-                <a:latin typeface="Corbel"/>
-              </a:rPr>
-              <a:t>Pedagógico.</a:t>
+              <a:t>Foi-nos proposto no âmbito da unidade curricular de Laboratórios de Informática IV desenvolver um Assistente Pedagógico.</a:t>
             </a:r>
           </a:p>
           <a:p>
@@ -9988,41 +9970,8 @@
                 </a:solidFill>
                 <a:latin typeface="Corbel"/>
               </a:rPr>
-              <a:t>O </a:t>
+              <a:t>O objetivo do nosso assistente consiste em complementar o estudo dos alunos que frequentam o 3º ano do ensino primário.</a:t>
             </a:r>
-            <a:r>
-              <a:rPr lang="pt-PT" sz="2400" dirty="0" smtClean="0">
-                <a:solidFill>
-                  <a:schemeClr val="tx1"/>
-                </a:solidFill>
-                <a:latin typeface="Corbel"/>
-              </a:rPr>
-              <a:t>objetivo do nosso assistente consiste em complementar o estudo </a:t>
-            </a:r>
-            <a:r>
-              <a:rPr lang="pt-PT" sz="2400" dirty="0" smtClean="0">
-                <a:solidFill>
-                  <a:schemeClr val="tx1"/>
-                </a:solidFill>
-                <a:latin typeface="Corbel"/>
-              </a:rPr>
-              <a:t>dos alunos qu</a:t>
-            </a:r>
-            <a:r>
-              <a:rPr lang="pt-PT" sz="2400" dirty="0" smtClean="0">
-                <a:solidFill>
-                  <a:schemeClr val="tx1"/>
-                </a:solidFill>
-                <a:latin typeface="Corbel"/>
-              </a:rPr>
-              <a:t>e frequentam o 3º ano do ensino primário.</a:t>
-            </a:r>
-            <a:endParaRPr lang="pt-PT" sz="2400" dirty="0" smtClean="0">
-              <a:solidFill>
-                <a:schemeClr val="tx1"/>
-              </a:solidFill>
-              <a:latin typeface="Corbel"/>
-            </a:endParaRPr>
           </a:p>
           <a:p>
             <a:pPr marL="274320" indent="0" algn="just" defTabSz="914400">
@@ -10045,32 +9994,8 @@
                 </a:solidFill>
                 <a:latin typeface="Corbel"/>
               </a:rPr>
-              <a:t>O </a:t>
+              <a:t>O foco de aprendizagem do assistente pedagógico será a área da Matemática, particularmente na Geometria.</a:t>
             </a:r>
-            <a:r>
-              <a:rPr lang="pt-PT" sz="2400" dirty="0" smtClean="0">
-                <a:solidFill>
-                  <a:schemeClr val="tx1"/>
-                </a:solidFill>
-                <a:latin typeface="Corbel"/>
-              </a:rPr>
-              <a:t>foco de aprendizagem do assistente pedagógico será a área da </a:t>
-            </a:r>
-            <a:r>
-              <a:rPr lang="pt-PT" sz="2400" dirty="0" smtClean="0">
-                <a:solidFill>
-                  <a:schemeClr val="tx1"/>
-                </a:solidFill>
-                <a:latin typeface="Corbel"/>
-              </a:rPr>
-              <a:t>Matemática, particularmente na Geometria.</a:t>
-            </a:r>
-            <a:endParaRPr lang="pt-PT" sz="2400" dirty="0" smtClean="0">
-              <a:solidFill>
-                <a:schemeClr val="tx1"/>
-              </a:solidFill>
-              <a:latin typeface="Corbel"/>
-            </a:endParaRPr>
           </a:p>
           <a:p>
             <a:pPr marL="548640" indent="-274320" algn="l" defTabSz="914400">
@@ -10407,15 +10332,7 @@
             </a:pPr>
             <a:r>
               <a:rPr lang="pt-PT" dirty="0" smtClean="0"/>
-              <a:t>Apresentação </a:t>
-            </a:r>
-            <a:r>
-              <a:rPr lang="pt-PT" dirty="0" smtClean="0"/>
-              <a:t>do caso de </a:t>
-            </a:r>
-            <a:r>
-              <a:rPr lang="pt-PT" dirty="0" smtClean="0"/>
-              <a:t>estudo</a:t>
+              <a:t>Apresentação do caso de estudo</a:t>
             </a:r>
           </a:p>
           <a:p>
@@ -10432,7 +10349,6 @@
               <a:rPr lang="pt-PT" dirty="0" smtClean="0"/>
               <a:t>atingir</a:t>
             </a:r>
-            <a:endParaRPr lang="pt-PT" dirty="0" smtClean="0"/>
           </a:p>
           <a:p>
             <a:pPr algn="just">
@@ -10442,11 +10358,7 @@
             </a:pPr>
             <a:r>
               <a:rPr lang="pt-PT" dirty="0" smtClean="0"/>
-              <a:t>Descrição </a:t>
-            </a:r>
-            <a:r>
-              <a:rPr lang="pt-PT" dirty="0" smtClean="0"/>
-              <a:t>da aplicação</a:t>
+              <a:t>Descrição da aplicação</a:t>
             </a:r>
           </a:p>
           <a:p>
@@ -11117,23 +11029,7 @@
             </a:r>
             <a:r>
               <a:rPr lang="pt-PT" sz="2800" dirty="0" smtClean="0"/>
-              <a:t>s resultados obtidos nas provas nacionais do </a:t>
-            </a:r>
-            <a:r>
-              <a:rPr lang="pt-PT" sz="2800" dirty="0" smtClean="0"/>
-              <a:t>ensino </a:t>
-            </a:r>
-            <a:r>
-              <a:rPr lang="pt-PT" sz="2800" dirty="0" smtClean="0"/>
-              <a:t>básico têm sido </a:t>
-            </a:r>
-            <a:r>
-              <a:rPr lang="pt-PT" sz="2800" dirty="0" smtClean="0"/>
-              <a:t>preocupantes. </a:t>
-            </a:r>
-            <a:r>
-              <a:rPr lang="pt-PT" sz="2800" dirty="0" smtClean="0"/>
-              <a:t>Entre os temas onde os alunos obtêm piores classificações, encontra-se a Geometria.</a:t>
+              <a:t>s resultados obtidos nas provas nacionais do ensino básico têm sido preocupantes. Entre os temas onde os alunos obtêm piores classificações, encontra-se a Geometria.</a:t>
             </a:r>
           </a:p>
           <a:p>
@@ -11485,11 +11381,7 @@
             </a:pPr>
             <a:r>
               <a:rPr lang="pt-PT" sz="2400" dirty="0" smtClean="0"/>
-              <a:t>Os </a:t>
-            </a:r>
-            <a:r>
-              <a:rPr lang="pt-PT" sz="2400" dirty="0" smtClean="0"/>
-              <a:t>pais nem sempre têm a disponibilidade e/ou capacidade para ajudar os seus filhos nos trabalhos de casa.</a:t>
+              <a:t>Os pais nem sempre têm a disponibilidade e/ou capacidade para ajudar os seus filhos nos trabalhos de casa.</a:t>
             </a:r>
           </a:p>
           <a:p>
@@ -11500,11 +11392,7 @@
             </a:pPr>
             <a:r>
               <a:rPr lang="pt-PT" sz="2400" dirty="0" smtClean="0"/>
-              <a:t>O </a:t>
-            </a:r>
-            <a:r>
-              <a:rPr lang="pt-PT" sz="2400" dirty="0" smtClean="0"/>
-              <a:t>assistente visa minimizar estes problemas proporcionando métodos atrativos e interativos de aprender e estudar.</a:t>
+              <a:t>O assistente visa minimizar estes problemas proporcionando métodos atrativos e interativos de aprender e estudar.</a:t>
             </a:r>
             <a:endParaRPr lang="pt-PT" sz="2400" dirty="0"/>
           </a:p>
@@ -12432,276 +12320,6 @@
           </a:p>
         </p:txBody>
       </p:sp>
-      <p:pic>
-        <p:nvPicPr>
-          <p:cNvPr id="2050" name="Picture 2" descr="Início"/>
-          <p:cNvPicPr>
-            <a:picLocks noChangeAspect="1" noChangeArrowheads="1"/>
-          </p:cNvPicPr>
-          <p:nvPr/>
-        </p:nvPicPr>
-        <p:blipFill>
-          <a:blip r:embed="rId2" cstate="print">
-            <a:extLst>
-              <a:ext uri="{28A0092B-C50C-407E-A947-70E740481C1C}">
-                <a14:useLocalDpi xmlns:a14="http://schemas.microsoft.com/office/drawing/2010/main" val="0"/>
-              </a:ext>
-            </a:extLst>
-          </a:blip>
-          <a:srcRect/>
-          <a:stretch>
-            <a:fillRect/>
-          </a:stretch>
-        </p:blipFill>
-        <p:spPr bwMode="auto">
-          <a:xfrm>
-            <a:off x="333773" y="1871048"/>
-            <a:ext cx="2952327" cy="2209754"/>
-          </a:xfrm>
-          <a:prstGeom prst="rect">
-            <a:avLst/>
-          </a:prstGeom>
-          <a:noFill/>
-          <a:ln>
-            <a:noFill/>
-          </a:ln>
-          <a:extLst>
-            <a:ext uri="{909E8E84-426E-40DD-AFC4-6F175D3DCCD1}">
-              <a14:hiddenFill xmlns:a14="http://schemas.microsoft.com/office/drawing/2010/main">
-                <a:solidFill>
-                  <a:srgbClr val="FFFFFF"/>
-                </a:solidFill>
-              </a14:hiddenFill>
-            </a:ext>
-            <a:ext uri="{91240B29-F687-4F45-9708-019B960494DF}">
-              <a14:hiddenLine xmlns:a14="http://schemas.microsoft.com/office/drawing/2010/main" w="9525">
-                <a:solidFill>
-                  <a:srgbClr val="000000"/>
-                </a:solidFill>
-                <a:miter lim="800000"/>
-                <a:headEnd/>
-                <a:tailEnd/>
-              </a14:hiddenLine>
-            </a:ext>
-          </a:extLst>
-        </p:spPr>
-      </p:pic>
-      <p:pic>
-        <p:nvPicPr>
-          <p:cNvPr id="2051" name="Picture 3" descr="Aulas"/>
-          <p:cNvPicPr>
-            <a:picLocks noChangeAspect="1" noChangeArrowheads="1"/>
-          </p:cNvPicPr>
-          <p:nvPr/>
-        </p:nvPicPr>
-        <p:blipFill>
-          <a:blip r:embed="rId3" cstate="print">
-            <a:extLst>
-              <a:ext uri="{28A0092B-C50C-407E-A947-70E740481C1C}">
-                <a14:useLocalDpi xmlns:a14="http://schemas.microsoft.com/office/drawing/2010/main" val="0"/>
-              </a:ext>
-            </a:extLst>
-          </a:blip>
-          <a:srcRect/>
-          <a:stretch>
-            <a:fillRect/>
-          </a:stretch>
-        </p:blipFill>
-        <p:spPr bwMode="auto">
-          <a:xfrm>
-            <a:off x="3747583" y="1871049"/>
-            <a:ext cx="2994901" cy="2231396"/>
-          </a:xfrm>
-          <a:prstGeom prst="rect">
-            <a:avLst/>
-          </a:prstGeom>
-          <a:noFill/>
-          <a:ln>
-            <a:noFill/>
-          </a:ln>
-          <a:extLst>
-            <a:ext uri="{909E8E84-426E-40DD-AFC4-6F175D3DCCD1}">
-              <a14:hiddenFill xmlns:a14="http://schemas.microsoft.com/office/drawing/2010/main">
-                <a:solidFill>
-                  <a:srgbClr val="FFFFFF"/>
-                </a:solidFill>
-              </a14:hiddenFill>
-            </a:ext>
-            <a:ext uri="{91240B29-F687-4F45-9708-019B960494DF}">
-              <a14:hiddenLine xmlns:a14="http://schemas.microsoft.com/office/drawing/2010/main" w="9525">
-                <a:solidFill>
-                  <a:srgbClr val="000000"/>
-                </a:solidFill>
-                <a:miter lim="800000"/>
-                <a:headEnd/>
-                <a:tailEnd/>
-              </a14:hiddenLine>
-            </a:ext>
-          </a:extLst>
-        </p:spPr>
-      </p:pic>
-      <p:pic>
-        <p:nvPicPr>
-          <p:cNvPr id="2052" name="Picture 4" descr="Aula"/>
-          <p:cNvPicPr>
-            <a:picLocks noChangeAspect="1" noChangeArrowheads="1"/>
-          </p:cNvPicPr>
-          <p:nvPr/>
-        </p:nvPicPr>
-        <p:blipFill>
-          <a:blip r:embed="rId4">
-            <a:extLst>
-              <a:ext uri="{28A0092B-C50C-407E-A947-70E740481C1C}">
-                <a14:useLocalDpi xmlns:a14="http://schemas.microsoft.com/office/drawing/2010/main" val="0"/>
-              </a:ext>
-            </a:extLst>
-          </a:blip>
-          <a:srcRect/>
-          <a:stretch>
-            <a:fillRect/>
-          </a:stretch>
-        </p:blipFill>
-        <p:spPr bwMode="auto">
-          <a:xfrm>
-            <a:off x="7274257" y="1871048"/>
-            <a:ext cx="2996619" cy="2232675"/>
-          </a:xfrm>
-          <a:prstGeom prst="rect">
-            <a:avLst/>
-          </a:prstGeom>
-          <a:noFill/>
-          <a:ln>
-            <a:noFill/>
-          </a:ln>
-          <a:extLst>
-            <a:ext uri="{909E8E84-426E-40DD-AFC4-6F175D3DCCD1}">
-              <a14:hiddenFill xmlns:a14="http://schemas.microsoft.com/office/drawing/2010/main">
-                <a:solidFill>
-                  <a:srgbClr val="FFFFFF"/>
-                </a:solidFill>
-              </a14:hiddenFill>
-            </a:ext>
-            <a:ext uri="{91240B29-F687-4F45-9708-019B960494DF}">
-              <a14:hiddenLine xmlns:a14="http://schemas.microsoft.com/office/drawing/2010/main" w="9525">
-                <a:solidFill>
-                  <a:srgbClr val="000000"/>
-                </a:solidFill>
-                <a:miter lim="800000"/>
-                <a:headEnd/>
-                <a:tailEnd/>
-              </a14:hiddenLine>
-            </a:ext>
-          </a:extLst>
-        </p:spPr>
-      </p:pic>
-      <p:pic>
-        <p:nvPicPr>
-          <p:cNvPr id="2053" name="Picture 5" descr="Exercicio"/>
-          <p:cNvPicPr>
-            <a:picLocks noChangeAspect="1" noChangeArrowheads="1"/>
-          </p:cNvPicPr>
-          <p:nvPr/>
-        </p:nvPicPr>
-        <p:blipFill>
-          <a:blip r:embed="rId5" cstate="print">
-            <a:extLst>
-              <a:ext uri="{28A0092B-C50C-407E-A947-70E740481C1C}">
-                <a14:useLocalDpi xmlns:a14="http://schemas.microsoft.com/office/drawing/2010/main" val="0"/>
-              </a:ext>
-            </a:extLst>
-          </a:blip>
-          <a:srcRect/>
-          <a:stretch>
-            <a:fillRect/>
-          </a:stretch>
-        </p:blipFill>
-        <p:spPr bwMode="auto">
-          <a:xfrm>
-            <a:off x="1269876" y="4216861"/>
-            <a:ext cx="2846514" cy="2131842"/>
-          </a:xfrm>
-          <a:prstGeom prst="rect">
-            <a:avLst/>
-          </a:prstGeom>
-          <a:noFill/>
-          <a:ln>
-            <a:noFill/>
-          </a:ln>
-          <a:extLst>
-            <a:ext uri="{909E8E84-426E-40DD-AFC4-6F175D3DCCD1}">
-              <a14:hiddenFill xmlns:a14="http://schemas.microsoft.com/office/drawing/2010/main">
-                <a:solidFill>
-                  <a:srgbClr val="FFFFFF"/>
-                </a:solidFill>
-              </a14:hiddenFill>
-            </a:ext>
-            <a:ext uri="{91240B29-F687-4F45-9708-019B960494DF}">
-              <a14:hiddenLine xmlns:a14="http://schemas.microsoft.com/office/drawing/2010/main" w="9525">
-                <a:solidFill>
-                  <a:srgbClr val="000000"/>
-                </a:solidFill>
-                <a:miter lim="800000"/>
-                <a:headEnd/>
-                <a:tailEnd/>
-              </a14:hiddenLine>
-            </a:ext>
-          </a:extLst>
-        </p:spPr>
-      </p:pic>
-      <p:pic>
-        <p:nvPicPr>
-          <p:cNvPr id="2054" name="Picture 6" descr="Teste"/>
-          <p:cNvPicPr>
-            <a:picLocks noChangeAspect="1" noChangeArrowheads="1"/>
-          </p:cNvPicPr>
-          <p:nvPr/>
-        </p:nvPicPr>
-        <p:blipFill>
-          <a:blip r:embed="rId6" cstate="print">
-            <a:extLst>
-              <a:ext uri="{28A0092B-C50C-407E-A947-70E740481C1C}">
-                <a14:useLocalDpi xmlns:a14="http://schemas.microsoft.com/office/drawing/2010/main" val="0"/>
-              </a:ext>
-            </a:extLst>
-          </a:blip>
-          <a:srcRect/>
-          <a:stretch>
-            <a:fillRect/>
-          </a:stretch>
-        </p:blipFill>
-        <p:spPr bwMode="auto">
-          <a:xfrm>
-            <a:off x="5446340" y="4216861"/>
-            <a:ext cx="2893720" cy="2122016"/>
-          </a:xfrm>
-          <a:prstGeom prst="rect">
-            <a:avLst/>
-          </a:prstGeom>
-          <a:noFill/>
-          <a:ln>
-            <a:noFill/>
-          </a:ln>
-          <a:extLst>
-            <a:ext uri="{909E8E84-426E-40DD-AFC4-6F175D3DCCD1}">
-              <a14:hiddenFill xmlns:a14="http://schemas.microsoft.com/office/drawing/2010/main">
-                <a:solidFill>
-                  <a:srgbClr val="FFFFFF"/>
-                </a:solidFill>
-              </a14:hiddenFill>
-            </a:ext>
-            <a:ext uri="{91240B29-F687-4F45-9708-019B960494DF}">
-              <a14:hiddenLine xmlns:a14="http://schemas.microsoft.com/office/drawing/2010/main" w="9525">
-                <a:solidFill>
-                  <a:srgbClr val="000000"/>
-                </a:solidFill>
-                <a:miter lim="800000"/>
-                <a:headEnd/>
-                <a:tailEnd/>
-              </a14:hiddenLine>
-            </a:ext>
-          </a:extLst>
-        </p:spPr>
-      </p:pic>
       <p:grpSp>
         <p:nvGrpSpPr>
           <p:cNvPr id="10" name="Grupo 9"/>
@@ -12808,7 +12426,7 @@
             <p:nvPr/>
           </p:nvPicPr>
           <p:blipFill>
-            <a:blip r:embed="rId7" cstate="print">
+            <a:blip r:embed="rId2" cstate="print">
               <a:extLst>
                 <a:ext uri="{28A0092B-C50C-407E-A947-70E740481C1C}">
                   <a14:useLocalDpi xmlns:a14="http://schemas.microsoft.com/office/drawing/2010/main" val="0"/>
@@ -12830,6 +12448,156 @@
           </p:spPr>
         </p:pic>
       </p:grpSp>
+      <p:pic>
+        <p:nvPicPr>
+          <p:cNvPr id="3" name="Imagem 2"/>
+          <p:cNvPicPr>
+            <a:picLocks noChangeAspect="1"/>
+          </p:cNvPicPr>
+          <p:nvPr/>
+        </p:nvPicPr>
+        <p:blipFill>
+          <a:blip r:embed="rId3">
+            <a:extLst>
+              <a:ext uri="{28A0092B-C50C-407E-A947-70E740481C1C}">
+                <a14:useLocalDpi xmlns:a14="http://schemas.microsoft.com/office/drawing/2010/main" val="0"/>
+              </a:ext>
+            </a:extLst>
+          </a:blip>
+          <a:stretch>
+            <a:fillRect/>
+          </a:stretch>
+        </p:blipFill>
+        <p:spPr>
+          <a:xfrm>
+            <a:off x="3070076" y="1916832"/>
+            <a:ext cx="5616624" cy="4210786"/>
+          </a:xfrm>
+          <a:prstGeom prst="rect">
+            <a:avLst/>
+          </a:prstGeom>
+        </p:spPr>
+      </p:pic>
+      <p:pic>
+        <p:nvPicPr>
+          <p:cNvPr id="4" name="Imagem 3"/>
+          <p:cNvPicPr>
+            <a:picLocks noChangeAspect="1"/>
+          </p:cNvPicPr>
+          <p:nvPr/>
+        </p:nvPicPr>
+        <p:blipFill>
+          <a:blip r:embed="rId4">
+            <a:extLst>
+              <a:ext uri="{28A0092B-C50C-407E-A947-70E740481C1C}">
+                <a14:useLocalDpi xmlns:a14="http://schemas.microsoft.com/office/drawing/2010/main" val="0"/>
+              </a:ext>
+            </a:extLst>
+          </a:blip>
+          <a:stretch>
+            <a:fillRect/>
+          </a:stretch>
+        </p:blipFill>
+        <p:spPr>
+          <a:xfrm>
+            <a:off x="3621503" y="1545485"/>
+            <a:ext cx="6048672" cy="4487940"/>
+          </a:xfrm>
+          <a:prstGeom prst="rect">
+            <a:avLst/>
+          </a:prstGeom>
+        </p:spPr>
+      </p:pic>
+      <p:pic>
+        <p:nvPicPr>
+          <p:cNvPr id="7" name="Imagem 6"/>
+          <p:cNvPicPr>
+            <a:picLocks noChangeAspect="1"/>
+          </p:cNvPicPr>
+          <p:nvPr/>
+        </p:nvPicPr>
+        <p:blipFill>
+          <a:blip r:embed="rId5">
+            <a:extLst>
+              <a:ext uri="{28A0092B-C50C-407E-A947-70E740481C1C}">
+                <a14:useLocalDpi xmlns:a14="http://schemas.microsoft.com/office/drawing/2010/main" val="0"/>
+              </a:ext>
+            </a:extLst>
+          </a:blip>
+          <a:stretch>
+            <a:fillRect/>
+          </a:stretch>
+        </p:blipFill>
+        <p:spPr>
+          <a:xfrm>
+            <a:off x="3070076" y="1553327"/>
+            <a:ext cx="7119420" cy="4331048"/>
+          </a:xfrm>
+          <a:prstGeom prst="rect">
+            <a:avLst/>
+          </a:prstGeom>
+        </p:spPr>
+      </p:pic>
+      <p:pic>
+        <p:nvPicPr>
+          <p:cNvPr id="8" name="Imagem 7"/>
+          <p:cNvPicPr>
+            <a:picLocks noChangeAspect="1"/>
+          </p:cNvPicPr>
+          <p:nvPr/>
+        </p:nvPicPr>
+        <p:blipFill>
+          <a:blip r:embed="rId6">
+            <a:extLst>
+              <a:ext uri="{28A0092B-C50C-407E-A947-70E740481C1C}">
+                <a14:useLocalDpi xmlns:a14="http://schemas.microsoft.com/office/drawing/2010/main" val="0"/>
+              </a:ext>
+            </a:extLst>
+          </a:blip>
+          <a:stretch>
+            <a:fillRect/>
+          </a:stretch>
+        </p:blipFill>
+        <p:spPr>
+          <a:xfrm>
+            <a:off x="2697348" y="1694906"/>
+            <a:ext cx="7854698" cy="4692742"/>
+          </a:xfrm>
+          <a:prstGeom prst="rect">
+            <a:avLst/>
+          </a:prstGeom>
+        </p:spPr>
+      </p:pic>
+      <p:pic>
+        <p:nvPicPr>
+          <p:cNvPr id="9" name="Imagem 8"/>
+          <p:cNvPicPr>
+            <a:picLocks noChangeAspect="1"/>
+          </p:cNvPicPr>
+          <p:nvPr/>
+        </p:nvPicPr>
+        <p:blipFill>
+          <a:blip r:embed="rId7">
+            <a:extLst>
+              <a:ext uri="{28A0092B-C50C-407E-A947-70E740481C1C}">
+                <a14:useLocalDpi xmlns:a14="http://schemas.microsoft.com/office/drawing/2010/main" val="0"/>
+              </a:ext>
+            </a:extLst>
+          </a:blip>
+          <a:stretch>
+            <a:fillRect/>
+          </a:stretch>
+        </p:blipFill>
+        <p:spPr>
+          <a:xfrm>
+            <a:off x="2697348" y="1642343"/>
+            <a:ext cx="7966878" cy="4759764"/>
+          </a:xfrm>
+          <a:prstGeom prst="rect">
+            <a:avLst/>
+          </a:prstGeom>
+        </p:spPr>
+      </p:pic>
     </p:spTree>
     <p:extLst>
       <p:ext uri="{BB962C8B-B14F-4D97-AF65-F5344CB8AC3E}">
@@ -12855,7 +12623,255 @@
   <p:timing>
     <p:tnLst>
       <p:par>
-        <p:cTn id="1" dur="indefinite" restart="never" nodeType="tmRoot"/>
+        <p:cTn id="1" dur="indefinite" restart="never" nodeType="tmRoot">
+          <p:childTnLst>
+            <p:seq concurrent="1" nextAc="seek">
+              <p:cTn id="2" dur="indefinite" nodeType="mainSeq">
+                <p:childTnLst>
+                  <p:par>
+                    <p:cTn id="3" fill="hold">
+                      <p:stCondLst>
+                        <p:cond delay="indefinite"/>
+                      </p:stCondLst>
+                      <p:childTnLst>
+                        <p:par>
+                          <p:cTn id="4" fill="hold">
+                            <p:stCondLst>
+                              <p:cond delay="0"/>
+                            </p:stCondLst>
+                            <p:childTnLst>
+                              <p:par>
+                                <p:cTn id="5" presetID="1" presetClass="entr" presetSubtype="0" fill="hold" nodeType="clickEffect">
+                                  <p:stCondLst>
+                                    <p:cond delay="0"/>
+                                  </p:stCondLst>
+                                  <p:childTnLst>
+                                    <p:set>
+                                      <p:cBhvr>
+                                        <p:cTn id="6" dur="1" fill="hold">
+                                          <p:stCondLst>
+                                            <p:cond delay="0"/>
+                                          </p:stCondLst>
+                                        </p:cTn>
+                                        <p:tgtEl>
+                                          <p:spTgt spid="3"/>
+                                        </p:tgtEl>
+                                        <p:attrNameLst>
+                                          <p:attrName>style.visibility</p:attrName>
+                                        </p:attrNameLst>
+                                      </p:cBhvr>
+                                      <p:to>
+                                        <p:strVal val="visible"/>
+                                      </p:to>
+                                    </p:set>
+                                  </p:childTnLst>
+                                </p:cTn>
+                              </p:par>
+                            </p:childTnLst>
+                          </p:cTn>
+                        </p:par>
+                      </p:childTnLst>
+                    </p:cTn>
+                  </p:par>
+                  <p:par>
+                    <p:cTn id="7" fill="hold">
+                      <p:stCondLst>
+                        <p:cond delay="indefinite"/>
+                      </p:stCondLst>
+                      <p:childTnLst>
+                        <p:par>
+                          <p:cTn id="8" fill="hold">
+                            <p:stCondLst>
+                              <p:cond delay="0"/>
+                            </p:stCondLst>
+                            <p:childTnLst>
+                              <p:par>
+                                <p:cTn id="9" presetID="1" presetClass="entr" presetSubtype="0" fill="hold" nodeType="clickEffect">
+                                  <p:stCondLst>
+                                    <p:cond delay="0"/>
+                                  </p:stCondLst>
+                                  <p:childTnLst>
+                                    <p:set>
+                                      <p:cBhvr>
+                                        <p:cTn id="10" dur="1" fill="hold">
+                                          <p:stCondLst>
+                                            <p:cond delay="0"/>
+                                          </p:stCondLst>
+                                        </p:cTn>
+                                        <p:tgtEl>
+                                          <p:spTgt spid="4"/>
+                                        </p:tgtEl>
+                                        <p:attrNameLst>
+                                          <p:attrName>style.visibility</p:attrName>
+                                        </p:attrNameLst>
+                                      </p:cBhvr>
+                                      <p:to>
+                                        <p:strVal val="visible"/>
+                                      </p:to>
+                                    </p:set>
+                                  </p:childTnLst>
+                                </p:cTn>
+                              </p:par>
+                            </p:childTnLst>
+                          </p:cTn>
+                        </p:par>
+                      </p:childTnLst>
+                    </p:cTn>
+                  </p:par>
+                  <p:par>
+                    <p:cTn id="11" fill="hold">
+                      <p:stCondLst>
+                        <p:cond delay="indefinite"/>
+                      </p:stCondLst>
+                      <p:childTnLst>
+                        <p:par>
+                          <p:cTn id="12" fill="hold">
+                            <p:stCondLst>
+                              <p:cond delay="0"/>
+                            </p:stCondLst>
+                            <p:childTnLst>
+                              <p:par>
+                                <p:cTn id="13" presetID="1" presetClass="entr" presetSubtype="0" fill="hold" nodeType="clickEffect">
+                                  <p:stCondLst>
+                                    <p:cond delay="0"/>
+                                  </p:stCondLst>
+                                  <p:childTnLst>
+                                    <p:set>
+                                      <p:cBhvr>
+                                        <p:cTn id="14" dur="1" fill="hold">
+                                          <p:stCondLst>
+                                            <p:cond delay="0"/>
+                                          </p:stCondLst>
+                                        </p:cTn>
+                                        <p:tgtEl>
+                                          <p:spTgt spid="7"/>
+                                        </p:tgtEl>
+                                        <p:attrNameLst>
+                                          <p:attrName>style.visibility</p:attrName>
+                                        </p:attrNameLst>
+                                      </p:cBhvr>
+                                      <p:to>
+                                        <p:strVal val="visible"/>
+                                      </p:to>
+                                    </p:set>
+                                  </p:childTnLst>
+                                </p:cTn>
+                              </p:par>
+                            </p:childTnLst>
+                          </p:cTn>
+                        </p:par>
+                      </p:childTnLst>
+                    </p:cTn>
+                  </p:par>
+                  <p:par>
+                    <p:cTn id="15" fill="hold">
+                      <p:stCondLst>
+                        <p:cond delay="indefinite"/>
+                      </p:stCondLst>
+                      <p:childTnLst>
+                        <p:par>
+                          <p:cTn id="16" fill="hold">
+                            <p:stCondLst>
+                              <p:cond delay="0"/>
+                            </p:stCondLst>
+                            <p:childTnLst>
+                              <p:par>
+                                <p:cTn id="17" presetID="1" presetClass="entr" presetSubtype="0" fill="hold" nodeType="clickEffect">
+                                  <p:stCondLst>
+                                    <p:cond delay="0"/>
+                                  </p:stCondLst>
+                                  <p:childTnLst>
+                                    <p:set>
+                                      <p:cBhvr>
+                                        <p:cTn id="18" dur="1" fill="hold">
+                                          <p:stCondLst>
+                                            <p:cond delay="0"/>
+                                          </p:stCondLst>
+                                        </p:cTn>
+                                        <p:tgtEl>
+                                          <p:spTgt spid="8"/>
+                                        </p:tgtEl>
+                                        <p:attrNameLst>
+                                          <p:attrName>style.visibility</p:attrName>
+                                        </p:attrNameLst>
+                                      </p:cBhvr>
+                                      <p:to>
+                                        <p:strVal val="visible"/>
+                                      </p:to>
+                                    </p:set>
+                                  </p:childTnLst>
+                                </p:cTn>
+                              </p:par>
+                            </p:childTnLst>
+                          </p:cTn>
+                        </p:par>
+                      </p:childTnLst>
+                    </p:cTn>
+                  </p:par>
+                  <p:par>
+                    <p:cTn id="19" fill="hold">
+                      <p:stCondLst>
+                        <p:cond delay="indefinite"/>
+                      </p:stCondLst>
+                      <p:childTnLst>
+                        <p:par>
+                          <p:cTn id="20" fill="hold">
+                            <p:stCondLst>
+                              <p:cond delay="0"/>
+                            </p:stCondLst>
+                            <p:childTnLst>
+                              <p:par>
+                                <p:cTn id="21" presetID="1" presetClass="entr" presetSubtype="0" fill="hold" nodeType="clickEffect">
+                                  <p:stCondLst>
+                                    <p:cond delay="0"/>
+                                  </p:stCondLst>
+                                  <p:childTnLst>
+                                    <p:set>
+                                      <p:cBhvr>
+                                        <p:cTn id="22" dur="1" fill="hold">
+                                          <p:stCondLst>
+                                            <p:cond delay="0"/>
+                                          </p:stCondLst>
+                                        </p:cTn>
+                                        <p:tgtEl>
+                                          <p:spTgt spid="9"/>
+                                        </p:tgtEl>
+                                        <p:attrNameLst>
+                                          <p:attrName>style.visibility</p:attrName>
+                                        </p:attrNameLst>
+                                      </p:cBhvr>
+                                      <p:to>
+                                        <p:strVal val="visible"/>
+                                      </p:to>
+                                    </p:set>
+                                  </p:childTnLst>
+                                </p:cTn>
+                              </p:par>
+                            </p:childTnLst>
+                          </p:cTn>
+                        </p:par>
+                      </p:childTnLst>
+                    </p:cTn>
+                  </p:par>
+                </p:childTnLst>
+              </p:cTn>
+              <p:prevCondLst>
+                <p:cond evt="onPrev" delay="0">
+                  <p:tgtEl>
+                    <p:sldTgt/>
+                  </p:tgtEl>
+                </p:cond>
+              </p:prevCondLst>
+              <p:nextCondLst>
+                <p:cond evt="onNext" delay="0">
+                  <p:tgtEl>
+                    <p:sldTgt/>
+                  </p:tgtEl>
+                </p:cond>
+              </p:nextCondLst>
+            </p:seq>
+          </p:childTnLst>
+        </p:cTn>
       </p:par>
     </p:tnLst>
   </p:timing>

--- a/1ªFase/LI4-Grupo6-Fase1.pptx
+++ b/1ªFase/LI4-Grupo6-Fase1.pptx
@@ -1460,31 +1460,31 @@
     </dgm:pt>
   </dgm:ptLst>
   <dgm:cxnLst>
+    <dgm:cxn modelId="{F122E652-67A7-4334-B34C-88BFA399D39B}" type="presOf" srcId="{72EBABCD-A694-46CD-A074-C9CFEAA3A3EB}" destId="{37686E1C-FB33-4701-9F70-50D3E1BF47BD}" srcOrd="1" destOrd="0" presId="urn:microsoft.com/office/officeart/2005/8/layout/radial5"/>
+    <dgm:cxn modelId="{B546F47C-2BD0-4FC0-97B4-CD1BB28DCE4F}" type="presOf" srcId="{90669A4F-190D-4C73-AA80-0F54281701A1}" destId="{68EFFC91-B051-4BF3-90C6-4A4BD7F1D3CE}" srcOrd="1" destOrd="0" presId="urn:microsoft.com/office/officeart/2005/8/layout/radial5"/>
+    <dgm:cxn modelId="{21457BF2-7EE9-4E84-82F3-4EFC3880C900}" type="presOf" srcId="{D2F9420E-3E2E-46BD-A80B-29E2424D5A64}" destId="{C0F774C3-6911-451D-9EDA-A7E7C3E7C701}" srcOrd="0" destOrd="3" presId="urn:microsoft.com/office/officeart/2005/8/layout/radial5"/>
+    <dgm:cxn modelId="{0D80A71E-88DD-425D-AA4A-5847B61AF8D9}" type="presOf" srcId="{7900B2A5-9AE7-46AA-8868-DC204892F73A}" destId="{D1E67752-51AF-4472-AD44-35AEE8E1B9DB}" srcOrd="0" destOrd="0" presId="urn:microsoft.com/office/officeart/2005/8/layout/radial5"/>
+    <dgm:cxn modelId="{0A45F097-A2F1-43CA-89C2-C3C067BAEA37}" srcId="{2857681A-C08C-4ACC-B2D4-A4A8D80F63F6}" destId="{391CA999-2D3D-480F-8FFE-94985539FB61}" srcOrd="2" destOrd="0" parTransId="{72EBABCD-A694-46CD-A074-C9CFEAA3A3EB}" sibTransId="{2E7A4A67-3A0C-4AC0-9173-D9A7D240C226}"/>
+    <dgm:cxn modelId="{3CB3F05B-EFBC-4D18-AE21-715798D9F7B5}" srcId="{BA30CB08-C27E-4176-9DC6-44B8F3045D4D}" destId="{D2F9420E-3E2E-46BD-A80B-29E2424D5A64}" srcOrd="2" destOrd="0" parTransId="{C4BA4B62-A662-49BC-9D1A-58AAC77A135E}" sibTransId="{E4EF8C97-C403-48F9-BFB2-2556C8A82C47}"/>
+    <dgm:cxn modelId="{6FDEA8F9-71EC-4A3D-89D8-5AB800226D75}" type="presOf" srcId="{B2F49888-A987-4C1F-8B6A-057D77BE65FA}" destId="{C4D1BB34-70D8-4EF8-BFC2-AA6246655B35}" srcOrd="0" destOrd="0" presId="urn:microsoft.com/office/officeart/2005/8/layout/radial5"/>
+    <dgm:cxn modelId="{D0881804-0E72-417E-BF89-A43F45A0D91B}" type="presOf" srcId="{2857681A-C08C-4ACC-B2D4-A4A8D80F63F6}" destId="{9E6E3828-A769-4642-90F4-6CC29F79FE54}" srcOrd="0" destOrd="0" presId="urn:microsoft.com/office/officeart/2005/8/layout/radial5"/>
+    <dgm:cxn modelId="{71B11EC1-3175-4C27-A1A4-DDFDDB810599}" srcId="{2857681A-C08C-4ACC-B2D4-A4A8D80F63F6}" destId="{B2F49888-A987-4C1F-8B6A-057D77BE65FA}" srcOrd="3" destOrd="0" parTransId="{90669A4F-190D-4C73-AA80-0F54281701A1}" sibTransId="{F4213411-7083-4B4C-A8CF-2D93D3FF83EB}"/>
+    <dgm:cxn modelId="{BB1888FF-F6B6-4AED-850F-F4B4F328F4D5}" type="presOf" srcId="{72EBABCD-A694-46CD-A074-C9CFEAA3A3EB}" destId="{E3278750-3545-41D0-9098-49EF51C45F2A}" srcOrd="0" destOrd="0" presId="urn:microsoft.com/office/officeart/2005/8/layout/radial5"/>
+    <dgm:cxn modelId="{15F115E3-443F-4D4C-9A0D-F731F3C48025}" type="presOf" srcId="{4940A39E-1769-4461-A9C0-780344A73B93}" destId="{50083348-D83D-4625-BDCE-0B82C4D2C9D7}" srcOrd="0" destOrd="0" presId="urn:microsoft.com/office/officeart/2005/8/layout/radial5"/>
+    <dgm:cxn modelId="{B266AE08-8E20-480C-B2F1-639B4B5CBE4F}" type="presOf" srcId="{E4605E99-D788-40CC-B84F-B096F3844303}" destId="{42CDD322-C3FE-40C7-A54E-55B560603AE9}" srcOrd="0" destOrd="0" presId="urn:microsoft.com/office/officeart/2005/8/layout/radial5"/>
+    <dgm:cxn modelId="{102ABBC3-959C-4A00-B593-2A88CC293F56}" srcId="{BA30CB08-C27E-4176-9DC6-44B8F3045D4D}" destId="{3EDF8D53-410C-4268-9472-D8776C4375CE}" srcOrd="1" destOrd="0" parTransId="{9845E75B-8E16-4BAB-8BFB-F85057241444}" sibTransId="{54593402-1004-41D8-9780-4493DE1FB46D}"/>
+    <dgm:cxn modelId="{9E00953F-80C6-4E38-802D-4459082E920E}" srcId="{BA30CB08-C27E-4176-9DC6-44B8F3045D4D}" destId="{19B2ED47-192C-43D0-B91B-04AD18257B1C}" srcOrd="0" destOrd="0" parTransId="{0B0D8767-681D-4FC8-A9BD-09EE33A0AE94}" sibTransId="{DDE0FFDE-0BC5-434B-B1E4-FF31FB58390D}"/>
+    <dgm:cxn modelId="{462B633D-DFE9-4F69-BBB9-3D3832CC6D34}" type="presOf" srcId="{391CA999-2D3D-480F-8FFE-94985539FB61}" destId="{F4821AD9-0E74-4C87-BF54-53D7672E1C1E}" srcOrd="0" destOrd="0" presId="urn:microsoft.com/office/officeart/2005/8/layout/radial5"/>
+    <dgm:cxn modelId="{E2BD91FC-9DE3-41E8-B828-DC5F37168DB8}" type="presOf" srcId="{BD6BC54F-ECB2-46DC-B744-FC1AA22E6916}" destId="{DD2937F4-E937-4C1A-AD1B-666B3DA7714F}" srcOrd="1" destOrd="0" presId="urn:microsoft.com/office/officeart/2005/8/layout/radial5"/>
+    <dgm:cxn modelId="{4CD10723-1398-4FB8-A48F-FDA3A5B38C56}" type="presOf" srcId="{BD6BC54F-ECB2-46DC-B744-FC1AA22E6916}" destId="{B93BD03F-25A2-4FB8-88CF-D81B31C593BB}" srcOrd="0" destOrd="0" presId="urn:microsoft.com/office/officeart/2005/8/layout/radial5"/>
+    <dgm:cxn modelId="{9A6BCB13-6616-43AB-A328-4EF7A6268847}" type="presOf" srcId="{4940A39E-1769-4461-A9C0-780344A73B93}" destId="{C9D58202-D48A-4CC2-8D50-2ABA2F8754E4}" srcOrd="1" destOrd="0" presId="urn:microsoft.com/office/officeart/2005/8/layout/radial5"/>
+    <dgm:cxn modelId="{A4216A27-CFDD-4894-85C5-5AC8402DC54F}" srcId="{2857681A-C08C-4ACC-B2D4-A4A8D80F63F6}" destId="{BA30CB08-C27E-4176-9DC6-44B8F3045D4D}" srcOrd="0" destOrd="0" parTransId="{4940A39E-1769-4461-A9C0-780344A73B93}" sibTransId="{6E690CE8-C301-484B-8E2C-E1A6D75EF4FD}"/>
+    <dgm:cxn modelId="{77AD715D-59B1-4975-8AED-084FBE71CC85}" srcId="{E4605E99-D788-40CC-B84F-B096F3844303}" destId="{2857681A-C08C-4ACC-B2D4-A4A8D80F63F6}" srcOrd="0" destOrd="0" parTransId="{B9C62753-A65D-4E2B-AB84-B6F4C89B580B}" sibTransId="{8D2BD304-860B-4BAD-8AAA-F2C65CC5421B}"/>
+    <dgm:cxn modelId="{671F2D2F-C21E-4765-AFE4-9999C5C6057D}" srcId="{2857681A-C08C-4ACC-B2D4-A4A8D80F63F6}" destId="{7900B2A5-9AE7-46AA-8868-DC204892F73A}" srcOrd="1" destOrd="0" parTransId="{BD6BC54F-ECB2-46DC-B744-FC1AA22E6916}" sibTransId="{5F66FFC1-D01C-4A5D-87B5-F0A4D3804D29}"/>
     <dgm:cxn modelId="{83031BE7-7724-4554-BC7A-F21517EDC060}" type="presOf" srcId="{19B2ED47-192C-43D0-B91B-04AD18257B1C}" destId="{C0F774C3-6911-451D-9EDA-A7E7C3E7C701}" srcOrd="0" destOrd="1" presId="urn:microsoft.com/office/officeart/2005/8/layout/radial5"/>
-    <dgm:cxn modelId="{BB1888FF-F6B6-4AED-850F-F4B4F328F4D5}" type="presOf" srcId="{72EBABCD-A694-46CD-A074-C9CFEAA3A3EB}" destId="{E3278750-3545-41D0-9098-49EF51C45F2A}" srcOrd="0" destOrd="0" presId="urn:microsoft.com/office/officeart/2005/8/layout/radial5"/>
-    <dgm:cxn modelId="{9E00953F-80C6-4E38-802D-4459082E920E}" srcId="{BA30CB08-C27E-4176-9DC6-44B8F3045D4D}" destId="{19B2ED47-192C-43D0-B91B-04AD18257B1C}" srcOrd="0" destOrd="0" parTransId="{0B0D8767-681D-4FC8-A9BD-09EE33A0AE94}" sibTransId="{DDE0FFDE-0BC5-434B-B1E4-FF31FB58390D}"/>
-    <dgm:cxn modelId="{21457BF2-7EE9-4E84-82F3-4EFC3880C900}" type="presOf" srcId="{D2F9420E-3E2E-46BD-A80B-29E2424D5A64}" destId="{C0F774C3-6911-451D-9EDA-A7E7C3E7C701}" srcOrd="0" destOrd="3" presId="urn:microsoft.com/office/officeart/2005/8/layout/radial5"/>
-    <dgm:cxn modelId="{9A6BCB13-6616-43AB-A328-4EF7A6268847}" type="presOf" srcId="{4940A39E-1769-4461-A9C0-780344A73B93}" destId="{C9D58202-D48A-4CC2-8D50-2ABA2F8754E4}" srcOrd="1" destOrd="0" presId="urn:microsoft.com/office/officeart/2005/8/layout/radial5"/>
+    <dgm:cxn modelId="{FEEDBDC6-C85B-48FF-9478-83FC0380E24A}" type="presOf" srcId="{BA30CB08-C27E-4176-9DC6-44B8F3045D4D}" destId="{C0F774C3-6911-451D-9EDA-A7E7C3E7C701}" srcOrd="0" destOrd="0" presId="urn:microsoft.com/office/officeart/2005/8/layout/radial5"/>
+    <dgm:cxn modelId="{3B106CB8-7F6A-4183-8B62-FA9DFE618B03}" type="presOf" srcId="{3EDF8D53-410C-4268-9472-D8776C4375CE}" destId="{C0F774C3-6911-451D-9EDA-A7E7C3E7C701}" srcOrd="0" destOrd="2" presId="urn:microsoft.com/office/officeart/2005/8/layout/radial5"/>
     <dgm:cxn modelId="{31A6ED57-4FAA-4EF6-B6FD-7FFBFBB0FD68}" type="presOf" srcId="{90669A4F-190D-4C73-AA80-0F54281701A1}" destId="{8BA65011-FACA-4C1E-969F-1849C9976FB2}" srcOrd="0" destOrd="0" presId="urn:microsoft.com/office/officeart/2005/8/layout/radial5"/>
-    <dgm:cxn modelId="{B546F47C-2BD0-4FC0-97B4-CD1BB28DCE4F}" type="presOf" srcId="{90669A4F-190D-4C73-AA80-0F54281701A1}" destId="{68EFFC91-B051-4BF3-90C6-4A4BD7F1D3CE}" srcOrd="1" destOrd="0" presId="urn:microsoft.com/office/officeart/2005/8/layout/radial5"/>
-    <dgm:cxn modelId="{0D80A71E-88DD-425D-AA4A-5847B61AF8D9}" type="presOf" srcId="{7900B2A5-9AE7-46AA-8868-DC204892F73A}" destId="{D1E67752-51AF-4472-AD44-35AEE8E1B9DB}" srcOrd="0" destOrd="0" presId="urn:microsoft.com/office/officeart/2005/8/layout/radial5"/>
-    <dgm:cxn modelId="{3CB3F05B-EFBC-4D18-AE21-715798D9F7B5}" srcId="{BA30CB08-C27E-4176-9DC6-44B8F3045D4D}" destId="{D2F9420E-3E2E-46BD-A80B-29E2424D5A64}" srcOrd="2" destOrd="0" parTransId="{C4BA4B62-A662-49BC-9D1A-58AAC77A135E}" sibTransId="{E4EF8C97-C403-48F9-BFB2-2556C8A82C47}"/>
-    <dgm:cxn modelId="{B266AE08-8E20-480C-B2F1-639B4B5CBE4F}" type="presOf" srcId="{E4605E99-D788-40CC-B84F-B096F3844303}" destId="{42CDD322-C3FE-40C7-A54E-55B560603AE9}" srcOrd="0" destOrd="0" presId="urn:microsoft.com/office/officeart/2005/8/layout/radial5"/>
-    <dgm:cxn modelId="{71B11EC1-3175-4C27-A1A4-DDFDDB810599}" srcId="{2857681A-C08C-4ACC-B2D4-A4A8D80F63F6}" destId="{B2F49888-A987-4C1F-8B6A-057D77BE65FA}" srcOrd="3" destOrd="0" parTransId="{90669A4F-190D-4C73-AA80-0F54281701A1}" sibTransId="{F4213411-7083-4B4C-A8CF-2D93D3FF83EB}"/>
-    <dgm:cxn modelId="{F122E652-67A7-4334-B34C-88BFA399D39B}" type="presOf" srcId="{72EBABCD-A694-46CD-A074-C9CFEAA3A3EB}" destId="{37686E1C-FB33-4701-9F70-50D3E1BF47BD}" srcOrd="1" destOrd="0" presId="urn:microsoft.com/office/officeart/2005/8/layout/radial5"/>
-    <dgm:cxn modelId="{A4216A27-CFDD-4894-85C5-5AC8402DC54F}" srcId="{2857681A-C08C-4ACC-B2D4-A4A8D80F63F6}" destId="{BA30CB08-C27E-4176-9DC6-44B8F3045D4D}" srcOrd="0" destOrd="0" parTransId="{4940A39E-1769-4461-A9C0-780344A73B93}" sibTransId="{6E690CE8-C301-484B-8E2C-E1A6D75EF4FD}"/>
-    <dgm:cxn modelId="{FEEDBDC6-C85B-48FF-9478-83FC0380E24A}" type="presOf" srcId="{BA30CB08-C27E-4176-9DC6-44B8F3045D4D}" destId="{C0F774C3-6911-451D-9EDA-A7E7C3E7C701}" srcOrd="0" destOrd="0" presId="urn:microsoft.com/office/officeart/2005/8/layout/radial5"/>
-    <dgm:cxn modelId="{E2BD91FC-9DE3-41E8-B828-DC5F37168DB8}" type="presOf" srcId="{BD6BC54F-ECB2-46DC-B744-FC1AA22E6916}" destId="{DD2937F4-E937-4C1A-AD1B-666B3DA7714F}" srcOrd="1" destOrd="0" presId="urn:microsoft.com/office/officeart/2005/8/layout/radial5"/>
-    <dgm:cxn modelId="{671F2D2F-C21E-4765-AFE4-9999C5C6057D}" srcId="{2857681A-C08C-4ACC-B2D4-A4A8D80F63F6}" destId="{7900B2A5-9AE7-46AA-8868-DC204892F73A}" srcOrd="1" destOrd="0" parTransId="{BD6BC54F-ECB2-46DC-B744-FC1AA22E6916}" sibTransId="{5F66FFC1-D01C-4A5D-87B5-F0A4D3804D29}"/>
-    <dgm:cxn modelId="{3B106CB8-7F6A-4183-8B62-FA9DFE618B03}" type="presOf" srcId="{3EDF8D53-410C-4268-9472-D8776C4375CE}" destId="{C0F774C3-6911-451D-9EDA-A7E7C3E7C701}" srcOrd="0" destOrd="2" presId="urn:microsoft.com/office/officeart/2005/8/layout/radial5"/>
-    <dgm:cxn modelId="{102ABBC3-959C-4A00-B593-2A88CC293F56}" srcId="{BA30CB08-C27E-4176-9DC6-44B8F3045D4D}" destId="{3EDF8D53-410C-4268-9472-D8776C4375CE}" srcOrd="1" destOrd="0" parTransId="{9845E75B-8E16-4BAB-8BFB-F85057241444}" sibTransId="{54593402-1004-41D8-9780-4493DE1FB46D}"/>
-    <dgm:cxn modelId="{462B633D-DFE9-4F69-BBB9-3D3832CC6D34}" type="presOf" srcId="{391CA999-2D3D-480F-8FFE-94985539FB61}" destId="{F4821AD9-0E74-4C87-BF54-53D7672E1C1E}" srcOrd="0" destOrd="0" presId="urn:microsoft.com/office/officeart/2005/8/layout/radial5"/>
-    <dgm:cxn modelId="{4CD10723-1398-4FB8-A48F-FDA3A5B38C56}" type="presOf" srcId="{BD6BC54F-ECB2-46DC-B744-FC1AA22E6916}" destId="{B93BD03F-25A2-4FB8-88CF-D81B31C593BB}" srcOrd="0" destOrd="0" presId="urn:microsoft.com/office/officeart/2005/8/layout/radial5"/>
-    <dgm:cxn modelId="{15F115E3-443F-4D4C-9A0D-F731F3C48025}" type="presOf" srcId="{4940A39E-1769-4461-A9C0-780344A73B93}" destId="{50083348-D83D-4625-BDCE-0B82C4D2C9D7}" srcOrd="0" destOrd="0" presId="urn:microsoft.com/office/officeart/2005/8/layout/radial5"/>
-    <dgm:cxn modelId="{77AD715D-59B1-4975-8AED-084FBE71CC85}" srcId="{E4605E99-D788-40CC-B84F-B096F3844303}" destId="{2857681A-C08C-4ACC-B2D4-A4A8D80F63F6}" srcOrd="0" destOrd="0" parTransId="{B9C62753-A65D-4E2B-AB84-B6F4C89B580B}" sibTransId="{8D2BD304-860B-4BAD-8AAA-F2C65CC5421B}"/>
-    <dgm:cxn modelId="{0A45F097-A2F1-43CA-89C2-C3C067BAEA37}" srcId="{2857681A-C08C-4ACC-B2D4-A4A8D80F63F6}" destId="{391CA999-2D3D-480F-8FFE-94985539FB61}" srcOrd="2" destOrd="0" parTransId="{72EBABCD-A694-46CD-A074-C9CFEAA3A3EB}" sibTransId="{2E7A4A67-3A0C-4AC0-9173-D9A7D240C226}"/>
-    <dgm:cxn modelId="{D0881804-0E72-417E-BF89-A43F45A0D91B}" type="presOf" srcId="{2857681A-C08C-4ACC-B2D4-A4A8D80F63F6}" destId="{9E6E3828-A769-4642-90F4-6CC29F79FE54}" srcOrd="0" destOrd="0" presId="urn:microsoft.com/office/officeart/2005/8/layout/radial5"/>
-    <dgm:cxn modelId="{6FDEA8F9-71EC-4A3D-89D8-5AB800226D75}" type="presOf" srcId="{B2F49888-A987-4C1F-8B6A-057D77BE65FA}" destId="{C4D1BB34-70D8-4EF8-BFC2-AA6246655B35}" srcOrd="0" destOrd="0" presId="urn:microsoft.com/office/officeart/2005/8/layout/radial5"/>
     <dgm:cxn modelId="{DAF3A2F7-2247-4028-BBDD-1C79686D02D0}" type="presParOf" srcId="{42CDD322-C3FE-40C7-A54E-55B560603AE9}" destId="{9E6E3828-A769-4642-90F4-6CC29F79FE54}" srcOrd="0" destOrd="0" presId="urn:microsoft.com/office/officeart/2005/8/layout/radial5"/>
     <dgm:cxn modelId="{086B3F36-0CF8-4712-ADD1-0C2EC586EF54}" type="presParOf" srcId="{42CDD322-C3FE-40C7-A54E-55B560603AE9}" destId="{50083348-D83D-4625-BDCE-0B82C4D2C9D7}" srcOrd="1" destOrd="0" presId="urn:microsoft.com/office/officeart/2005/8/layout/radial5"/>
     <dgm:cxn modelId="{CA2D6574-E43F-489D-B9E5-2CC185095820}" type="presParOf" srcId="{50083348-D83D-4625-BDCE-0B82C4D2C9D7}" destId="{C9D58202-D48A-4CC2-8D50-2ABA2F8754E4}" srcOrd="0" destOrd="0" presId="urn:microsoft.com/office/officeart/2005/8/layout/radial5"/>
@@ -1503,7 +1503,7 @@
   <dgm:whole/>
   <dgm:extLst>
     <a:ext uri="http://schemas.microsoft.com/office/drawing/2008/diagram">
-      <dsp:dataModelExt xmlns:dsp="http://schemas.microsoft.com/office/drawing/2008/diagram" relId="rId6" minVer="http://schemas.openxmlformats.org/drawingml/2006/diagram"/>
+      <dsp:dataModelExt xmlns:dsp="http://schemas.microsoft.com/office/drawing/2008/diagram" relId="rId7" minVer="http://schemas.openxmlformats.org/drawingml/2006/diagram"/>
     </a:ext>
   </dgm:extLst>
 </dgm:dataModel>
@@ -4144,7 +4144,7 @@
           <a:p>
             <a:fld id="{3C82C259-0100-4357-933D-27583B746048}" type="datetime1">
               <a:rPr lang="pt-PT" smtClean="0"/>
-              <a:t>23-03-2015</a:t>
+              <a:t>23/03/2015</a:t>
             </a:fld>
             <a:endParaRPr/>
           </a:p>
@@ -4310,7 +4310,7 @@
           <a:p>
             <a:fld id="{4CEE548C-493F-4FD1-9ECB-917AA81544ED}" type="datetime1">
               <a:rPr lang="pt-PT" smtClean="0"/>
-              <a:t>23-03-2015</a:t>
+              <a:t>23/03/2015</a:t>
             </a:fld>
             <a:endParaRPr/>
           </a:p>
@@ -4622,7 +4622,23 @@
           <a:bodyPr/>
           <a:lstStyle/>
           <a:p>
-            <a:endParaRPr lang="pt-PT"/>
+            <a:r>
+              <a:rPr lang="pt-PT" dirty="0" smtClean="0"/>
+              <a:t>Olá</a:t>
+            </a:r>
+            <a:r>
+              <a:rPr lang="pt-PT" baseline="0" dirty="0" smtClean="0"/>
+              <a:t> boa tarde! Sou o ___ e estou aqui para apresentar o nosso projeto de Laboratórios de Informática IV que se chama “Aprende com os </a:t>
+            </a:r>
+            <a:r>
+              <a:rPr lang="pt-PT" baseline="0" dirty="0" err="1" smtClean="0"/>
+              <a:t>Minions</a:t>
+            </a:r>
+            <a:r>
+              <a:rPr lang="pt-PT" baseline="0" dirty="0" smtClean="0"/>
+              <a:t>”.</a:t>
+            </a:r>
+            <a:endParaRPr lang="pt-PT" dirty="0"/>
           </a:p>
         </p:txBody>
       </p:sp>
@@ -4666,7 +4682,7 @@
           <a:p>
             <a:fld id="{AD07E7F5-D94A-4B9A-9916-8485E0C2D024}" type="datetime1">
               <a:rPr lang="pt-PT" smtClean="0"/>
-              <a:t>23-03-2015</a:t>
+              <a:t>23/03/2015</a:t>
             </a:fld>
             <a:endParaRPr lang="pt-PT"/>
           </a:p>
@@ -4676,6 +4692,113 @@
     <p:extLst>
       <p:ext uri="{BB962C8B-B14F-4D97-AF65-F5344CB8AC3E}">
         <p14:creationId xmlns:p14="http://schemas.microsoft.com/office/powerpoint/2010/main" val="2039900519"/>
+      </p:ext>
+    </p:extLst>
+  </p:cSld>
+  <p:clrMapOvr>
+    <a:masterClrMapping/>
+  </p:clrMapOvr>
+</p:notes>
+</file>
+
+<file path=ppt/notesSlides/notesSlide10.xml><?xml version="1.0" encoding="utf-8"?>
+<p:notes xmlns:a="http://schemas.openxmlformats.org/drawingml/2006/main" xmlns:r="http://schemas.openxmlformats.org/officeDocument/2006/relationships" xmlns:p="http://schemas.openxmlformats.org/presentationml/2006/main">
+  <p:cSld>
+    <p:spTree>
+      <p:nvGrpSpPr>
+        <p:cNvPr id="1" name=""/>
+        <p:cNvGrpSpPr/>
+        <p:nvPr/>
+      </p:nvGrpSpPr>
+      <p:grpSpPr>
+        <a:xfrm>
+          <a:off x="0" y="0"/>
+          <a:ext cx="0" cy="0"/>
+          <a:chOff x="0" y="0"/>
+          <a:chExt cx="0" cy="0"/>
+        </a:xfrm>
+      </p:grpSpPr>
+      <p:sp>
+        <p:nvSpPr>
+          <p:cNvPr id="2" name="Marcador de Posição da Imagem do Diapositivo 1"/>
+          <p:cNvSpPr>
+            <a:spLocks noGrp="1" noRot="1" noChangeAspect="1"/>
+          </p:cNvSpPr>
+          <p:nvPr>
+            <p:ph type="sldImg"/>
+          </p:nvPr>
+        </p:nvSpPr>
+        <p:spPr/>
+      </p:sp>
+      <p:sp>
+        <p:nvSpPr>
+          <p:cNvPr id="3" name="Marcador de Posição de Notas 2"/>
+          <p:cNvSpPr>
+            <a:spLocks noGrp="1"/>
+          </p:cNvSpPr>
+          <p:nvPr>
+            <p:ph type="body" idx="1"/>
+          </p:nvPr>
+        </p:nvSpPr>
+        <p:spPr/>
+        <p:txBody>
+          <a:bodyPr/>
+          <a:lstStyle/>
+          <a:p>
+            <a:endParaRPr lang="pt-PT" dirty="0"/>
+          </a:p>
+        </p:txBody>
+      </p:sp>
+      <p:sp>
+        <p:nvSpPr>
+          <p:cNvPr id="4" name="Marcador de Posição do Número do Diapositivo 3"/>
+          <p:cNvSpPr>
+            <a:spLocks noGrp="1"/>
+          </p:cNvSpPr>
+          <p:nvPr>
+            <p:ph type="sldNum" sz="quarter" idx="10"/>
+          </p:nvPr>
+        </p:nvSpPr>
+        <p:spPr/>
+        <p:txBody>
+          <a:bodyPr/>
+          <a:lstStyle/>
+          <a:p>
+            <a:fld id="{01F2A70B-78F2-4DCF-B53B-C990D2FAFB8A}" type="slidenum">
+              <a:rPr lang="pt-PT" smtClean="0"/>
+              <a:t>10</a:t>
+            </a:fld>
+            <a:endParaRPr lang="pt-PT"/>
+          </a:p>
+        </p:txBody>
+      </p:sp>
+      <p:sp>
+        <p:nvSpPr>
+          <p:cNvPr id="5" name="Marcador de Posição da Data 4"/>
+          <p:cNvSpPr>
+            <a:spLocks noGrp="1"/>
+          </p:cNvSpPr>
+          <p:nvPr>
+            <p:ph type="dt" idx="11"/>
+          </p:nvPr>
+        </p:nvSpPr>
+        <p:spPr/>
+        <p:txBody>
+          <a:bodyPr/>
+          <a:lstStyle/>
+          <a:p>
+            <a:fld id="{AD07E7F5-D94A-4B9A-9916-8485E0C2D024}" type="datetime1">
+              <a:rPr lang="pt-PT" smtClean="0"/>
+              <a:t>23/03/2015</a:t>
+            </a:fld>
+            <a:endParaRPr lang="pt-PT"/>
+          </a:p>
+        </p:txBody>
+      </p:sp>
+    </p:spTree>
+    <p:extLst>
+      <p:ext uri="{BB962C8B-B14F-4D97-AF65-F5344CB8AC3E}">
+        <p14:creationId xmlns:p14="http://schemas.microsoft.com/office/powerpoint/2010/main" val="763271940"/>
       </p:ext>
     </p:extLst>
   </p:cSld>
@@ -4729,7 +4852,38 @@
           <a:bodyPr/>
           <a:lstStyle/>
           <a:p>
-            <a:endParaRPr lang="pt-PT"/>
+            <a:pPr marL="0" marR="0" indent="0" algn="l" defTabSz="914400" rtl="0" eaLnBrk="1" fontAlgn="auto" latinLnBrk="0" hangingPunct="1">
+              <a:lnSpc>
+                <a:spcPct val="100000"/>
+              </a:lnSpc>
+              <a:spcBef>
+                <a:spcPts val="0"/>
+              </a:spcBef>
+              <a:spcAft>
+                <a:spcPts val="0"/>
+              </a:spcAft>
+              <a:buClrTx/>
+              <a:buSzTx/>
+              <a:buFontTx/>
+              <a:buNone/>
+              <a:tabLst/>
+              <a:defRPr/>
+            </a:pPr>
+            <a:r>
+              <a:rPr lang="pt-PT" sz="1200" kern="1200" dirty="0" smtClean="0">
+                <a:solidFill>
+                  <a:schemeClr val="tx1"/>
+                </a:solidFill>
+                <a:effectLst/>
+                <a:latin typeface="+mn-lt"/>
+                <a:ea typeface="+mn-ea"/>
+                <a:cs typeface="+mn-cs"/>
+              </a:rPr>
+              <a:t>O projeto proposto trata-se de um Assistente Pedagógico com o objetivo de auxiliar crianças entre os 8 e os 9 anos de idade (que frequentem o 3º ano de escolaridade) na aprendizagem de um dos tópicos abordados no seu plano de estudos: as figuras geométricas. </a:t>
+            </a:r>
+          </a:p>
+          <a:p>
+            <a:endParaRPr lang="pt-PT" dirty="0"/>
           </a:p>
         </p:txBody>
       </p:sp>
@@ -4773,7 +4927,7 @@
           <a:p>
             <a:fld id="{47C351CA-D947-4DE9-B94F-31EF78C02738}" type="datetime1">
               <a:rPr lang="pt-PT" smtClean="0"/>
-              <a:t>23-03-2015</a:t>
+              <a:t>23/03/2015</a:t>
             </a:fld>
             <a:endParaRPr lang="pt-PT"/>
           </a:p>
@@ -4836,18 +4990,64 @@
           <a:bodyPr/>
           <a:lstStyle/>
           <a:p>
-            <a:endParaRPr lang="pt-PT"/>
+            <a:r>
+              <a:rPr lang="pt-PT" dirty="0" smtClean="0"/>
+              <a:t>A nossa apresentação vai focar-se</a:t>
+            </a:r>
+            <a:r>
+              <a:rPr lang="pt-PT" baseline="0" dirty="0" smtClean="0"/>
+              <a:t> nos seguintes pontos…</a:t>
+            </a:r>
+          </a:p>
+          <a:p>
+            <a:r>
+              <a:rPr lang="pt-PT" baseline="0" dirty="0" smtClean="0"/>
+              <a:t>Começamos com a contextualização do problema…</a:t>
+            </a:r>
+          </a:p>
+          <a:p>
+            <a:r>
+              <a:rPr lang="pt-PT" baseline="0" dirty="0" smtClean="0"/>
+              <a:t>Segue-se a…</a:t>
+            </a:r>
+          </a:p>
+          <a:p>
+            <a:r>
+              <a:rPr lang="pt-PT" baseline="0" dirty="0" smtClean="0"/>
+              <a:t>Depois temos a…</a:t>
+            </a:r>
+          </a:p>
+          <a:p>
+            <a:r>
+              <a:rPr lang="pt-PT" baseline="0" dirty="0" smtClean="0"/>
+              <a:t>De seguida temos a…</a:t>
+            </a:r>
+          </a:p>
+          <a:p>
+            <a:r>
+              <a:rPr lang="pt-PT" baseline="0" dirty="0" smtClean="0"/>
+              <a:t>(…)</a:t>
+            </a:r>
+          </a:p>
+          <a:p>
+            <a:r>
+              <a:rPr lang="pt-PT" baseline="0" dirty="0" smtClean="0"/>
+              <a:t>E por último temos a…</a:t>
+            </a:r>
+          </a:p>
+          <a:p>
+            <a:endParaRPr lang="pt-PT" dirty="0"/>
           </a:p>
         </p:txBody>
       </p:sp>
       <p:sp>
         <p:nvSpPr>
-          <p:cNvPr id="4" name="Marcador de Posição do Número do Diapositivo 3"/>
+          <p:cNvPr id="4" name="Marcador de Posição da Data 3"/>
           <p:cNvSpPr>
             <a:spLocks noGrp="1"/>
           </p:cNvSpPr>
           <p:nvPr>
-            <p:ph type="sldNum" sz="quarter" idx="10"/>
+            <p:ph type="dt" idx="10"/>
           </p:nvPr>
         </p:nvSpPr>
         <p:spPr/>
@@ -4855,9 +5055,9 @@
           <a:bodyPr/>
           <a:lstStyle/>
           <a:p>
-            <a:fld id="{01F2A70B-78F2-4DCF-B53B-C990D2FAFB8A}" type="slidenum">
+            <a:fld id="{4CEE548C-493F-4FD1-9ECB-917AA81544ED}" type="datetime1">
               <a:rPr lang="pt-PT" smtClean="0"/>
-              <a:t>10</a:t>
+              <a:t>23/03/2015</a:t>
             </a:fld>
             <a:endParaRPr lang="pt-PT"/>
           </a:p>
@@ -4865,12 +5065,12 @@
       </p:sp>
       <p:sp>
         <p:nvSpPr>
-          <p:cNvPr id="5" name="Marcador de Posição da Data 4"/>
+          <p:cNvPr id="5" name="Marcador de Posição do Número do Diapositivo 4"/>
           <p:cNvSpPr>
             <a:spLocks noGrp="1"/>
           </p:cNvSpPr>
           <p:nvPr>
-            <p:ph type="dt" idx="11"/>
+            <p:ph type="sldNum" sz="quarter" idx="11"/>
           </p:nvPr>
         </p:nvSpPr>
         <p:spPr/>
@@ -4878,9 +5078,9 @@
           <a:bodyPr/>
           <a:lstStyle/>
           <a:p>
-            <a:fld id="{AD07E7F5-D94A-4B9A-9916-8485E0C2D024}" type="datetime1">
+            <a:fld id="{01F2A70B-78F2-4DCF-B53B-C990D2FAFB8A}" type="slidenum">
               <a:rPr lang="pt-PT" smtClean="0"/>
-              <a:t>23-03-2015</a:t>
+              <a:t>3</a:t>
             </a:fld>
             <a:endParaRPr lang="pt-PT"/>
           </a:p>
@@ -4889,7 +5089,1271 @@
     </p:spTree>
     <p:extLst>
       <p:ext uri="{BB962C8B-B14F-4D97-AF65-F5344CB8AC3E}">
-        <p14:creationId xmlns:p14="http://schemas.microsoft.com/office/powerpoint/2010/main" val="763271940"/>
+        <p14:creationId xmlns:p14="http://schemas.microsoft.com/office/powerpoint/2010/main" val="1703286910"/>
+      </p:ext>
+    </p:extLst>
+  </p:cSld>
+  <p:clrMapOvr>
+    <a:masterClrMapping/>
+  </p:clrMapOvr>
+</p:notes>
+</file>
+
+<file path=ppt/notesSlides/notesSlide4.xml><?xml version="1.0" encoding="utf-8"?>
+<p:notes xmlns:a="http://schemas.openxmlformats.org/drawingml/2006/main" xmlns:r="http://schemas.openxmlformats.org/officeDocument/2006/relationships" xmlns:p="http://schemas.openxmlformats.org/presentationml/2006/main">
+  <p:cSld>
+    <p:spTree>
+      <p:nvGrpSpPr>
+        <p:cNvPr id="1" name=""/>
+        <p:cNvGrpSpPr/>
+        <p:nvPr/>
+      </p:nvGrpSpPr>
+      <p:grpSpPr>
+        <a:xfrm>
+          <a:off x="0" y="0"/>
+          <a:ext cx="0" cy="0"/>
+          <a:chOff x="0" y="0"/>
+          <a:chExt cx="0" cy="0"/>
+        </a:xfrm>
+      </p:grpSpPr>
+      <p:sp>
+        <p:nvSpPr>
+          <p:cNvPr id="2" name="Marcador de Posição da Imagem do Diapositivo 1"/>
+          <p:cNvSpPr>
+            <a:spLocks noGrp="1" noRot="1" noChangeAspect="1"/>
+          </p:cNvSpPr>
+          <p:nvPr>
+            <p:ph type="sldImg"/>
+          </p:nvPr>
+        </p:nvSpPr>
+        <p:spPr/>
+      </p:sp>
+      <p:sp>
+        <p:nvSpPr>
+          <p:cNvPr id="3" name="Marcador de Posição de Notas 2"/>
+          <p:cNvSpPr>
+            <a:spLocks noGrp="1"/>
+          </p:cNvSpPr>
+          <p:nvPr>
+            <p:ph type="body" idx="1"/>
+          </p:nvPr>
+        </p:nvSpPr>
+        <p:spPr/>
+        <p:txBody>
+          <a:bodyPr/>
+          <a:lstStyle/>
+          <a:p>
+            <a:r>
+              <a:rPr lang="pt-PT" sz="1200" kern="1200" dirty="0" smtClean="0">
+                <a:solidFill>
+                  <a:schemeClr val="tx1"/>
+                </a:solidFill>
+                <a:effectLst/>
+                <a:latin typeface="+mn-lt"/>
+                <a:ea typeface="+mn-ea"/>
+                <a:cs typeface="+mn-cs"/>
+              </a:rPr>
+              <a:t>DIFICULDADE apresentada aos alunos do ENSINO</a:t>
+            </a:r>
+            <a:r>
+              <a:rPr lang="pt-PT" sz="1200" kern="1200" baseline="0" dirty="0" smtClean="0">
+                <a:solidFill>
+                  <a:schemeClr val="tx1"/>
+                </a:solidFill>
+                <a:effectLst/>
+                <a:latin typeface="+mn-lt"/>
+                <a:ea typeface="+mn-ea"/>
+                <a:cs typeface="+mn-cs"/>
+              </a:rPr>
+              <a:t> BÁSICO,</a:t>
+            </a:r>
+            <a:r>
+              <a:rPr lang="pt-PT" sz="1200" kern="1200" dirty="0" smtClean="0">
+                <a:solidFill>
+                  <a:schemeClr val="tx1"/>
+                </a:solidFill>
+                <a:effectLst/>
+                <a:latin typeface="+mn-lt"/>
+                <a:ea typeface="+mn-ea"/>
+                <a:cs typeface="+mn-cs"/>
+              </a:rPr>
+              <a:t> principalmente na área da MATEMÁTICA.</a:t>
+            </a:r>
+          </a:p>
+          <a:p>
+            <a:endParaRPr lang="pt-PT" sz="1200" kern="1200" dirty="0" smtClean="0">
+              <a:solidFill>
+                <a:schemeClr val="tx1"/>
+              </a:solidFill>
+              <a:effectLst/>
+              <a:latin typeface="+mn-lt"/>
+              <a:ea typeface="+mn-ea"/>
+              <a:cs typeface="+mn-cs"/>
+            </a:endParaRPr>
+          </a:p>
+          <a:p>
+            <a:r>
+              <a:rPr lang="pt-PT" sz="1200" kern="1200" dirty="0" smtClean="0">
+                <a:solidFill>
+                  <a:schemeClr val="tx1"/>
+                </a:solidFill>
+                <a:effectLst/>
+                <a:latin typeface="+mn-lt"/>
+                <a:ea typeface="+mn-ea"/>
+                <a:cs typeface="+mn-cs"/>
+              </a:rPr>
+              <a:t>Um APOIO EXTRA ao trabalho realizado puma FORMA DE ESTUDO APELATIVA de modo a estimular uma FÁCIL APRENDIZAGEM das matérias lecionadas.</a:t>
+            </a:r>
+          </a:p>
+          <a:p>
+            <a:endParaRPr lang="pt-PT" dirty="0"/>
+          </a:p>
+        </p:txBody>
+      </p:sp>
+      <p:sp>
+        <p:nvSpPr>
+          <p:cNvPr id="4" name="Marcador de Posição da Data 3"/>
+          <p:cNvSpPr>
+            <a:spLocks noGrp="1"/>
+          </p:cNvSpPr>
+          <p:nvPr>
+            <p:ph type="dt" idx="10"/>
+          </p:nvPr>
+        </p:nvSpPr>
+        <p:spPr/>
+        <p:txBody>
+          <a:bodyPr/>
+          <a:lstStyle/>
+          <a:p>
+            <a:fld id="{4CEE548C-493F-4FD1-9ECB-917AA81544ED}" type="datetime1">
+              <a:rPr lang="pt-PT" smtClean="0"/>
+              <a:t>23/03/2015</a:t>
+            </a:fld>
+            <a:endParaRPr lang="pt-PT"/>
+          </a:p>
+        </p:txBody>
+      </p:sp>
+      <p:sp>
+        <p:nvSpPr>
+          <p:cNvPr id="5" name="Marcador de Posição do Número do Diapositivo 4"/>
+          <p:cNvSpPr>
+            <a:spLocks noGrp="1"/>
+          </p:cNvSpPr>
+          <p:nvPr>
+            <p:ph type="sldNum" sz="quarter" idx="11"/>
+          </p:nvPr>
+        </p:nvSpPr>
+        <p:spPr/>
+        <p:txBody>
+          <a:bodyPr/>
+          <a:lstStyle/>
+          <a:p>
+            <a:fld id="{01F2A70B-78F2-4DCF-B53B-C990D2FAFB8A}" type="slidenum">
+              <a:rPr lang="pt-PT" smtClean="0"/>
+              <a:t>4</a:t>
+            </a:fld>
+            <a:endParaRPr lang="pt-PT"/>
+          </a:p>
+        </p:txBody>
+      </p:sp>
+    </p:spTree>
+    <p:extLst>
+      <p:ext uri="{BB962C8B-B14F-4D97-AF65-F5344CB8AC3E}">
+        <p14:creationId xmlns:p14="http://schemas.microsoft.com/office/powerpoint/2010/main" val="3648628845"/>
+      </p:ext>
+    </p:extLst>
+  </p:cSld>
+  <p:clrMapOvr>
+    <a:masterClrMapping/>
+  </p:clrMapOvr>
+</p:notes>
+</file>
+
+<file path=ppt/notesSlides/notesSlide5.xml><?xml version="1.0" encoding="utf-8"?>
+<p:notes xmlns:a="http://schemas.openxmlformats.org/drawingml/2006/main" xmlns:r="http://schemas.openxmlformats.org/officeDocument/2006/relationships" xmlns:p="http://schemas.openxmlformats.org/presentationml/2006/main">
+  <p:cSld>
+    <p:spTree>
+      <p:nvGrpSpPr>
+        <p:cNvPr id="1" name=""/>
+        <p:cNvGrpSpPr/>
+        <p:nvPr/>
+      </p:nvGrpSpPr>
+      <p:grpSpPr>
+        <a:xfrm>
+          <a:off x="0" y="0"/>
+          <a:ext cx="0" cy="0"/>
+          <a:chOff x="0" y="0"/>
+          <a:chExt cx="0" cy="0"/>
+        </a:xfrm>
+      </p:grpSpPr>
+      <p:sp>
+        <p:nvSpPr>
+          <p:cNvPr id="2" name="Marcador de Posição da Imagem do Diapositivo 1"/>
+          <p:cNvSpPr>
+            <a:spLocks noGrp="1" noRot="1" noChangeAspect="1"/>
+          </p:cNvSpPr>
+          <p:nvPr>
+            <p:ph type="sldImg"/>
+          </p:nvPr>
+        </p:nvSpPr>
+        <p:spPr/>
+      </p:sp>
+      <p:sp>
+        <p:nvSpPr>
+          <p:cNvPr id="3" name="Marcador de Posição de Notas 2"/>
+          <p:cNvSpPr>
+            <a:spLocks noGrp="1"/>
+          </p:cNvSpPr>
+          <p:nvPr>
+            <p:ph type="body" idx="1"/>
+          </p:nvPr>
+        </p:nvSpPr>
+        <p:spPr/>
+        <p:txBody>
+          <a:bodyPr/>
+          <a:lstStyle/>
+          <a:p>
+            <a:pPr marL="0" marR="0" indent="0" algn="l" defTabSz="914400" rtl="0" eaLnBrk="1" fontAlgn="auto" latinLnBrk="0" hangingPunct="1">
+              <a:lnSpc>
+                <a:spcPct val="100000"/>
+              </a:lnSpc>
+              <a:spcBef>
+                <a:spcPts val="0"/>
+              </a:spcBef>
+              <a:spcAft>
+                <a:spcPts val="0"/>
+              </a:spcAft>
+              <a:buClrTx/>
+              <a:buSzTx/>
+              <a:buFontTx/>
+              <a:buNone/>
+              <a:tabLst/>
+              <a:defRPr/>
+            </a:pPr>
+            <a:r>
+              <a:rPr lang="pt-PT" sz="1200" kern="1200" dirty="0" smtClean="0">
+                <a:solidFill>
+                  <a:schemeClr val="tx1"/>
+                </a:solidFill>
+                <a:effectLst/>
+                <a:latin typeface="+mn-lt"/>
+                <a:ea typeface="+mn-ea"/>
+                <a:cs typeface="+mn-cs"/>
+              </a:rPr>
+              <a:t>Os RESULTADOS dos alunos portugueses na disciplina de MATEMÁTICA têm sido PREOCUPANTES.</a:t>
+            </a:r>
+            <a:endParaRPr lang="pt-PT" dirty="0" smtClean="0"/>
+          </a:p>
+          <a:p>
+            <a:endParaRPr lang="pt-PT" sz="1200" kern="1200" dirty="0" smtClean="0">
+              <a:solidFill>
+                <a:schemeClr val="tx1"/>
+              </a:solidFill>
+              <a:effectLst/>
+              <a:latin typeface="+mn-lt"/>
+              <a:ea typeface="+mn-ea"/>
+              <a:cs typeface="+mn-cs"/>
+            </a:endParaRPr>
+          </a:p>
+          <a:p>
+            <a:pPr marL="0" marR="0" indent="0" algn="l" defTabSz="914400" rtl="0" eaLnBrk="1" fontAlgn="auto" latinLnBrk="0" hangingPunct="1">
+              <a:lnSpc>
+                <a:spcPct val="100000"/>
+              </a:lnSpc>
+              <a:spcBef>
+                <a:spcPts val="0"/>
+              </a:spcBef>
+              <a:spcAft>
+                <a:spcPts val="0"/>
+              </a:spcAft>
+              <a:buClrTx/>
+              <a:buSzTx/>
+              <a:buFontTx/>
+              <a:buNone/>
+              <a:tabLst/>
+              <a:defRPr/>
+            </a:pPr>
+            <a:r>
+              <a:rPr lang="pt-PT" sz="1200" kern="1200" dirty="0" smtClean="0">
+                <a:solidFill>
+                  <a:schemeClr val="tx1"/>
+                </a:solidFill>
+                <a:effectLst/>
+                <a:latin typeface="+mn-lt"/>
+                <a:ea typeface="+mn-ea"/>
+                <a:cs typeface="+mn-cs"/>
+              </a:rPr>
+              <a:t>Tal se deve ao facto de os TEMAS lecionados serem de uma MAIOR COMPLEXIDADE comparativamente aos temas lecionados nos anos letivos anteriores. </a:t>
+            </a:r>
+          </a:p>
+        </p:txBody>
+      </p:sp>
+      <p:sp>
+        <p:nvSpPr>
+          <p:cNvPr id="4" name="Marcador de Posição da Data 3"/>
+          <p:cNvSpPr>
+            <a:spLocks noGrp="1"/>
+          </p:cNvSpPr>
+          <p:nvPr>
+            <p:ph type="dt" idx="10"/>
+          </p:nvPr>
+        </p:nvSpPr>
+        <p:spPr/>
+        <p:txBody>
+          <a:bodyPr/>
+          <a:lstStyle/>
+          <a:p>
+            <a:fld id="{4CEE548C-493F-4FD1-9ECB-917AA81544ED}" type="datetime1">
+              <a:rPr lang="pt-PT" smtClean="0"/>
+              <a:t>23/03/2015</a:t>
+            </a:fld>
+            <a:endParaRPr lang="pt-PT"/>
+          </a:p>
+        </p:txBody>
+      </p:sp>
+      <p:sp>
+        <p:nvSpPr>
+          <p:cNvPr id="5" name="Marcador de Posição do Número do Diapositivo 4"/>
+          <p:cNvSpPr>
+            <a:spLocks noGrp="1"/>
+          </p:cNvSpPr>
+          <p:nvPr>
+            <p:ph type="sldNum" sz="quarter" idx="11"/>
+          </p:nvPr>
+        </p:nvSpPr>
+        <p:spPr/>
+        <p:txBody>
+          <a:bodyPr/>
+          <a:lstStyle/>
+          <a:p>
+            <a:fld id="{01F2A70B-78F2-4DCF-B53B-C990D2FAFB8A}" type="slidenum">
+              <a:rPr lang="pt-PT" smtClean="0"/>
+              <a:t>5</a:t>
+            </a:fld>
+            <a:endParaRPr lang="pt-PT"/>
+          </a:p>
+        </p:txBody>
+      </p:sp>
+    </p:spTree>
+    <p:extLst>
+      <p:ext uri="{BB962C8B-B14F-4D97-AF65-F5344CB8AC3E}">
+        <p14:creationId xmlns:p14="http://schemas.microsoft.com/office/powerpoint/2010/main" val="1482191662"/>
+      </p:ext>
+    </p:extLst>
+  </p:cSld>
+  <p:clrMapOvr>
+    <a:masterClrMapping/>
+  </p:clrMapOvr>
+</p:notes>
+</file>
+
+<file path=ppt/notesSlides/notesSlide6.xml><?xml version="1.0" encoding="utf-8"?>
+<p:notes xmlns:a="http://schemas.openxmlformats.org/drawingml/2006/main" xmlns:r="http://schemas.openxmlformats.org/officeDocument/2006/relationships" xmlns:p="http://schemas.openxmlformats.org/presentationml/2006/main">
+  <p:cSld>
+    <p:spTree>
+      <p:nvGrpSpPr>
+        <p:cNvPr id="1" name=""/>
+        <p:cNvGrpSpPr/>
+        <p:nvPr/>
+      </p:nvGrpSpPr>
+      <p:grpSpPr>
+        <a:xfrm>
+          <a:off x="0" y="0"/>
+          <a:ext cx="0" cy="0"/>
+          <a:chOff x="0" y="0"/>
+          <a:chExt cx="0" cy="0"/>
+        </a:xfrm>
+      </p:grpSpPr>
+      <p:sp>
+        <p:nvSpPr>
+          <p:cNvPr id="2" name="Marcador de Posição da Imagem do Diapositivo 1"/>
+          <p:cNvSpPr>
+            <a:spLocks noGrp="1" noRot="1" noChangeAspect="1"/>
+          </p:cNvSpPr>
+          <p:nvPr>
+            <p:ph type="sldImg"/>
+          </p:nvPr>
+        </p:nvSpPr>
+        <p:spPr/>
+      </p:sp>
+      <p:sp>
+        <p:nvSpPr>
+          <p:cNvPr id="3" name="Marcador de Posição de Notas 2"/>
+          <p:cNvSpPr>
+            <a:spLocks noGrp="1"/>
+          </p:cNvSpPr>
+          <p:nvPr>
+            <p:ph type="body" idx="1"/>
+          </p:nvPr>
+        </p:nvSpPr>
+        <p:spPr/>
+        <p:txBody>
+          <a:bodyPr/>
+          <a:lstStyle/>
+          <a:p>
+            <a:r>
+              <a:rPr lang="pt-PT" sz="1200" kern="1200" dirty="0" smtClean="0">
+                <a:solidFill>
+                  <a:schemeClr val="tx1"/>
+                </a:solidFill>
+                <a:effectLst/>
+                <a:latin typeface="+mn-lt"/>
+                <a:ea typeface="+mn-ea"/>
+                <a:cs typeface="+mn-cs"/>
+              </a:rPr>
+              <a:t>PAIS sem a DISPONIBILIDADE ou CAPACIDADE para AUXILIAR os mais pequenos a fazer os TRABALHOS de casa ou a ESTUDAR.</a:t>
+            </a:r>
+          </a:p>
+          <a:p>
+            <a:r>
+              <a:rPr lang="pt-PT" sz="1200" kern="1200" dirty="0" smtClean="0">
+                <a:solidFill>
+                  <a:schemeClr val="tx1"/>
+                </a:solidFill>
+                <a:effectLst/>
+                <a:latin typeface="+mn-lt"/>
+                <a:ea typeface="+mn-ea"/>
+                <a:cs typeface="+mn-cs"/>
+              </a:rPr>
+              <a:t>Os alunos sentem DIFICULDADES já no 1º ciclo do Ensino Básico </a:t>
+            </a:r>
+          </a:p>
+          <a:p>
+            <a:r>
+              <a:rPr lang="pt-PT" sz="1200" kern="1200" dirty="0" smtClean="0">
+                <a:solidFill>
+                  <a:schemeClr val="tx1"/>
+                </a:solidFill>
+                <a:effectLst/>
+                <a:latin typeface="+mn-lt"/>
+                <a:ea typeface="+mn-ea"/>
+                <a:cs typeface="+mn-cs"/>
+              </a:rPr>
+              <a:t>Tentativa de AJUDAR a RESOLVER este PROBLEMA</a:t>
+            </a:r>
+          </a:p>
+          <a:p>
+            <a:r>
+              <a:rPr lang="pt-PT" sz="1200" kern="1200" dirty="0" smtClean="0">
+                <a:solidFill>
+                  <a:schemeClr val="tx1"/>
+                </a:solidFill>
+                <a:effectLst/>
+                <a:latin typeface="+mn-lt"/>
+                <a:ea typeface="+mn-ea"/>
+                <a:cs typeface="+mn-cs"/>
+              </a:rPr>
+              <a:t>Métodos de ESTUDO mais ATRATIVOS</a:t>
+            </a:r>
+            <a:r>
+              <a:rPr lang="pt-PT" sz="1200" kern="1200" baseline="0" dirty="0" smtClean="0">
+                <a:solidFill>
+                  <a:schemeClr val="tx1"/>
+                </a:solidFill>
+                <a:effectLst/>
+                <a:latin typeface="+mn-lt"/>
+                <a:ea typeface="+mn-ea"/>
+                <a:cs typeface="+mn-cs"/>
+              </a:rPr>
+              <a:t> </a:t>
+            </a:r>
+            <a:r>
+              <a:rPr lang="pt-PT" sz="1200" kern="1200" dirty="0" smtClean="0">
+                <a:solidFill>
+                  <a:schemeClr val="tx1"/>
+                </a:solidFill>
+                <a:effectLst/>
+                <a:latin typeface="+mn-lt"/>
+                <a:ea typeface="+mn-ea"/>
+                <a:cs typeface="+mn-cs"/>
+              </a:rPr>
+              <a:t>e EFICAZES</a:t>
+            </a:r>
+            <a:r>
+              <a:rPr lang="pt-PT" sz="1200" kern="1200" baseline="0" dirty="0" smtClean="0">
+                <a:solidFill>
+                  <a:schemeClr val="tx1"/>
+                </a:solidFill>
+                <a:effectLst/>
+                <a:latin typeface="+mn-lt"/>
+                <a:ea typeface="+mn-ea"/>
+                <a:cs typeface="+mn-cs"/>
+              </a:rPr>
+              <a:t> </a:t>
+            </a:r>
+            <a:r>
+              <a:rPr lang="pt-PT" sz="1200" kern="1200" dirty="0" smtClean="0">
+                <a:solidFill>
+                  <a:schemeClr val="tx1"/>
+                </a:solidFill>
+                <a:effectLst/>
+                <a:latin typeface="+mn-lt"/>
+                <a:ea typeface="+mn-ea"/>
+                <a:cs typeface="+mn-cs"/>
+              </a:rPr>
+              <a:t>por forma a CONDUZIR a um MAIOR</a:t>
+            </a:r>
+            <a:r>
+              <a:rPr lang="pt-PT" sz="1200" kern="1200" baseline="0" dirty="0" smtClean="0">
+                <a:solidFill>
+                  <a:schemeClr val="tx1"/>
+                </a:solidFill>
+                <a:effectLst/>
+                <a:latin typeface="+mn-lt"/>
+                <a:ea typeface="+mn-ea"/>
+                <a:cs typeface="+mn-cs"/>
+              </a:rPr>
+              <a:t> SUCESSO </a:t>
+            </a:r>
+            <a:r>
+              <a:rPr lang="pt-PT" sz="1200" kern="1200" dirty="0" smtClean="0">
+                <a:solidFill>
+                  <a:schemeClr val="tx1"/>
+                </a:solidFill>
+                <a:effectLst/>
+                <a:latin typeface="+mn-lt"/>
+                <a:ea typeface="+mn-ea"/>
+                <a:cs typeface="+mn-cs"/>
+              </a:rPr>
+              <a:t>escolar. </a:t>
+            </a:r>
+            <a:endParaRPr lang="pt-PT" dirty="0"/>
+          </a:p>
+        </p:txBody>
+      </p:sp>
+      <p:sp>
+        <p:nvSpPr>
+          <p:cNvPr id="4" name="Marcador de Posição da Data 3"/>
+          <p:cNvSpPr>
+            <a:spLocks noGrp="1"/>
+          </p:cNvSpPr>
+          <p:nvPr>
+            <p:ph type="dt" idx="10"/>
+          </p:nvPr>
+        </p:nvSpPr>
+        <p:spPr/>
+        <p:txBody>
+          <a:bodyPr/>
+          <a:lstStyle/>
+          <a:p>
+            <a:fld id="{4CEE548C-493F-4FD1-9ECB-917AA81544ED}" type="datetime1">
+              <a:rPr lang="pt-PT" smtClean="0"/>
+              <a:t>23/03/2015</a:t>
+            </a:fld>
+            <a:endParaRPr lang="pt-PT"/>
+          </a:p>
+        </p:txBody>
+      </p:sp>
+      <p:sp>
+        <p:nvSpPr>
+          <p:cNvPr id="5" name="Marcador de Posição do Número do Diapositivo 4"/>
+          <p:cNvSpPr>
+            <a:spLocks noGrp="1"/>
+          </p:cNvSpPr>
+          <p:nvPr>
+            <p:ph type="sldNum" sz="quarter" idx="11"/>
+          </p:nvPr>
+        </p:nvSpPr>
+        <p:spPr/>
+        <p:txBody>
+          <a:bodyPr/>
+          <a:lstStyle/>
+          <a:p>
+            <a:fld id="{01F2A70B-78F2-4DCF-B53B-C990D2FAFB8A}" type="slidenum">
+              <a:rPr lang="pt-PT" smtClean="0"/>
+              <a:t>6</a:t>
+            </a:fld>
+            <a:endParaRPr lang="pt-PT"/>
+          </a:p>
+        </p:txBody>
+      </p:sp>
+    </p:spTree>
+    <p:extLst>
+      <p:ext uri="{BB962C8B-B14F-4D97-AF65-F5344CB8AC3E}">
+        <p14:creationId xmlns:p14="http://schemas.microsoft.com/office/powerpoint/2010/main" val="1513675098"/>
+      </p:ext>
+    </p:extLst>
+  </p:cSld>
+  <p:clrMapOvr>
+    <a:masterClrMapping/>
+  </p:clrMapOvr>
+</p:notes>
+</file>
+
+<file path=ppt/notesSlides/notesSlide7.xml><?xml version="1.0" encoding="utf-8"?>
+<p:notes xmlns:a="http://schemas.openxmlformats.org/drawingml/2006/main" xmlns:r="http://schemas.openxmlformats.org/officeDocument/2006/relationships" xmlns:p="http://schemas.openxmlformats.org/presentationml/2006/main">
+  <p:cSld>
+    <p:spTree>
+      <p:nvGrpSpPr>
+        <p:cNvPr id="1" name=""/>
+        <p:cNvGrpSpPr/>
+        <p:nvPr/>
+      </p:nvGrpSpPr>
+      <p:grpSpPr>
+        <a:xfrm>
+          <a:off x="0" y="0"/>
+          <a:ext cx="0" cy="0"/>
+          <a:chOff x="0" y="0"/>
+          <a:chExt cx="0" cy="0"/>
+        </a:xfrm>
+      </p:grpSpPr>
+      <p:sp>
+        <p:nvSpPr>
+          <p:cNvPr id="2" name="Marcador de Posição da Imagem do Diapositivo 1"/>
+          <p:cNvSpPr>
+            <a:spLocks noGrp="1" noRot="1" noChangeAspect="1"/>
+          </p:cNvSpPr>
+          <p:nvPr>
+            <p:ph type="sldImg"/>
+          </p:nvPr>
+        </p:nvSpPr>
+        <p:spPr/>
+      </p:sp>
+      <p:sp>
+        <p:nvSpPr>
+          <p:cNvPr id="3" name="Marcador de Posição de Notas 2"/>
+          <p:cNvSpPr>
+            <a:spLocks noGrp="1"/>
+          </p:cNvSpPr>
+          <p:nvPr>
+            <p:ph type="body" idx="1"/>
+          </p:nvPr>
+        </p:nvSpPr>
+        <p:spPr/>
+        <p:txBody>
+          <a:bodyPr/>
+          <a:lstStyle/>
+          <a:p>
+            <a:r>
+              <a:rPr lang="pt-PT" sz="1200" kern="1200" dirty="0" smtClean="0">
+                <a:solidFill>
+                  <a:schemeClr val="tx1"/>
+                </a:solidFill>
+                <a:effectLst/>
+                <a:latin typeface="+mn-lt"/>
+                <a:ea typeface="+mn-ea"/>
+                <a:cs typeface="+mn-cs"/>
+              </a:rPr>
+              <a:t>PERÍMETROS de figuras geométricas e </a:t>
+            </a:r>
+            <a:r>
+              <a:rPr lang="pt-PT" sz="1200" kern="1200" baseline="0" dirty="0" smtClean="0">
+                <a:solidFill>
+                  <a:schemeClr val="tx1"/>
+                </a:solidFill>
+                <a:effectLst/>
+                <a:latin typeface="+mn-lt"/>
+                <a:ea typeface="+mn-ea"/>
+                <a:cs typeface="+mn-cs"/>
+              </a:rPr>
+              <a:t>MEDIDAS.</a:t>
+            </a:r>
+          </a:p>
+          <a:p>
+            <a:pPr marL="0" marR="0" indent="0" algn="l" defTabSz="914400" rtl="0" eaLnBrk="1" fontAlgn="auto" latinLnBrk="0" hangingPunct="1">
+              <a:lnSpc>
+                <a:spcPct val="100000"/>
+              </a:lnSpc>
+              <a:spcBef>
+                <a:spcPts val="0"/>
+              </a:spcBef>
+              <a:spcAft>
+                <a:spcPts val="0"/>
+              </a:spcAft>
+              <a:buClrTx/>
+              <a:buSzTx/>
+              <a:buFontTx/>
+              <a:buNone/>
+              <a:tabLst/>
+              <a:defRPr/>
+            </a:pPr>
+            <a:r>
+              <a:rPr lang="pt-PT" sz="1200" kern="1200" dirty="0" smtClean="0">
+                <a:solidFill>
+                  <a:schemeClr val="tx1"/>
+                </a:solidFill>
+                <a:effectLst/>
+                <a:latin typeface="+mn-lt"/>
+                <a:ea typeface="+mn-ea"/>
+                <a:cs typeface="+mn-cs"/>
+              </a:rPr>
+              <a:t>As AULAS através</a:t>
+            </a:r>
+            <a:r>
+              <a:rPr lang="pt-PT" sz="1200" kern="1200" baseline="0" dirty="0" smtClean="0">
+                <a:solidFill>
+                  <a:schemeClr val="tx1"/>
+                </a:solidFill>
+                <a:effectLst/>
+                <a:latin typeface="+mn-lt"/>
+                <a:ea typeface="+mn-ea"/>
+                <a:cs typeface="+mn-cs"/>
+              </a:rPr>
+              <a:t> de</a:t>
+            </a:r>
+            <a:r>
+              <a:rPr lang="pt-PT" sz="1200" kern="1200" dirty="0" smtClean="0">
+                <a:solidFill>
+                  <a:schemeClr val="tx1"/>
+                </a:solidFill>
+                <a:effectLst/>
+                <a:latin typeface="+mn-lt"/>
+                <a:ea typeface="+mn-ea"/>
+                <a:cs typeface="+mn-cs"/>
+              </a:rPr>
+              <a:t> MULTIMÉDIA.</a:t>
+            </a:r>
+          </a:p>
+          <a:p>
+            <a:r>
+              <a:rPr lang="pt-PT" sz="1200" kern="1200" dirty="0" smtClean="0">
+                <a:solidFill>
+                  <a:schemeClr val="tx1"/>
+                </a:solidFill>
+                <a:effectLst/>
+                <a:latin typeface="+mn-lt"/>
+                <a:ea typeface="+mn-ea"/>
+                <a:cs typeface="+mn-cs"/>
+              </a:rPr>
+              <a:t>Os EXERCÍCIOS e os TESTES dão</a:t>
+            </a:r>
+            <a:r>
+              <a:rPr lang="pt-PT" sz="1200" kern="1200" baseline="0" dirty="0" smtClean="0">
+                <a:solidFill>
+                  <a:schemeClr val="tx1"/>
+                </a:solidFill>
+                <a:effectLst/>
+                <a:latin typeface="+mn-lt"/>
+                <a:ea typeface="+mn-ea"/>
+                <a:cs typeface="+mn-cs"/>
+              </a:rPr>
+              <a:t> NOÇÃO.</a:t>
+            </a:r>
+            <a:endParaRPr lang="pt-PT" sz="1200" kern="1200" dirty="0" smtClean="0">
+              <a:solidFill>
+                <a:schemeClr val="tx1"/>
+              </a:solidFill>
+              <a:effectLst/>
+              <a:latin typeface="+mn-lt"/>
+              <a:ea typeface="+mn-ea"/>
+              <a:cs typeface="+mn-cs"/>
+            </a:endParaRPr>
+          </a:p>
+          <a:p>
+            <a:pPr marL="0" marR="0" indent="0" algn="l" defTabSz="914400" rtl="0" eaLnBrk="1" fontAlgn="auto" latinLnBrk="0" hangingPunct="1">
+              <a:lnSpc>
+                <a:spcPct val="100000"/>
+              </a:lnSpc>
+              <a:spcBef>
+                <a:spcPts val="0"/>
+              </a:spcBef>
+              <a:spcAft>
+                <a:spcPts val="0"/>
+              </a:spcAft>
+              <a:buClrTx/>
+              <a:buSzTx/>
+              <a:buFontTx/>
+              <a:buNone/>
+              <a:tabLst/>
+              <a:defRPr/>
+            </a:pPr>
+            <a:r>
+              <a:rPr lang="pt-PT" sz="1200" kern="1200" dirty="0" smtClean="0">
+                <a:solidFill>
+                  <a:schemeClr val="tx1"/>
+                </a:solidFill>
+                <a:effectLst/>
+                <a:latin typeface="+mn-lt"/>
+                <a:ea typeface="+mn-ea"/>
+                <a:cs typeface="+mn-cs"/>
+              </a:rPr>
+              <a:t>Exercícios e testes NIVEIS DE DIFICULDADE, sendo que os MAIS AVANÇADOS só estarão acessíveis quando o aluno</a:t>
+            </a:r>
+            <a:r>
+              <a:rPr lang="pt-PT" sz="1200" kern="1200" baseline="0" dirty="0" smtClean="0">
+                <a:solidFill>
+                  <a:schemeClr val="tx1"/>
+                </a:solidFill>
+                <a:effectLst/>
+                <a:latin typeface="+mn-lt"/>
+                <a:ea typeface="+mn-ea"/>
+                <a:cs typeface="+mn-cs"/>
+              </a:rPr>
+              <a:t> estiver </a:t>
+            </a:r>
+            <a:r>
+              <a:rPr lang="pt-PT" sz="1200" kern="1200" dirty="0" smtClean="0">
+                <a:solidFill>
+                  <a:schemeClr val="tx1"/>
+                </a:solidFill>
+                <a:effectLst/>
+                <a:latin typeface="+mn-lt"/>
+                <a:ea typeface="+mn-ea"/>
+                <a:cs typeface="+mn-cs"/>
+              </a:rPr>
+              <a:t>BEM PREPARAD</a:t>
+            </a:r>
+            <a:r>
+              <a:rPr lang="pt-PT" sz="1200" kern="1200" baseline="0" dirty="0" smtClean="0">
+                <a:solidFill>
+                  <a:schemeClr val="tx1"/>
+                </a:solidFill>
+                <a:effectLst/>
+                <a:latin typeface="+mn-lt"/>
+                <a:ea typeface="+mn-ea"/>
+                <a:cs typeface="+mn-cs"/>
+              </a:rPr>
+              <a:t>O.</a:t>
+            </a:r>
+            <a:endParaRPr lang="pt-PT" sz="1200" kern="1200" dirty="0" smtClean="0">
+              <a:solidFill>
+                <a:schemeClr val="tx1"/>
+              </a:solidFill>
+              <a:effectLst/>
+              <a:latin typeface="+mn-lt"/>
+              <a:ea typeface="+mn-ea"/>
+              <a:cs typeface="+mn-cs"/>
+            </a:endParaRPr>
+          </a:p>
+          <a:p>
+            <a:r>
+              <a:rPr lang="pt-PT" sz="1200" kern="1200" dirty="0" smtClean="0">
+                <a:solidFill>
+                  <a:schemeClr val="tx1"/>
+                </a:solidFill>
+                <a:effectLst/>
+                <a:latin typeface="+mn-lt"/>
+                <a:ea typeface="+mn-ea"/>
+                <a:cs typeface="+mn-cs"/>
+              </a:rPr>
+              <a:t>O sistema disponibiliza PROGRESSO</a:t>
+            </a:r>
+            <a:r>
+              <a:rPr lang="pt-PT" sz="1200" kern="1200" baseline="0" dirty="0" smtClean="0">
+                <a:solidFill>
+                  <a:schemeClr val="tx1"/>
+                </a:solidFill>
+                <a:effectLst/>
+                <a:latin typeface="+mn-lt"/>
+                <a:ea typeface="+mn-ea"/>
+                <a:cs typeface="+mn-cs"/>
+              </a:rPr>
+              <a:t> do utilizador</a:t>
+            </a:r>
+            <a:r>
+              <a:rPr lang="pt-PT" sz="1200" kern="1200" dirty="0" smtClean="0">
+                <a:solidFill>
+                  <a:schemeClr val="tx1"/>
+                </a:solidFill>
+                <a:effectLst/>
+                <a:latin typeface="+mn-lt"/>
+                <a:ea typeface="+mn-ea"/>
+                <a:cs typeface="+mn-cs"/>
+              </a:rPr>
+              <a:t> </a:t>
+            </a:r>
+            <a:endParaRPr lang="pt-PT" dirty="0"/>
+          </a:p>
+        </p:txBody>
+      </p:sp>
+      <p:sp>
+        <p:nvSpPr>
+          <p:cNvPr id="4" name="Marcador de Posição da Data 3"/>
+          <p:cNvSpPr>
+            <a:spLocks noGrp="1"/>
+          </p:cNvSpPr>
+          <p:nvPr>
+            <p:ph type="dt" idx="10"/>
+          </p:nvPr>
+        </p:nvSpPr>
+        <p:spPr/>
+        <p:txBody>
+          <a:bodyPr/>
+          <a:lstStyle/>
+          <a:p>
+            <a:fld id="{4CEE548C-493F-4FD1-9ECB-917AA81544ED}" type="datetime1">
+              <a:rPr lang="pt-PT" smtClean="0"/>
+              <a:t>23/03/2015</a:t>
+            </a:fld>
+            <a:endParaRPr lang="pt-PT"/>
+          </a:p>
+        </p:txBody>
+      </p:sp>
+      <p:sp>
+        <p:nvSpPr>
+          <p:cNvPr id="5" name="Marcador de Posição do Número do Diapositivo 4"/>
+          <p:cNvSpPr>
+            <a:spLocks noGrp="1"/>
+          </p:cNvSpPr>
+          <p:nvPr>
+            <p:ph type="sldNum" sz="quarter" idx="11"/>
+          </p:nvPr>
+        </p:nvSpPr>
+        <p:spPr/>
+        <p:txBody>
+          <a:bodyPr/>
+          <a:lstStyle/>
+          <a:p>
+            <a:fld id="{01F2A70B-78F2-4DCF-B53B-C990D2FAFB8A}" type="slidenum">
+              <a:rPr lang="pt-PT" smtClean="0"/>
+              <a:t>7</a:t>
+            </a:fld>
+            <a:endParaRPr lang="pt-PT"/>
+          </a:p>
+        </p:txBody>
+      </p:sp>
+    </p:spTree>
+    <p:extLst>
+      <p:ext uri="{BB962C8B-B14F-4D97-AF65-F5344CB8AC3E}">
+        <p14:creationId xmlns:p14="http://schemas.microsoft.com/office/powerpoint/2010/main" val="2460270616"/>
+      </p:ext>
+    </p:extLst>
+  </p:cSld>
+  <p:clrMapOvr>
+    <a:masterClrMapping/>
+  </p:clrMapOvr>
+</p:notes>
+</file>
+
+<file path=ppt/notesSlides/notesSlide8.xml><?xml version="1.0" encoding="utf-8"?>
+<p:notes xmlns:a="http://schemas.openxmlformats.org/drawingml/2006/main" xmlns:r="http://schemas.openxmlformats.org/officeDocument/2006/relationships" xmlns:p="http://schemas.openxmlformats.org/presentationml/2006/main">
+  <p:cSld>
+    <p:spTree>
+      <p:nvGrpSpPr>
+        <p:cNvPr id="1" name=""/>
+        <p:cNvGrpSpPr/>
+        <p:nvPr/>
+      </p:nvGrpSpPr>
+      <p:grpSpPr>
+        <a:xfrm>
+          <a:off x="0" y="0"/>
+          <a:ext cx="0" cy="0"/>
+          <a:chOff x="0" y="0"/>
+          <a:chExt cx="0" cy="0"/>
+        </a:xfrm>
+      </p:grpSpPr>
+      <p:sp>
+        <p:nvSpPr>
+          <p:cNvPr id="2" name="Marcador de Posição da Imagem do Diapositivo 1"/>
+          <p:cNvSpPr>
+            <a:spLocks noGrp="1" noRot="1" noChangeAspect="1"/>
+          </p:cNvSpPr>
+          <p:nvPr>
+            <p:ph type="sldImg"/>
+          </p:nvPr>
+        </p:nvSpPr>
+        <p:spPr/>
+      </p:sp>
+      <p:sp>
+        <p:nvSpPr>
+          <p:cNvPr id="3" name="Marcador de Posição de Notas 2"/>
+          <p:cNvSpPr>
+            <a:spLocks noGrp="1"/>
+          </p:cNvSpPr>
+          <p:nvPr>
+            <p:ph type="body" idx="1"/>
+          </p:nvPr>
+        </p:nvSpPr>
+        <p:spPr/>
+        <p:txBody>
+          <a:bodyPr/>
+          <a:lstStyle/>
+          <a:p>
+            <a:endParaRPr lang="pt-PT" dirty="0"/>
+          </a:p>
+        </p:txBody>
+      </p:sp>
+      <p:sp>
+        <p:nvSpPr>
+          <p:cNvPr id="4" name="Marcador de Posição da Data 3"/>
+          <p:cNvSpPr>
+            <a:spLocks noGrp="1"/>
+          </p:cNvSpPr>
+          <p:nvPr>
+            <p:ph type="dt" idx="10"/>
+          </p:nvPr>
+        </p:nvSpPr>
+        <p:spPr/>
+        <p:txBody>
+          <a:bodyPr/>
+          <a:lstStyle/>
+          <a:p>
+            <a:fld id="{4CEE548C-493F-4FD1-9ECB-917AA81544ED}" type="datetime1">
+              <a:rPr lang="pt-PT" smtClean="0"/>
+              <a:t>23/03/2015</a:t>
+            </a:fld>
+            <a:endParaRPr lang="pt-PT"/>
+          </a:p>
+        </p:txBody>
+      </p:sp>
+      <p:sp>
+        <p:nvSpPr>
+          <p:cNvPr id="5" name="Marcador de Posição do Número do Diapositivo 4"/>
+          <p:cNvSpPr>
+            <a:spLocks noGrp="1"/>
+          </p:cNvSpPr>
+          <p:nvPr>
+            <p:ph type="sldNum" sz="quarter" idx="11"/>
+          </p:nvPr>
+        </p:nvSpPr>
+        <p:spPr/>
+        <p:txBody>
+          <a:bodyPr/>
+          <a:lstStyle/>
+          <a:p>
+            <a:fld id="{01F2A70B-78F2-4DCF-B53B-C990D2FAFB8A}" type="slidenum">
+              <a:rPr lang="pt-PT" smtClean="0"/>
+              <a:t>8</a:t>
+            </a:fld>
+            <a:endParaRPr lang="pt-PT"/>
+          </a:p>
+        </p:txBody>
+      </p:sp>
+    </p:spTree>
+    <p:extLst>
+      <p:ext uri="{BB962C8B-B14F-4D97-AF65-F5344CB8AC3E}">
+        <p14:creationId xmlns:p14="http://schemas.microsoft.com/office/powerpoint/2010/main" val="2816242835"/>
+      </p:ext>
+    </p:extLst>
+  </p:cSld>
+  <p:clrMapOvr>
+    <a:masterClrMapping/>
+  </p:clrMapOvr>
+</p:notes>
+</file>
+
+<file path=ppt/notesSlides/notesSlide9.xml><?xml version="1.0" encoding="utf-8"?>
+<p:notes xmlns:a="http://schemas.openxmlformats.org/drawingml/2006/main" xmlns:r="http://schemas.openxmlformats.org/officeDocument/2006/relationships" xmlns:p="http://schemas.openxmlformats.org/presentationml/2006/main">
+  <p:cSld>
+    <p:spTree>
+      <p:nvGrpSpPr>
+        <p:cNvPr id="1" name=""/>
+        <p:cNvGrpSpPr/>
+        <p:nvPr/>
+      </p:nvGrpSpPr>
+      <p:grpSpPr>
+        <a:xfrm>
+          <a:off x="0" y="0"/>
+          <a:ext cx="0" cy="0"/>
+          <a:chOff x="0" y="0"/>
+          <a:chExt cx="0" cy="0"/>
+        </a:xfrm>
+      </p:grpSpPr>
+      <p:sp>
+        <p:nvSpPr>
+          <p:cNvPr id="2" name="Marcador de Posição da Imagem do Diapositivo 1"/>
+          <p:cNvSpPr>
+            <a:spLocks noGrp="1" noRot="1" noChangeAspect="1"/>
+          </p:cNvSpPr>
+          <p:nvPr>
+            <p:ph type="sldImg"/>
+          </p:nvPr>
+        </p:nvSpPr>
+        <p:spPr/>
+      </p:sp>
+      <p:sp>
+        <p:nvSpPr>
+          <p:cNvPr id="3" name="Marcador de Posição de Notas 2"/>
+          <p:cNvSpPr>
+            <a:spLocks noGrp="1"/>
+          </p:cNvSpPr>
+          <p:nvPr>
+            <p:ph type="body" idx="1"/>
+          </p:nvPr>
+        </p:nvSpPr>
+        <p:spPr/>
+        <p:txBody>
+          <a:bodyPr/>
+          <a:lstStyle/>
+          <a:p>
+            <a:pPr marL="0" marR="0" indent="0" algn="l" defTabSz="914400" rtl="0" eaLnBrk="1" fontAlgn="auto" latinLnBrk="0" hangingPunct="1">
+              <a:lnSpc>
+                <a:spcPct val="100000"/>
+              </a:lnSpc>
+              <a:spcBef>
+                <a:spcPts val="0"/>
+              </a:spcBef>
+              <a:spcAft>
+                <a:spcPts val="0"/>
+              </a:spcAft>
+              <a:buClrTx/>
+              <a:buSzTx/>
+              <a:buFontTx/>
+              <a:buNone/>
+              <a:tabLst/>
+              <a:defRPr/>
+            </a:pPr>
+            <a:r>
+              <a:rPr lang="pt-PT" sz="1200" kern="1200" dirty="0" smtClean="0">
+                <a:solidFill>
+                  <a:schemeClr val="tx1"/>
+                </a:solidFill>
+                <a:effectLst/>
+                <a:latin typeface="+mn-lt"/>
+                <a:ea typeface="+mn-ea"/>
+                <a:cs typeface="+mn-cs"/>
+              </a:rPr>
+              <a:t>Esboço do que achamos que poderá ser a INTERFACE</a:t>
+            </a:r>
+            <a:r>
+              <a:rPr lang="pt-PT" sz="1200" kern="1200" baseline="0" dirty="0" smtClean="0">
+                <a:solidFill>
+                  <a:schemeClr val="tx1"/>
+                </a:solidFill>
+                <a:effectLst/>
+                <a:latin typeface="+mn-lt"/>
+                <a:ea typeface="+mn-ea"/>
+                <a:cs typeface="+mn-cs"/>
+              </a:rPr>
+              <a:t> </a:t>
+            </a:r>
+            <a:r>
+              <a:rPr lang="pt-PT" sz="1200" kern="1200" dirty="0" smtClean="0">
+                <a:solidFill>
+                  <a:schemeClr val="tx1"/>
+                </a:solidFill>
+                <a:effectLst/>
+                <a:latin typeface="+mn-lt"/>
+                <a:ea typeface="+mn-ea"/>
+                <a:cs typeface="+mn-cs"/>
+              </a:rPr>
+              <a:t>do nosso Assistente Pedagógico</a:t>
+            </a:r>
+            <a:endParaRPr lang="pt-PT" dirty="0" smtClean="0"/>
+          </a:p>
+          <a:p>
+            <a:r>
+              <a:rPr lang="pt-PT" sz="1200" kern="1200" dirty="0" smtClean="0">
+                <a:solidFill>
+                  <a:schemeClr val="tx1"/>
+                </a:solidFill>
+                <a:effectLst/>
+                <a:latin typeface="+mn-lt"/>
+                <a:ea typeface="+mn-ea"/>
+                <a:cs typeface="+mn-cs"/>
+              </a:rPr>
+              <a:t>Figura bastante conhecida das crianças:</a:t>
+            </a:r>
+            <a:r>
+              <a:rPr lang="pt-PT" sz="1200" kern="1200" baseline="0" dirty="0" smtClean="0">
+                <a:solidFill>
+                  <a:schemeClr val="tx1"/>
+                </a:solidFill>
+                <a:effectLst/>
+                <a:latin typeface="+mn-lt"/>
+                <a:ea typeface="+mn-ea"/>
+                <a:cs typeface="+mn-cs"/>
+              </a:rPr>
+              <a:t> o nosso tutor </a:t>
+            </a:r>
+            <a:r>
+              <a:rPr lang="pt-PT" sz="1200" i="1" kern="1200" dirty="0" err="1" smtClean="0">
+                <a:solidFill>
+                  <a:schemeClr val="tx1"/>
+                </a:solidFill>
+                <a:effectLst/>
+                <a:latin typeface="+mn-lt"/>
+                <a:ea typeface="+mn-ea"/>
+                <a:cs typeface="+mn-cs"/>
+              </a:rPr>
+              <a:t>Minion</a:t>
+            </a:r>
+            <a:endParaRPr lang="pt-PT" sz="1200" i="1" kern="1200" dirty="0" smtClean="0">
+              <a:solidFill>
+                <a:schemeClr val="tx1"/>
+              </a:solidFill>
+              <a:effectLst/>
+              <a:latin typeface="+mn-lt"/>
+              <a:ea typeface="+mn-ea"/>
+              <a:cs typeface="+mn-cs"/>
+            </a:endParaRPr>
+          </a:p>
+          <a:p>
+            <a:pPr marL="0" marR="0" indent="0" algn="l" defTabSz="914400" rtl="0" eaLnBrk="1" fontAlgn="auto" latinLnBrk="0" hangingPunct="1">
+              <a:lnSpc>
+                <a:spcPct val="100000"/>
+              </a:lnSpc>
+              <a:spcBef>
+                <a:spcPts val="0"/>
+              </a:spcBef>
+              <a:spcAft>
+                <a:spcPts val="0"/>
+              </a:spcAft>
+              <a:buClrTx/>
+              <a:buSzTx/>
+              <a:buFontTx/>
+              <a:buNone/>
+              <a:tabLst/>
+              <a:defRPr/>
+            </a:pPr>
+            <a:r>
+              <a:rPr lang="pt-PT" sz="1200" kern="1200" dirty="0" smtClean="0">
+                <a:solidFill>
+                  <a:schemeClr val="tx1"/>
+                </a:solidFill>
+                <a:effectLst/>
+                <a:latin typeface="+mn-lt"/>
+                <a:ea typeface="+mn-ea"/>
+                <a:cs typeface="+mn-cs"/>
+              </a:rPr>
+              <a:t>Mais FÁCIL CATIVAR os mais PEQUENOS.</a:t>
+            </a:r>
+          </a:p>
+          <a:p>
+            <a:endParaRPr lang="pt-PT" dirty="0"/>
+          </a:p>
+        </p:txBody>
+      </p:sp>
+      <p:sp>
+        <p:nvSpPr>
+          <p:cNvPr id="4" name="Marcador de Posição da Data 3"/>
+          <p:cNvSpPr>
+            <a:spLocks noGrp="1"/>
+          </p:cNvSpPr>
+          <p:nvPr>
+            <p:ph type="dt" idx="10"/>
+          </p:nvPr>
+        </p:nvSpPr>
+        <p:spPr/>
+        <p:txBody>
+          <a:bodyPr/>
+          <a:lstStyle/>
+          <a:p>
+            <a:fld id="{4CEE548C-493F-4FD1-9ECB-917AA81544ED}" type="datetime1">
+              <a:rPr lang="pt-PT" smtClean="0"/>
+              <a:t>23/03/2015</a:t>
+            </a:fld>
+            <a:endParaRPr lang="pt-PT"/>
+          </a:p>
+        </p:txBody>
+      </p:sp>
+      <p:sp>
+        <p:nvSpPr>
+          <p:cNvPr id="5" name="Marcador de Posição do Número do Diapositivo 4"/>
+          <p:cNvSpPr>
+            <a:spLocks noGrp="1"/>
+          </p:cNvSpPr>
+          <p:nvPr>
+            <p:ph type="sldNum" sz="quarter" idx="11"/>
+          </p:nvPr>
+        </p:nvSpPr>
+        <p:spPr/>
+        <p:txBody>
+          <a:bodyPr/>
+          <a:lstStyle/>
+          <a:p>
+            <a:fld id="{01F2A70B-78F2-4DCF-B53B-C990D2FAFB8A}" type="slidenum">
+              <a:rPr lang="pt-PT" smtClean="0"/>
+              <a:t>9</a:t>
+            </a:fld>
+            <a:endParaRPr lang="pt-PT"/>
+          </a:p>
+        </p:txBody>
+      </p:sp>
+    </p:spTree>
+    <p:extLst>
+      <p:ext uri="{BB962C8B-B14F-4D97-AF65-F5344CB8AC3E}">
+        <p14:creationId xmlns:p14="http://schemas.microsoft.com/office/powerpoint/2010/main" val="2957719370"/>
       </p:ext>
     </p:extLst>
   </p:cSld>
@@ -8955,17 +10419,20 @@
         </p:nvSpPr>
         <p:spPr>
           <a:xfrm>
-            <a:off x="333772" y="4725144"/>
-            <a:ext cx="4392488" cy="1512168"/>
+            <a:off x="131873" y="4437112"/>
+            <a:ext cx="4392488" cy="1800200"/>
           </a:xfrm>
         </p:spPr>
         <p:txBody>
           <a:bodyPr>
-            <a:normAutofit fontScale="85000" lnSpcReduction="20000"/>
+            <a:normAutofit fontScale="77500" lnSpcReduction="20000"/>
           </a:bodyPr>
           <a:lstStyle/>
           <a:p>
             <a:pPr marL="0" indent="0" algn="l">
+              <a:lnSpc>
+                <a:spcPct val="120000"/>
+              </a:lnSpc>
               <a:spcBef>
                 <a:spcPts val="0"/>
               </a:spcBef>
@@ -8983,6 +10450,9 @@
           </a:p>
           <a:p>
             <a:pPr marL="0" indent="0" algn="l">
+              <a:lnSpc>
+                <a:spcPct val="120000"/>
+              </a:lnSpc>
               <a:spcBef>
                 <a:spcPts val="0"/>
               </a:spcBef>
@@ -9000,6 +10470,9 @@
           </a:p>
           <a:p>
             <a:pPr marL="0" indent="0" algn="l">
+              <a:lnSpc>
+                <a:spcPct val="120000"/>
+              </a:lnSpc>
               <a:spcBef>
                 <a:spcPts val="0"/>
               </a:spcBef>
@@ -9017,6 +10490,9 @@
           </a:p>
           <a:p>
             <a:pPr marL="0" indent="0" algn="l">
+              <a:lnSpc>
+                <a:spcPct val="120000"/>
+              </a:lnSpc>
               <a:spcBef>
                 <a:spcPts val="0"/>
               </a:spcBef>
@@ -9034,6 +10510,9 @@
           </a:p>
           <a:p>
             <a:pPr marL="0" indent="0" algn="l">
+              <a:lnSpc>
+                <a:spcPct val="120000"/>
+              </a:lnSpc>
               <a:spcBef>
                 <a:spcPts val="0"/>
               </a:spcBef>
@@ -9074,7 +10553,7 @@
         </p:nvSpPr>
         <p:spPr>
           <a:xfrm>
-            <a:off x="7570576" y="4940028"/>
+            <a:off x="7402296" y="4437112"/>
             <a:ext cx="4104456" cy="1089529"/>
           </a:xfrm>
           <a:prstGeom prst="rect">
@@ -9467,17 +10946,20 @@
         </p:nvSpPr>
         <p:spPr>
           <a:xfrm>
-            <a:off x="333772" y="4725144"/>
-            <a:ext cx="4392488" cy="1512168"/>
+            <a:off x="288032" y="4517388"/>
+            <a:ext cx="4392488" cy="1759759"/>
           </a:xfrm>
         </p:spPr>
         <p:txBody>
           <a:bodyPr>
-            <a:normAutofit fontScale="85000" lnSpcReduction="20000"/>
+            <a:normAutofit fontScale="77500" lnSpcReduction="20000"/>
           </a:bodyPr>
           <a:lstStyle/>
           <a:p>
             <a:pPr marL="0" indent="0" algn="l">
+              <a:lnSpc>
+                <a:spcPct val="120000"/>
+              </a:lnSpc>
               <a:spcBef>
                 <a:spcPts val="0"/>
               </a:spcBef>
@@ -9495,6 +10977,9 @@
           </a:p>
           <a:p>
             <a:pPr marL="0" indent="0" algn="l">
+              <a:lnSpc>
+                <a:spcPct val="120000"/>
+              </a:lnSpc>
               <a:spcBef>
                 <a:spcPts val="0"/>
               </a:spcBef>
@@ -9512,6 +10997,9 @@
           </a:p>
           <a:p>
             <a:pPr marL="0" indent="0" algn="l">
+              <a:lnSpc>
+                <a:spcPct val="120000"/>
+              </a:lnSpc>
               <a:spcBef>
                 <a:spcPts val="0"/>
               </a:spcBef>
@@ -9529,6 +11017,9 @@
           </a:p>
           <a:p>
             <a:pPr marL="0" indent="0" algn="l">
+              <a:lnSpc>
+                <a:spcPct val="120000"/>
+              </a:lnSpc>
               <a:spcBef>
                 <a:spcPts val="0"/>
               </a:spcBef>
@@ -9546,6 +11037,9 @@
           </a:p>
           <a:p>
             <a:pPr marL="0" indent="0" algn="l">
+              <a:lnSpc>
+                <a:spcPct val="120000"/>
+              </a:lnSpc>
               <a:spcBef>
                 <a:spcPts val="0"/>
               </a:spcBef>
@@ -9586,7 +11080,7 @@
         </p:nvSpPr>
         <p:spPr>
           <a:xfrm>
-            <a:off x="7570576" y="4940028"/>
+            <a:off x="7406208" y="4499711"/>
             <a:ext cx="4104456" cy="1089529"/>
           </a:xfrm>
           <a:prstGeom prst="rect">
@@ -10538,7 +12032,7 @@
             <p:nvPr/>
           </p:nvPicPr>
           <p:blipFill>
-            <a:blip r:embed="rId2" cstate="print">
+            <a:blip r:embed="rId3" cstate="print">
               <a:extLst>
                 <a:ext uri="{28A0092B-C50C-407E-A947-70E740481C1C}">
                   <a14:useLocalDpi xmlns:a14="http://schemas.microsoft.com/office/drawing/2010/main" val="0"/>
@@ -10874,7 +12368,7 @@
             <p:nvPr/>
           </p:nvPicPr>
           <p:blipFill>
-            <a:blip r:embed="rId2" cstate="print">
+            <a:blip r:embed="rId3" cstate="print">
               <a:extLst>
                 <a:ext uri="{28A0092B-C50C-407E-A947-70E740481C1C}">
                   <a14:useLocalDpi xmlns:a14="http://schemas.microsoft.com/office/drawing/2010/main" val="0"/>
@@ -11216,7 +12710,7 @@
             <p:nvPr/>
           </p:nvPicPr>
           <p:blipFill>
-            <a:blip r:embed="rId2" cstate="print">
+            <a:blip r:embed="rId3" cstate="print">
               <a:extLst>
                 <a:ext uri="{28A0092B-C50C-407E-A947-70E740481C1C}">
                   <a14:useLocalDpi xmlns:a14="http://schemas.microsoft.com/office/drawing/2010/main" val="0"/>
@@ -11550,7 +13044,7 @@
             <p:nvPr/>
           </p:nvPicPr>
           <p:blipFill>
-            <a:blip r:embed="rId2" cstate="print">
+            <a:blip r:embed="rId3" cstate="print">
               <a:extLst>
                 <a:ext uri="{28A0092B-C50C-407E-A947-70E740481C1C}">
                   <a14:useLocalDpi xmlns:a14="http://schemas.microsoft.com/office/drawing/2010/main" val="0"/>
@@ -11693,7 +13187,7 @@
         </p:xfrm>
         <a:graphic>
           <a:graphicData uri="http://schemas.openxmlformats.org/drawingml/2006/diagram">
-            <dgm:relIds xmlns:dgm="http://schemas.openxmlformats.org/drawingml/2006/diagram" xmlns:r="http://schemas.openxmlformats.org/officeDocument/2006/relationships" r:dm="rId2" r:lo="rId3" r:qs="rId4" r:cs="rId5"/>
+            <dgm:relIds xmlns:dgm="http://schemas.openxmlformats.org/drawingml/2006/diagram" xmlns:r="http://schemas.openxmlformats.org/officeDocument/2006/relationships" r:dm="rId3" r:lo="rId4" r:qs="rId5" r:cs="rId6"/>
           </a:graphicData>
         </a:graphic>
       </p:graphicFrame>
@@ -11849,7 +13343,7 @@
             <p:nvPr/>
           </p:nvPicPr>
           <p:blipFill>
-            <a:blip r:embed="rId7" cstate="print">
+            <a:blip r:embed="rId8" cstate="print">
               <a:extLst>
                 <a:ext uri="{28A0092B-C50C-407E-A947-70E740481C1C}">
                   <a14:useLocalDpi xmlns:a14="http://schemas.microsoft.com/office/drawing/2010/main" val="0"/>
@@ -11982,7 +13476,7 @@
           </p:nvPr>
         </p:nvPicPr>
         <p:blipFill>
-          <a:blip r:embed="rId2">
+          <a:blip r:embed="rId3">
             <a:extLst>
               <a:ext uri="{28A0092B-C50C-407E-A947-70E740481C1C}">
                 <a14:useLocalDpi xmlns:a14="http://schemas.microsoft.com/office/drawing/2010/main" val="0"/>
@@ -12152,7 +13646,7 @@
             <p:nvPr/>
           </p:nvPicPr>
           <p:blipFill>
-            <a:blip r:embed="rId3" cstate="print">
+            <a:blip r:embed="rId4" cstate="print">
               <a:extLst>
                 <a:ext uri="{28A0092B-C50C-407E-A947-70E740481C1C}">
                   <a14:useLocalDpi xmlns:a14="http://schemas.microsoft.com/office/drawing/2010/main" val="0"/>
@@ -12426,7 +13920,7 @@
             <p:nvPr/>
           </p:nvPicPr>
           <p:blipFill>
-            <a:blip r:embed="rId2" cstate="print">
+            <a:blip r:embed="rId3" cstate="print">
               <a:extLst>
                 <a:ext uri="{28A0092B-C50C-407E-A947-70E740481C1C}">
                   <a14:useLocalDpi xmlns:a14="http://schemas.microsoft.com/office/drawing/2010/main" val="0"/>
@@ -12457,7 +13951,7 @@
           <p:nvPr/>
         </p:nvPicPr>
         <p:blipFill>
-          <a:blip r:embed="rId3">
+          <a:blip r:embed="rId4">
             <a:extLst>
               <a:ext uri="{28A0092B-C50C-407E-A947-70E740481C1C}">
                 <a14:useLocalDpi xmlns:a14="http://schemas.microsoft.com/office/drawing/2010/main" val="0"/>
@@ -12487,7 +13981,7 @@
           <p:nvPr/>
         </p:nvPicPr>
         <p:blipFill>
-          <a:blip r:embed="rId4">
+          <a:blip r:embed="rId5">
             <a:extLst>
               <a:ext uri="{28A0092B-C50C-407E-A947-70E740481C1C}">
                 <a14:useLocalDpi xmlns:a14="http://schemas.microsoft.com/office/drawing/2010/main" val="0"/>
@@ -12517,7 +14011,7 @@
           <p:nvPr/>
         </p:nvPicPr>
         <p:blipFill>
-          <a:blip r:embed="rId5">
+          <a:blip r:embed="rId6">
             <a:extLst>
               <a:ext uri="{28A0092B-C50C-407E-A947-70E740481C1C}">
                 <a14:useLocalDpi xmlns:a14="http://schemas.microsoft.com/office/drawing/2010/main" val="0"/>
@@ -12547,7 +14041,7 @@
           <p:nvPr/>
         </p:nvPicPr>
         <p:blipFill>
-          <a:blip r:embed="rId6">
+          <a:blip r:embed="rId7">
             <a:extLst>
               <a:ext uri="{28A0092B-C50C-407E-A947-70E740481C1C}">
                 <a14:useLocalDpi xmlns:a14="http://schemas.microsoft.com/office/drawing/2010/main" val="0"/>
@@ -12577,7 +14071,7 @@
           <p:nvPr/>
         </p:nvPicPr>
         <p:blipFill>
-          <a:blip r:embed="rId7">
+          <a:blip r:embed="rId8">
             <a:extLst>
               <a:ext uri="{28A0092B-C50C-407E-A947-70E740481C1C}">
                 <a14:useLocalDpi xmlns:a14="http://schemas.microsoft.com/office/drawing/2010/main" val="0"/>

--- a/1ªFase/LI4-Grupo6-Fase1.pptx
+++ b/1ªFase/LI4-Grupo6-Fase1.pptx
@@ -143,7 +143,7 @@
       </p14:sectionLst>
     </p:ext>
     <p:ext uri="{EFAFB233-063F-42B5-8137-9DF3F51BA10A}">
-      <p15:sldGuideLst xmlns:p15="http://schemas.microsoft.com/office/powerpoint/2012/main">
+      <p15:sldGuideLst xmlns:p15="http://schemas.microsoft.com/office/powerpoint/2012/main" xmlns="">
         <p15:guide id="1" orient="horz" pos="2160">
           <p15:clr>
             <a:srgbClr val="A4A3A4"/>
@@ -207,7 +207,7 @@
       </p15:sldGuideLst>
     </p:ext>
     <p:ext uri="{2D200454-40CA-4A62-9FC3-DE9A4176ACB9}">
-      <p15:notesGuideLst xmlns:p15="http://schemas.microsoft.com/office/powerpoint/2012/main">
+      <p15:notesGuideLst xmlns:p15="http://schemas.microsoft.com/office/powerpoint/2012/main" xmlns="">
         <p15:guide id="1" orient="horz" pos="2880">
           <p15:clr>
             <a:srgbClr val="A4A3A4"/>
@@ -1613,12 +1613,12 @@
         </a:fontRef>
       </dsp:style>
       <dsp:txBody>
-        <a:bodyPr spcFirstLastPara="0" vert="horz" wrap="square" lIns="26670" tIns="26670" rIns="26670" bIns="26670" numCol="1" spcCol="1270" anchor="ctr" anchorCtr="0">
+        <a:bodyPr spcFirstLastPara="0" vert="horz" wrap="square" lIns="27940" tIns="27940" rIns="27940" bIns="27940" numCol="1" spcCol="1270" anchor="ctr" anchorCtr="0">
           <a:noAutofit/>
         </a:bodyPr>
         <a:lstStyle/>
         <a:p>
-          <a:pPr lvl="0" algn="ctr" defTabSz="933450">
+          <a:pPr lvl="0" algn="ctr" defTabSz="977900">
             <a:lnSpc>
               <a:spcPct val="90000"/>
             </a:lnSpc>
@@ -1630,10 +1630,10 @@
             </a:spcAft>
           </a:pPr>
           <a:r>
-            <a:rPr lang="pt-PT" sz="2100" kern="1200" dirty="0" smtClean="0"/>
+            <a:rPr lang="pt-PT" sz="2200" kern="1200" dirty="0" smtClean="0"/>
             <a:t>Ensino</a:t>
           </a:r>
-          <a:endParaRPr lang="pt-PT" sz="2100" kern="1200" dirty="0"/>
+          <a:endParaRPr lang="pt-PT" sz="2200" kern="1200" dirty="0"/>
         </a:p>
       </dsp:txBody>
       <dsp:txXfrm>
@@ -4144,7 +4144,7 @@
           <a:p>
             <a:fld id="{3C82C259-0100-4357-933D-27583B746048}" type="datetime1">
               <a:rPr lang="pt-PT" smtClean="0"/>
-              <a:t>23/03/2015</a:t>
+              <a:t>24/03/15</a:t>
             </a:fld>
             <a:endParaRPr/>
           </a:p>
@@ -4210,7 +4210,7 @@
           <a:p>
             <a:fld id="{A850423A-8BCE-448E-A97B-03A88B2B12C1}" type="slidenum">
               <a:rPr/>
-              <a:t>‹nº›</a:t>
+              <a:t>‹#›</a:t>
             </a:fld>
             <a:endParaRPr/>
           </a:p>
@@ -4310,7 +4310,7 @@
           <a:p>
             <a:fld id="{4CEE548C-493F-4FD1-9ECB-917AA81544ED}" type="datetime1">
               <a:rPr lang="pt-PT" smtClean="0"/>
-              <a:t>23/03/2015</a:t>
+              <a:t>24/03/15</a:t>
             </a:fld>
             <a:endParaRPr/>
           </a:p>
@@ -4468,7 +4468,7 @@
           <a:p>
             <a:fld id="{01F2A70B-78F2-4DCF-B53B-C990D2FAFB8A}" type="slidenum">
               <a:rPr/>
-              <a:t>‹nº›</a:t>
+              <a:t>‹#›</a:t>
             </a:fld>
             <a:endParaRPr/>
           </a:p>
@@ -4682,7 +4682,7 @@
           <a:p>
             <a:fld id="{AD07E7F5-D94A-4B9A-9916-8485E0C2D024}" type="datetime1">
               <a:rPr lang="pt-PT" smtClean="0"/>
-              <a:t>23/03/2015</a:t>
+              <a:t>24/03/15</a:t>
             </a:fld>
             <a:endParaRPr lang="pt-PT"/>
           </a:p>
@@ -4789,7 +4789,7 @@
           <a:p>
             <a:fld id="{AD07E7F5-D94A-4B9A-9916-8485E0C2D024}" type="datetime1">
               <a:rPr lang="pt-PT" smtClean="0"/>
-              <a:t>23/03/2015</a:t>
+              <a:t>24/03/15</a:t>
             </a:fld>
             <a:endParaRPr lang="pt-PT"/>
           </a:p>
@@ -4879,7 +4879,235 @@
                 <a:ea typeface="+mn-ea"/>
                 <a:cs typeface="+mn-cs"/>
               </a:rPr>
-              <a:t>O projeto proposto trata-se de um Assistente Pedagógico com o objetivo de auxiliar crianças entre os 8 e os 9 anos de idade (que frequentem o 3º ano de escolaridade) na aprendizagem de um dos tópicos abordados no seu plano de estudos: as figuras geométricas. </a:t>
+              <a:t>O </a:t>
+            </a:r>
+            <a:r>
+              <a:rPr lang="pt-PT" sz="1200" kern="1200" dirty="0" smtClean="0">
+                <a:solidFill>
+                  <a:schemeClr val="tx1"/>
+                </a:solidFill>
+                <a:effectLst/>
+                <a:latin typeface="+mn-lt"/>
+                <a:ea typeface="+mn-ea"/>
+                <a:cs typeface="+mn-cs"/>
+              </a:rPr>
+              <a:t>Projeto que nos foi </a:t>
+            </a:r>
+            <a:r>
+              <a:rPr lang="pt-PT" sz="1200" kern="1200" dirty="0" smtClean="0">
+                <a:solidFill>
+                  <a:schemeClr val="tx1"/>
+                </a:solidFill>
+                <a:effectLst/>
+                <a:latin typeface="+mn-lt"/>
+                <a:ea typeface="+mn-ea"/>
+                <a:cs typeface="+mn-cs"/>
+              </a:rPr>
+              <a:t>proposto </a:t>
+            </a:r>
+            <a:r>
+              <a:rPr lang="pt-PT" sz="1200" kern="1200" dirty="0" smtClean="0">
+                <a:solidFill>
+                  <a:schemeClr val="tx1"/>
+                </a:solidFill>
+                <a:effectLst/>
+                <a:latin typeface="+mn-lt"/>
+                <a:ea typeface="+mn-ea"/>
+                <a:cs typeface="+mn-cs"/>
+              </a:rPr>
+              <a:t>é um </a:t>
+            </a:r>
+            <a:r>
+              <a:rPr lang="pt-PT" sz="1200" kern="1200" dirty="0" smtClean="0">
+                <a:solidFill>
+                  <a:schemeClr val="tx1"/>
+                </a:solidFill>
+                <a:effectLst/>
+                <a:latin typeface="+mn-lt"/>
+                <a:ea typeface="+mn-ea"/>
+                <a:cs typeface="+mn-cs"/>
+              </a:rPr>
+              <a:t>Assistente Pedagógico e decidimos</a:t>
+            </a:r>
+            <a:r>
+              <a:rPr lang="pt-PT" sz="1200" kern="1200" baseline="0" dirty="0" smtClean="0">
+                <a:solidFill>
+                  <a:schemeClr val="tx1"/>
+                </a:solidFill>
+                <a:effectLst/>
+                <a:latin typeface="+mn-lt"/>
+                <a:ea typeface="+mn-ea"/>
+                <a:cs typeface="+mn-cs"/>
+              </a:rPr>
+              <a:t> que o nosso publico alvo ser</a:t>
+            </a:r>
+            <a:r>
+              <a:rPr lang="pt-PT" sz="1200" kern="1200" baseline="0" dirty="0" smtClean="0">
+                <a:solidFill>
+                  <a:schemeClr val="tx1"/>
+                </a:solidFill>
+                <a:effectLst/>
+                <a:latin typeface="+mn-lt"/>
+                <a:ea typeface="+mn-ea"/>
+                <a:cs typeface="+mn-cs"/>
+              </a:rPr>
+              <a:t>ão</a:t>
+            </a:r>
+            <a:r>
+              <a:rPr lang="pt-PT" sz="1200" kern="1200" dirty="0" smtClean="0">
+                <a:solidFill>
+                  <a:schemeClr val="tx1"/>
+                </a:solidFill>
+                <a:effectLst/>
+                <a:latin typeface="+mn-lt"/>
+                <a:ea typeface="+mn-ea"/>
+                <a:cs typeface="+mn-cs"/>
+              </a:rPr>
+              <a:t> </a:t>
+            </a:r>
+            <a:r>
+              <a:rPr lang="pt-PT" sz="1200" kern="1200" dirty="0" smtClean="0">
+                <a:solidFill>
+                  <a:schemeClr val="tx1"/>
+                </a:solidFill>
+                <a:effectLst/>
+                <a:latin typeface="+mn-lt"/>
+                <a:ea typeface="+mn-ea"/>
+                <a:cs typeface="+mn-cs"/>
+              </a:rPr>
+              <a:t>crianças entre os 8 e os 9 anos de idade (que frequentem o 3º ano de escolaridade) </a:t>
+            </a:r>
+            <a:r>
+              <a:rPr lang="pt-PT" sz="1200" kern="1200" dirty="0" smtClean="0">
+                <a:solidFill>
+                  <a:schemeClr val="tx1"/>
+                </a:solidFill>
+                <a:effectLst/>
+                <a:latin typeface="+mn-lt"/>
+                <a:ea typeface="+mn-ea"/>
+                <a:cs typeface="+mn-cs"/>
+              </a:rPr>
+              <a:t>e</a:t>
+            </a:r>
+            <a:r>
+              <a:rPr lang="pt-PT" sz="1200" kern="1200" baseline="0" dirty="0" smtClean="0">
+                <a:solidFill>
+                  <a:schemeClr val="tx1"/>
+                </a:solidFill>
+                <a:effectLst/>
+                <a:latin typeface="+mn-lt"/>
+                <a:ea typeface="+mn-ea"/>
+                <a:cs typeface="+mn-cs"/>
+              </a:rPr>
+              <a:t> tem como objetivo o auxilio </a:t>
+            </a:r>
+            <a:r>
+              <a:rPr lang="pt-PT" sz="1200" kern="1200" dirty="0" smtClean="0">
+                <a:solidFill>
+                  <a:schemeClr val="tx1"/>
+                </a:solidFill>
+                <a:effectLst/>
+                <a:latin typeface="+mn-lt"/>
+                <a:ea typeface="+mn-ea"/>
+                <a:cs typeface="+mn-cs"/>
+              </a:rPr>
+              <a:t>na </a:t>
+            </a:r>
+            <a:r>
+              <a:rPr lang="pt-PT" sz="1200" kern="1200" dirty="0" smtClean="0">
+                <a:solidFill>
+                  <a:schemeClr val="tx1"/>
+                </a:solidFill>
+                <a:effectLst/>
+                <a:latin typeface="+mn-lt"/>
+                <a:ea typeface="+mn-ea"/>
+                <a:cs typeface="+mn-cs"/>
+              </a:rPr>
+              <a:t>aprendizagem de </a:t>
+            </a:r>
+            <a:r>
+              <a:rPr lang="pt-PT" sz="1200" kern="1200" dirty="0" smtClean="0">
+                <a:solidFill>
+                  <a:schemeClr val="tx1"/>
+                </a:solidFill>
+                <a:effectLst/>
+                <a:latin typeface="+mn-lt"/>
+                <a:ea typeface="+mn-ea"/>
+                <a:cs typeface="+mn-cs"/>
+              </a:rPr>
+              <a:t>tópicos </a:t>
+            </a:r>
+            <a:r>
+              <a:rPr lang="pt-PT" sz="1200" kern="1200" dirty="0" smtClean="0">
+                <a:solidFill>
+                  <a:schemeClr val="tx1"/>
+                </a:solidFill>
+                <a:effectLst/>
+                <a:latin typeface="+mn-lt"/>
+                <a:ea typeface="+mn-ea"/>
+                <a:cs typeface="+mn-cs"/>
+              </a:rPr>
+              <a:t>abordados no seu plano de estudos: </a:t>
+            </a:r>
+            <a:r>
+              <a:rPr lang="pt-PT" sz="1200" kern="1200" dirty="0" smtClean="0">
+                <a:solidFill>
+                  <a:schemeClr val="tx1"/>
+                </a:solidFill>
+                <a:effectLst/>
+                <a:latin typeface="+mn-lt"/>
+                <a:ea typeface="+mn-ea"/>
+                <a:cs typeface="+mn-cs"/>
+              </a:rPr>
+              <a:t>a </a:t>
+            </a:r>
+            <a:r>
+              <a:rPr lang="pt-PT" sz="1200" kern="1200" dirty="0" err="1" smtClean="0">
+                <a:solidFill>
+                  <a:schemeClr val="tx1"/>
+                </a:solidFill>
+                <a:effectLst/>
+                <a:latin typeface="+mn-lt"/>
+                <a:ea typeface="+mn-ea"/>
+                <a:cs typeface="+mn-cs"/>
+              </a:rPr>
+              <a:t>matematica</a:t>
+            </a:r>
+            <a:r>
+              <a:rPr lang="pt-PT" sz="1200" kern="1200" baseline="0" dirty="0" smtClean="0">
+                <a:solidFill>
+                  <a:schemeClr val="tx1"/>
+                </a:solidFill>
+                <a:effectLst/>
+                <a:latin typeface="+mn-lt"/>
+                <a:ea typeface="+mn-ea"/>
+                <a:cs typeface="+mn-cs"/>
+              </a:rPr>
+              <a:t> e </a:t>
+            </a:r>
+            <a:r>
+              <a:rPr lang="pt-PT" sz="1200" kern="1200" dirty="0" smtClean="0">
+                <a:solidFill>
+                  <a:schemeClr val="tx1"/>
+                </a:solidFill>
+                <a:effectLst/>
+                <a:latin typeface="+mn-lt"/>
+                <a:ea typeface="+mn-ea"/>
+                <a:cs typeface="+mn-cs"/>
+              </a:rPr>
+              <a:t>as </a:t>
+            </a:r>
+            <a:r>
+              <a:rPr lang="pt-PT" sz="1200" kern="1200" dirty="0" smtClean="0">
+                <a:solidFill>
+                  <a:schemeClr val="tx1"/>
+                </a:solidFill>
+                <a:effectLst/>
+                <a:latin typeface="+mn-lt"/>
+                <a:ea typeface="+mn-ea"/>
+                <a:cs typeface="+mn-cs"/>
+              </a:rPr>
+              <a:t>figuras geométricas. </a:t>
             </a:r>
           </a:p>
           <a:p>
@@ -4927,7 +5155,7 @@
           <a:p>
             <a:fld id="{47C351CA-D947-4DE9-B94F-31EF78C02738}" type="datetime1">
               <a:rPr lang="pt-PT" smtClean="0"/>
-              <a:t>23/03/2015</a:t>
+              <a:t>24/03/15</a:t>
             </a:fld>
             <a:endParaRPr lang="pt-PT"/>
           </a:p>
@@ -5057,7 +5285,7 @@
           <a:p>
             <a:fld id="{4CEE548C-493F-4FD1-9ECB-917AA81544ED}" type="datetime1">
               <a:rPr lang="pt-PT" smtClean="0"/>
-              <a:t>23/03/2015</a:t>
+              <a:t>24/03/15</a:t>
             </a:fld>
             <a:endParaRPr lang="pt-PT"/>
           </a:p>
@@ -5202,7 +5430,31 @@
                 <a:ea typeface="+mn-ea"/>
                 <a:cs typeface="+mn-cs"/>
               </a:rPr>
-              <a:t>Um APOIO EXTRA ao trabalho realizado puma FORMA DE ESTUDO APELATIVA de modo a estimular uma FÁCIL APRENDIZAGEM das matérias lecionadas.</a:t>
+              <a:t>Um APOIO EXTRA ao trabalho realizado </a:t>
+            </a:r>
+            <a:r>
+              <a:rPr lang="pt-PT" sz="1200" kern="1200" dirty="0" smtClean="0">
+                <a:solidFill>
+                  <a:schemeClr val="tx1"/>
+                </a:solidFill>
+                <a:effectLst/>
+                <a:latin typeface="+mn-lt"/>
+                <a:ea typeface="+mn-ea"/>
+                <a:cs typeface="+mn-cs"/>
+              </a:rPr>
+              <a:t>duma </a:t>
+            </a:r>
+            <a:r>
+              <a:rPr lang="pt-PT" sz="1200" kern="1200" dirty="0" smtClean="0">
+                <a:solidFill>
+                  <a:schemeClr val="tx1"/>
+                </a:solidFill>
+                <a:effectLst/>
+                <a:latin typeface="+mn-lt"/>
+                <a:ea typeface="+mn-ea"/>
+                <a:cs typeface="+mn-cs"/>
+              </a:rPr>
+              <a:t>FORMA DE ESTUDO APELATIVA de modo a estimular uma FÁCIL APRENDIZAGEM das matérias lecionadas.</a:t>
             </a:r>
           </a:p>
           <a:p>
@@ -5227,7 +5479,7 @@
           <a:p>
             <a:fld id="{4CEE548C-493F-4FD1-9ECB-917AA81544ED}" type="datetime1">
               <a:rPr lang="pt-PT" smtClean="0"/>
-              <a:t>23/03/2015</a:t>
+              <a:t>24/03/15</a:t>
             </a:fld>
             <a:endParaRPr lang="pt-PT"/>
           </a:p>
@@ -5405,7 +5657,7 @@
           <a:p>
             <a:fld id="{4CEE548C-493F-4FD1-9ECB-917AA81544ED}" type="datetime1">
               <a:rPr lang="pt-PT" smtClean="0"/>
-              <a:t>23/03/2015</a:t>
+              <a:t>24/03/15</a:t>
             </a:fld>
             <a:endParaRPr lang="pt-PT"/>
           </a:p>
@@ -5638,7 +5890,7 @@
           <a:p>
             <a:fld id="{4CEE548C-493F-4FD1-9ECB-917AA81544ED}" type="datetime1">
               <a:rPr lang="pt-PT" smtClean="0"/>
-              <a:t>23/03/2015</a:t>
+              <a:t>24/03/15</a:t>
             </a:fld>
             <a:endParaRPr lang="pt-PT"/>
           </a:p>
@@ -5973,7 +6225,7 @@
           <a:p>
             <a:fld id="{4CEE548C-493F-4FD1-9ECB-917AA81544ED}" type="datetime1">
               <a:rPr lang="pt-PT" smtClean="0"/>
-              <a:t>23/03/2015</a:t>
+              <a:t>24/03/15</a:t>
             </a:fld>
             <a:endParaRPr lang="pt-PT"/>
           </a:p>
@@ -6080,7 +6332,7 @@
           <a:p>
             <a:fld id="{4CEE548C-493F-4FD1-9ECB-917AA81544ED}" type="datetime1">
               <a:rPr lang="pt-PT" smtClean="0"/>
-              <a:t>23/03/2015</a:t>
+              <a:t>24/03/15</a:t>
             </a:fld>
             <a:endParaRPr lang="pt-PT"/>
           </a:p>
@@ -6321,7 +6573,7 @@
           <a:p>
             <a:fld id="{4CEE548C-493F-4FD1-9ECB-917AA81544ED}" type="datetime1">
               <a:rPr lang="pt-PT" smtClean="0"/>
-              <a:t>23/03/2015</a:t>
+              <a:t>24/03/15</a:t>
             </a:fld>
             <a:endParaRPr lang="pt-PT"/>
           </a:p>
@@ -6590,7 +6842,7 @@
             <a:fld id="{B61BEF0D-F0BB-DE4B-95CE-6DB70DBA9567}" type="datetimeFigureOut">
               <a:rPr lang="en-US" smtClean="0"/>
               <a:pPr/>
-              <a:t>3/23/2015</a:t>
+              <a:t>24/03/15</a:t>
             </a:fld>
             <a:endParaRPr lang="en-US" dirty="0"/>
           </a:p>
@@ -6633,7 +6885,7 @@
             <a:fld id="{D57F1E4F-1CFF-5643-939E-217C01CDF565}" type="slidenum">
               <a:rPr lang="en-US" smtClean="0"/>
               <a:pPr/>
-              <a:t>‹nº›</a:t>
+              <a:t>‹#›</a:t>
             </a:fld>
             <a:endParaRPr lang="en-US" dirty="0"/>
           </a:p>
@@ -6702,7 +6954,7 @@
   <p:timing>
     <p:tnLst>
       <p:par>
-        <p:cTn id="1" dur="indefinite" restart="never" nodeType="tmRoot"/>
+        <p:cTn xmlns:p14="http://schemas.microsoft.com/office/powerpoint/2010/main" id="1" dur="indefinite" restart="never" nodeType="tmRoot"/>
       </p:par>
     </p:tnLst>
   </p:timing>
@@ -6818,7 +7070,7 @@
           <a:p>
             <a:fld id="{B92C2B23-8FCA-454F-91C3-23D7A275AC97}" type="datetime2">
               <a:rPr lang="pt-PT" noProof="0" smtClean="0"/>
-              <a:t>segunda-feira, 23 de março de 2015</a:t>
+              <a:t>Tuesday, 24 de March de 15</a:t>
             </a:fld>
             <a:endParaRPr lang="pt-PT" noProof="0" dirty="0"/>
           </a:p>
@@ -6860,7 +7112,7 @@
           <a:p>
             <a:fld id="{25BA54BD-C84D-46CE-8B72-31BFB26ABA43}" type="slidenum">
               <a:rPr lang="pt-PT" noProof="0" smtClean="0"/>
-              <a:t>‹nº›</a:t>
+              <a:t>‹#›</a:t>
             </a:fld>
             <a:endParaRPr lang="pt-PT" noProof="0" dirty="0"/>
           </a:p>
@@ -6891,7 +7143,7 @@
   <p:timing>
     <p:tnLst>
       <p:par>
-        <p:cTn id="1" dur="indefinite" restart="never" nodeType="tmRoot"/>
+        <p:cTn xmlns:p14="http://schemas.microsoft.com/office/powerpoint/2010/main" id="1" dur="indefinite" restart="never" nodeType="tmRoot"/>
       </p:par>
     </p:tnLst>
   </p:timing>
@@ -7093,7 +7345,7 @@
           <a:p>
             <a:fld id="{78AD7ED8-7732-4669-9C13-88FF9EC671B9}" type="datetime2">
               <a:rPr lang="pt-PT" noProof="0" smtClean="0"/>
-              <a:t>segunda-feira, 23 de março de 2015</a:t>
+              <a:t>Tuesday, 24 de March de 15</a:t>
             </a:fld>
             <a:endParaRPr lang="pt-PT" noProof="0" dirty="0"/>
           </a:p>
@@ -7135,7 +7387,7 @@
           <a:p>
             <a:fld id="{25BA54BD-C84D-46CE-8B72-31BFB26ABA43}" type="slidenum">
               <a:rPr lang="pt-PT" noProof="0" smtClean="0"/>
-              <a:t>‹nº›</a:t>
+              <a:t>‹#›</a:t>
             </a:fld>
             <a:endParaRPr lang="pt-PT" noProof="0" dirty="0"/>
           </a:p>
@@ -7166,7 +7418,7 @@
   <p:timing>
     <p:tnLst>
       <p:par>
-        <p:cTn id="1" dur="indefinite" restart="never" nodeType="tmRoot"/>
+        <p:cTn xmlns:p14="http://schemas.microsoft.com/office/powerpoint/2010/main" id="1" dur="indefinite" restart="never" nodeType="tmRoot"/>
       </p:par>
     </p:tnLst>
   </p:timing>
@@ -7286,7 +7538,7 @@
           <a:p>
             <a:fld id="{2E22D3F1-8D3F-444D-900B-CC721279467B}" type="datetime2">
               <a:rPr lang="pt-PT" noProof="0" smtClean="0"/>
-              <a:t>segunda-feira, 23 de março de 2015</a:t>
+              <a:t>Tuesday, 24 de March de 15</a:t>
             </a:fld>
             <a:endParaRPr lang="pt-PT" noProof="0" dirty="0"/>
           </a:p>
@@ -7329,7 +7581,7 @@
             <a:fld id="{25BA54BD-C84D-46CE-8B72-31BFB26ABA43}" type="slidenum">
               <a:rPr lang="pt-PT" noProof="0" smtClean="0"/>
               <a:pPr/>
-              <a:t>‹nº›</a:t>
+              <a:t>‹#›</a:t>
             </a:fld>
             <a:endParaRPr lang="pt-PT" noProof="0" dirty="0"/>
           </a:p>
@@ -7348,7 +7600,7 @@
   <p:timing>
     <p:tnLst>
       <p:par>
-        <p:cTn id="1" dur="indefinite" restart="never" nodeType="tmRoot"/>
+        <p:cTn xmlns:p14="http://schemas.microsoft.com/office/powerpoint/2010/main" id="1" dur="indefinite" restart="never" nodeType="tmRoot"/>
       </p:par>
     </p:tnLst>
   </p:timing>
@@ -7638,7 +7890,7 @@
           <a:p>
             <a:fld id="{1B029C5F-DA09-430F-939C-143E87318345}" type="datetime2">
               <a:rPr lang="pt-PT" noProof="0" smtClean="0"/>
-              <a:t>segunda-feira, 23 de março de 2015</a:t>
+              <a:t>Tuesday, 24 de March de 15</a:t>
             </a:fld>
             <a:endParaRPr lang="pt-PT" noProof="0" dirty="0"/>
           </a:p>
@@ -7680,7 +7932,7 @@
           <a:p>
             <a:fld id="{25BA54BD-C84D-46CE-8B72-31BFB26ABA43}" type="slidenum">
               <a:rPr lang="pt-PT" noProof="0" smtClean="0"/>
-              <a:t>‹nº›</a:t>
+              <a:t>‹#›</a:t>
             </a:fld>
             <a:endParaRPr lang="pt-PT" noProof="0" dirty="0"/>
           </a:p>
@@ -7749,7 +8001,7 @@
   <p:timing>
     <p:tnLst>
       <p:par>
-        <p:cTn id="1" dur="indefinite" restart="never" nodeType="tmRoot"/>
+        <p:cTn xmlns:p14="http://schemas.microsoft.com/office/powerpoint/2010/main" id="1" dur="indefinite" restart="never" nodeType="tmRoot"/>
       </p:par>
     </p:tnLst>
   </p:timing>
@@ -7932,7 +8184,7 @@
           <a:p>
             <a:fld id="{3A721235-45B3-4509-8DF6-657A1D1CE858}" type="datetime2">
               <a:rPr lang="pt-PT" noProof="0" smtClean="0"/>
-              <a:t>segunda-feira, 23 de março de 2015</a:t>
+              <a:t>Tuesday, 24 de March de 15</a:t>
             </a:fld>
             <a:endParaRPr lang="pt-PT" noProof="0" dirty="0"/>
           </a:p>
@@ -7974,7 +8226,7 @@
           <a:p>
             <a:fld id="{25BA54BD-C84D-46CE-8B72-31BFB26ABA43}" type="slidenum">
               <a:rPr lang="pt-PT" noProof="0" smtClean="0"/>
-              <a:t>‹nº›</a:t>
+              <a:t>‹#›</a:t>
             </a:fld>
             <a:endParaRPr lang="pt-PT" noProof="0" dirty="0"/>
           </a:p>
@@ -8005,7 +8257,7 @@
   <p:timing>
     <p:tnLst>
       <p:par>
-        <p:cTn id="1" dur="indefinite" restart="never" nodeType="tmRoot"/>
+        <p:cTn xmlns:p14="http://schemas.microsoft.com/office/powerpoint/2010/main" id="1" dur="indefinite" restart="never" nodeType="tmRoot"/>
       </p:par>
     </p:tnLst>
   </p:timing>
@@ -8330,7 +8582,7 @@
           <a:p>
             <a:fld id="{D7100D44-86C5-4DC1-BD8D-003E607ECA84}" type="datetime2">
               <a:rPr lang="pt-PT" noProof="0" smtClean="0"/>
-              <a:t>segunda-feira, 23 de março de 2015</a:t>
+              <a:t>Tuesday, 24 de March de 15</a:t>
             </a:fld>
             <a:endParaRPr lang="pt-PT" noProof="0" dirty="0"/>
           </a:p>
@@ -8372,7 +8624,7 @@
           <a:p>
             <a:fld id="{25BA54BD-C84D-46CE-8B72-31BFB26ABA43}" type="slidenum">
               <a:rPr lang="pt-PT" noProof="0" smtClean="0"/>
-              <a:t>‹nº›</a:t>
+              <a:t>‹#›</a:t>
             </a:fld>
             <a:endParaRPr lang="pt-PT" noProof="0" dirty="0"/>
           </a:p>
@@ -8403,7 +8655,7 @@
   <p:timing>
     <p:tnLst>
       <p:par>
-        <p:cTn id="1" dur="indefinite" restart="never" nodeType="tmRoot"/>
+        <p:cTn xmlns:p14="http://schemas.microsoft.com/office/powerpoint/2010/main" id="1" dur="indefinite" restart="never" nodeType="tmRoot"/>
       </p:par>
     </p:tnLst>
   </p:timing>
@@ -8467,7 +8719,7 @@
           <a:p>
             <a:fld id="{7798E255-98BA-4CA4-AF9F-C33090024FAE}" type="datetime2">
               <a:rPr lang="pt-PT" noProof="0" smtClean="0"/>
-              <a:t>segunda-feira, 23 de março de 2015</a:t>
+              <a:t>Tuesday, 24 de March de 15</a:t>
             </a:fld>
             <a:endParaRPr lang="pt-PT" noProof="0" dirty="0"/>
           </a:p>
@@ -8509,7 +8761,7 @@
           <a:p>
             <a:fld id="{25BA54BD-C84D-46CE-8B72-31BFB26ABA43}" type="slidenum">
               <a:rPr lang="pt-PT" noProof="0" smtClean="0"/>
-              <a:t>‹nº›</a:t>
+              <a:t>‹#›</a:t>
             </a:fld>
             <a:endParaRPr lang="pt-PT" noProof="0" dirty="0"/>
           </a:p>
@@ -8540,7 +8792,7 @@
   <p:timing>
     <p:tnLst>
       <p:par>
-        <p:cTn id="1" dur="indefinite" restart="never" nodeType="tmRoot"/>
+        <p:cTn xmlns:p14="http://schemas.microsoft.com/office/powerpoint/2010/main" id="1" dur="indefinite" restart="never" nodeType="tmRoot"/>
       </p:par>
     </p:tnLst>
   </p:timing>
@@ -8657,7 +8909,7 @@
           <a:p>
             <a:fld id="{E990E56E-F983-405D-996D-46544E07C2E4}" type="datetime2">
               <a:rPr lang="pt-PT" noProof="0" smtClean="0"/>
-              <a:t>segunda-feira, 23 de março de 2015</a:t>
+              <a:t>Tuesday, 24 de March de 15</a:t>
             </a:fld>
             <a:endParaRPr lang="pt-PT" noProof="0" dirty="0"/>
           </a:p>
@@ -8707,7 +8959,7 @@
           <a:p>
             <a:fld id="{25BA54BD-C84D-46CE-8B72-31BFB26ABA43}" type="slidenum">
               <a:rPr lang="pt-PT" noProof="0" smtClean="0"/>
-              <a:t>‹nº›</a:t>
+              <a:t>‹#›</a:t>
             </a:fld>
             <a:endParaRPr lang="pt-PT" noProof="0" dirty="0"/>
           </a:p>
@@ -8738,7 +8990,7 @@
   <p:timing>
     <p:tnLst>
       <p:par>
-        <p:cTn id="1" dur="indefinite" restart="never" nodeType="tmRoot"/>
+        <p:cTn xmlns:p14="http://schemas.microsoft.com/office/powerpoint/2010/main" id="1" dur="indefinite" restart="never" nodeType="tmRoot"/>
       </p:par>
     </p:tnLst>
   </p:timing>
@@ -9030,7 +9282,7 @@
           <a:p>
             <a:fld id="{7E166298-439A-4E9C-9D8C-05AD14BCF7DF}" type="datetime2">
               <a:rPr lang="pt-PT" noProof="0" smtClean="0"/>
-              <a:t>segunda-feira, 23 de março de 2015</a:t>
+              <a:t>Tuesday, 24 de March de 15</a:t>
             </a:fld>
             <a:endParaRPr lang="pt-PT" noProof="0" dirty="0"/>
           </a:p>
@@ -9093,7 +9345,7 @@
           <a:p>
             <a:fld id="{25BA54BD-C84D-46CE-8B72-31BFB26ABA43}" type="slidenum">
               <a:rPr lang="pt-PT" noProof="0" smtClean="0"/>
-              <a:t>‹nº›</a:t>
+              <a:t>‹#›</a:t>
             </a:fld>
             <a:endParaRPr lang="pt-PT" noProof="0" dirty="0"/>
           </a:p>
@@ -9124,7 +9376,7 @@
   <p:timing>
     <p:tnLst>
       <p:par>
-        <p:cTn id="1" dur="indefinite" restart="never" nodeType="tmRoot"/>
+        <p:cTn xmlns:p14="http://schemas.microsoft.com/office/powerpoint/2010/main" id="1" dur="indefinite" restart="never" nodeType="tmRoot"/>
       </p:par>
     </p:tnLst>
   </p:timing>
@@ -9431,7 +9683,7 @@
           <a:p>
             <a:fld id="{2E2C76F2-9960-4EB5-8F60-DC9F169AB3F9}" type="datetime2">
               <a:rPr lang="pt-PT" noProof="0" smtClean="0"/>
-              <a:t>segunda-feira, 23 de março de 2015</a:t>
+              <a:t>Tuesday, 24 de March de 15</a:t>
             </a:fld>
             <a:endParaRPr lang="pt-PT" noProof="0" dirty="0"/>
           </a:p>
@@ -9473,7 +9725,7 @@
           <a:p>
             <a:fld id="{25BA54BD-C84D-46CE-8B72-31BFB26ABA43}" type="slidenum">
               <a:rPr lang="pt-PT" noProof="0" smtClean="0"/>
-              <a:t>‹nº›</a:t>
+              <a:t>‹#›</a:t>
             </a:fld>
             <a:endParaRPr lang="pt-PT" noProof="0" dirty="0"/>
           </a:p>
@@ -9504,7 +9756,7 @@
   <p:timing>
     <p:tnLst>
       <p:par>
-        <p:cTn id="1" dur="indefinite" restart="never" nodeType="tmRoot"/>
+        <p:cTn xmlns:p14="http://schemas.microsoft.com/office/powerpoint/2010/main" id="1" dur="indefinite" restart="never" nodeType="tmRoot"/>
       </p:par>
     </p:tnLst>
   </p:timing>
@@ -9737,7 +9989,7 @@
           <a:p>
             <a:fld id="{2E22D3F1-8D3F-444D-900B-CC721279467B}" type="datetime2">
               <a:rPr lang="pt-PT" noProof="0" smtClean="0"/>
-              <a:t>segunda-feira, 23 de março de 2015</a:t>
+              <a:t>Tuesday, 24 de March de 15</a:t>
             </a:fld>
             <a:endParaRPr lang="pt-PT" noProof="0" dirty="0"/>
           </a:p>
@@ -9812,7 +10064,7 @@
             <a:fld id="{25BA54BD-C84D-46CE-8B72-31BFB26ABA43}" type="slidenum">
               <a:rPr lang="pt-PT" noProof="0" smtClean="0"/>
               <a:pPr/>
-              <a:t>‹nº›</a:t>
+              <a:t>‹#›</a:t>
             </a:fld>
             <a:endParaRPr lang="pt-PT" noProof="0" dirty="0"/>
           </a:p>
@@ -9892,7 +10144,7 @@
   <p:timing>
     <p:tnLst>
       <p:par>
-        <p:cTn id="1" dur="indefinite" restart="never" nodeType="tmRoot"/>
+        <p:cTn xmlns:p14="http://schemas.microsoft.com/office/powerpoint/2010/main" id="1" dur="indefinite" restart="never" nodeType="tmRoot"/>
       </p:par>
     </p:tnLst>
   </p:timing>
@@ -10785,7 +11037,7 @@
   <p:timing>
     <p:tnLst>
       <p:par>
-        <p:cTn id="1" dur="indefinite" restart="never" nodeType="tmRoot"/>
+        <p:cTn xmlns:p14="http://schemas.microsoft.com/office/powerpoint/2010/main" id="1" dur="indefinite" restart="never" nodeType="tmRoot"/>
       </p:par>
     </p:tnLst>
   </p:timing>
@@ -11312,7 +11564,7 @@
   <p:timing>
     <p:tnLst>
       <p:par>
-        <p:cTn id="1" dur="indefinite" restart="never" nodeType="tmRoot"/>
+        <p:cTn xmlns:p14="http://schemas.microsoft.com/office/powerpoint/2010/main" id="1" dur="indefinite" restart="never" nodeType="tmRoot"/>
       </p:par>
     </p:tnLst>
   </p:timing>
@@ -11534,7 +11786,7 @@
           <a:p>
             <a:fld id="{2AED8BB8-DCAC-4048-9201-9828E83FFE40}" type="datetime2">
               <a:rPr lang="pt-PT" noProof="0" smtClean="0"/>
-              <a:t>segunda-feira, 23 de março de 2015</a:t>
+              <a:t>Tuesday, 24 de March de 15</a:t>
             </a:fld>
             <a:endParaRPr lang="pt-PT" noProof="0" dirty="0"/>
           </a:p>
@@ -11716,7 +11968,7 @@
   <p:timing>
     <p:tnLst>
       <p:par>
-        <p:cTn id="1" dur="indefinite" restart="never" nodeType="tmRoot"/>
+        <p:cTn xmlns:p14="http://schemas.microsoft.com/office/powerpoint/2010/main" id="1" dur="indefinite" restart="never" nodeType="tmRoot"/>
       </p:par>
     </p:tnLst>
   </p:timing>
@@ -11897,7 +12149,7 @@
           <a:p>
             <a:fld id="{3AE44491-490D-4EE9-8B0A-32F91B9229B4}" type="datetime2">
               <a:rPr lang="pt-PT" noProof="0" smtClean="0"/>
-              <a:t>segunda-feira, 23 de março de 2015</a:t>
+              <a:t>Tuesday, 24 de March de 15</a:t>
             </a:fld>
             <a:endParaRPr lang="pt-PT" noProof="0" dirty="0"/>
           </a:p>
@@ -12079,7 +12331,7 @@
   <p:timing>
     <p:tnLst>
       <p:par>
-        <p:cTn id="1" dur="indefinite" restart="never" nodeType="tmRoot"/>
+        <p:cTn xmlns:p14="http://schemas.microsoft.com/office/powerpoint/2010/main" id="1" dur="indefinite" restart="never" nodeType="tmRoot"/>
       </p:par>
     </p:tnLst>
   </p:timing>
@@ -12233,7 +12485,7 @@
           <a:p>
             <a:fld id="{3AE44491-490D-4EE9-8B0A-32F91B9229B4}" type="datetime2">
               <a:rPr lang="pt-PT" noProof="0" smtClean="0"/>
-              <a:t>segunda-feira, 23 de março de 2015</a:t>
+              <a:t>Tuesday, 24 de March de 15</a:t>
             </a:fld>
             <a:endParaRPr lang="pt-PT" noProof="0" dirty="0"/>
           </a:p>
@@ -12415,7 +12667,7 @@
   <p:timing>
     <p:tnLst>
       <p:par>
-        <p:cTn id="1" dur="indefinite" restart="never" nodeType="tmRoot"/>
+        <p:cTn xmlns:p14="http://schemas.microsoft.com/office/powerpoint/2010/main" id="1" dur="indefinite" restart="never" nodeType="tmRoot"/>
       </p:par>
     </p:tnLst>
   </p:timing>
@@ -12575,7 +12827,7 @@
           <a:p>
             <a:fld id="{D7100D44-86C5-4DC1-BD8D-003E607ECA84}" type="datetime2">
               <a:rPr lang="pt-PT" noProof="0" smtClean="0"/>
-              <a:t>segunda-feira, 23 de março de 2015</a:t>
+              <a:t>Tuesday, 24 de March de 15</a:t>
             </a:fld>
             <a:endParaRPr lang="pt-PT" noProof="0" dirty="0"/>
           </a:p>
@@ -12757,7 +13009,7 @@
   <p:timing>
     <p:tnLst>
       <p:par>
-        <p:cTn id="1" dur="indefinite" restart="never" nodeType="tmRoot"/>
+        <p:cTn xmlns:p14="http://schemas.microsoft.com/office/powerpoint/2010/main" id="1" dur="indefinite" restart="never" nodeType="tmRoot"/>
       </p:par>
     </p:tnLst>
   </p:timing>
@@ -12909,7 +13161,7 @@
           <a:p>
             <a:fld id="{3AE44491-490D-4EE9-8B0A-32F91B9229B4}" type="datetime2">
               <a:rPr lang="pt-PT" noProof="0" smtClean="0"/>
-              <a:t>segunda-feira, 23 de março de 2015</a:t>
+              <a:t>Tuesday, 24 de March de 15</a:t>
             </a:fld>
             <a:endParaRPr lang="pt-PT" noProof="0" dirty="0"/>
           </a:p>
@@ -13091,7 +13343,7 @@
   <p:timing>
     <p:tnLst>
       <p:par>
-        <p:cTn id="1" dur="indefinite" restart="never" nodeType="tmRoot"/>
+        <p:cTn xmlns:p14="http://schemas.microsoft.com/office/powerpoint/2010/main" id="1" dur="indefinite" restart="never" nodeType="tmRoot"/>
       </p:par>
     </p:tnLst>
   </p:timing>
@@ -13208,7 +13460,7 @@
           <a:p>
             <a:fld id="{3A721235-45B3-4509-8DF6-657A1D1CE858}" type="datetime2">
               <a:rPr lang="pt-PT" noProof="0" smtClean="0"/>
-              <a:t>segunda-feira, 23 de março de 2015</a:t>
+              <a:t>Tuesday, 24 de March de 15</a:t>
             </a:fld>
             <a:endParaRPr lang="pt-PT" noProof="0" dirty="0"/>
           </a:p>
@@ -13390,7 +13642,7 @@
   <p:timing>
     <p:tnLst>
       <p:par>
-        <p:cTn id="1" dur="indefinite" restart="never" nodeType="tmRoot"/>
+        <p:cTn xmlns:p14="http://schemas.microsoft.com/office/powerpoint/2010/main" id="1" dur="indefinite" restart="never" nodeType="tmRoot"/>
       </p:par>
     </p:tnLst>
   </p:timing>
@@ -13511,7 +13763,7 @@
           <a:p>
             <a:fld id="{3AE44491-490D-4EE9-8B0A-32F91B9229B4}" type="datetime2">
               <a:rPr lang="pt-PT" noProof="0" smtClean="0"/>
-              <a:t>segunda-feira, 23 de março de 2015</a:t>
+              <a:t>Tuesday, 24 de March de 15</a:t>
             </a:fld>
             <a:endParaRPr lang="pt-PT" noProof="0" dirty="0"/>
           </a:p>
@@ -13693,7 +13945,7 @@
   <p:timing>
     <p:tnLst>
       <p:par>
-        <p:cTn id="1" dur="indefinite" restart="never" nodeType="tmRoot"/>
+        <p:cTn xmlns:p14="http://schemas.microsoft.com/office/powerpoint/2010/main" id="1" dur="indefinite" restart="never" nodeType="tmRoot"/>
       </p:par>
     </p:tnLst>
   </p:timing>
@@ -13785,7 +14037,7 @@
           <a:p>
             <a:fld id="{3A721235-45B3-4509-8DF6-657A1D1CE858}" type="datetime2">
               <a:rPr lang="pt-PT" noProof="0" smtClean="0"/>
-              <a:t>segunda-feira, 23 de março de 2015</a:t>
+              <a:t>Tuesday, 24 de March de 15</a:t>
             </a:fld>
             <a:endParaRPr lang="pt-PT" noProof="0" dirty="0"/>
           </a:p>
@@ -14117,7 +14369,7 @@
   <p:timing>
     <p:tnLst>
       <p:par>
-        <p:cTn id="1" dur="indefinite" restart="never" nodeType="tmRoot">
+        <p:cTn xmlns:p14="http://schemas.microsoft.com/office/powerpoint/2010/main" id="1" dur="indefinite" restart="never" nodeType="tmRoot">
           <p:childTnLst>
             <p:seq concurrent="1" nextAc="seek">
               <p:cTn id="2" dur="indefinite" nodeType="mainSeq">
@@ -14415,7 +14667,7 @@
     </a:clrScheme>
     <a:fontScheme name="Retrospetiva">
       <a:majorFont>
-        <a:latin typeface="Calibri Light" panose="020F0302020204030204"/>
+        <a:latin typeface="Calibri Light"/>
         <a:ea typeface=""/>
         <a:cs typeface=""/>
         <a:font script="Jpan" typeface="ＭＳ Ｐゴシック"/>
@@ -14450,7 +14702,7 @@
         <a:font script="Geor" typeface="Sylfaen"/>
       </a:majorFont>
       <a:minorFont>
-        <a:latin typeface="Calibri" panose="020F0502020204030204"/>
+        <a:latin typeface="Calibri"/>
         <a:ea typeface=""/>
         <a:cs typeface=""/>
         <a:font script="Jpan" typeface="ＭＳ Ｐゴシック"/>
@@ -14649,7 +14901,7 @@
   <a:extraClrSchemeLst/>
   <a:extLst>
     <a:ext uri="{05A4C25C-085E-4340-85A3-A5531E510DB2}">
-      <thm15:themeFamily xmlns:thm15="http://schemas.microsoft.com/office/thememl/2012/main" name="Retrospect" id="{5F128B03-DCCA-4EEB-AB3B-CF2899314A46}" vid="{3F1AAB62-24C6-49D2-8E01-B56FAC9A3DCD}"/>
+      <thm15:themeFamily xmlns:thm15="http://schemas.microsoft.com/office/thememl/2012/main" xmlns="" name="Retrospect" id="{5F128B03-DCCA-4EEB-AB3B-CF2899314A46}" vid="{3F1AAB62-24C6-49D2-8E01-B56FAC9A3DCD}"/>
     </a:ext>
   </a:extLst>
 </a:theme>

--- a/1ªFase/LI4-Grupo6-Fase1.pptx
+++ b/1ªFase/LI4-Grupo6-Fase1.pptx
@@ -5,10 +5,10 @@
     <p:sldMasterId id="2147483990" r:id="rId2"/>
   </p:sldMasterIdLst>
   <p:notesMasterIdLst>
-    <p:notesMasterId r:id="rId13"/>
+    <p:notesMasterId r:id="rId14"/>
   </p:notesMasterIdLst>
   <p:handoutMasterIdLst>
-    <p:handoutMasterId r:id="rId14"/>
+    <p:handoutMasterId r:id="rId15"/>
   </p:handoutMasterIdLst>
   <p:sldIdLst>
     <p:sldId id="256" r:id="rId3"/>
@@ -20,7 +20,8 @@
     <p:sldId id="277" r:id="rId9"/>
     <p:sldId id="279" r:id="rId10"/>
     <p:sldId id="280" r:id="rId11"/>
-    <p:sldId id="281" r:id="rId12"/>
+    <p:sldId id="283" r:id="rId12"/>
+    <p:sldId id="281" r:id="rId13"/>
   </p:sldIdLst>
   <p:sldSz cx="12188825" cy="6858000"/>
   <p:notesSz cx="6858000" cy="9144000"/>
@@ -133,6 +134,7 @@
             <p14:sldId id="277"/>
             <p14:sldId id="279"/>
             <p14:sldId id="280"/>
+            <p14:sldId id="283"/>
           </p14:sldIdLst>
         </p14:section>
         <p14:section name="Secção Sem Título" id="{FDE50303-C306-4A1E-A9AD-7A020E3902D9}">
@@ -143,7 +145,7 @@
       </p14:sectionLst>
     </p:ext>
     <p:ext uri="{EFAFB233-063F-42B5-8137-9DF3F51BA10A}">
-      <p15:sldGuideLst xmlns:p15="http://schemas.microsoft.com/office/powerpoint/2012/main" xmlns="">
+      <p15:sldGuideLst xmlns:p15="http://schemas.microsoft.com/office/powerpoint/2012/main">
         <p15:guide id="1" orient="horz" pos="2160">
           <p15:clr>
             <a:srgbClr val="A4A3A4"/>
@@ -207,7 +209,7 @@
       </p15:sldGuideLst>
     </p:ext>
     <p:ext uri="{2D200454-40CA-4A62-9FC3-DE9A4176ACB9}">
-      <p15:notesGuideLst xmlns:p15="http://schemas.microsoft.com/office/powerpoint/2012/main" xmlns="">
+      <p15:notesGuideLst xmlns:p15="http://schemas.microsoft.com/office/powerpoint/2012/main">
         <p15:guide id="1" orient="horz" pos="2880">
           <p15:clr>
             <a:srgbClr val="A4A3A4"/>
@@ -1216,7 +1218,7 @@
         <a:p>
           <a:r>
             <a:rPr lang="pt-PT" dirty="0" smtClean="0"/>
-            <a:t>Jogos</a:t>
+            <a:t> etc.</a:t>
           </a:r>
           <a:endParaRPr lang="pt-PT" dirty="0"/>
         </a:p>
@@ -1613,12 +1615,12 @@
         </a:fontRef>
       </dsp:style>
       <dsp:txBody>
-        <a:bodyPr spcFirstLastPara="0" vert="horz" wrap="square" lIns="27940" tIns="27940" rIns="27940" bIns="27940" numCol="1" spcCol="1270" anchor="ctr" anchorCtr="0">
+        <a:bodyPr spcFirstLastPara="0" vert="horz" wrap="square" lIns="26670" tIns="26670" rIns="26670" bIns="26670" numCol="1" spcCol="1270" anchor="ctr" anchorCtr="0">
           <a:noAutofit/>
         </a:bodyPr>
         <a:lstStyle/>
         <a:p>
-          <a:pPr lvl="0" algn="ctr" defTabSz="977900">
+          <a:pPr lvl="0" algn="ctr" defTabSz="933450">
             <a:lnSpc>
               <a:spcPct val="90000"/>
             </a:lnSpc>
@@ -1630,10 +1632,10 @@
             </a:spcAft>
           </a:pPr>
           <a:r>
-            <a:rPr lang="pt-PT" sz="2200" kern="1200" dirty="0" smtClean="0"/>
+            <a:rPr lang="pt-PT" sz="2100" kern="1200" dirty="0" smtClean="0"/>
             <a:t>Ensino</a:t>
           </a:r>
-          <a:endParaRPr lang="pt-PT" sz="2200" kern="1200" dirty="0"/>
+          <a:endParaRPr lang="pt-PT" sz="2100" kern="1200" dirty="0"/>
         </a:p>
       </dsp:txBody>
       <dsp:txXfrm>
@@ -1939,7 +1941,7 @@
           </a:pPr>
           <a:r>
             <a:rPr lang="pt-PT" sz="1000" kern="1200" dirty="0" smtClean="0"/>
-            <a:t>Jogos</a:t>
+            <a:t> etc.</a:t>
           </a:r>
           <a:endParaRPr lang="pt-PT" sz="1000" kern="1200" dirty="0"/>
         </a:p>
@@ -4144,7 +4146,7 @@
           <a:p>
             <a:fld id="{3C82C259-0100-4357-933D-27583B746048}" type="datetime1">
               <a:rPr lang="pt-PT" smtClean="0"/>
-              <a:t>24/03/15</a:t>
+              <a:t>24/03/2015</a:t>
             </a:fld>
             <a:endParaRPr/>
           </a:p>
@@ -4210,7 +4212,7 @@
           <a:p>
             <a:fld id="{A850423A-8BCE-448E-A97B-03A88B2B12C1}" type="slidenum">
               <a:rPr/>
-              <a:t>‹#›</a:t>
+              <a:t>‹nº›</a:t>
             </a:fld>
             <a:endParaRPr/>
           </a:p>
@@ -4310,7 +4312,7 @@
           <a:p>
             <a:fld id="{4CEE548C-493F-4FD1-9ECB-917AA81544ED}" type="datetime1">
               <a:rPr lang="pt-PT" smtClean="0"/>
-              <a:t>24/03/15</a:t>
+              <a:t>24/03/2015</a:t>
             </a:fld>
             <a:endParaRPr/>
           </a:p>
@@ -4468,7 +4470,7 @@
           <a:p>
             <a:fld id="{01F2A70B-78F2-4DCF-B53B-C990D2FAFB8A}" type="slidenum">
               <a:rPr/>
-              <a:t>‹#›</a:t>
+              <a:t>‹nº›</a:t>
             </a:fld>
             <a:endParaRPr/>
           </a:p>
@@ -4682,7 +4684,7 @@
           <a:p>
             <a:fld id="{AD07E7F5-D94A-4B9A-9916-8485E0C2D024}" type="datetime1">
               <a:rPr lang="pt-PT" smtClean="0"/>
-              <a:t>24/03/15</a:t>
+              <a:t>24/03/2015</a:t>
             </a:fld>
             <a:endParaRPr lang="pt-PT"/>
           </a:p>
@@ -4745,6 +4747,247 @@
           <a:bodyPr/>
           <a:lstStyle/>
           <a:p>
+            <a:pPr marL="0" marR="0" indent="0" algn="l" defTabSz="914400" rtl="0" eaLnBrk="1" fontAlgn="auto" latinLnBrk="0" hangingPunct="1">
+              <a:lnSpc>
+                <a:spcPct val="100000"/>
+              </a:lnSpc>
+              <a:spcBef>
+                <a:spcPts val="0"/>
+              </a:spcBef>
+              <a:spcAft>
+                <a:spcPts val="0"/>
+              </a:spcAft>
+              <a:buClrTx/>
+              <a:buSzTx/>
+              <a:buFontTx/>
+              <a:buNone/>
+              <a:tabLst/>
+              <a:defRPr/>
+            </a:pPr>
+            <a:r>
+              <a:rPr lang="pt-PT" sz="1200" kern="1200" dirty="0" smtClean="0">
+                <a:solidFill>
+                  <a:schemeClr val="tx1"/>
+                </a:solidFill>
+                <a:effectLst/>
+                <a:latin typeface="+mn-lt"/>
+                <a:ea typeface="+mn-ea"/>
+                <a:cs typeface="+mn-cs"/>
+              </a:rPr>
+              <a:t>Esboço do que achamos que poderá ser a INTERFACE</a:t>
+            </a:r>
+            <a:r>
+              <a:rPr lang="pt-PT" sz="1200" kern="1200" baseline="0" dirty="0" smtClean="0">
+                <a:solidFill>
+                  <a:schemeClr val="tx1"/>
+                </a:solidFill>
+                <a:effectLst/>
+                <a:latin typeface="+mn-lt"/>
+                <a:ea typeface="+mn-ea"/>
+                <a:cs typeface="+mn-cs"/>
+              </a:rPr>
+              <a:t> </a:t>
+            </a:r>
+            <a:r>
+              <a:rPr lang="pt-PT" sz="1200" kern="1200" dirty="0" smtClean="0">
+                <a:solidFill>
+                  <a:schemeClr val="tx1"/>
+                </a:solidFill>
+                <a:effectLst/>
+                <a:latin typeface="+mn-lt"/>
+                <a:ea typeface="+mn-ea"/>
+                <a:cs typeface="+mn-cs"/>
+              </a:rPr>
+              <a:t>do nosso Assistente Pedagógico</a:t>
+            </a:r>
+            <a:endParaRPr lang="pt-PT" dirty="0" smtClean="0"/>
+          </a:p>
+          <a:p>
+            <a:r>
+              <a:rPr lang="pt-PT" sz="1200" kern="1200" dirty="0" smtClean="0">
+                <a:solidFill>
+                  <a:schemeClr val="tx1"/>
+                </a:solidFill>
+                <a:effectLst/>
+                <a:latin typeface="+mn-lt"/>
+                <a:ea typeface="+mn-ea"/>
+                <a:cs typeface="+mn-cs"/>
+              </a:rPr>
+              <a:t>Figura bastante conhecida das crianças:</a:t>
+            </a:r>
+            <a:r>
+              <a:rPr lang="pt-PT" sz="1200" kern="1200" baseline="0" dirty="0" smtClean="0">
+                <a:solidFill>
+                  <a:schemeClr val="tx1"/>
+                </a:solidFill>
+                <a:effectLst/>
+                <a:latin typeface="+mn-lt"/>
+                <a:ea typeface="+mn-ea"/>
+                <a:cs typeface="+mn-cs"/>
+              </a:rPr>
+              <a:t> o nosso tutor </a:t>
+            </a:r>
+            <a:r>
+              <a:rPr lang="pt-PT" sz="1200" i="1" kern="1200" dirty="0" err="1" smtClean="0">
+                <a:solidFill>
+                  <a:schemeClr val="tx1"/>
+                </a:solidFill>
+                <a:effectLst/>
+                <a:latin typeface="+mn-lt"/>
+                <a:ea typeface="+mn-ea"/>
+                <a:cs typeface="+mn-cs"/>
+              </a:rPr>
+              <a:t>Minion</a:t>
+            </a:r>
+            <a:endParaRPr lang="pt-PT" sz="1200" i="1" kern="1200" dirty="0" smtClean="0">
+              <a:solidFill>
+                <a:schemeClr val="tx1"/>
+              </a:solidFill>
+              <a:effectLst/>
+              <a:latin typeface="+mn-lt"/>
+              <a:ea typeface="+mn-ea"/>
+              <a:cs typeface="+mn-cs"/>
+            </a:endParaRPr>
+          </a:p>
+          <a:p>
+            <a:pPr marL="0" marR="0" indent="0" algn="l" defTabSz="914400" rtl="0" eaLnBrk="1" fontAlgn="auto" latinLnBrk="0" hangingPunct="1">
+              <a:lnSpc>
+                <a:spcPct val="100000"/>
+              </a:lnSpc>
+              <a:spcBef>
+                <a:spcPts val="0"/>
+              </a:spcBef>
+              <a:spcAft>
+                <a:spcPts val="0"/>
+              </a:spcAft>
+              <a:buClrTx/>
+              <a:buSzTx/>
+              <a:buFontTx/>
+              <a:buNone/>
+              <a:tabLst/>
+              <a:defRPr/>
+            </a:pPr>
+            <a:r>
+              <a:rPr lang="pt-PT" sz="1200" kern="1200" dirty="0" smtClean="0">
+                <a:solidFill>
+                  <a:schemeClr val="tx1"/>
+                </a:solidFill>
+                <a:effectLst/>
+                <a:latin typeface="+mn-lt"/>
+                <a:ea typeface="+mn-ea"/>
+                <a:cs typeface="+mn-cs"/>
+              </a:rPr>
+              <a:t>Mais FÁCIL CATIVAR os mais PEQUENOS.</a:t>
+            </a:r>
+          </a:p>
+          <a:p>
+            <a:endParaRPr lang="pt-PT" dirty="0"/>
+          </a:p>
+        </p:txBody>
+      </p:sp>
+      <p:sp>
+        <p:nvSpPr>
+          <p:cNvPr id="4" name="Marcador de Posição da Data 3"/>
+          <p:cNvSpPr>
+            <a:spLocks noGrp="1"/>
+          </p:cNvSpPr>
+          <p:nvPr>
+            <p:ph type="dt" idx="10"/>
+          </p:nvPr>
+        </p:nvSpPr>
+        <p:spPr/>
+        <p:txBody>
+          <a:bodyPr/>
+          <a:lstStyle/>
+          <a:p>
+            <a:fld id="{4CEE548C-493F-4FD1-9ECB-917AA81544ED}" type="datetime1">
+              <a:rPr lang="pt-PT" smtClean="0"/>
+              <a:t>24/03/2015</a:t>
+            </a:fld>
+            <a:endParaRPr lang="pt-PT"/>
+          </a:p>
+        </p:txBody>
+      </p:sp>
+      <p:sp>
+        <p:nvSpPr>
+          <p:cNvPr id="5" name="Marcador de Posição do Número do Diapositivo 4"/>
+          <p:cNvSpPr>
+            <a:spLocks noGrp="1"/>
+          </p:cNvSpPr>
+          <p:nvPr>
+            <p:ph type="sldNum" sz="quarter" idx="11"/>
+          </p:nvPr>
+        </p:nvSpPr>
+        <p:spPr/>
+        <p:txBody>
+          <a:bodyPr/>
+          <a:lstStyle/>
+          <a:p>
+            <a:fld id="{01F2A70B-78F2-4DCF-B53B-C990D2FAFB8A}" type="slidenum">
+              <a:rPr lang="pt-PT" smtClean="0"/>
+              <a:t>10</a:t>
+            </a:fld>
+            <a:endParaRPr lang="pt-PT"/>
+          </a:p>
+        </p:txBody>
+      </p:sp>
+    </p:spTree>
+    <p:extLst>
+      <p:ext uri="{BB962C8B-B14F-4D97-AF65-F5344CB8AC3E}">
+        <p14:creationId xmlns:p14="http://schemas.microsoft.com/office/powerpoint/2010/main" val="1535065437"/>
+      </p:ext>
+    </p:extLst>
+  </p:cSld>
+  <p:clrMapOvr>
+    <a:masterClrMapping/>
+  </p:clrMapOvr>
+</p:notes>
+</file>
+
+<file path=ppt/notesSlides/notesSlide11.xml><?xml version="1.0" encoding="utf-8"?>
+<p:notes xmlns:a="http://schemas.openxmlformats.org/drawingml/2006/main" xmlns:r="http://schemas.openxmlformats.org/officeDocument/2006/relationships" xmlns:p="http://schemas.openxmlformats.org/presentationml/2006/main">
+  <p:cSld>
+    <p:spTree>
+      <p:nvGrpSpPr>
+        <p:cNvPr id="1" name=""/>
+        <p:cNvGrpSpPr/>
+        <p:nvPr/>
+      </p:nvGrpSpPr>
+      <p:grpSpPr>
+        <a:xfrm>
+          <a:off x="0" y="0"/>
+          <a:ext cx="0" cy="0"/>
+          <a:chOff x="0" y="0"/>
+          <a:chExt cx="0" cy="0"/>
+        </a:xfrm>
+      </p:grpSpPr>
+      <p:sp>
+        <p:nvSpPr>
+          <p:cNvPr id="2" name="Marcador de Posição da Imagem do Diapositivo 1"/>
+          <p:cNvSpPr>
+            <a:spLocks noGrp="1" noRot="1" noChangeAspect="1"/>
+          </p:cNvSpPr>
+          <p:nvPr>
+            <p:ph type="sldImg"/>
+          </p:nvPr>
+        </p:nvSpPr>
+        <p:spPr/>
+      </p:sp>
+      <p:sp>
+        <p:nvSpPr>
+          <p:cNvPr id="3" name="Marcador de Posição de Notas 2"/>
+          <p:cNvSpPr>
+            <a:spLocks noGrp="1"/>
+          </p:cNvSpPr>
+          <p:nvPr>
+            <p:ph type="body" idx="1"/>
+          </p:nvPr>
+        </p:nvSpPr>
+        <p:spPr/>
+        <p:txBody>
+          <a:bodyPr/>
+          <a:lstStyle/>
+          <a:p>
             <a:endParaRPr lang="pt-PT" dirty="0"/>
           </a:p>
         </p:txBody>
@@ -4766,7 +5009,7 @@
           <a:p>
             <a:fld id="{01F2A70B-78F2-4DCF-B53B-C990D2FAFB8A}" type="slidenum">
               <a:rPr lang="pt-PT" smtClean="0"/>
-              <a:t>10</a:t>
+              <a:t>11</a:t>
             </a:fld>
             <a:endParaRPr lang="pt-PT"/>
           </a:p>
@@ -4789,7 +5032,7 @@
           <a:p>
             <a:fld id="{AD07E7F5-D94A-4B9A-9916-8485E0C2D024}" type="datetime1">
               <a:rPr lang="pt-PT" smtClean="0"/>
-              <a:t>24/03/15</a:t>
+              <a:t>24/03/2015</a:t>
             </a:fld>
             <a:endParaRPr lang="pt-PT"/>
           </a:p>
@@ -4879,7 +5122,19 @@
                 <a:ea typeface="+mn-ea"/>
                 <a:cs typeface="+mn-cs"/>
               </a:rPr>
-              <a:t>O </a:t>
+              <a:t>O Projeto que nos foi proposto é um Assistente Pedagógico e decidimos</a:t>
+            </a:r>
+            <a:r>
+              <a:rPr lang="pt-PT" sz="1200" kern="1200" baseline="0" dirty="0" smtClean="0">
+                <a:solidFill>
+                  <a:schemeClr val="tx1"/>
+                </a:solidFill>
+                <a:effectLst/>
+                <a:latin typeface="+mn-lt"/>
+                <a:ea typeface="+mn-ea"/>
+                <a:cs typeface="+mn-cs"/>
+              </a:rPr>
+              <a:t> que o nosso publico alvo serão</a:t>
             </a:r>
             <a:r>
               <a:rPr lang="pt-PT" sz="1200" kern="1200" dirty="0" smtClean="0">
@@ -4891,103 +5146,7 @@
                 <a:ea typeface="+mn-ea"/>
                 <a:cs typeface="+mn-cs"/>
               </a:rPr>
-              <a:t>Projeto que nos foi </a:t>
-            </a:r>
-            <a:r>
-              <a:rPr lang="pt-PT" sz="1200" kern="1200" dirty="0" smtClean="0">
-                <a:solidFill>
-                  <a:schemeClr val="tx1"/>
-                </a:solidFill>
-                <a:effectLst/>
-                <a:latin typeface="+mn-lt"/>
-                <a:ea typeface="+mn-ea"/>
-                <a:cs typeface="+mn-cs"/>
-              </a:rPr>
-              <a:t>proposto </a:t>
-            </a:r>
-            <a:r>
-              <a:rPr lang="pt-PT" sz="1200" kern="1200" dirty="0" smtClean="0">
-                <a:solidFill>
-                  <a:schemeClr val="tx1"/>
-                </a:solidFill>
-                <a:effectLst/>
-                <a:latin typeface="+mn-lt"/>
-                <a:ea typeface="+mn-ea"/>
-                <a:cs typeface="+mn-cs"/>
-              </a:rPr>
-              <a:t>é um </a:t>
-            </a:r>
-            <a:r>
-              <a:rPr lang="pt-PT" sz="1200" kern="1200" dirty="0" smtClean="0">
-                <a:solidFill>
-                  <a:schemeClr val="tx1"/>
-                </a:solidFill>
-                <a:effectLst/>
-                <a:latin typeface="+mn-lt"/>
-                <a:ea typeface="+mn-ea"/>
-                <a:cs typeface="+mn-cs"/>
-              </a:rPr>
-              <a:t>Assistente Pedagógico e decidimos</a:t>
-            </a:r>
-            <a:r>
-              <a:rPr lang="pt-PT" sz="1200" kern="1200" baseline="0" dirty="0" smtClean="0">
-                <a:solidFill>
-                  <a:schemeClr val="tx1"/>
-                </a:solidFill>
-                <a:effectLst/>
-                <a:latin typeface="+mn-lt"/>
-                <a:ea typeface="+mn-ea"/>
-                <a:cs typeface="+mn-cs"/>
-              </a:rPr>
-              <a:t> que o nosso publico alvo ser</a:t>
-            </a:r>
-            <a:r>
-              <a:rPr lang="pt-PT" sz="1200" kern="1200" baseline="0" dirty="0" smtClean="0">
-                <a:solidFill>
-                  <a:schemeClr val="tx1"/>
-                </a:solidFill>
-                <a:effectLst/>
-                <a:latin typeface="+mn-lt"/>
-                <a:ea typeface="+mn-ea"/>
-                <a:cs typeface="+mn-cs"/>
-              </a:rPr>
-              <a:t>ão</a:t>
-            </a:r>
-            <a:r>
-              <a:rPr lang="pt-PT" sz="1200" kern="1200" dirty="0" smtClean="0">
-                <a:solidFill>
-                  <a:schemeClr val="tx1"/>
-                </a:solidFill>
-                <a:effectLst/>
-                <a:latin typeface="+mn-lt"/>
-                <a:ea typeface="+mn-ea"/>
-                <a:cs typeface="+mn-cs"/>
-              </a:rPr>
-              <a:t> </a:t>
-            </a:r>
-            <a:r>
-              <a:rPr lang="pt-PT" sz="1200" kern="1200" dirty="0" smtClean="0">
-                <a:solidFill>
-                  <a:schemeClr val="tx1"/>
-                </a:solidFill>
-                <a:effectLst/>
-                <a:latin typeface="+mn-lt"/>
-                <a:ea typeface="+mn-ea"/>
-                <a:cs typeface="+mn-cs"/>
-              </a:rPr>
-              <a:t>crianças entre os 8 e os 9 anos de idade (que frequentem o 3º ano de escolaridade) </a:t>
-            </a:r>
-            <a:r>
-              <a:rPr lang="pt-PT" sz="1200" kern="1200" dirty="0" smtClean="0">
-                <a:solidFill>
-                  <a:schemeClr val="tx1"/>
-                </a:solidFill>
-                <a:effectLst/>
-                <a:latin typeface="+mn-lt"/>
-                <a:ea typeface="+mn-ea"/>
-                <a:cs typeface="+mn-cs"/>
-              </a:rPr>
-              <a:t>e</a:t>
+              <a:t> crianças entre os 8 e os 9 anos de idade (que frequentem o 3º ano de escolaridade) e</a:t>
             </a:r>
             <a:r>
               <a:rPr lang="pt-PT" sz="1200" kern="1200" baseline="0" dirty="0" smtClean="0">
@@ -5011,55 +5170,7 @@
                 <a:ea typeface="+mn-ea"/>
                 <a:cs typeface="+mn-cs"/>
               </a:rPr>
-              <a:t>na </a:t>
-            </a:r>
-            <a:r>
-              <a:rPr lang="pt-PT" sz="1200" kern="1200" dirty="0" smtClean="0">
-                <a:solidFill>
-                  <a:schemeClr val="tx1"/>
-                </a:solidFill>
-                <a:effectLst/>
-                <a:latin typeface="+mn-lt"/>
-                <a:ea typeface="+mn-ea"/>
-                <a:cs typeface="+mn-cs"/>
-              </a:rPr>
-              <a:t>aprendizagem de </a:t>
-            </a:r>
-            <a:r>
-              <a:rPr lang="pt-PT" sz="1200" kern="1200" dirty="0" smtClean="0">
-                <a:solidFill>
-                  <a:schemeClr val="tx1"/>
-                </a:solidFill>
-                <a:effectLst/>
-                <a:latin typeface="+mn-lt"/>
-                <a:ea typeface="+mn-ea"/>
-                <a:cs typeface="+mn-cs"/>
-              </a:rPr>
-              <a:t>tópicos </a:t>
-            </a:r>
-            <a:r>
-              <a:rPr lang="pt-PT" sz="1200" kern="1200" dirty="0" smtClean="0">
-                <a:solidFill>
-                  <a:schemeClr val="tx1"/>
-                </a:solidFill>
-                <a:effectLst/>
-                <a:latin typeface="+mn-lt"/>
-                <a:ea typeface="+mn-ea"/>
-                <a:cs typeface="+mn-cs"/>
-              </a:rPr>
-              <a:t>abordados no seu plano de estudos: </a:t>
-            </a:r>
-            <a:r>
-              <a:rPr lang="pt-PT" sz="1200" kern="1200" dirty="0" smtClean="0">
-                <a:solidFill>
-                  <a:schemeClr val="tx1"/>
-                </a:solidFill>
-                <a:effectLst/>
-                <a:latin typeface="+mn-lt"/>
-                <a:ea typeface="+mn-ea"/>
-                <a:cs typeface="+mn-cs"/>
-              </a:rPr>
-              <a:t>a </a:t>
+              <a:t>na aprendizagem de tópicos abordados no seu plano de estudos: a </a:t>
             </a:r>
             <a:r>
               <a:rPr lang="pt-PT" sz="1200" kern="1200" dirty="0" err="1" smtClean="0">
@@ -5095,19 +5206,7 @@
                 <a:ea typeface="+mn-ea"/>
                 <a:cs typeface="+mn-cs"/>
               </a:rPr>
-              <a:t>as </a:t>
-            </a:r>
-            <a:r>
-              <a:rPr lang="pt-PT" sz="1200" kern="1200" dirty="0" smtClean="0">
-                <a:solidFill>
-                  <a:schemeClr val="tx1"/>
-                </a:solidFill>
-                <a:effectLst/>
-                <a:latin typeface="+mn-lt"/>
-                <a:ea typeface="+mn-ea"/>
-                <a:cs typeface="+mn-cs"/>
-              </a:rPr>
-              <a:t>figuras geométricas. </a:t>
+              <a:t>as figuras geométricas. </a:t>
             </a:r>
           </a:p>
           <a:p>
@@ -5155,7 +5254,7 @@
           <a:p>
             <a:fld id="{47C351CA-D947-4DE9-B94F-31EF78C02738}" type="datetime1">
               <a:rPr lang="pt-PT" smtClean="0"/>
-              <a:t>24/03/15</a:t>
+              <a:t>24/03/2015</a:t>
             </a:fld>
             <a:endParaRPr lang="pt-PT"/>
           </a:p>
@@ -5285,7 +5384,7 @@
           <a:p>
             <a:fld id="{4CEE548C-493F-4FD1-9ECB-917AA81544ED}" type="datetime1">
               <a:rPr lang="pt-PT" smtClean="0"/>
-              <a:t>24/03/15</a:t>
+              <a:t>24/03/2015</a:t>
             </a:fld>
             <a:endParaRPr lang="pt-PT"/>
           </a:p>
@@ -5430,31 +5529,7 @@
                 <a:ea typeface="+mn-ea"/>
                 <a:cs typeface="+mn-cs"/>
               </a:rPr>
-              <a:t>Um APOIO EXTRA ao trabalho realizado </a:t>
-            </a:r>
-            <a:r>
-              <a:rPr lang="pt-PT" sz="1200" kern="1200" dirty="0" smtClean="0">
-                <a:solidFill>
-                  <a:schemeClr val="tx1"/>
-                </a:solidFill>
-                <a:effectLst/>
-                <a:latin typeface="+mn-lt"/>
-                <a:ea typeface="+mn-ea"/>
-                <a:cs typeface="+mn-cs"/>
-              </a:rPr>
-              <a:t>duma </a:t>
-            </a:r>
-            <a:r>
-              <a:rPr lang="pt-PT" sz="1200" kern="1200" dirty="0" smtClean="0">
-                <a:solidFill>
-                  <a:schemeClr val="tx1"/>
-                </a:solidFill>
-                <a:effectLst/>
-                <a:latin typeface="+mn-lt"/>
-                <a:ea typeface="+mn-ea"/>
-                <a:cs typeface="+mn-cs"/>
-              </a:rPr>
-              <a:t>FORMA DE ESTUDO APELATIVA de modo a estimular uma FÁCIL APRENDIZAGEM das matérias lecionadas.</a:t>
+              <a:t>Um APOIO EXTRA ao trabalho realizado duma FORMA DE ESTUDO APELATIVA de modo a estimular uma FÁCIL APRENDIZAGEM das matérias lecionadas.</a:t>
             </a:r>
           </a:p>
           <a:p>
@@ -5479,7 +5554,7 @@
           <a:p>
             <a:fld id="{4CEE548C-493F-4FD1-9ECB-917AA81544ED}" type="datetime1">
               <a:rPr lang="pt-PT" smtClean="0"/>
-              <a:t>24/03/15</a:t>
+              <a:t>24/03/2015</a:t>
             </a:fld>
             <a:endParaRPr lang="pt-PT"/>
           </a:p>
@@ -5657,7 +5732,7 @@
           <a:p>
             <a:fld id="{4CEE548C-493F-4FD1-9ECB-917AA81544ED}" type="datetime1">
               <a:rPr lang="pt-PT" smtClean="0"/>
-              <a:t>24/03/15</a:t>
+              <a:t>24/03/2015</a:t>
             </a:fld>
             <a:endParaRPr lang="pt-PT"/>
           </a:p>
@@ -5890,7 +5965,7 @@
           <a:p>
             <a:fld id="{4CEE548C-493F-4FD1-9ECB-917AA81544ED}" type="datetime1">
               <a:rPr lang="pt-PT" smtClean="0"/>
-              <a:t>24/03/15</a:t>
+              <a:t>24/03/2015</a:t>
             </a:fld>
             <a:endParaRPr lang="pt-PT"/>
           </a:p>
@@ -6225,7 +6300,7 @@
           <a:p>
             <a:fld id="{4CEE548C-493F-4FD1-9ECB-917AA81544ED}" type="datetime1">
               <a:rPr lang="pt-PT" smtClean="0"/>
-              <a:t>24/03/15</a:t>
+              <a:t>24/03/2015</a:t>
             </a:fld>
             <a:endParaRPr lang="pt-PT"/>
           </a:p>
@@ -6332,7 +6407,7 @@
           <a:p>
             <a:fld id="{4CEE548C-493F-4FD1-9ECB-917AA81544ED}" type="datetime1">
               <a:rPr lang="pt-PT" smtClean="0"/>
-              <a:t>24/03/15</a:t>
+              <a:t>24/03/2015</a:t>
             </a:fld>
             <a:endParaRPr lang="pt-PT"/>
           </a:p>
@@ -6573,7 +6648,7 @@
           <a:p>
             <a:fld id="{4CEE548C-493F-4FD1-9ECB-917AA81544ED}" type="datetime1">
               <a:rPr lang="pt-PT" smtClean="0"/>
-              <a:t>24/03/15</a:t>
+              <a:t>24/03/2015</a:t>
             </a:fld>
             <a:endParaRPr lang="pt-PT"/>
           </a:p>
@@ -6842,7 +6917,7 @@
             <a:fld id="{B61BEF0D-F0BB-DE4B-95CE-6DB70DBA9567}" type="datetimeFigureOut">
               <a:rPr lang="en-US" smtClean="0"/>
               <a:pPr/>
-              <a:t>24/03/15</a:t>
+              <a:t>3/24/2015</a:t>
             </a:fld>
             <a:endParaRPr lang="en-US" dirty="0"/>
           </a:p>
@@ -6885,7 +6960,7 @@
             <a:fld id="{D57F1E4F-1CFF-5643-939E-217C01CDF565}" type="slidenum">
               <a:rPr lang="en-US" smtClean="0"/>
               <a:pPr/>
-              <a:t>‹#›</a:t>
+              <a:t>‹nº›</a:t>
             </a:fld>
             <a:endParaRPr lang="en-US" dirty="0"/>
           </a:p>
@@ -6954,7 +7029,7 @@
   <p:timing>
     <p:tnLst>
       <p:par>
-        <p:cTn xmlns:p14="http://schemas.microsoft.com/office/powerpoint/2010/main" id="1" dur="indefinite" restart="never" nodeType="tmRoot"/>
+        <p:cTn id="1" dur="indefinite" restart="never" nodeType="tmRoot"/>
       </p:par>
     </p:tnLst>
   </p:timing>
@@ -7070,7 +7145,7 @@
           <a:p>
             <a:fld id="{B92C2B23-8FCA-454F-91C3-23D7A275AC97}" type="datetime2">
               <a:rPr lang="pt-PT" noProof="0" smtClean="0"/>
-              <a:t>Tuesday, 24 de March de 15</a:t>
+              <a:t>terça-feira, 24 de março de 2015</a:t>
             </a:fld>
             <a:endParaRPr lang="pt-PT" noProof="0" dirty="0"/>
           </a:p>
@@ -7112,7 +7187,7 @@
           <a:p>
             <a:fld id="{25BA54BD-C84D-46CE-8B72-31BFB26ABA43}" type="slidenum">
               <a:rPr lang="pt-PT" noProof="0" smtClean="0"/>
-              <a:t>‹#›</a:t>
+              <a:t>‹nº›</a:t>
             </a:fld>
             <a:endParaRPr lang="pt-PT" noProof="0" dirty="0"/>
           </a:p>
@@ -7143,7 +7218,7 @@
   <p:timing>
     <p:tnLst>
       <p:par>
-        <p:cTn xmlns:p14="http://schemas.microsoft.com/office/powerpoint/2010/main" id="1" dur="indefinite" restart="never" nodeType="tmRoot"/>
+        <p:cTn id="1" dur="indefinite" restart="never" nodeType="tmRoot"/>
       </p:par>
     </p:tnLst>
   </p:timing>
@@ -7345,7 +7420,7 @@
           <a:p>
             <a:fld id="{78AD7ED8-7732-4669-9C13-88FF9EC671B9}" type="datetime2">
               <a:rPr lang="pt-PT" noProof="0" smtClean="0"/>
-              <a:t>Tuesday, 24 de March de 15</a:t>
+              <a:t>terça-feira, 24 de março de 2015</a:t>
             </a:fld>
             <a:endParaRPr lang="pt-PT" noProof="0" dirty="0"/>
           </a:p>
@@ -7387,7 +7462,7 @@
           <a:p>
             <a:fld id="{25BA54BD-C84D-46CE-8B72-31BFB26ABA43}" type="slidenum">
               <a:rPr lang="pt-PT" noProof="0" smtClean="0"/>
-              <a:t>‹#›</a:t>
+              <a:t>‹nº›</a:t>
             </a:fld>
             <a:endParaRPr lang="pt-PT" noProof="0" dirty="0"/>
           </a:p>
@@ -7418,7 +7493,7 @@
   <p:timing>
     <p:tnLst>
       <p:par>
-        <p:cTn xmlns:p14="http://schemas.microsoft.com/office/powerpoint/2010/main" id="1" dur="indefinite" restart="never" nodeType="tmRoot"/>
+        <p:cTn id="1" dur="indefinite" restart="never" nodeType="tmRoot"/>
       </p:par>
     </p:tnLst>
   </p:timing>
@@ -7538,7 +7613,7 @@
           <a:p>
             <a:fld id="{2E22D3F1-8D3F-444D-900B-CC721279467B}" type="datetime2">
               <a:rPr lang="pt-PT" noProof="0" smtClean="0"/>
-              <a:t>Tuesday, 24 de March de 15</a:t>
+              <a:t>terça-feira, 24 de março de 2015</a:t>
             </a:fld>
             <a:endParaRPr lang="pt-PT" noProof="0" dirty="0"/>
           </a:p>
@@ -7581,7 +7656,7 @@
             <a:fld id="{25BA54BD-C84D-46CE-8B72-31BFB26ABA43}" type="slidenum">
               <a:rPr lang="pt-PT" noProof="0" smtClean="0"/>
               <a:pPr/>
-              <a:t>‹#›</a:t>
+              <a:t>‹nº›</a:t>
             </a:fld>
             <a:endParaRPr lang="pt-PT" noProof="0" dirty="0"/>
           </a:p>
@@ -7600,7 +7675,7 @@
   <p:timing>
     <p:tnLst>
       <p:par>
-        <p:cTn xmlns:p14="http://schemas.microsoft.com/office/powerpoint/2010/main" id="1" dur="indefinite" restart="never" nodeType="tmRoot"/>
+        <p:cTn id="1" dur="indefinite" restart="never" nodeType="tmRoot"/>
       </p:par>
     </p:tnLst>
   </p:timing>
@@ -7890,7 +7965,7 @@
           <a:p>
             <a:fld id="{1B029C5F-DA09-430F-939C-143E87318345}" type="datetime2">
               <a:rPr lang="pt-PT" noProof="0" smtClean="0"/>
-              <a:t>Tuesday, 24 de March de 15</a:t>
+              <a:t>terça-feira, 24 de março de 2015</a:t>
             </a:fld>
             <a:endParaRPr lang="pt-PT" noProof="0" dirty="0"/>
           </a:p>
@@ -7932,7 +8007,7 @@
           <a:p>
             <a:fld id="{25BA54BD-C84D-46CE-8B72-31BFB26ABA43}" type="slidenum">
               <a:rPr lang="pt-PT" noProof="0" smtClean="0"/>
-              <a:t>‹#›</a:t>
+              <a:t>‹nº›</a:t>
             </a:fld>
             <a:endParaRPr lang="pt-PT" noProof="0" dirty="0"/>
           </a:p>
@@ -8001,7 +8076,7 @@
   <p:timing>
     <p:tnLst>
       <p:par>
-        <p:cTn xmlns:p14="http://schemas.microsoft.com/office/powerpoint/2010/main" id="1" dur="indefinite" restart="never" nodeType="tmRoot"/>
+        <p:cTn id="1" dur="indefinite" restart="never" nodeType="tmRoot"/>
       </p:par>
     </p:tnLst>
   </p:timing>
@@ -8184,7 +8259,7 @@
           <a:p>
             <a:fld id="{3A721235-45B3-4509-8DF6-657A1D1CE858}" type="datetime2">
               <a:rPr lang="pt-PT" noProof="0" smtClean="0"/>
-              <a:t>Tuesday, 24 de March de 15</a:t>
+              <a:t>terça-feira, 24 de março de 2015</a:t>
             </a:fld>
             <a:endParaRPr lang="pt-PT" noProof="0" dirty="0"/>
           </a:p>
@@ -8226,7 +8301,7 @@
           <a:p>
             <a:fld id="{25BA54BD-C84D-46CE-8B72-31BFB26ABA43}" type="slidenum">
               <a:rPr lang="pt-PT" noProof="0" smtClean="0"/>
-              <a:t>‹#›</a:t>
+              <a:t>‹nº›</a:t>
             </a:fld>
             <a:endParaRPr lang="pt-PT" noProof="0" dirty="0"/>
           </a:p>
@@ -8257,7 +8332,7 @@
   <p:timing>
     <p:tnLst>
       <p:par>
-        <p:cTn xmlns:p14="http://schemas.microsoft.com/office/powerpoint/2010/main" id="1" dur="indefinite" restart="never" nodeType="tmRoot"/>
+        <p:cTn id="1" dur="indefinite" restart="never" nodeType="tmRoot"/>
       </p:par>
     </p:tnLst>
   </p:timing>
@@ -8582,7 +8657,7 @@
           <a:p>
             <a:fld id="{D7100D44-86C5-4DC1-BD8D-003E607ECA84}" type="datetime2">
               <a:rPr lang="pt-PT" noProof="0" smtClean="0"/>
-              <a:t>Tuesday, 24 de March de 15</a:t>
+              <a:t>terça-feira, 24 de março de 2015</a:t>
             </a:fld>
             <a:endParaRPr lang="pt-PT" noProof="0" dirty="0"/>
           </a:p>
@@ -8624,7 +8699,7 @@
           <a:p>
             <a:fld id="{25BA54BD-C84D-46CE-8B72-31BFB26ABA43}" type="slidenum">
               <a:rPr lang="pt-PT" noProof="0" smtClean="0"/>
-              <a:t>‹#›</a:t>
+              <a:t>‹nº›</a:t>
             </a:fld>
             <a:endParaRPr lang="pt-PT" noProof="0" dirty="0"/>
           </a:p>
@@ -8655,7 +8730,7 @@
   <p:timing>
     <p:tnLst>
       <p:par>
-        <p:cTn xmlns:p14="http://schemas.microsoft.com/office/powerpoint/2010/main" id="1" dur="indefinite" restart="never" nodeType="tmRoot"/>
+        <p:cTn id="1" dur="indefinite" restart="never" nodeType="tmRoot"/>
       </p:par>
     </p:tnLst>
   </p:timing>
@@ -8719,7 +8794,7 @@
           <a:p>
             <a:fld id="{7798E255-98BA-4CA4-AF9F-C33090024FAE}" type="datetime2">
               <a:rPr lang="pt-PT" noProof="0" smtClean="0"/>
-              <a:t>Tuesday, 24 de March de 15</a:t>
+              <a:t>terça-feira, 24 de março de 2015</a:t>
             </a:fld>
             <a:endParaRPr lang="pt-PT" noProof="0" dirty="0"/>
           </a:p>
@@ -8761,7 +8836,7 @@
           <a:p>
             <a:fld id="{25BA54BD-C84D-46CE-8B72-31BFB26ABA43}" type="slidenum">
               <a:rPr lang="pt-PT" noProof="0" smtClean="0"/>
-              <a:t>‹#›</a:t>
+              <a:t>‹nº›</a:t>
             </a:fld>
             <a:endParaRPr lang="pt-PT" noProof="0" dirty="0"/>
           </a:p>
@@ -8792,7 +8867,7 @@
   <p:timing>
     <p:tnLst>
       <p:par>
-        <p:cTn xmlns:p14="http://schemas.microsoft.com/office/powerpoint/2010/main" id="1" dur="indefinite" restart="never" nodeType="tmRoot"/>
+        <p:cTn id="1" dur="indefinite" restart="never" nodeType="tmRoot"/>
       </p:par>
     </p:tnLst>
   </p:timing>
@@ -8909,7 +8984,7 @@
           <a:p>
             <a:fld id="{E990E56E-F983-405D-996D-46544E07C2E4}" type="datetime2">
               <a:rPr lang="pt-PT" noProof="0" smtClean="0"/>
-              <a:t>Tuesday, 24 de March de 15</a:t>
+              <a:t>terça-feira, 24 de março de 2015</a:t>
             </a:fld>
             <a:endParaRPr lang="pt-PT" noProof="0" dirty="0"/>
           </a:p>
@@ -8959,7 +9034,7 @@
           <a:p>
             <a:fld id="{25BA54BD-C84D-46CE-8B72-31BFB26ABA43}" type="slidenum">
               <a:rPr lang="pt-PT" noProof="0" smtClean="0"/>
-              <a:t>‹#›</a:t>
+              <a:t>‹nº›</a:t>
             </a:fld>
             <a:endParaRPr lang="pt-PT" noProof="0" dirty="0"/>
           </a:p>
@@ -8990,7 +9065,7 @@
   <p:timing>
     <p:tnLst>
       <p:par>
-        <p:cTn xmlns:p14="http://schemas.microsoft.com/office/powerpoint/2010/main" id="1" dur="indefinite" restart="never" nodeType="tmRoot"/>
+        <p:cTn id="1" dur="indefinite" restart="never" nodeType="tmRoot"/>
       </p:par>
     </p:tnLst>
   </p:timing>
@@ -9282,7 +9357,7 @@
           <a:p>
             <a:fld id="{7E166298-439A-4E9C-9D8C-05AD14BCF7DF}" type="datetime2">
               <a:rPr lang="pt-PT" noProof="0" smtClean="0"/>
-              <a:t>Tuesday, 24 de March de 15</a:t>
+              <a:t>terça-feira, 24 de março de 2015</a:t>
             </a:fld>
             <a:endParaRPr lang="pt-PT" noProof="0" dirty="0"/>
           </a:p>
@@ -9345,7 +9420,7 @@
           <a:p>
             <a:fld id="{25BA54BD-C84D-46CE-8B72-31BFB26ABA43}" type="slidenum">
               <a:rPr lang="pt-PT" noProof="0" smtClean="0"/>
-              <a:t>‹#›</a:t>
+              <a:t>‹nº›</a:t>
             </a:fld>
             <a:endParaRPr lang="pt-PT" noProof="0" dirty="0"/>
           </a:p>
@@ -9376,7 +9451,7 @@
   <p:timing>
     <p:tnLst>
       <p:par>
-        <p:cTn xmlns:p14="http://schemas.microsoft.com/office/powerpoint/2010/main" id="1" dur="indefinite" restart="never" nodeType="tmRoot"/>
+        <p:cTn id="1" dur="indefinite" restart="never" nodeType="tmRoot"/>
       </p:par>
     </p:tnLst>
   </p:timing>
@@ -9683,7 +9758,7 @@
           <a:p>
             <a:fld id="{2E2C76F2-9960-4EB5-8F60-DC9F169AB3F9}" type="datetime2">
               <a:rPr lang="pt-PT" noProof="0" smtClean="0"/>
-              <a:t>Tuesday, 24 de March de 15</a:t>
+              <a:t>terça-feira, 24 de março de 2015</a:t>
             </a:fld>
             <a:endParaRPr lang="pt-PT" noProof="0" dirty="0"/>
           </a:p>
@@ -9725,7 +9800,7 @@
           <a:p>
             <a:fld id="{25BA54BD-C84D-46CE-8B72-31BFB26ABA43}" type="slidenum">
               <a:rPr lang="pt-PT" noProof="0" smtClean="0"/>
-              <a:t>‹#›</a:t>
+              <a:t>‹nº›</a:t>
             </a:fld>
             <a:endParaRPr lang="pt-PT" noProof="0" dirty="0"/>
           </a:p>
@@ -9756,7 +9831,7 @@
   <p:timing>
     <p:tnLst>
       <p:par>
-        <p:cTn xmlns:p14="http://schemas.microsoft.com/office/powerpoint/2010/main" id="1" dur="indefinite" restart="never" nodeType="tmRoot"/>
+        <p:cTn id="1" dur="indefinite" restart="never" nodeType="tmRoot"/>
       </p:par>
     </p:tnLst>
   </p:timing>
@@ -9989,7 +10064,7 @@
           <a:p>
             <a:fld id="{2E22D3F1-8D3F-444D-900B-CC721279467B}" type="datetime2">
               <a:rPr lang="pt-PT" noProof="0" smtClean="0"/>
-              <a:t>Tuesday, 24 de March de 15</a:t>
+              <a:t>terça-feira, 24 de março de 2015</a:t>
             </a:fld>
             <a:endParaRPr lang="pt-PT" noProof="0" dirty="0"/>
           </a:p>
@@ -10064,7 +10139,7 @@
             <a:fld id="{25BA54BD-C84D-46CE-8B72-31BFB26ABA43}" type="slidenum">
               <a:rPr lang="pt-PT" noProof="0" smtClean="0"/>
               <a:pPr/>
-              <a:t>‹#›</a:t>
+              <a:t>‹nº›</a:t>
             </a:fld>
             <a:endParaRPr lang="pt-PT" noProof="0" dirty="0"/>
           </a:p>
@@ -10144,7 +10219,7 @@
   <p:timing>
     <p:tnLst>
       <p:par>
-        <p:cTn xmlns:p14="http://schemas.microsoft.com/office/powerpoint/2010/main" id="1" dur="indefinite" restart="never" nodeType="tmRoot"/>
+        <p:cTn id="1" dur="indefinite" restart="never" nodeType="tmRoot"/>
       </p:par>
     </p:tnLst>
   </p:timing>
@@ -10549,6 +10624,7 @@
             <a:off x="0" y="2419748"/>
             <a:ext cx="8784976" cy="2520280"/>
           </a:xfrm>
+          <a:effectLst/>
         </p:spPr>
         <p:txBody>
           <a:bodyPr>
@@ -11037,7 +11113,7 @@
   <p:timing>
     <p:tnLst>
       <p:par>
-        <p:cTn xmlns:p14="http://schemas.microsoft.com/office/powerpoint/2010/main" id="1" dur="indefinite" restart="never" nodeType="tmRoot"/>
+        <p:cTn id="1" dur="indefinite" restart="never" nodeType="tmRoot"/>
       </p:par>
     </p:tnLst>
   </p:timing>
@@ -11045,6 +11121,346 @@
 </file>
 
 <file path=ppt/slides/slide10.xml><?xml version="1.0" encoding="utf-8"?>
+<p:sld xmlns:a="http://schemas.openxmlformats.org/drawingml/2006/main" xmlns:r="http://schemas.openxmlformats.org/officeDocument/2006/relationships" xmlns:p="http://schemas.openxmlformats.org/presentationml/2006/main">
+  <p:cSld>
+    <p:spTree>
+      <p:nvGrpSpPr>
+        <p:cNvPr id="1" name=""/>
+        <p:cNvGrpSpPr/>
+        <p:nvPr/>
+      </p:nvGrpSpPr>
+      <p:grpSpPr>
+        <a:xfrm>
+          <a:off x="0" y="0"/>
+          <a:ext cx="0" cy="0"/>
+          <a:chOff x="0" y="0"/>
+          <a:chExt cx="0" cy="0"/>
+        </a:xfrm>
+      </p:grpSpPr>
+      <p:sp>
+        <p:nvSpPr>
+          <p:cNvPr id="2" name="Título 1"/>
+          <p:cNvSpPr>
+            <a:spLocks noGrp="1"/>
+          </p:cNvSpPr>
+          <p:nvPr>
+            <p:ph type="title"/>
+          </p:nvPr>
+        </p:nvSpPr>
+        <p:spPr/>
+        <p:txBody>
+          <a:bodyPr>
+            <a:normAutofit/>
+          </a:bodyPr>
+          <a:lstStyle/>
+          <a:p>
+            <a:r>
+              <a:rPr lang="pt-PT" sz="3200" spc="0" dirty="0" smtClean="0">
+                <a:ln w="0"/>
+                <a:solidFill>
+                  <a:schemeClr val="accent1"/>
+                </a:solidFill>
+                <a:effectLst>
+                  <a:outerShdw blurRad="38100" dist="25400" dir="5400000" algn="ctr" rotWithShape="0">
+                    <a:srgbClr val="6E747A">
+                      <a:alpha val="43000"/>
+                    </a:srgbClr>
+                  </a:outerShdw>
+                </a:effectLst>
+                <a:latin typeface="+mn-lt"/>
+              </a:rPr>
+              <a:t>Conclusão</a:t>
+            </a:r>
+            <a:endParaRPr lang="pt-PT" sz="3200" spc="0" dirty="0">
+              <a:ln w="0"/>
+              <a:solidFill>
+                <a:schemeClr val="accent1"/>
+              </a:solidFill>
+              <a:effectLst>
+                <a:outerShdw blurRad="38100" dist="25400" dir="5400000" algn="ctr" rotWithShape="0">
+                  <a:srgbClr val="6E747A">
+                    <a:alpha val="43000"/>
+                  </a:srgbClr>
+                </a:outerShdw>
+              </a:effectLst>
+              <a:latin typeface="+mn-lt"/>
+            </a:endParaRPr>
+          </a:p>
+        </p:txBody>
+      </p:sp>
+      <p:sp>
+        <p:nvSpPr>
+          <p:cNvPr id="5" name="Marcador de Posição da Data 4"/>
+          <p:cNvSpPr>
+            <a:spLocks noGrp="1"/>
+          </p:cNvSpPr>
+          <p:nvPr>
+            <p:ph type="dt" sz="half" idx="10"/>
+          </p:nvPr>
+        </p:nvSpPr>
+        <p:spPr/>
+        <p:txBody>
+          <a:bodyPr/>
+          <a:lstStyle/>
+          <a:p>
+            <a:fld id="{3A721235-45B3-4509-8DF6-657A1D1CE858}" type="datetime2">
+              <a:rPr lang="pt-PT" noProof="0" smtClean="0"/>
+              <a:t>terça-feira, 24 de março de 2015</a:t>
+            </a:fld>
+            <a:endParaRPr lang="pt-PT" noProof="0" dirty="0"/>
+          </a:p>
+        </p:txBody>
+      </p:sp>
+      <p:sp>
+        <p:nvSpPr>
+          <p:cNvPr id="6" name="Marcador de Posição do Número do Diapositivo 5"/>
+          <p:cNvSpPr>
+            <a:spLocks noGrp="1"/>
+          </p:cNvSpPr>
+          <p:nvPr>
+            <p:ph type="sldNum" sz="quarter" idx="12"/>
+          </p:nvPr>
+        </p:nvSpPr>
+        <p:spPr/>
+        <p:txBody>
+          <a:bodyPr/>
+          <a:lstStyle/>
+          <a:p>
+            <a:fld id="{25BA54BD-C84D-46CE-8B72-31BFB26ABA43}" type="slidenum">
+              <a:rPr lang="pt-PT" noProof="0" smtClean="0"/>
+              <a:t>10</a:t>
+            </a:fld>
+            <a:endParaRPr lang="pt-PT" noProof="0" dirty="0"/>
+          </a:p>
+        </p:txBody>
+      </p:sp>
+      <p:grpSp>
+        <p:nvGrpSpPr>
+          <p:cNvPr id="10" name="Grupo 9"/>
+          <p:cNvGrpSpPr/>
+          <p:nvPr/>
+        </p:nvGrpSpPr>
+        <p:grpSpPr>
+          <a:xfrm>
+            <a:off x="131873" y="218460"/>
+            <a:ext cx="5530491" cy="884108"/>
+            <a:chOff x="131873" y="218460"/>
+            <a:chExt cx="5530491" cy="884108"/>
+          </a:xfrm>
+        </p:grpSpPr>
+        <p:sp>
+          <p:nvSpPr>
+            <p:cNvPr id="11" name="CaixaDeTexto 10"/>
+            <p:cNvSpPr txBox="1"/>
+            <p:nvPr/>
+          </p:nvSpPr>
+          <p:spPr>
+            <a:xfrm>
+              <a:off x="1989956" y="251631"/>
+              <a:ext cx="3672408" cy="830997"/>
+            </a:xfrm>
+            <a:prstGeom prst="rect">
+              <a:avLst/>
+            </a:prstGeom>
+            <a:noFill/>
+          </p:spPr>
+          <p:txBody>
+            <a:bodyPr wrap="square" rtlCol="0">
+              <a:spAutoFit/>
+            </a:bodyPr>
+            <a:lstStyle/>
+            <a:p>
+              <a:r>
+                <a:rPr lang="pt-PT" sz="1600" dirty="0" smtClean="0">
+                  <a:solidFill>
+                    <a:schemeClr val="bg1">
+                      <a:lumMod val="65000"/>
+                    </a:schemeClr>
+                  </a:solidFill>
+                </a:rPr>
+                <a:t>Universidade do Minho</a:t>
+              </a:r>
+              <a:r>
+                <a:rPr lang="pt-PT" sz="1600" dirty="0">
+                  <a:solidFill>
+                    <a:schemeClr val="bg1">
+                      <a:lumMod val="65000"/>
+                    </a:schemeClr>
+                  </a:solidFill>
+                </a:rPr>
+                <a:t/>
+              </a:r>
+              <a:br>
+                <a:rPr lang="pt-PT" sz="1600" dirty="0">
+                  <a:solidFill>
+                    <a:schemeClr val="bg1">
+                      <a:lumMod val="65000"/>
+                    </a:schemeClr>
+                  </a:solidFill>
+                </a:rPr>
+              </a:br>
+              <a:r>
+                <a:rPr lang="pt-PT" sz="1600" dirty="0" smtClean="0">
+                  <a:solidFill>
+                    <a:schemeClr val="bg1">
+                      <a:lumMod val="65000"/>
+                    </a:schemeClr>
+                  </a:solidFill>
+                </a:rPr>
+                <a:t>Licenciatura em Engenharia Informática</a:t>
+              </a:r>
+            </a:p>
+            <a:p>
+              <a:r>
+                <a:rPr lang="pt-PT" sz="1600" dirty="0" smtClean="0">
+                  <a:solidFill>
+                    <a:schemeClr val="bg1">
+                      <a:lumMod val="65000"/>
+                    </a:schemeClr>
+                  </a:solidFill>
+                </a:rPr>
+                <a:t>Laboratórios de Informática IV</a:t>
+              </a:r>
+              <a:endParaRPr lang="pt-PT" sz="1600" dirty="0">
+                <a:solidFill>
+                  <a:schemeClr val="bg1">
+                    <a:lumMod val="65000"/>
+                  </a:schemeClr>
+                </a:solidFill>
+              </a:endParaRPr>
+            </a:p>
+          </p:txBody>
+        </p:sp>
+        <p:pic>
+          <p:nvPicPr>
+            <p:cNvPr id="12" name="Imagem 11"/>
+            <p:cNvPicPr>
+              <a:picLocks noChangeAspect="1"/>
+            </p:cNvPicPr>
+            <p:nvPr/>
+          </p:nvPicPr>
+          <p:blipFill>
+            <a:blip r:embed="rId3" cstate="print">
+              <a:extLst>
+                <a:ext uri="{28A0092B-C50C-407E-A947-70E740481C1C}">
+                  <a14:useLocalDpi xmlns:a14="http://schemas.microsoft.com/office/drawing/2010/main" val="0"/>
+                </a:ext>
+              </a:extLst>
+            </a:blip>
+            <a:stretch>
+              <a:fillRect/>
+            </a:stretch>
+          </p:blipFill>
+          <p:spPr>
+            <a:xfrm>
+              <a:off x="131873" y="218460"/>
+              <a:ext cx="1786076" cy="884108"/>
+            </a:xfrm>
+            <a:prstGeom prst="rect">
+              <a:avLst/>
+            </a:prstGeom>
+          </p:spPr>
+        </p:pic>
+      </p:grpSp>
+      <p:sp>
+        <p:nvSpPr>
+          <p:cNvPr id="13" name="Marcador de Posição de Conteúdo 2"/>
+          <p:cNvSpPr>
+            <a:spLocks noGrp="1"/>
+          </p:cNvSpPr>
+          <p:nvPr>
+            <p:ph idx="1"/>
+          </p:nvPr>
+        </p:nvSpPr>
+        <p:spPr>
+          <a:xfrm>
+            <a:off x="1096994" y="1845734"/>
+            <a:ext cx="10055781" cy="4023360"/>
+          </a:xfrm>
+        </p:spPr>
+        <p:txBody>
+          <a:bodyPr>
+            <a:normAutofit lnSpcReduction="10000"/>
+          </a:bodyPr>
+          <a:lstStyle/>
+          <a:p>
+            <a:pPr algn="just">
+              <a:lnSpc>
+                <a:spcPct val="150000"/>
+              </a:lnSpc>
+            </a:pPr>
+            <a:r>
+              <a:rPr lang="pt-PT" sz="2400" dirty="0"/>
+              <a:t> </a:t>
+            </a:r>
+            <a:r>
+              <a:rPr lang="pt-PT" sz="2400" dirty="0"/>
+              <a:t>C</a:t>
+            </a:r>
+            <a:r>
+              <a:rPr lang="pt-PT" sz="2400" dirty="0" smtClean="0"/>
+              <a:t>onsideramos </a:t>
+            </a:r>
+            <a:r>
+              <a:rPr lang="pt-PT" sz="2400" dirty="0"/>
+              <a:t>que o que foi feito até agora está realista de acordo com o que nos será possível realizar futuramente pois o tema abordado é simples e pouco extenso. </a:t>
+            </a:r>
+            <a:endParaRPr lang="pt-PT" sz="2400" dirty="0" smtClean="0"/>
+          </a:p>
+          <a:p>
+            <a:pPr algn="just">
+              <a:lnSpc>
+                <a:spcPct val="150000"/>
+              </a:lnSpc>
+            </a:pPr>
+            <a:r>
+              <a:rPr lang="pt-PT" sz="2400" dirty="0"/>
+              <a:t>Como trabalho futuro, fica o desenvolvimento do assistente, desde a especificação e documentação até à implementação da aplicação e validação da mesma, tentando sempre cumprir com os prazos e planos especificados nesta primeira fase.</a:t>
+            </a:r>
+          </a:p>
+          <a:p>
+            <a:pPr algn="just">
+              <a:lnSpc>
+                <a:spcPct val="150000"/>
+              </a:lnSpc>
+            </a:pPr>
+            <a:endParaRPr lang="pt-PT" sz="2400" dirty="0"/>
+          </a:p>
+        </p:txBody>
+      </p:sp>
+    </p:spTree>
+    <p:extLst>
+      <p:ext uri="{BB962C8B-B14F-4D97-AF65-F5344CB8AC3E}">
+        <p14:creationId xmlns:p14="http://schemas.microsoft.com/office/powerpoint/2010/main" val="3105553666"/>
+      </p:ext>
+    </p:extLst>
+  </p:cSld>
+  <p:clrMapOvr>
+    <a:masterClrMapping/>
+  </p:clrMapOvr>
+  <mc:AlternateContent xmlns:mc="http://schemas.openxmlformats.org/markup-compatibility/2006" xmlns:p14="http://schemas.microsoft.com/office/powerpoint/2010/main">
+    <mc:Choice Requires="p14">
+      <p:transition spd="med" p14:dur="700">
+        <p:fade/>
+      </p:transition>
+    </mc:Choice>
+    <mc:Fallback xmlns="">
+      <p:transition spd="med">
+        <p:fade/>
+      </p:transition>
+    </mc:Fallback>
+  </mc:AlternateContent>
+  <p:timing>
+    <p:tnLst>
+      <p:par>
+        <p:cTn id="1" dur="indefinite" restart="never" nodeType="tmRoot"/>
+      </p:par>
+    </p:tnLst>
+  </p:timing>
+</p:sld>
+</file>
+
+<file path=ppt/slides/slide11.xml><?xml version="1.0" encoding="utf-8"?>
 <p:sld xmlns:a="http://schemas.openxmlformats.org/drawingml/2006/main" xmlns:r="http://schemas.openxmlformats.org/officeDocument/2006/relationships" xmlns:p="http://schemas.openxmlformats.org/presentationml/2006/main">
   <p:cSld>
     <p:spTree>
@@ -11564,7 +11980,7 @@
   <p:timing>
     <p:tnLst>
       <p:par>
-        <p:cTn xmlns:p14="http://schemas.microsoft.com/office/powerpoint/2010/main" id="1" dur="indefinite" restart="never" nodeType="tmRoot"/>
+        <p:cTn id="1" dur="indefinite" restart="never" nodeType="tmRoot"/>
       </p:par>
     </p:tnLst>
   </p:timing>
@@ -11786,7 +12202,7 @@
           <a:p>
             <a:fld id="{2AED8BB8-DCAC-4048-9201-9828E83FFE40}" type="datetime2">
               <a:rPr lang="pt-PT" noProof="0" smtClean="0"/>
-              <a:t>Tuesday, 24 de March de 15</a:t>
+              <a:t>terça-feira, 24 de março de 2015</a:t>
             </a:fld>
             <a:endParaRPr lang="pt-PT" noProof="0" dirty="0"/>
           </a:p>
@@ -11968,7 +12384,7 @@
   <p:timing>
     <p:tnLst>
       <p:par>
-        <p:cTn xmlns:p14="http://schemas.microsoft.com/office/powerpoint/2010/main" id="1" dur="indefinite" restart="never" nodeType="tmRoot"/>
+        <p:cTn id="1" dur="indefinite" restart="never" nodeType="tmRoot"/>
       </p:par>
     </p:tnLst>
   </p:timing>
@@ -12149,7 +12565,7 @@
           <a:p>
             <a:fld id="{3AE44491-490D-4EE9-8B0A-32F91B9229B4}" type="datetime2">
               <a:rPr lang="pt-PT" noProof="0" smtClean="0"/>
-              <a:t>Tuesday, 24 de March de 15</a:t>
+              <a:t>terça-feira, 24 de março de 2015</a:t>
             </a:fld>
             <a:endParaRPr lang="pt-PT" noProof="0" dirty="0"/>
           </a:p>
@@ -12331,7 +12747,7 @@
   <p:timing>
     <p:tnLst>
       <p:par>
-        <p:cTn xmlns:p14="http://schemas.microsoft.com/office/powerpoint/2010/main" id="1" dur="indefinite" restart="never" nodeType="tmRoot"/>
+        <p:cTn id="1" dur="indefinite" restart="never" nodeType="tmRoot"/>
       </p:par>
     </p:tnLst>
   </p:timing>
@@ -12485,7 +12901,7 @@
           <a:p>
             <a:fld id="{3AE44491-490D-4EE9-8B0A-32F91B9229B4}" type="datetime2">
               <a:rPr lang="pt-PT" noProof="0" smtClean="0"/>
-              <a:t>Tuesday, 24 de March de 15</a:t>
+              <a:t>terça-feira, 24 de março de 2015</a:t>
             </a:fld>
             <a:endParaRPr lang="pt-PT" noProof="0" dirty="0"/>
           </a:p>
@@ -12667,7 +13083,7 @@
   <p:timing>
     <p:tnLst>
       <p:par>
-        <p:cTn xmlns:p14="http://schemas.microsoft.com/office/powerpoint/2010/main" id="1" dur="indefinite" restart="never" nodeType="tmRoot"/>
+        <p:cTn id="1" dur="indefinite" restart="never" nodeType="tmRoot"/>
       </p:par>
     </p:tnLst>
   </p:timing>
@@ -12797,8 +13213,13 @@
             </a:pPr>
             <a:r>
               <a:rPr lang="pt-PT" sz="2800" dirty="0" smtClean="0"/>
-              <a:t>Como tal o assistente pedagógico a desenvolver será direcionado aos educandos que frequentem esse ano escolar </a:t>
-            </a:r>
+              <a:t>Como tal o assistente pedagógico a desenvolver será direcionado aos educandos que frequentem esse ano </a:t>
+            </a:r>
+            <a:r>
+              <a:rPr lang="pt-PT" sz="2800" dirty="0" smtClean="0"/>
+              <a:t>escolar.</a:t>
+            </a:r>
+            <a:endParaRPr lang="pt-PT" sz="2800" dirty="0" smtClean="0"/>
           </a:p>
           <a:p>
             <a:pPr algn="just">
@@ -12827,7 +13248,7 @@
           <a:p>
             <a:fld id="{D7100D44-86C5-4DC1-BD8D-003E607ECA84}" type="datetime2">
               <a:rPr lang="pt-PT" noProof="0" smtClean="0"/>
-              <a:t>Tuesday, 24 de March de 15</a:t>
+              <a:t>terça-feira, 24 de março de 2015</a:t>
             </a:fld>
             <a:endParaRPr lang="pt-PT" noProof="0" dirty="0"/>
           </a:p>
@@ -13009,7 +13430,7 @@
   <p:timing>
     <p:tnLst>
       <p:par>
-        <p:cTn xmlns:p14="http://schemas.microsoft.com/office/powerpoint/2010/main" id="1" dur="indefinite" restart="never" nodeType="tmRoot"/>
+        <p:cTn id="1" dur="indefinite" restart="never" nodeType="tmRoot"/>
       </p:par>
     </p:tnLst>
   </p:timing>
@@ -13161,7 +13582,7 @@
           <a:p>
             <a:fld id="{3AE44491-490D-4EE9-8B0A-32F91B9229B4}" type="datetime2">
               <a:rPr lang="pt-PT" noProof="0" smtClean="0"/>
-              <a:t>Tuesday, 24 de March de 15</a:t>
+              <a:t>terça-feira, 24 de março de 2015</a:t>
             </a:fld>
             <a:endParaRPr lang="pt-PT" noProof="0" dirty="0"/>
           </a:p>
@@ -13343,7 +13764,7 @@
   <p:timing>
     <p:tnLst>
       <p:par>
-        <p:cTn xmlns:p14="http://schemas.microsoft.com/office/powerpoint/2010/main" id="1" dur="indefinite" restart="never" nodeType="tmRoot"/>
+        <p:cTn id="1" dur="indefinite" restart="never" nodeType="tmRoot"/>
       </p:par>
     </p:tnLst>
   </p:timing>
@@ -13428,7 +13849,7 @@
             <p:ph sz="half" idx="2"/>
             <p:extLst>
               <p:ext uri="{D42A27DB-BD31-4B8C-83A1-F6EECF244321}">
-                <p14:modId xmlns:p14="http://schemas.microsoft.com/office/powerpoint/2010/main" val="859201181"/>
+                <p14:modId xmlns:p14="http://schemas.microsoft.com/office/powerpoint/2010/main" val="981532130"/>
               </p:ext>
             </p:extLst>
           </p:nvPr>
@@ -13460,7 +13881,7 @@
           <a:p>
             <a:fld id="{3A721235-45B3-4509-8DF6-657A1D1CE858}" type="datetime2">
               <a:rPr lang="pt-PT" noProof="0" smtClean="0"/>
-              <a:t>Tuesday, 24 de March de 15</a:t>
+              <a:t>terça-feira, 24 de março de 2015</a:t>
             </a:fld>
             <a:endParaRPr lang="pt-PT" noProof="0" dirty="0"/>
           </a:p>
@@ -13642,7 +14063,7 @@
   <p:timing>
     <p:tnLst>
       <p:par>
-        <p:cTn xmlns:p14="http://schemas.microsoft.com/office/powerpoint/2010/main" id="1" dur="indefinite" restart="never" nodeType="tmRoot"/>
+        <p:cTn id="1" dur="indefinite" restart="never" nodeType="tmRoot"/>
       </p:par>
     </p:tnLst>
   </p:timing>
@@ -13717,35 +14138,6 @@
           </a:p>
         </p:txBody>
       </p:sp>
-      <p:pic>
-        <p:nvPicPr>
-          <p:cNvPr id="6" name="Marcador de Posição de Conteúdo 5"/>
-          <p:cNvPicPr>
-            <a:picLocks noGrp="1" noChangeAspect="1"/>
-          </p:cNvPicPr>
-          <p:nvPr>
-            <p:ph idx="1"/>
-          </p:nvPr>
-        </p:nvPicPr>
-        <p:blipFill>
-          <a:blip r:embed="rId3">
-            <a:extLst>
-              <a:ext uri="{28A0092B-C50C-407E-A947-70E740481C1C}">
-                <a14:useLocalDpi xmlns:a14="http://schemas.microsoft.com/office/drawing/2010/main" val="0"/>
-              </a:ext>
-            </a:extLst>
-          </a:blip>
-          <a:stretch>
-            <a:fillRect/>
-          </a:stretch>
-        </p:blipFill>
-        <p:spPr>
-          <a:xfrm>
-            <a:off x="1629916" y="1916832"/>
-            <a:ext cx="8892478" cy="4346972"/>
-          </a:xfrm>
-        </p:spPr>
-      </p:pic>
       <p:sp>
         <p:nvSpPr>
           <p:cNvPr id="4" name="Marcador de Posição da Data 3"/>
@@ -13763,7 +14155,7 @@
           <a:p>
             <a:fld id="{3AE44491-490D-4EE9-8B0A-32F91B9229B4}" type="datetime2">
               <a:rPr lang="pt-PT" noProof="0" smtClean="0"/>
-              <a:t>Tuesday, 24 de March de 15</a:t>
+              <a:t>terça-feira, 24 de março de 2015</a:t>
             </a:fld>
             <a:endParaRPr lang="pt-PT" noProof="0" dirty="0"/>
           </a:p>
@@ -13898,7 +14290,7 @@
             <p:nvPr/>
           </p:nvPicPr>
           <p:blipFill>
-            <a:blip r:embed="rId4" cstate="print">
+            <a:blip r:embed="rId3" cstate="print">
               <a:extLst>
                 <a:ext uri="{28A0092B-C50C-407E-A947-70E740481C1C}">
                   <a14:useLocalDpi xmlns:a14="http://schemas.microsoft.com/office/drawing/2010/main" val="0"/>
@@ -13920,6 +14312,36 @@
           </p:spPr>
         </p:pic>
       </p:grpSp>
+      <p:pic>
+        <p:nvPicPr>
+          <p:cNvPr id="3" name="Imagem 2"/>
+          <p:cNvPicPr>
+            <a:picLocks noChangeAspect="1"/>
+          </p:cNvPicPr>
+          <p:nvPr/>
+        </p:nvPicPr>
+        <p:blipFill>
+          <a:blip r:embed="rId4">
+            <a:extLst>
+              <a:ext uri="{28A0092B-C50C-407E-A947-70E740481C1C}">
+                <a14:useLocalDpi xmlns:a14="http://schemas.microsoft.com/office/drawing/2010/main" val="0"/>
+              </a:ext>
+            </a:extLst>
+          </a:blip>
+          <a:stretch>
+            <a:fillRect/>
+          </a:stretch>
+        </p:blipFill>
+        <p:spPr>
+          <a:xfrm>
+            <a:off x="1917949" y="1772715"/>
+            <a:ext cx="8383170" cy="4401164"/>
+          </a:xfrm>
+          <a:prstGeom prst="rect">
+            <a:avLst/>
+          </a:prstGeom>
+        </p:spPr>
+      </p:pic>
     </p:spTree>
     <p:extLst>
       <p:ext uri="{BB962C8B-B14F-4D97-AF65-F5344CB8AC3E}">
@@ -13945,7 +14367,7 @@
   <p:timing>
     <p:tnLst>
       <p:par>
-        <p:cTn xmlns:p14="http://schemas.microsoft.com/office/powerpoint/2010/main" id="1" dur="indefinite" restart="never" nodeType="tmRoot"/>
+        <p:cTn id="1" dur="indefinite" restart="never" nodeType="tmRoot"/>
       </p:par>
     </p:tnLst>
   </p:timing>
@@ -14037,7 +14459,7 @@
           <a:p>
             <a:fld id="{3A721235-45B3-4509-8DF6-657A1D1CE858}" type="datetime2">
               <a:rPr lang="pt-PT" noProof="0" smtClean="0"/>
-              <a:t>Tuesday, 24 de March de 15</a:t>
+              <a:t>terça-feira, 24 de março de 2015</a:t>
             </a:fld>
             <a:endParaRPr lang="pt-PT" noProof="0" dirty="0"/>
           </a:p>
@@ -14369,7 +14791,7 @@
   <p:timing>
     <p:tnLst>
       <p:par>
-        <p:cTn xmlns:p14="http://schemas.microsoft.com/office/powerpoint/2010/main" id="1" dur="indefinite" restart="never" nodeType="tmRoot">
+        <p:cTn id="1" dur="indefinite" restart="never" nodeType="tmRoot">
           <p:childTnLst>
             <p:seq concurrent="1" nextAc="seek">
               <p:cTn id="2" dur="indefinite" nodeType="mainSeq">
@@ -14901,7 +15323,7 @@
   <a:extraClrSchemeLst/>
   <a:extLst>
     <a:ext uri="{05A4C25C-085E-4340-85A3-A5531E510DB2}">
-      <thm15:themeFamily xmlns:thm15="http://schemas.microsoft.com/office/thememl/2012/main" xmlns="" name="Retrospect" id="{5F128B03-DCCA-4EEB-AB3B-CF2899314A46}" vid="{3F1AAB62-24C6-49D2-8E01-B56FAC9A3DCD}"/>
+      <thm15:themeFamily xmlns:thm15="http://schemas.microsoft.com/office/thememl/2012/main" name="Retrospect" id="{5F128B03-DCCA-4EEB-AB3B-CF2899314A46}" vid="{3F1AAB62-24C6-49D2-8E01-B56FAC9A3DCD}"/>
     </a:ext>
   </a:extLst>
 </a:theme>
